--- a/3b_Vortrag/Präsentation.pptx
+++ b/3b_Vortrag/Präsentation.pptx
@@ -5,7 +5,7 @@
     <p:sldMasterId id="2147483648" r:id="rId1"/>
   </p:sldMasterIdLst>
   <p:notesMasterIdLst>
-    <p:notesMasterId r:id="rId56"/>
+    <p:notesMasterId r:id="rId57"/>
   </p:notesMasterIdLst>
   <p:sldIdLst>
     <p:sldId id="256" r:id="rId2"/>
@@ -47,21 +47,22 @@
     <p:sldId id="321" r:id="rId38"/>
     <p:sldId id="313" r:id="rId39"/>
     <p:sldId id="322" r:id="rId40"/>
-    <p:sldId id="317" r:id="rId41"/>
-    <p:sldId id="323" r:id="rId42"/>
-    <p:sldId id="318" r:id="rId43"/>
-    <p:sldId id="325" r:id="rId44"/>
-    <p:sldId id="324" r:id="rId45"/>
-    <p:sldId id="282" r:id="rId46"/>
-    <p:sldId id="273" r:id="rId47"/>
-    <p:sldId id="283" r:id="rId48"/>
-    <p:sldId id="274" r:id="rId49"/>
-    <p:sldId id="284" r:id="rId50"/>
-    <p:sldId id="276" r:id="rId51"/>
-    <p:sldId id="285" r:id="rId52"/>
-    <p:sldId id="286" r:id="rId53"/>
-    <p:sldId id="306" r:id="rId54"/>
-    <p:sldId id="275" r:id="rId55"/>
+    <p:sldId id="326" r:id="rId41"/>
+    <p:sldId id="327" r:id="rId42"/>
+    <p:sldId id="317" r:id="rId43"/>
+    <p:sldId id="318" r:id="rId44"/>
+    <p:sldId id="325" r:id="rId45"/>
+    <p:sldId id="324" r:id="rId46"/>
+    <p:sldId id="282" r:id="rId47"/>
+    <p:sldId id="273" r:id="rId48"/>
+    <p:sldId id="283" r:id="rId49"/>
+    <p:sldId id="274" r:id="rId50"/>
+    <p:sldId id="284" r:id="rId51"/>
+    <p:sldId id="276" r:id="rId52"/>
+    <p:sldId id="285" r:id="rId53"/>
+    <p:sldId id="286" r:id="rId54"/>
+    <p:sldId id="306" r:id="rId55"/>
+    <p:sldId id="275" r:id="rId56"/>
   </p:sldIdLst>
   <p:sldSz cx="12192000" cy="6858000"/>
   <p:notesSz cx="6858000" cy="9144000"/>
@@ -1044,43 +1045,6 @@
         </a:p>
       </dgm:t>
     </dgm:pt>
-    <dgm:pt modelId="{3774E8E0-2DF4-4179-84DA-E6E71C7651AF}">
-      <dgm:prSet/>
-      <dgm:spPr/>
-      <dgm:t>
-        <a:bodyPr/>
-        <a:lstStyle/>
-        <a:p>
-          <a:r>
-            <a:rPr lang="de-DE" dirty="0" smtClean="0"/>
-            <a:t>Lernrate</a:t>
-          </a:r>
-          <a:endParaRPr lang="de-DE" dirty="0"/>
-        </a:p>
-      </dgm:t>
-    </dgm:pt>
-    <dgm:pt modelId="{BF8C01B4-DF4A-4053-8A8D-7FD1C7B90725}" type="parTrans" cxnId="{6CD1B7A4-BDF7-490E-A96C-335237E6C1B0}">
-      <dgm:prSet/>
-      <dgm:spPr/>
-      <dgm:t>
-        <a:bodyPr/>
-        <a:lstStyle/>
-        <a:p>
-          <a:endParaRPr lang="de-DE"/>
-        </a:p>
-      </dgm:t>
-    </dgm:pt>
-    <dgm:pt modelId="{BEDCCCC5-42ED-40EF-9643-F32CD4090D62}" type="sibTrans" cxnId="{6CD1B7A4-BDF7-490E-A96C-335237E6C1B0}">
-      <dgm:prSet/>
-      <dgm:spPr/>
-      <dgm:t>
-        <a:bodyPr/>
-        <a:lstStyle/>
-        <a:p>
-          <a:endParaRPr lang="de-DE"/>
-        </a:p>
-      </dgm:t>
-    </dgm:pt>
     <dgm:pt modelId="{A281B430-CED6-47C0-9CC8-6AAEF82CFA41}" type="pres">
       <dgm:prSet presAssocID="{CF5CA275-FE80-462A-8AEB-CBFBBC94D665}" presName="Name0" presStyleCnt="0">
         <dgm:presLayoutVars>
@@ -1092,7 +1056,7 @@
       <dgm:spPr/>
     </dgm:pt>
     <dgm:pt modelId="{53E4825B-3D66-406A-9713-5BB390890124}" type="pres">
-      <dgm:prSet presAssocID="{3AF56E40-F3D8-4A49-9A0B-5EF54C7658FD}" presName="parTxOnly" presStyleLbl="node1" presStyleIdx="0" presStyleCnt="4" custLinFactNeighborX="-820" custLinFactNeighborY="685">
+      <dgm:prSet presAssocID="{3AF56E40-F3D8-4A49-9A0B-5EF54C7658FD}" presName="parTxOnly" presStyleLbl="node1" presStyleIdx="0" presStyleCnt="3" custLinFactNeighborX="-820" custLinFactNeighborY="685">
         <dgm:presLayoutVars>
           <dgm:chMax val="0"/>
           <dgm:chPref val="0"/>
@@ -1113,7 +1077,7 @@
       <dgm:spPr/>
     </dgm:pt>
     <dgm:pt modelId="{6D6BD3B1-FDF8-44BB-99F4-33A9A894F98B}" type="pres">
-      <dgm:prSet presAssocID="{DD7F36FC-F40E-4253-89EF-D034576446D4}" presName="parTxOnly" presStyleLbl="node1" presStyleIdx="1" presStyleCnt="4">
+      <dgm:prSet presAssocID="{DD7F36FC-F40E-4253-89EF-D034576446D4}" presName="parTxOnly" presStyleLbl="node1" presStyleIdx="1" presStyleCnt="3">
         <dgm:presLayoutVars>
           <dgm:chMax val="0"/>
           <dgm:chPref val="0"/>
@@ -1134,28 +1098,7 @@
       <dgm:spPr/>
     </dgm:pt>
     <dgm:pt modelId="{1759F37C-CE72-40A5-B310-ECFA8240AA69}" type="pres">
-      <dgm:prSet presAssocID="{DDB69E34-AF84-40D7-AA6F-C255B145739F}" presName="parTxOnly" presStyleLbl="node1" presStyleIdx="2" presStyleCnt="4">
-        <dgm:presLayoutVars>
-          <dgm:chMax val="0"/>
-          <dgm:chPref val="0"/>
-          <dgm:bulletEnabled val="1"/>
-        </dgm:presLayoutVars>
-      </dgm:prSet>
-      <dgm:spPr/>
-      <dgm:t>
-        <a:bodyPr/>
-        <a:lstStyle/>
-        <a:p>
-          <a:endParaRPr lang="de-DE"/>
-        </a:p>
-      </dgm:t>
-    </dgm:pt>
-    <dgm:pt modelId="{1A1FCD27-ABC6-4E50-8F05-06EADB1991A2}" type="pres">
-      <dgm:prSet presAssocID="{039F296E-0505-4EB8-9540-E516B0D75917}" presName="parTxOnlySpace" presStyleCnt="0"/>
-      <dgm:spPr/>
-    </dgm:pt>
-    <dgm:pt modelId="{2560545F-FA28-42DD-8D58-823658F4E513}" type="pres">
-      <dgm:prSet presAssocID="{3774E8E0-2DF4-4179-84DA-E6E71C7651AF}" presName="parTxOnly" presStyleLbl="node1" presStyleIdx="3" presStyleCnt="4">
+      <dgm:prSet presAssocID="{DDB69E34-AF84-40D7-AA6F-C255B145739F}" presName="parTxOnly" presStyleLbl="node1" presStyleIdx="2" presStyleCnt="3">
         <dgm:presLayoutVars>
           <dgm:chMax val="0"/>
           <dgm:chPref val="0"/>
@@ -1178,17 +1121,13 @@
     <dgm:cxn modelId="{EDF304CC-D1DB-4EC4-B762-FC2DA12484EB}" srcId="{CF5CA275-FE80-462A-8AEB-CBFBBC94D665}" destId="{DDB69E34-AF84-40D7-AA6F-C255B145739F}" srcOrd="2" destOrd="0" parTransId="{81336908-17DD-4294-B0B5-988352EC03D1}" sibTransId="{039F296E-0505-4EB8-9540-E516B0D75917}"/>
     <dgm:cxn modelId="{82630183-6850-47AD-A80A-8B9F6D764D21}" srcId="{CF5CA275-FE80-462A-8AEB-CBFBBC94D665}" destId="{DD7F36FC-F40E-4253-89EF-D034576446D4}" srcOrd="1" destOrd="0" parTransId="{56AC5809-4958-4CE5-BEBA-E8A4DB16498F}" sibTransId="{97FCE202-CEBD-4A36-896B-690460B1A5B0}"/>
     <dgm:cxn modelId="{E1A36DD9-A14A-4FE1-96CD-D9D4452E0243}" type="presOf" srcId="{DD7F36FC-F40E-4253-89EF-D034576446D4}" destId="{6D6BD3B1-FDF8-44BB-99F4-33A9A894F98B}" srcOrd="0" destOrd="0" presId="urn:microsoft.com/office/officeart/2005/8/layout/chevron1"/>
-    <dgm:cxn modelId="{198FC4E2-EDBB-4151-B141-7D07A369758A}" type="presOf" srcId="{3774E8E0-2DF4-4179-84DA-E6E71C7651AF}" destId="{2560545F-FA28-42DD-8D58-823658F4E513}" srcOrd="0" destOrd="0" presId="urn:microsoft.com/office/officeart/2005/8/layout/chevron1"/>
     <dgm:cxn modelId="{9A0B5275-09BB-4D0D-97EF-47757802DFB0}" type="presOf" srcId="{DDB69E34-AF84-40D7-AA6F-C255B145739F}" destId="{1759F37C-CE72-40A5-B310-ECFA8240AA69}" srcOrd="0" destOrd="0" presId="urn:microsoft.com/office/officeart/2005/8/layout/chevron1"/>
-    <dgm:cxn modelId="{6CD1B7A4-BDF7-490E-A96C-335237E6C1B0}" srcId="{CF5CA275-FE80-462A-8AEB-CBFBBC94D665}" destId="{3774E8E0-2DF4-4179-84DA-E6E71C7651AF}" srcOrd="3" destOrd="0" parTransId="{BF8C01B4-DF4A-4053-8A8D-7FD1C7B90725}" sibTransId="{BEDCCCC5-42ED-40EF-9643-F32CD4090D62}"/>
     <dgm:cxn modelId="{FC9F4226-26A5-4C87-8258-3805A1AF2FCD}" type="presOf" srcId="{3AF56E40-F3D8-4A49-9A0B-5EF54C7658FD}" destId="{53E4825B-3D66-406A-9713-5BB390890124}" srcOrd="0" destOrd="0" presId="urn:microsoft.com/office/officeart/2005/8/layout/chevron1"/>
     <dgm:cxn modelId="{145F1155-463C-455B-9750-106730AD5107}" type="presParOf" srcId="{A281B430-CED6-47C0-9CC8-6AAEF82CFA41}" destId="{53E4825B-3D66-406A-9713-5BB390890124}" srcOrd="0" destOrd="0" presId="urn:microsoft.com/office/officeart/2005/8/layout/chevron1"/>
     <dgm:cxn modelId="{7116C5E6-7881-4FB2-BA16-600425F5EF32}" type="presParOf" srcId="{A281B430-CED6-47C0-9CC8-6AAEF82CFA41}" destId="{26F2C24D-CB43-4EE9-9D99-8BBFE1CBDA90}" srcOrd="1" destOrd="0" presId="urn:microsoft.com/office/officeart/2005/8/layout/chevron1"/>
     <dgm:cxn modelId="{D0DEB894-BDEA-4F79-9653-E4E09E3BEBFB}" type="presParOf" srcId="{A281B430-CED6-47C0-9CC8-6AAEF82CFA41}" destId="{6D6BD3B1-FDF8-44BB-99F4-33A9A894F98B}" srcOrd="2" destOrd="0" presId="urn:microsoft.com/office/officeart/2005/8/layout/chevron1"/>
     <dgm:cxn modelId="{DC5F9341-69C6-49B9-888B-83932E858C90}" type="presParOf" srcId="{A281B430-CED6-47C0-9CC8-6AAEF82CFA41}" destId="{C13A21D1-9BC4-47CB-8EA5-4FE2F53B7833}" srcOrd="3" destOrd="0" presId="urn:microsoft.com/office/officeart/2005/8/layout/chevron1"/>
     <dgm:cxn modelId="{90E7D515-F84E-4819-9916-15838F0145A7}" type="presParOf" srcId="{A281B430-CED6-47C0-9CC8-6AAEF82CFA41}" destId="{1759F37C-CE72-40A5-B310-ECFA8240AA69}" srcOrd="4" destOrd="0" presId="urn:microsoft.com/office/officeart/2005/8/layout/chevron1"/>
-    <dgm:cxn modelId="{74197EB2-9B43-4E0D-AE1D-BF12868A4D84}" type="presParOf" srcId="{A281B430-CED6-47C0-9CC8-6AAEF82CFA41}" destId="{1A1FCD27-ABC6-4E50-8F05-06EADB1991A2}" srcOrd="5" destOrd="0" presId="urn:microsoft.com/office/officeart/2005/8/layout/chevron1"/>
-    <dgm:cxn modelId="{9085E296-5EBB-4954-9098-9563D466F1EA}" type="presParOf" srcId="{A281B430-CED6-47C0-9CC8-6AAEF82CFA41}" destId="{2560545F-FA28-42DD-8D58-823658F4E513}" srcOrd="6" destOrd="0" presId="urn:microsoft.com/office/officeart/2005/8/layout/chevron1"/>
   </dgm:cxnLst>
   <dgm:bg/>
   <dgm:whole/>
@@ -1215,8 +1154,8 @@
       </dsp:nvSpPr>
       <dsp:spPr>
         <a:xfrm>
-          <a:off x="2590" y="2343975"/>
-          <a:ext cx="2885457" cy="1154182"/>
+          <a:off x="3" y="2160766"/>
+          <a:ext cx="3814229" cy="1525691"/>
         </a:xfrm>
         <a:prstGeom prst="chevron">
           <a:avLst/>
@@ -1258,12 +1197,12 @@
         </a:fontRef>
       </dsp:style>
       <dsp:txBody>
-        <a:bodyPr spcFirstLastPara="0" vert="horz" wrap="square" lIns="76010" tIns="25337" rIns="25337" bIns="25337" numCol="1" spcCol="1270" anchor="ctr" anchorCtr="0">
+        <a:bodyPr spcFirstLastPara="0" vert="horz" wrap="square" lIns="100013" tIns="33338" rIns="33338" bIns="33338" numCol="1" spcCol="1270" anchor="ctr" anchorCtr="0">
           <a:noAutofit/>
         </a:bodyPr>
         <a:lstStyle/>
         <a:p>
-          <a:pPr lvl="0" algn="ctr" defTabSz="844550">
+          <a:pPr lvl="0" algn="ctr" defTabSz="1111250">
             <a:lnSpc>
               <a:spcPct val="90000"/>
             </a:lnSpc>
@@ -1275,15 +1214,15 @@
             </a:spcAft>
           </a:pPr>
           <a:r>
-            <a:rPr lang="de-DE" sz="1900" kern="1200" dirty="0" smtClean="0"/>
+            <a:rPr lang="de-DE" sz="2500" kern="1200" dirty="0" smtClean="0"/>
             <a:t>Topologie</a:t>
           </a:r>
-          <a:endParaRPr lang="de-DE" sz="1900" kern="1200" dirty="0"/>
+          <a:endParaRPr lang="de-DE" sz="2500" kern="1200" dirty="0"/>
         </a:p>
       </dsp:txBody>
       <dsp:txXfrm>
-        <a:off x="579681" y="2343975"/>
-        <a:ext cx="1731275" cy="1154182"/>
+        <a:off x="762849" y="2160766"/>
+        <a:ext cx="2288538" cy="1525691"/>
       </dsp:txXfrm>
     </dsp:sp>
     <dsp:sp modelId="{6D6BD3B1-FDF8-44BB-99F4-33A9A894F98B}">
@@ -1293,8 +1232,8 @@
       </dsp:nvSpPr>
       <dsp:spPr>
         <a:xfrm>
-          <a:off x="2601868" y="2336069"/>
-          <a:ext cx="2885457" cy="1154182"/>
+          <a:off x="3435937" y="2150315"/>
+          <a:ext cx="3814229" cy="1525691"/>
         </a:xfrm>
         <a:prstGeom prst="chevron">
           <a:avLst/>
@@ -1336,12 +1275,12 @@
         </a:fontRef>
       </dsp:style>
       <dsp:txBody>
-        <a:bodyPr spcFirstLastPara="0" vert="horz" wrap="square" lIns="76010" tIns="25337" rIns="25337" bIns="25337" numCol="1" spcCol="1270" anchor="ctr" anchorCtr="0">
+        <a:bodyPr spcFirstLastPara="0" vert="horz" wrap="square" lIns="100013" tIns="33338" rIns="33338" bIns="33338" numCol="1" spcCol="1270" anchor="ctr" anchorCtr="0">
           <a:noAutofit/>
         </a:bodyPr>
         <a:lstStyle/>
         <a:p>
-          <a:pPr lvl="0" algn="ctr" defTabSz="844550">
+          <a:pPr lvl="0" algn="ctr" defTabSz="1111250">
             <a:lnSpc>
               <a:spcPct val="90000"/>
             </a:lnSpc>
@@ -1353,15 +1292,15 @@
             </a:spcAft>
           </a:pPr>
           <a:r>
-            <a:rPr lang="de-DE" sz="1900" kern="1200" dirty="0" smtClean="0"/>
+            <a:rPr lang="de-DE" sz="2500" kern="1200" dirty="0" smtClean="0"/>
             <a:t>Transferfunktion</a:t>
           </a:r>
-          <a:endParaRPr lang="de-DE" sz="1900" kern="1200" dirty="0"/>
+          <a:endParaRPr lang="de-DE" sz="2500" kern="1200" dirty="0"/>
         </a:p>
       </dsp:txBody>
       <dsp:txXfrm>
-        <a:off x="3178959" y="2336069"/>
-        <a:ext cx="1731275" cy="1154182"/>
+        <a:off x="4198783" y="2150315"/>
+        <a:ext cx="2288538" cy="1525691"/>
       </dsp:txXfrm>
     </dsp:sp>
     <dsp:sp modelId="{1759F37C-CE72-40A5-B310-ECFA8240AA69}">
@@ -1371,8 +1310,8 @@
       </dsp:nvSpPr>
       <dsp:spPr>
         <a:xfrm>
-          <a:off x="5198779" y="2336069"/>
-          <a:ext cx="2885457" cy="1154182"/>
+          <a:off x="6868744" y="2150315"/>
+          <a:ext cx="3814229" cy="1525691"/>
         </a:xfrm>
         <a:prstGeom prst="chevron">
           <a:avLst/>
@@ -1414,12 +1353,12 @@
         </a:fontRef>
       </dsp:style>
       <dsp:txBody>
-        <a:bodyPr spcFirstLastPara="0" vert="horz" wrap="square" lIns="76010" tIns="25337" rIns="25337" bIns="25337" numCol="1" spcCol="1270" anchor="ctr" anchorCtr="0">
+        <a:bodyPr spcFirstLastPara="0" vert="horz" wrap="square" lIns="100013" tIns="33338" rIns="33338" bIns="33338" numCol="1" spcCol="1270" anchor="ctr" anchorCtr="0">
           <a:noAutofit/>
         </a:bodyPr>
         <a:lstStyle/>
         <a:p>
-          <a:pPr lvl="0" algn="ctr" defTabSz="844550">
+          <a:pPr lvl="0" algn="ctr" defTabSz="1111250">
             <a:lnSpc>
               <a:spcPct val="90000"/>
             </a:lnSpc>
@@ -1431,93 +1370,15 @@
             </a:spcAft>
           </a:pPr>
           <a:r>
-            <a:rPr lang="de-DE" sz="1900" kern="1200" dirty="0" smtClean="0"/>
+            <a:rPr lang="de-DE" sz="2500" kern="1200" dirty="0" smtClean="0"/>
             <a:t>Lernregel</a:t>
           </a:r>
-          <a:endParaRPr lang="de-DE" sz="1900" kern="1200" dirty="0"/>
+          <a:endParaRPr lang="de-DE" sz="2500" kern="1200" dirty="0"/>
         </a:p>
       </dsp:txBody>
       <dsp:txXfrm>
-        <a:off x="5775870" y="2336069"/>
-        <a:ext cx="1731275" cy="1154182"/>
-      </dsp:txXfrm>
-    </dsp:sp>
-    <dsp:sp modelId="{2560545F-FA28-42DD-8D58-823658F4E513}">
-      <dsp:nvSpPr>
-        <dsp:cNvPr id="0" name=""/>
-        <dsp:cNvSpPr/>
-      </dsp:nvSpPr>
-      <dsp:spPr>
-        <a:xfrm>
-          <a:off x="7795691" y="2336069"/>
-          <a:ext cx="2885457" cy="1154182"/>
-        </a:xfrm>
-        <a:prstGeom prst="chevron">
-          <a:avLst/>
-        </a:prstGeom>
-        <a:solidFill>
-          <a:schemeClr val="accent3">
-            <a:hueOff val="0"/>
-            <a:satOff val="0"/>
-            <a:lumOff val="0"/>
-            <a:alphaOff val="0"/>
-          </a:schemeClr>
-        </a:solidFill>
-        <a:ln w="12700" cap="flat" cmpd="sng" algn="ctr">
-          <a:solidFill>
-            <a:schemeClr val="lt1">
-              <a:hueOff val="0"/>
-              <a:satOff val="0"/>
-              <a:lumOff val="0"/>
-              <a:alphaOff val="0"/>
-            </a:schemeClr>
-          </a:solidFill>
-          <a:prstDash val="solid"/>
-          <a:miter lim="800000"/>
-        </a:ln>
-        <a:effectLst/>
-      </dsp:spPr>
-      <dsp:style>
-        <a:lnRef idx="2">
-          <a:scrgbClr r="0" g="0" b="0"/>
-        </a:lnRef>
-        <a:fillRef idx="1">
-          <a:scrgbClr r="0" g="0" b="0"/>
-        </a:fillRef>
-        <a:effectRef idx="0">
-          <a:scrgbClr r="0" g="0" b="0"/>
-        </a:effectRef>
-        <a:fontRef idx="minor">
-          <a:schemeClr val="lt1"/>
-        </a:fontRef>
-      </dsp:style>
-      <dsp:txBody>
-        <a:bodyPr spcFirstLastPara="0" vert="horz" wrap="square" lIns="76010" tIns="25337" rIns="25337" bIns="25337" numCol="1" spcCol="1270" anchor="ctr" anchorCtr="0">
-          <a:noAutofit/>
-        </a:bodyPr>
-        <a:lstStyle/>
-        <a:p>
-          <a:pPr lvl="0" algn="ctr" defTabSz="844550">
-            <a:lnSpc>
-              <a:spcPct val="90000"/>
-            </a:lnSpc>
-            <a:spcBef>
-              <a:spcPct val="0"/>
-            </a:spcBef>
-            <a:spcAft>
-              <a:spcPct val="35000"/>
-            </a:spcAft>
-          </a:pPr>
-          <a:r>
-            <a:rPr lang="de-DE" sz="1900" kern="1200" dirty="0" smtClean="0"/>
-            <a:t>Lernrate</a:t>
-          </a:r>
-          <a:endParaRPr lang="de-DE" sz="1900" kern="1200" dirty="0"/>
-        </a:p>
-      </dsp:txBody>
-      <dsp:txXfrm>
-        <a:off x="8372782" y="2336069"/>
-        <a:ext cx="1731275" cy="1154182"/>
+        <a:off x="7631590" y="2150315"/>
+        <a:ext cx="2288538" cy="1525691"/>
       </dsp:txXfrm>
     </dsp:sp>
   </dsp:spTree>
@@ -2924,7 +2785,7 @@
             <a:fld id="{5120BD12-1583-495B-85C5-BFC7DD39358E}" type="datetimeFigureOut">
               <a:rPr lang="de-DE" smtClean="0"/>
               <a:pPr/>
-              <a:t>12.12.2015</a:t>
+              <a:t>17.12.2015</a:t>
             </a:fld>
             <a:endParaRPr lang="de-DE"/>
           </a:p>
@@ -3662,6 +3523,18 @@
           <a:bodyPr/>
           <a:lstStyle/>
           <a:p>
+            <a:r>
+              <a:rPr lang="en-US" sz="1200" b="0" i="0" kern="1200" dirty="0" smtClean="0">
+                <a:solidFill>
+                  <a:schemeClr val="tx1"/>
+                </a:solidFill>
+                <a:effectLst/>
+                <a:latin typeface="+mn-lt"/>
+                <a:ea typeface="+mn-ea"/>
+                <a:cs typeface="+mn-cs"/>
+              </a:rPr>
+              <a:t>This is relatively intuitive to understand. If the slope goes up, we adjust the weight downward (first case). Conversely, the weight is adjusted upward if the gradient is negative (second case). If there is no slope, we must be in a minima, so no step is necessary (third case)</a:t>
+            </a:r>
             <a:endParaRPr lang="de-DE" dirty="0"/>
           </a:p>
         </p:txBody>
@@ -3693,7 +3566,7 @@
     </p:spTree>
     <p:extLst>
       <p:ext uri="{BB962C8B-B14F-4D97-AF65-F5344CB8AC3E}">
-        <p14:creationId xmlns:p14="http://schemas.microsoft.com/office/powerpoint/2010/main" val="1788656123"/>
+        <p14:creationId xmlns:p14="http://schemas.microsoft.com/office/powerpoint/2010/main" val="3143386267"/>
       </p:ext>
     </p:extLst>
   </p:cSld>
@@ -3747,6 +3620,162 @@
           <a:bodyPr/>
           <a:lstStyle/>
           <a:p>
+            <a:r>
+              <a:rPr lang="en-US" sz="1200" b="0" i="0" kern="1200" dirty="0" smtClean="0">
+                <a:solidFill>
+                  <a:schemeClr val="tx1"/>
+                </a:solidFill>
+                <a:effectLst/>
+                <a:latin typeface="+mn-lt"/>
+                <a:ea typeface="+mn-ea"/>
+                <a:cs typeface="+mn-cs"/>
+              </a:rPr>
+              <a:t>h</a:t>
+            </a:r>
+            <a:r>
+              <a:rPr lang="en-US" sz="1200" b="0" i="0" kern="1200" baseline="30000" dirty="0" smtClean="0">
+                <a:solidFill>
+                  <a:schemeClr val="tx1"/>
+                </a:solidFill>
+                <a:effectLst/>
+                <a:latin typeface="+mn-lt"/>
+                <a:ea typeface="+mn-ea"/>
+                <a:cs typeface="+mn-cs"/>
+              </a:rPr>
+              <a:t>+</a:t>
+            </a:r>
+            <a:r>
+              <a:rPr lang="en-US" sz="1200" b="0" i="0" kern="1200" dirty="0" smtClean="0">
+                <a:solidFill>
+                  <a:schemeClr val="tx1"/>
+                </a:solidFill>
+                <a:effectLst/>
+                <a:latin typeface="+mn-lt"/>
+                <a:ea typeface="+mn-ea"/>
+                <a:cs typeface="+mn-cs"/>
+              </a:rPr>
+              <a:t> and h</a:t>
+            </a:r>
+            <a:r>
+              <a:rPr lang="en-US" sz="1200" b="0" i="0" kern="1200" baseline="30000" dirty="0" smtClean="0">
+                <a:solidFill>
+                  <a:schemeClr val="tx1"/>
+                </a:solidFill>
+                <a:effectLst/>
+                <a:latin typeface="+mn-lt"/>
+                <a:ea typeface="+mn-ea"/>
+                <a:cs typeface="+mn-cs"/>
+              </a:rPr>
+              <a:t>–</a:t>
+            </a:r>
+            <a:r>
+              <a:rPr lang="en-US" sz="1200" b="0" i="0" kern="1200" dirty="0" smtClean="0">
+                <a:solidFill>
+                  <a:schemeClr val="tx1"/>
+                </a:solidFill>
+                <a:effectLst/>
+                <a:latin typeface="+mn-lt"/>
+                <a:ea typeface="+mn-ea"/>
+                <a:cs typeface="+mn-cs"/>
+              </a:rPr>
+              <a:t> are constants defined such that 0&lt;h</a:t>
+            </a:r>
+            <a:r>
+              <a:rPr lang="en-US" sz="1200" b="0" i="0" kern="1200" baseline="30000" dirty="0" smtClean="0">
+                <a:solidFill>
+                  <a:schemeClr val="tx1"/>
+                </a:solidFill>
+                <a:effectLst/>
+                <a:latin typeface="+mn-lt"/>
+                <a:ea typeface="+mn-ea"/>
+                <a:cs typeface="+mn-cs"/>
+              </a:rPr>
+              <a:t>–</a:t>
+            </a:r>
+            <a:r>
+              <a:rPr lang="en-US" sz="1200" b="0" i="0" kern="1200" dirty="0" smtClean="0">
+                <a:solidFill>
+                  <a:schemeClr val="tx1"/>
+                </a:solidFill>
+                <a:effectLst/>
+                <a:latin typeface="+mn-lt"/>
+                <a:ea typeface="+mn-ea"/>
+                <a:cs typeface="+mn-cs"/>
+              </a:rPr>
+              <a:t> &lt;1&lt;h</a:t>
+            </a:r>
+            <a:r>
+              <a:rPr lang="en-US" sz="1200" b="0" i="0" kern="1200" baseline="30000" dirty="0" smtClean="0">
+                <a:solidFill>
+                  <a:schemeClr val="tx1"/>
+                </a:solidFill>
+                <a:effectLst/>
+                <a:latin typeface="+mn-lt"/>
+                <a:ea typeface="+mn-ea"/>
+                <a:cs typeface="+mn-cs"/>
+              </a:rPr>
+              <a:t>+</a:t>
+            </a:r>
+            <a:r>
+              <a:rPr lang="en-US" sz="1200" b="0" i="0" kern="1200" dirty="0" smtClean="0">
+                <a:solidFill>
+                  <a:schemeClr val="tx1"/>
+                </a:solidFill>
+                <a:effectLst/>
+                <a:latin typeface="+mn-lt"/>
+                <a:ea typeface="+mn-ea"/>
+                <a:cs typeface="+mn-cs"/>
+              </a:rPr>
+              <a:t>. Informally, the size of the step is increased (multiplied by h</a:t>
+            </a:r>
+            <a:r>
+              <a:rPr lang="en-US" sz="1200" b="0" i="0" kern="1200" baseline="30000" dirty="0" smtClean="0">
+                <a:solidFill>
+                  <a:schemeClr val="tx1"/>
+                </a:solidFill>
+                <a:effectLst/>
+                <a:latin typeface="+mn-lt"/>
+                <a:ea typeface="+mn-ea"/>
+                <a:cs typeface="+mn-cs"/>
+              </a:rPr>
+              <a:t>+</a:t>
+            </a:r>
+            <a:r>
+              <a:rPr lang="en-US" sz="1200" b="0" i="0" kern="1200" dirty="0" smtClean="0">
+                <a:solidFill>
+                  <a:schemeClr val="tx1"/>
+                </a:solidFill>
+                <a:effectLst/>
+                <a:latin typeface="+mn-lt"/>
+                <a:ea typeface="+mn-ea"/>
+                <a:cs typeface="+mn-cs"/>
+              </a:rPr>
+              <a:t>) if the gradient maintains the same direction (first case). The step size is decreased (multiplied by h</a:t>
+            </a:r>
+            <a:r>
+              <a:rPr lang="en-US" sz="1200" b="0" i="0" kern="1200" baseline="30000" dirty="0" smtClean="0">
+                <a:solidFill>
+                  <a:schemeClr val="tx1"/>
+                </a:solidFill>
+                <a:effectLst/>
+                <a:latin typeface="+mn-lt"/>
+                <a:ea typeface="+mn-ea"/>
+                <a:cs typeface="+mn-cs"/>
+              </a:rPr>
+              <a:t>–</a:t>
+            </a:r>
+            <a:r>
+              <a:rPr lang="en-US" sz="1200" b="0" i="0" kern="1200" dirty="0" smtClean="0">
+                <a:solidFill>
+                  <a:schemeClr val="tx1"/>
+                </a:solidFill>
+                <a:effectLst/>
+                <a:latin typeface="+mn-lt"/>
+                <a:ea typeface="+mn-ea"/>
+                <a:cs typeface="+mn-cs"/>
+              </a:rPr>
+              <a:t>) if the gradient changes sign (second case). Otherwise, the step size is left untouched if the gradient is 0</a:t>
+            </a:r>
             <a:endParaRPr lang="de-DE" dirty="0"/>
           </a:p>
         </p:txBody>
@@ -3778,7 +3807,7 @@
     </p:spTree>
     <p:extLst>
       <p:ext uri="{BB962C8B-B14F-4D97-AF65-F5344CB8AC3E}">
-        <p14:creationId xmlns:p14="http://schemas.microsoft.com/office/powerpoint/2010/main" val="1788656123"/>
+        <p14:creationId xmlns:p14="http://schemas.microsoft.com/office/powerpoint/2010/main" val="4167393685"/>
       </p:ext>
     </p:extLst>
   </p:cSld>
@@ -3863,7 +3892,7 @@
     </p:spTree>
     <p:extLst>
       <p:ext uri="{BB962C8B-B14F-4D97-AF65-F5344CB8AC3E}">
-        <p14:creationId xmlns:p14="http://schemas.microsoft.com/office/powerpoint/2010/main" val="170008971"/>
+        <p14:creationId xmlns:p14="http://schemas.microsoft.com/office/powerpoint/2010/main" val="1788656123"/>
       </p:ext>
     </p:extLst>
   </p:cSld>
@@ -3948,7 +3977,7 @@
     </p:spTree>
     <p:extLst>
       <p:ext uri="{BB962C8B-B14F-4D97-AF65-F5344CB8AC3E}">
-        <p14:creationId xmlns:p14="http://schemas.microsoft.com/office/powerpoint/2010/main" val="3262789401"/>
+        <p14:creationId xmlns:p14="http://schemas.microsoft.com/office/powerpoint/2010/main" val="170008971"/>
       </p:ext>
     </p:extLst>
   </p:cSld>
@@ -4025,6 +4054,91 @@
               <a:rPr lang="de-DE" smtClean="0"/>
               <a:pPr/>
               <a:t>43</a:t>
+            </a:fld>
+            <a:endParaRPr lang="de-DE"/>
+          </a:p>
+        </p:txBody>
+      </p:sp>
+    </p:spTree>
+    <p:extLst>
+      <p:ext uri="{BB962C8B-B14F-4D97-AF65-F5344CB8AC3E}">
+        <p14:creationId xmlns:p14="http://schemas.microsoft.com/office/powerpoint/2010/main" val="3262789401"/>
+      </p:ext>
+    </p:extLst>
+  </p:cSld>
+  <p:clrMapOvr>
+    <a:masterClrMapping/>
+  </p:clrMapOvr>
+</p:notes>
+</file>
+
+<file path=ppt/notesSlides/notesSlide19.xml><?xml version="1.0" encoding="utf-8"?>
+<p:notes xmlns:a="http://schemas.openxmlformats.org/drawingml/2006/main" xmlns:r="http://schemas.openxmlformats.org/officeDocument/2006/relationships" xmlns:p="http://schemas.openxmlformats.org/presentationml/2006/main">
+  <p:cSld>
+    <p:spTree>
+      <p:nvGrpSpPr>
+        <p:cNvPr id="1" name=""/>
+        <p:cNvGrpSpPr/>
+        <p:nvPr/>
+      </p:nvGrpSpPr>
+      <p:grpSpPr>
+        <a:xfrm>
+          <a:off x="0" y="0"/>
+          <a:ext cx="0" cy="0"/>
+          <a:chOff x="0" y="0"/>
+          <a:chExt cx="0" cy="0"/>
+        </a:xfrm>
+      </p:grpSpPr>
+      <p:sp>
+        <p:nvSpPr>
+          <p:cNvPr id="2" name="Folienbildplatzhalter 1"/>
+          <p:cNvSpPr>
+            <a:spLocks noGrp="1" noRot="1" noChangeAspect="1"/>
+          </p:cNvSpPr>
+          <p:nvPr>
+            <p:ph type="sldImg"/>
+          </p:nvPr>
+        </p:nvSpPr>
+        <p:spPr/>
+      </p:sp>
+      <p:sp>
+        <p:nvSpPr>
+          <p:cNvPr id="3" name="Notizenplatzhalter 2"/>
+          <p:cNvSpPr>
+            <a:spLocks noGrp="1"/>
+          </p:cNvSpPr>
+          <p:nvPr>
+            <p:ph type="body" idx="1"/>
+          </p:nvPr>
+        </p:nvSpPr>
+        <p:spPr/>
+        <p:txBody>
+          <a:bodyPr/>
+          <a:lstStyle/>
+          <a:p>
+            <a:endParaRPr lang="de-DE" dirty="0"/>
+          </a:p>
+        </p:txBody>
+      </p:sp>
+      <p:sp>
+        <p:nvSpPr>
+          <p:cNvPr id="4" name="Foliennummernplatzhalter 3"/>
+          <p:cNvSpPr>
+            <a:spLocks noGrp="1"/>
+          </p:cNvSpPr>
+          <p:nvPr>
+            <p:ph type="sldNum" sz="quarter" idx="10"/>
+          </p:nvPr>
+        </p:nvSpPr>
+        <p:spPr/>
+        <p:txBody>
+          <a:bodyPr/>
+          <a:lstStyle/>
+          <a:p>
+            <a:fld id="{0B7A52FC-885B-48D0-94A7-F9F16D60E366}" type="slidenum">
+              <a:rPr lang="de-DE" smtClean="0"/>
+              <a:pPr/>
+              <a:t>44</a:t>
             </a:fld>
             <a:endParaRPr lang="de-DE"/>
           </a:p>
@@ -4989,7 +5103,7 @@
             <a:fld id="{FEB60944-69D9-40E2-805F-52E6DDFC3E05}" type="datetime1">
               <a:rPr lang="de-DE" smtClean="0"/>
               <a:pPr/>
-              <a:t>12.12.2015</a:t>
+              <a:t>17.12.2015</a:t>
             </a:fld>
             <a:endParaRPr lang="de-DE"/>
           </a:p>
@@ -5182,7 +5296,7 @@
             <a:fld id="{43C6271B-4DF3-4799-BDC9-4973FE68CB18}" type="datetime1">
               <a:rPr lang="de-DE" smtClean="0"/>
               <a:pPr/>
-              <a:t>12.12.2015</a:t>
+              <a:t>17.12.2015</a:t>
             </a:fld>
             <a:endParaRPr lang="de-DE"/>
           </a:p>
@@ -5366,7 +5480,7 @@
             <a:fld id="{7AC709DD-AC18-4FBA-B4E6-46DED743653E}" type="datetime1">
               <a:rPr lang="de-DE" smtClean="0"/>
               <a:pPr/>
-              <a:t>12.12.2015</a:t>
+              <a:t>17.12.2015</a:t>
             </a:fld>
             <a:endParaRPr lang="de-DE"/>
           </a:p>
@@ -5625,7 +5739,7 @@
             <a:fld id="{F3A5CA38-DE03-43E0-AAE8-40DE9D126515}" type="datetime1">
               <a:rPr lang="de-DE" smtClean="0"/>
               <a:pPr/>
-              <a:t>12.12.2015</a:t>
+              <a:t>17.12.2015</a:t>
             </a:fld>
             <a:endParaRPr lang="de-DE"/>
           </a:p>
@@ -5870,7 +5984,7 @@
             <a:fld id="{11090321-36FA-45A6-9663-BC38008A0E9B}" type="datetime1">
               <a:rPr lang="de-DE" smtClean="0"/>
               <a:pPr/>
-              <a:t>12.12.2015</a:t>
+              <a:t>17.12.2015</a:t>
             </a:fld>
             <a:endParaRPr lang="de-DE"/>
           </a:p>
@@ -6250,7 +6364,7 @@
             <a:fld id="{256C77CD-8025-4CCE-8E91-02984A062E73}" type="datetime1">
               <a:rPr lang="de-DE" smtClean="0"/>
               <a:pPr/>
-              <a:t>12.12.2015</a:t>
+              <a:t>17.12.2015</a:t>
             </a:fld>
             <a:endParaRPr lang="de-DE"/>
           </a:p>
@@ -6381,7 +6495,7 @@
             <a:fld id="{613140FE-C567-4560-9D45-46486DBA67D5}" type="datetime1">
               <a:rPr lang="de-DE" smtClean="0"/>
               <a:pPr/>
-              <a:t>12.12.2015</a:t>
+              <a:t>17.12.2015</a:t>
             </a:fld>
             <a:endParaRPr lang="de-DE"/>
           </a:p>
@@ -6489,7 +6603,7 @@
             <a:fld id="{664489CE-C1E2-4395-A707-33A40D5C0A6A}" type="datetime1">
               <a:rPr lang="de-DE" smtClean="0"/>
               <a:pPr/>
-              <a:t>12.12.2015</a:t>
+              <a:t>17.12.2015</a:t>
             </a:fld>
             <a:endParaRPr lang="de-DE"/>
           </a:p>
@@ -6779,7 +6893,7 @@
             <a:fld id="{BE84FF2F-E5B7-4AEF-A728-DCB9E7CE66D1}" type="datetime1">
               <a:rPr lang="de-DE" smtClean="0"/>
               <a:pPr/>
-              <a:t>12.12.2015</a:t>
+              <a:t>17.12.2015</a:t>
             </a:fld>
             <a:endParaRPr lang="de-DE"/>
           </a:p>
@@ -7045,7 +7159,7 @@
             <a:fld id="{1C1C31E4-1EA5-4909-922A-9F42F675C505}" type="datetime1">
               <a:rPr lang="de-DE" smtClean="0"/>
               <a:pPr/>
-              <a:t>12.12.2015</a:t>
+              <a:t>17.12.2015</a:t>
             </a:fld>
             <a:endParaRPr lang="de-DE"/>
           </a:p>
@@ -7254,7 +7368,7 @@
             <a:fld id="{19652882-9BC8-4FD3-AB94-9F037815DBC2}" type="datetime1">
               <a:rPr lang="de-DE" smtClean="0"/>
               <a:pPr/>
-              <a:t>12.12.2015</a:t>
+              <a:t>17.12.2015</a:t>
             </a:fld>
             <a:endParaRPr lang="de-DE" dirty="0"/>
           </a:p>
@@ -7984,7 +8098,7 @@
             <a:fld id="{7AC709DD-AC18-4FBA-B4E6-46DED743653E}" type="datetime1">
               <a:rPr lang="de-DE" smtClean="0"/>
               <a:pPr/>
-              <a:t>12.12.2015</a:t>
+              <a:t>17.12.2015</a:t>
             </a:fld>
             <a:endParaRPr lang="de-DE"/>
           </a:p>
@@ -8740,8 +8854,13 @@
             <a:pPr lvl="2"/>
             <a:r>
               <a:rPr lang="de-DE" dirty="0" smtClean="0"/>
-              <a:t>Definition der linearen Separierbarkeit </a:t>
-            </a:r>
+              <a:t>Definition der linearen </a:t>
+            </a:r>
+            <a:r>
+              <a:rPr lang="de-DE" dirty="0" smtClean="0"/>
+              <a:t>Separierbarkeit. </a:t>
+            </a:r>
+            <a:endParaRPr lang="de-DE" dirty="0" smtClean="0"/>
           </a:p>
           <a:p>
             <a:pPr lvl="2"/>
@@ -8754,8 +8873,21 @@
             <a:pPr lvl="2"/>
             <a:r>
               <a:rPr lang="de-DE" dirty="0" smtClean="0"/>
-              <a:t> Konvergenz-Theorem &amp; Theorem von Kolmogorov</a:t>
-            </a:r>
+              <a:t> </a:t>
+            </a:r>
+            <a:r>
+              <a:rPr lang="de-DE" dirty="0" smtClean="0"/>
+              <a:t>Konvergenz-Theorem von Rosenblatt </a:t>
+            </a:r>
+            <a:r>
+              <a:rPr lang="de-DE" dirty="0" smtClean="0"/>
+              <a:t>&amp; Theorem von </a:t>
+            </a:r>
+            <a:r>
+              <a:rPr lang="de-DE" dirty="0" smtClean="0"/>
+              <a:t>Kolmogorov.</a:t>
+            </a:r>
+            <a:endParaRPr lang="de-DE" dirty="0" smtClean="0"/>
           </a:p>
         </p:txBody>
       </p:sp>
@@ -8777,7 +8909,7 @@
             <a:fld id="{7AC709DD-AC18-4FBA-B4E6-46DED743653E}" type="datetime1">
               <a:rPr lang="de-DE" smtClean="0"/>
               <a:pPr/>
-              <a:t>12.12.2015</a:t>
+              <a:t>17.12.2015</a:t>
             </a:fld>
             <a:endParaRPr lang="de-DE"/>
           </a:p>
@@ -9532,8 +9664,8 @@
           </a:p>
         </p:txBody>
       </p:sp>
-      <mc:AlternateContent xmlns:mc="http://schemas.openxmlformats.org/markup-compatibility/2006" xmlns:a14="http://schemas.microsoft.com/office/drawing/2010/main">
-        <mc:Choice Requires="a14">
+      <mc:AlternateContent xmlns:mc="http://schemas.openxmlformats.org/markup-compatibility/2006">
+        <mc:Choice xmlns:a14="http://schemas.microsoft.com/office/drawing/2010/main" Requires="a14">
           <p:sp>
             <p:nvSpPr>
               <p:cNvPr id="3" name="Inhaltsplatzhalter 2"/>
@@ -9552,7 +9684,7 @@
             </p:spPr>
             <p:txBody>
               <a:bodyPr>
-                <a:normAutofit fontScale="92500" lnSpcReduction="20000"/>
+                <a:normAutofit fontScale="92500" lnSpcReduction="10000"/>
               </a:bodyPr>
               <a:lstStyle/>
               <a:p>
@@ -9565,12 +9697,13 @@
                 <a:pPr lvl="1"/>
                 <a:r>
                   <a:rPr lang="de-DE" sz="2600" dirty="0" smtClean="0"/>
-                  <a:t>Definition der linearen Separierbarkeit:</a:t>
+                  <a:t>Definition der linearen Separierbarkeit</a:t>
                 </a:r>
-              </a:p>
-              <a:p>
-                <a:pPr lvl="1"/>
-                <a:endParaRPr lang="de-DE" dirty="0"/>
+                <a:r>
+                  <a:rPr lang="de-DE" sz="2600" dirty="0" smtClean="0"/>
+                  <a:t>:</a:t>
+                </a:r>
+                <a:endParaRPr lang="de-DE" sz="2600" dirty="0" smtClean="0"/>
               </a:p>
               <a:p>
                 <a:pPr marL="457200" lvl="1" indent="0">
@@ -9578,89 +9711,99 @@
                 </a:pPr>
                 <a:r>
                   <a:rPr lang="de-DE" dirty="0" smtClean="0"/>
-                  <a:t>Zwei Teilmengen </a:t>
+                  <a:t>Seien</a:t>
+                </a:r>
+                <a:r>
+                  <a:rPr lang="de-DE" dirty="0" smtClean="0"/>
+                  <a:t> </a:t>
+                </a:r>
+                <a14:m>
+                  <m:oMath xmlns:m="http://schemas.openxmlformats.org/officeDocument/2006/math">
+                    <m:sSub>
+                      <m:sSubPr>
+                        <m:ctrlPr>
+                          <a:rPr lang="de-DE" i="1">
+                            <a:latin typeface="Cambria Math" panose="02040503050406030204" pitchFamily="18" charset="0"/>
+                            <a:ea typeface="Cambria Math" panose="02040503050406030204" pitchFamily="18" charset="0"/>
+                          </a:rPr>
+                        </m:ctrlPr>
+                      </m:sSubPr>
+                      <m:e>
+                        <m:r>
+                          <a:rPr lang="de-DE" i="1">
+                            <a:latin typeface="Cambria Math" panose="02040503050406030204" pitchFamily="18" charset="0"/>
+                            <a:ea typeface="Cambria Math" panose="02040503050406030204" pitchFamily="18" charset="0"/>
+                          </a:rPr>
+                          <m:t>𝑋</m:t>
+                        </m:r>
+                      </m:e>
+                      <m:sub>
+                        <m:r>
+                          <a:rPr lang="de-DE" i="1">
+                            <a:latin typeface="Cambria Math" panose="02040503050406030204" pitchFamily="18" charset="0"/>
+                            <a:ea typeface="Cambria Math" panose="02040503050406030204" pitchFamily="18" charset="0"/>
+                          </a:rPr>
+                          <m:t>1</m:t>
+                        </m:r>
+                      </m:sub>
+                    </m:sSub>
+                  </m:oMath>
+                </a14:m>
+                <a:r>
+                  <a:rPr lang="de-DE" dirty="0" smtClean="0"/>
+                  <a:t> und </a:t>
+                </a:r>
+                <a14:m>
+                  <m:oMath xmlns:m="http://schemas.openxmlformats.org/officeDocument/2006/math">
+                    <m:sSub>
+                      <m:sSubPr>
+                        <m:ctrlPr>
+                          <a:rPr lang="de-DE" i="1">
+                            <a:latin typeface="Cambria Math" panose="02040503050406030204" pitchFamily="18" charset="0"/>
+                            <a:ea typeface="Cambria Math" panose="02040503050406030204" pitchFamily="18" charset="0"/>
+                          </a:rPr>
+                        </m:ctrlPr>
+                      </m:sSubPr>
+                      <m:e>
+                        <m:r>
+                          <a:rPr lang="de-DE" i="1">
+                            <a:latin typeface="Cambria Math" panose="02040503050406030204" pitchFamily="18" charset="0"/>
+                            <a:ea typeface="Cambria Math" panose="02040503050406030204" pitchFamily="18" charset="0"/>
+                          </a:rPr>
+                          <m:t>𝑋</m:t>
+                        </m:r>
+                      </m:e>
+                      <m:sub>
+                        <m:r>
+                          <a:rPr lang="de-DE" b="0" i="1" smtClean="0">
+                            <a:latin typeface="Cambria Math" panose="02040503050406030204" pitchFamily="18" charset="0"/>
+                            <a:ea typeface="Cambria Math" panose="02040503050406030204" pitchFamily="18" charset="0"/>
+                          </a:rPr>
+                          <m:t>2</m:t>
+                        </m:r>
+                      </m:sub>
+                    </m:sSub>
+                  </m:oMath>
+                </a14:m>
+                <a:r>
+                  <a:rPr lang="de-DE" dirty="0" smtClean="0"/>
+                  <a:t> zwei Wertemengen im </a:t>
                 </a:r>
                 <a14:m>
                   <m:oMath xmlns:m="http://schemas.openxmlformats.org/officeDocument/2006/math">
                     <m:r>
                       <a:rPr lang="de-DE" b="0" i="1" smtClean="0">
                         <a:latin typeface="Cambria Math" panose="02040503050406030204" pitchFamily="18" charset="0"/>
-                      </a:rPr>
-                      <m:t>𝐴</m:t>
-                    </m:r>
-                    <m:r>
-                      <a:rPr lang="de-DE" b="0" i="1" smtClean="0">
-                        <a:latin typeface="Cambria Math" panose="02040503050406030204" pitchFamily="18" charset="0"/>
-                      </a:rPr>
-                      <m:t> ⊆</m:t>
-                    </m:r>
-                    <m:r>
-                      <a:rPr lang="de-DE" b="0" i="1" smtClean="0">
-                        <a:latin typeface="Cambria Math" panose="02040503050406030204" pitchFamily="18" charset="0"/>
                         <a:ea typeface="Cambria Math" panose="02040503050406030204" pitchFamily="18" charset="0"/>
                       </a:rPr>
-                      <m:t>𝑉</m:t>
+                      <m:t>𝑛</m:t>
                     </m:r>
-                    <m:r>
-                      <a:rPr lang="de-DE" b="0" i="1" smtClean="0">
-                        <a:latin typeface="Cambria Math" panose="02040503050406030204" pitchFamily="18" charset="0"/>
-                        <a:ea typeface="Cambria Math" panose="02040503050406030204" pitchFamily="18" charset="0"/>
-                      </a:rPr>
-                      <m:t>, </m:t>
-                    </m:r>
-                    <m:r>
-                      <a:rPr lang="de-DE" b="0" i="1" smtClean="0">
-                        <a:latin typeface="Cambria Math" panose="02040503050406030204" pitchFamily="18" charset="0"/>
-                        <a:ea typeface="Cambria Math" panose="02040503050406030204" pitchFamily="18" charset="0"/>
-                      </a:rPr>
-                      <m:t>𝐵</m:t>
-                    </m:r>
-                    <m:r>
-                      <a:rPr lang="de-DE" b="0" i="1" smtClean="0">
-                        <a:latin typeface="Cambria Math" panose="02040503050406030204" pitchFamily="18" charset="0"/>
-                        <a:ea typeface="Cambria Math" panose="02040503050406030204" pitchFamily="18" charset="0"/>
-                      </a:rPr>
-                      <m:t> ⊆ </m:t>
-                    </m:r>
-                    <m:sSup>
-                      <m:sSupPr>
-                        <m:ctrlPr>
-                          <a:rPr lang="de-DE" b="0" i="1" smtClean="0">
-                            <a:latin typeface="Cambria Math" panose="02040503050406030204" pitchFamily="18" charset="0"/>
-                            <a:ea typeface="Cambria Math" panose="02040503050406030204" pitchFamily="18" charset="0"/>
-                          </a:rPr>
-                        </m:ctrlPr>
-                      </m:sSupPr>
-                      <m:e>
-                        <m:r>
-                          <a:rPr lang="de-DE" b="0" i="1" smtClean="0">
-                            <a:latin typeface="Cambria Math" panose="02040503050406030204" pitchFamily="18" charset="0"/>
-                            <a:ea typeface="Cambria Math" panose="02040503050406030204" pitchFamily="18" charset="0"/>
-                          </a:rPr>
-                          <m:t>ℝ</m:t>
-                        </m:r>
-                      </m:e>
-                      <m:sup>
-                        <m:r>
-                          <a:rPr lang="de-DE" b="0" i="1" smtClean="0">
-                            <a:latin typeface="Cambria Math" panose="02040503050406030204" pitchFamily="18" charset="0"/>
-                            <a:ea typeface="Cambria Math" panose="02040503050406030204" pitchFamily="18" charset="0"/>
-                          </a:rPr>
-                          <m:t>𝑛</m:t>
-                        </m:r>
-                      </m:sup>
-                    </m:sSup>
                   </m:oMath>
                 </a14:m>
                 <a:r>
                   <a:rPr lang="de-DE" dirty="0" smtClean="0"/>
-                  <a:t> heißen genau dann linear separierbar, wenn</a:t>
+                  <a:t>-dimensionalen euklidischen Raum. Diese sind genau dann linear sepairerbar, wenn </a:t>
                 </a:r>
-              </a:p>
-              <a:p>
-                <a:pPr marL="457200" lvl="1" indent="0">
-                  <a:buNone/>
-                </a:pPr>
                 <a14:m>
                   <m:oMath xmlns:m="http://schemas.openxmlformats.org/officeDocument/2006/math">
                     <m:r>
@@ -9737,14 +9880,20 @@
                           </a:rPr>
                           <m:t>𝑛</m:t>
                         </m:r>
-                        <m:r>
-                          <a:rPr lang="de-DE" b="0" i="1" smtClean="0">
-                            <a:latin typeface="Cambria Math" panose="02040503050406030204" pitchFamily="18" charset="0"/>
-                          </a:rPr>
-                          <m:t>+1</m:t>
-                        </m:r>
                       </m:sub>
                     </m:sSub>
+                    <m:r>
+                      <a:rPr lang="de-DE" b="0" i="1" smtClean="0">
+                        <a:latin typeface="Cambria Math" panose="02040503050406030204" pitchFamily="18" charset="0"/>
+                      </a:rPr>
+                      <m:t>, </m:t>
+                    </m:r>
+                    <m:r>
+                      <a:rPr lang="de-DE" b="0" i="1" smtClean="0">
+                        <a:latin typeface="Cambria Math" panose="02040503050406030204" pitchFamily="18" charset="0"/>
+                      </a:rPr>
+                      <m:t>𝑘</m:t>
+                    </m:r>
                     <m:r>
                       <a:rPr lang="de-DE" b="0" i="1" smtClean="0">
                         <a:latin typeface="Cambria Math" panose="02040503050406030204" pitchFamily="18" charset="0"/>
@@ -9759,100 +9908,20 @@
                 </a:r>
                 <a14:m>
                   <m:oMath xmlns:m="http://schemas.openxmlformats.org/officeDocument/2006/math">
-                    <m:acc>
-                      <m:accPr>
-                        <m:chr m:val="⃑"/>
-                        <m:ctrlPr>
-                          <a:rPr lang="de-DE" i="1" smtClean="0">
-                            <a:latin typeface="Cambria Math" panose="02040503050406030204" pitchFamily="18" charset="0"/>
-                          </a:rPr>
-                        </m:ctrlPr>
-                      </m:accPr>
-                      <m:e>
-                        <m:r>
-                          <a:rPr lang="de-DE" b="0" i="1" smtClean="0">
-                            <a:latin typeface="Cambria Math" panose="02040503050406030204" pitchFamily="18" charset="0"/>
-                          </a:rPr>
-                          <m:t>𝑎</m:t>
-                        </m:r>
-                      </m:e>
-                    </m:acc>
                     <m:r>
-                      <a:rPr lang="de-DE" b="0" i="1" smtClean="0">
+                      <m:rPr>
+                        <m:sty m:val="p"/>
+                      </m:rPr>
+                      <a:rPr lang="de-DE" b="0" i="0" smtClean="0">
                         <a:latin typeface="Cambria Math" panose="02040503050406030204" pitchFamily="18" charset="0"/>
+                        <a:ea typeface="Cambria Math" panose="02040503050406030204" pitchFamily="18" charset="0"/>
                       </a:rPr>
-                      <m:t>=</m:t>
+                      <m:t>x</m:t>
                     </m:r>
-                    <m:d>
-                      <m:dPr>
-                        <m:ctrlPr>
-                          <a:rPr lang="de-DE" b="0" i="1" smtClean="0">
-                            <a:latin typeface="Cambria Math" panose="02040503050406030204" pitchFamily="18" charset="0"/>
-                          </a:rPr>
-                        </m:ctrlPr>
-                      </m:dPr>
-                      <m:e>
-                        <m:sSub>
-                          <m:sSubPr>
-                            <m:ctrlPr>
-                              <a:rPr lang="de-DE" b="0" i="1" smtClean="0">
-                                <a:latin typeface="Cambria Math" panose="02040503050406030204" pitchFamily="18" charset="0"/>
-                              </a:rPr>
-                            </m:ctrlPr>
-                          </m:sSubPr>
-                          <m:e>
-                            <m:r>
-                              <a:rPr lang="de-DE" b="0" i="1" smtClean="0">
-                                <a:latin typeface="Cambria Math" panose="02040503050406030204" pitchFamily="18" charset="0"/>
-                              </a:rPr>
-                              <m:t>𝑎</m:t>
-                            </m:r>
-                          </m:e>
-                          <m:sub>
-                            <m:r>
-                              <a:rPr lang="de-DE" b="0" i="1" smtClean="0">
-                                <a:latin typeface="Cambria Math" panose="02040503050406030204" pitchFamily="18" charset="0"/>
-                              </a:rPr>
-                              <m:t>1</m:t>
-                            </m:r>
-                          </m:sub>
-                        </m:sSub>
-                        <m:r>
-                          <a:rPr lang="de-DE" b="0" i="1" smtClean="0">
-                            <a:latin typeface="Cambria Math" panose="02040503050406030204" pitchFamily="18" charset="0"/>
-                          </a:rPr>
-                          <m:t>,…,</m:t>
-                        </m:r>
-                        <m:sSub>
-                          <m:sSubPr>
-                            <m:ctrlPr>
-                              <a:rPr lang="de-DE" b="0" i="1" smtClean="0">
-                                <a:latin typeface="Cambria Math" panose="02040503050406030204" pitchFamily="18" charset="0"/>
-                              </a:rPr>
-                            </m:ctrlPr>
-                          </m:sSubPr>
-                          <m:e>
-                            <m:r>
-                              <a:rPr lang="de-DE" b="0" i="1" smtClean="0">
-                                <a:latin typeface="Cambria Math" panose="02040503050406030204" pitchFamily="18" charset="0"/>
-                              </a:rPr>
-                              <m:t>𝑎</m:t>
-                            </m:r>
-                          </m:e>
-                          <m:sub>
-                            <m:r>
-                              <a:rPr lang="de-DE" b="0" i="1" smtClean="0">
-                                <a:latin typeface="Cambria Math" panose="02040503050406030204" pitchFamily="18" charset="0"/>
-                              </a:rPr>
-                              <m:t>𝑛</m:t>
-                            </m:r>
-                          </m:sub>
-                        </m:sSub>
-                      </m:e>
-                    </m:d>
                     <m:r>
-                      <a:rPr lang="de-DE" b="0" i="1" smtClean="0">
+                      <a:rPr lang="de-DE" b="0" i="0" smtClean="0">
                         <a:latin typeface="Cambria Math" panose="02040503050406030204" pitchFamily="18" charset="0"/>
+                        <a:ea typeface="Cambria Math" panose="02040503050406030204" pitchFamily="18" charset="0"/>
                       </a:rPr>
                       <m:t> </m:t>
                     </m:r>
@@ -9863,126 +9932,48 @@
                       </a:rPr>
                       <m:t>∈</m:t>
                     </m:r>
+                    <m:sSub>
+                      <m:sSubPr>
+                        <m:ctrlPr>
+                          <a:rPr lang="de-DE" b="0" i="1" smtClean="0">
+                            <a:latin typeface="Cambria Math" panose="02040503050406030204" pitchFamily="18" charset="0"/>
+                            <a:ea typeface="Cambria Math" panose="02040503050406030204" pitchFamily="18" charset="0"/>
+                          </a:rPr>
+                        </m:ctrlPr>
+                      </m:sSubPr>
+                      <m:e>
+                        <m:r>
+                          <a:rPr lang="de-DE" b="0" i="1" smtClean="0">
+                            <a:latin typeface="Cambria Math" panose="02040503050406030204" pitchFamily="18" charset="0"/>
+                            <a:ea typeface="Cambria Math" panose="02040503050406030204" pitchFamily="18" charset="0"/>
+                          </a:rPr>
+                          <m:t>𝑋</m:t>
+                        </m:r>
+                      </m:e>
+                      <m:sub>
+                        <m:r>
+                          <a:rPr lang="de-DE" b="0" i="1" smtClean="0">
+                            <a:latin typeface="Cambria Math" panose="02040503050406030204" pitchFamily="18" charset="0"/>
+                            <a:ea typeface="Cambria Math" panose="02040503050406030204" pitchFamily="18" charset="0"/>
+                          </a:rPr>
+                          <m:t>1</m:t>
+                        </m:r>
+                      </m:sub>
+                    </m:sSub>
                     <m:r>
                       <a:rPr lang="de-DE" b="0" i="1" smtClean="0">
                         <a:latin typeface="Cambria Math" panose="02040503050406030204" pitchFamily="18" charset="0"/>
                         <a:ea typeface="Cambria Math" panose="02040503050406030204" pitchFamily="18" charset="0"/>
                       </a:rPr>
-                      <m:t>𝐴</m:t>
+                      <m:t>,</m:t>
                     </m:r>
                     <m:r>
                       <a:rPr lang="de-DE" b="0" i="1" smtClean="0">
                         <a:latin typeface="Cambria Math" panose="02040503050406030204" pitchFamily="18" charset="0"/>
                         <a:ea typeface="Cambria Math" panose="02040503050406030204" pitchFamily="18" charset="0"/>
                       </a:rPr>
-                      <m:t>, </m:t>
+                      <m:t>𝑦</m:t>
                     </m:r>
-                  </m:oMath>
-                </a14:m>
-                <a:endParaRPr lang="de-DE" b="0" i="1" dirty="0" smtClean="0">
-                  <a:latin typeface="Cambria Math" panose="02040503050406030204" pitchFamily="18" charset="0"/>
-                  <a:ea typeface="Cambria Math" panose="02040503050406030204" pitchFamily="18" charset="0"/>
-                </a:endParaRPr>
-              </a:p>
-              <a:p>
-                <a:pPr marL="457200" lvl="1" indent="0">
-                  <a:buNone/>
-                </a:pPr>
-                <a14:m>
-                  <m:oMath xmlns:m="http://schemas.openxmlformats.org/officeDocument/2006/math">
-                    <m:acc>
-                      <m:accPr>
-                        <m:chr m:val="⃑"/>
-                        <m:ctrlPr>
-                          <a:rPr lang="de-DE" b="0" i="1" smtClean="0">
-                            <a:latin typeface="Cambria Math" panose="02040503050406030204" pitchFamily="18" charset="0"/>
-                            <a:ea typeface="Cambria Math" panose="02040503050406030204" pitchFamily="18" charset="0"/>
-                          </a:rPr>
-                        </m:ctrlPr>
-                      </m:accPr>
-                      <m:e>
-                        <m:r>
-                          <a:rPr lang="de-DE" b="0" i="1" smtClean="0">
-                            <a:latin typeface="Cambria Math" panose="02040503050406030204" pitchFamily="18" charset="0"/>
-                            <a:ea typeface="Cambria Math" panose="02040503050406030204" pitchFamily="18" charset="0"/>
-                          </a:rPr>
-                          <m:t>𝑏</m:t>
-                        </m:r>
-                      </m:e>
-                    </m:acc>
-                    <m:r>
-                      <a:rPr lang="de-DE" b="0" i="1" smtClean="0">
-                        <a:latin typeface="Cambria Math" panose="02040503050406030204" pitchFamily="18" charset="0"/>
-                      </a:rPr>
-                      <m:t>=</m:t>
-                    </m:r>
-                    <m:d>
-                      <m:dPr>
-                        <m:ctrlPr>
-                          <a:rPr lang="de-DE" b="0" i="1" smtClean="0">
-                            <a:latin typeface="Cambria Math" panose="02040503050406030204" pitchFamily="18" charset="0"/>
-                          </a:rPr>
-                        </m:ctrlPr>
-                      </m:dPr>
-                      <m:e>
-                        <m:sSub>
-                          <m:sSubPr>
-                            <m:ctrlPr>
-                              <a:rPr lang="de-DE" b="0" i="1" smtClean="0">
-                                <a:latin typeface="Cambria Math" panose="02040503050406030204" pitchFamily="18" charset="0"/>
-                              </a:rPr>
-                            </m:ctrlPr>
-                          </m:sSubPr>
-                          <m:e>
-                            <m:r>
-                              <a:rPr lang="de-DE" b="0" i="1" smtClean="0">
-                                <a:latin typeface="Cambria Math" panose="02040503050406030204" pitchFamily="18" charset="0"/>
-                              </a:rPr>
-                              <m:t>𝑏</m:t>
-                            </m:r>
-                          </m:e>
-                          <m:sub>
-                            <m:r>
-                              <a:rPr lang="de-DE" b="0" i="1" smtClean="0">
-                                <a:latin typeface="Cambria Math" panose="02040503050406030204" pitchFamily="18" charset="0"/>
-                              </a:rPr>
-                              <m:t>1</m:t>
-                            </m:r>
-                          </m:sub>
-                        </m:sSub>
-                        <m:r>
-                          <a:rPr lang="de-DE" b="0" i="1" smtClean="0">
-                            <a:latin typeface="Cambria Math" panose="02040503050406030204" pitchFamily="18" charset="0"/>
-                          </a:rPr>
-                          <m:t>,…,</m:t>
-                        </m:r>
-                        <m:sSub>
-                          <m:sSubPr>
-                            <m:ctrlPr>
-                              <a:rPr lang="de-DE" b="0" i="1" smtClean="0">
-                                <a:latin typeface="Cambria Math" panose="02040503050406030204" pitchFamily="18" charset="0"/>
-                              </a:rPr>
-                            </m:ctrlPr>
-                          </m:sSubPr>
-                          <m:e>
-                            <m:r>
-                              <a:rPr lang="de-DE" b="0" i="1" smtClean="0">
-                                <a:latin typeface="Cambria Math" panose="02040503050406030204" pitchFamily="18" charset="0"/>
-                              </a:rPr>
-                              <m:t>𝑏</m:t>
-                            </m:r>
-                          </m:e>
-                          <m:sub>
-                            <m:r>
-                              <a:rPr lang="de-DE" b="0" i="1" smtClean="0">
-                                <a:latin typeface="Cambria Math" panose="02040503050406030204" pitchFamily="18" charset="0"/>
-                              </a:rPr>
-                              <m:t>𝑛</m:t>
-                            </m:r>
-                          </m:sub>
-                        </m:sSub>
-                      </m:e>
-                    </m:d>
                     <m:r>
                       <a:rPr lang="de-DE" b="0" i="1" smtClean="0">
                         <a:latin typeface="Cambria Math" panose="02040503050406030204" pitchFamily="18" charset="0"/>
@@ -9990,25 +9981,49 @@
                       </a:rPr>
                       <m:t>∈</m:t>
                     </m:r>
-                    <m:r>
-                      <a:rPr lang="de-DE" b="0" i="1" smtClean="0">
-                        <a:latin typeface="Cambria Math" panose="02040503050406030204" pitchFamily="18" charset="0"/>
-                        <a:ea typeface="Cambria Math" panose="02040503050406030204" pitchFamily="18" charset="0"/>
-                      </a:rPr>
-                      <m:t>𝐵</m:t>
-                    </m:r>
+                    <m:sSub>
+                      <m:sSubPr>
+                        <m:ctrlPr>
+                          <a:rPr lang="de-DE" i="1">
+                            <a:latin typeface="Cambria Math" panose="02040503050406030204" pitchFamily="18" charset="0"/>
+                            <a:ea typeface="Cambria Math" panose="02040503050406030204" pitchFamily="18" charset="0"/>
+                          </a:rPr>
+                        </m:ctrlPr>
+                      </m:sSubPr>
+                      <m:e>
+                        <m:r>
+                          <a:rPr lang="de-DE" i="1">
+                            <a:latin typeface="Cambria Math" panose="02040503050406030204" pitchFamily="18" charset="0"/>
+                            <a:ea typeface="Cambria Math" panose="02040503050406030204" pitchFamily="18" charset="0"/>
+                          </a:rPr>
+                          <m:t>𝑋</m:t>
+                        </m:r>
+                      </m:e>
+                      <m:sub>
+                        <m:r>
+                          <a:rPr lang="de-DE" b="0" i="1" smtClean="0">
+                            <a:latin typeface="Cambria Math" panose="02040503050406030204" pitchFamily="18" charset="0"/>
+                            <a:ea typeface="Cambria Math" panose="02040503050406030204" pitchFamily="18" charset="0"/>
+                          </a:rPr>
+                          <m:t>2</m:t>
+                        </m:r>
+                      </m:sub>
+                    </m:sSub>
                   </m:oMath>
                 </a14:m>
                 <a:r>
                   <a:rPr lang="de-DE" dirty="0" smtClean="0"/>
-                  <a:t> die folgenden Ungleichungen erfüllen:</a:t>
+                  <a:t> die folgende Ungleichung erfüllt ist:</a:t>
                 </a:r>
+                <a:endParaRPr lang="de-DE" dirty="0" smtClean="0"/>
               </a:p>
               <a:p>
                 <a:pPr marL="457200" lvl="1" indent="0">
                   <a:buNone/>
                 </a:pPr>
-                <a:endParaRPr lang="de-DE" dirty="0" smtClean="0"/>
+                <a:endParaRPr lang="pt-BR" i="1" dirty="0" smtClean="0">
+                  <a:latin typeface="Cambria Math" panose="02040503050406030204" pitchFamily="18" charset="0"/>
+                </a:endParaRPr>
               </a:p>
               <a:p>
                 <a:pPr marL="457200" lvl="1" indent="0">
@@ -10090,7 +10105,7 @@
                                 <a:rPr lang="de-DE" b="0" i="1" smtClean="0">
                                   <a:latin typeface="Cambria Math" panose="02040503050406030204" pitchFamily="18" charset="0"/>
                                 </a:rPr>
-                                <m:t>𝑎</m:t>
+                                <m:t>𝑥</m:t>
                               </m:r>
                             </m:e>
                             <m:sub>
@@ -10115,49 +10130,21 @@
                           <a:latin typeface="Cambria Math" panose="02040503050406030204" pitchFamily="18" charset="0"/>
                           <a:ea typeface="Cambria Math" panose="02040503050406030204" pitchFamily="18" charset="0"/>
                         </a:rPr>
-                        <m:t>≤ </m:t>
+                        <m:t>≤</m:t>
                       </m:r>
-                      <m:sSub>
-                        <m:sSubPr>
-                          <m:ctrlPr>
-                            <a:rPr lang="de-DE" b="0" i="1" smtClean="0">
-                              <a:latin typeface="Cambria Math" panose="02040503050406030204" pitchFamily="18" charset="0"/>
-                              <a:ea typeface="Cambria Math" panose="02040503050406030204" pitchFamily="18" charset="0"/>
-                            </a:rPr>
-                          </m:ctrlPr>
-                        </m:sSubPr>
-                        <m:e>
-                          <m:r>
-                            <a:rPr lang="de-DE" b="0" i="1" smtClean="0">
-                              <a:latin typeface="Cambria Math" panose="02040503050406030204" pitchFamily="18" charset="0"/>
-                              <a:ea typeface="Cambria Math" panose="02040503050406030204" pitchFamily="18" charset="0"/>
-                            </a:rPr>
-                            <m:t>𝑤</m:t>
-                          </m:r>
-                        </m:e>
-                        <m:sub>
-                          <m:r>
-                            <a:rPr lang="de-DE" b="0" i="1" smtClean="0">
-                              <a:latin typeface="Cambria Math" panose="02040503050406030204" pitchFamily="18" charset="0"/>
-                              <a:ea typeface="Cambria Math" panose="02040503050406030204" pitchFamily="18" charset="0"/>
-                            </a:rPr>
-                            <m:t>𝑛</m:t>
-                          </m:r>
-                          <m:r>
-                            <a:rPr lang="de-DE" b="0" i="1" smtClean="0">
-                              <a:latin typeface="Cambria Math" panose="02040503050406030204" pitchFamily="18" charset="0"/>
-                              <a:ea typeface="Cambria Math" panose="02040503050406030204" pitchFamily="18" charset="0"/>
-                            </a:rPr>
-                            <m:t>+1</m:t>
-                          </m:r>
-                        </m:sub>
-                      </m:sSub>
                       <m:r>
                         <a:rPr lang="de-DE" b="0" i="1" smtClean="0">
                           <a:latin typeface="Cambria Math" panose="02040503050406030204" pitchFamily="18" charset="0"/>
                           <a:ea typeface="Cambria Math" panose="02040503050406030204" pitchFamily="18" charset="0"/>
                         </a:rPr>
-                        <m:t> &lt;</m:t>
+                        <m:t>𝑘</m:t>
+                      </m:r>
+                      <m:r>
+                        <a:rPr lang="de-DE" b="0" i="1" smtClean="0">
+                          <a:latin typeface="Cambria Math" panose="02040503050406030204" pitchFamily="18" charset="0"/>
+                          <a:ea typeface="Cambria Math" panose="02040503050406030204" pitchFamily="18" charset="0"/>
+                        </a:rPr>
+                        <m:t>&lt;</m:t>
                       </m:r>
                       <m:nary>
                         <m:naryPr>
@@ -10229,7 +10216,7 @@
                                 <a:rPr lang="de-DE" b="0" i="1" smtClean="0">
                                   <a:latin typeface="Cambria Math" panose="02040503050406030204" pitchFamily="18" charset="0"/>
                                 </a:rPr>
-                                <m:t>𝑏</m:t>
+                                <m:t>𝑦</m:t>
                               </m:r>
                             </m:e>
                             <m:sub>
@@ -10271,7 +10258,7 @@
             </p:txBody>
           </p:sp>
         </mc:Choice>
-        <mc:Fallback xmlns="">
+        <mc:Fallback>
           <p:sp>
             <p:nvSpPr>
               <p:cNvPr id="3" name="Inhaltsplatzhalter 2"/>
@@ -10290,7 +10277,7 @@
               <a:blipFill rotWithShape="0">
                 <a:blip r:embed="rId2"/>
                 <a:stretch>
-                  <a:fillRect l="-1043" t="-3922" r="-2029" b="-1261"/>
+                  <a:fillRect l="-1043" t="-3221" r="-2029"/>
                 </a:stretch>
               </a:blipFill>
             </p:spPr>
@@ -10327,7 +10314,7 @@
             <a:fld id="{7AC709DD-AC18-4FBA-B4E6-46DED743653E}" type="datetime1">
               <a:rPr lang="de-DE" smtClean="0"/>
               <a:pPr/>
-              <a:t>12.12.2015</a:t>
+              <a:t>18.12.2015</a:t>
             </a:fld>
             <a:endParaRPr lang="de-DE"/>
           </a:p>
@@ -10491,7 +10478,7 @@
             <a:fld id="{7AC709DD-AC18-4FBA-B4E6-46DED743653E}" type="datetime1">
               <a:rPr lang="de-DE" smtClean="0"/>
               <a:pPr/>
-              <a:t>12.12.2015</a:t>
+              <a:t>17.12.2015</a:t>
             </a:fld>
             <a:endParaRPr lang="de-DE"/>
           </a:p>
@@ -10729,7 +10716,7 @@
             <a:fld id="{7AC709DD-AC18-4FBA-B4E6-46DED743653E}" type="datetime1">
               <a:rPr lang="de-DE" smtClean="0"/>
               <a:pPr/>
-              <a:t>12.12.2015</a:t>
+              <a:t>17.12.2015</a:t>
             </a:fld>
             <a:endParaRPr lang="de-DE"/>
           </a:p>
@@ -12841,7 +12828,7 @@
             <a:fld id="{7AC709DD-AC18-4FBA-B4E6-46DED743653E}" type="datetime1">
               <a:rPr lang="de-DE" smtClean="0"/>
               <a:pPr/>
-              <a:t>12.12.2015</a:t>
+              <a:t>17.12.2015</a:t>
             </a:fld>
             <a:endParaRPr lang="de-DE"/>
           </a:p>
@@ -13128,7 +13115,7 @@
             <a:fld id="{7AC709DD-AC18-4FBA-B4E6-46DED743653E}" type="datetime1">
               <a:rPr lang="de-DE" smtClean="0"/>
               <a:pPr/>
-              <a:t>12.12.2015</a:t>
+              <a:t>17.12.2015</a:t>
             </a:fld>
             <a:endParaRPr lang="de-DE"/>
           </a:p>
@@ -13203,8 +13190,38 @@
         </p:blipFill>
         <p:spPr>
           <a:xfrm>
-            <a:off x="1120526" y="2667959"/>
+            <a:off x="1194094" y="2563738"/>
             <a:ext cx="3276190" cy="2666667"/>
+          </a:xfrm>
+          <a:prstGeom prst="rect">
+            <a:avLst/>
+          </a:prstGeom>
+        </p:spPr>
+      </p:pic>
+      <p:pic>
+        <p:nvPicPr>
+          <p:cNvPr id="8" name="Grafik 7"/>
+          <p:cNvPicPr>
+            <a:picLocks noChangeAspect="1"/>
+          </p:cNvPicPr>
+          <p:nvPr/>
+        </p:nvPicPr>
+        <p:blipFill>
+          <a:blip r:embed="rId4" cstate="print">
+            <a:extLst>
+              <a:ext uri="{28A0092B-C50C-407E-A947-70E740481C1C}">
+                <a14:useLocalDpi xmlns:a14="http://schemas.microsoft.com/office/drawing/2010/main" val="0"/>
+              </a:ext>
+            </a:extLst>
+          </a:blip>
+          <a:stretch>
+            <a:fillRect/>
+          </a:stretch>
+        </p:blipFill>
+        <p:spPr>
+          <a:xfrm>
+            <a:off x="6821376" y="2482941"/>
+            <a:ext cx="3075574" cy="2828260"/>
           </a:xfrm>
           <a:prstGeom prst="rect">
             <a:avLst/>
@@ -13224,7 +13241,124 @@
   <p:timing>
     <p:tnLst>
       <p:par>
-        <p:cTn id="1" dur="indefinite" restart="never" nodeType="tmRoot"/>
+        <p:cTn id="1" dur="indefinite" restart="never" nodeType="tmRoot">
+          <p:childTnLst>
+            <p:seq concurrent="1" nextAc="seek">
+              <p:cTn id="2" dur="indefinite" nodeType="mainSeq">
+                <p:childTnLst>
+                  <p:par>
+                    <p:cTn id="3" fill="hold">
+                      <p:stCondLst>
+                        <p:cond delay="indefinite"/>
+                      </p:stCondLst>
+                      <p:childTnLst>
+                        <p:par>
+                          <p:cTn id="4" fill="hold">
+                            <p:stCondLst>
+                              <p:cond delay="0"/>
+                            </p:stCondLst>
+                            <p:childTnLst>
+                              <p:par>
+                                <p:cTn id="5" presetID="1" presetClass="entr" presetSubtype="0" fill="hold" nodeType="clickEffect">
+                                  <p:stCondLst>
+                                    <p:cond delay="0"/>
+                                  </p:stCondLst>
+                                  <p:childTnLst>
+                                    <p:set>
+                                      <p:cBhvr>
+                                        <p:cTn id="6" dur="1" fill="hold">
+                                          <p:stCondLst>
+                                            <p:cond delay="0"/>
+                                          </p:stCondLst>
+                                        </p:cTn>
+                                        <p:tgtEl>
+                                          <p:spTgt spid="8"/>
+                                        </p:tgtEl>
+                                        <p:attrNameLst>
+                                          <p:attrName>style.visibility</p:attrName>
+                                        </p:attrNameLst>
+                                      </p:cBhvr>
+                                      <p:to>
+                                        <p:strVal val="visible"/>
+                                      </p:to>
+                                    </p:set>
+                                  </p:childTnLst>
+                                </p:cTn>
+                              </p:par>
+                            </p:childTnLst>
+                          </p:cTn>
+                        </p:par>
+                      </p:childTnLst>
+                    </p:cTn>
+                  </p:par>
+                  <p:par>
+                    <p:cTn id="7" fill="hold">
+                      <p:stCondLst>
+                        <p:cond delay="indefinite"/>
+                      </p:stCondLst>
+                      <p:childTnLst>
+                        <p:par>
+                          <p:cTn id="8" fill="hold">
+                            <p:stCondLst>
+                              <p:cond delay="0"/>
+                            </p:stCondLst>
+                            <p:childTnLst>
+                              <p:par>
+                                <p:cTn id="9" presetID="1" presetClass="entr" presetSubtype="0" fill="hold" nodeType="clickEffect">
+                                  <p:stCondLst>
+                                    <p:cond delay="0"/>
+                                  </p:stCondLst>
+                                  <p:childTnLst>
+                                    <p:set>
+                                      <p:cBhvr>
+                                        <p:cTn id="10" dur="1" fill="hold">
+                                          <p:stCondLst>
+                                            <p:cond delay="0"/>
+                                          </p:stCondLst>
+                                        </p:cTn>
+                                        <p:tgtEl>
+                                          <p:spTgt spid="3">
+                                            <p:txEl>
+                                              <p:pRg st="9" end="9"/>
+                                            </p:txEl>
+                                          </p:spTgt>
+                                        </p:tgtEl>
+                                        <p:attrNameLst>
+                                          <p:attrName>style.visibility</p:attrName>
+                                        </p:attrNameLst>
+                                      </p:cBhvr>
+                                      <p:to>
+                                        <p:strVal val="visible"/>
+                                      </p:to>
+                                    </p:set>
+                                  </p:childTnLst>
+                                </p:cTn>
+                              </p:par>
+                            </p:childTnLst>
+                          </p:cTn>
+                        </p:par>
+                      </p:childTnLst>
+                    </p:cTn>
+                  </p:par>
+                </p:childTnLst>
+              </p:cTn>
+              <p:prevCondLst>
+                <p:cond evt="onPrev" delay="0">
+                  <p:tgtEl>
+                    <p:sldTgt/>
+                  </p:tgtEl>
+                </p:cond>
+              </p:prevCondLst>
+              <p:nextCondLst>
+                <p:cond evt="onNext" delay="0">
+                  <p:tgtEl>
+                    <p:sldTgt/>
+                  </p:tgtEl>
+                </p:cond>
+              </p:nextCondLst>
+            </p:seq>
+          </p:childTnLst>
+        </p:cTn>
       </p:par>
     </p:tnLst>
   </p:timing>
@@ -13363,7 +13497,7 @@
             <a:fld id="{7AC709DD-AC18-4FBA-B4E6-46DED743653E}" type="datetime1">
               <a:rPr lang="de-DE" smtClean="0"/>
               <a:pPr/>
-              <a:t>12.12.2015</a:t>
+              <a:t>17.12.2015</a:t>
             </a:fld>
             <a:endParaRPr lang="de-DE"/>
           </a:p>
@@ -13947,7 +14081,7 @@
             <a:fld id="{7AC709DD-AC18-4FBA-B4E6-46DED743653E}" type="datetime1">
               <a:rPr lang="de-DE" smtClean="0"/>
               <a:pPr/>
-              <a:t>12.12.2015</a:t>
+              <a:t>17.12.2015</a:t>
             </a:fld>
             <a:endParaRPr lang="de-DE"/>
           </a:p>
@@ -14456,7 +14590,7 @@
             <a:fld id="{7AC709DD-AC18-4FBA-B4E6-46DED743653E}" type="datetime1">
               <a:rPr lang="de-DE" smtClean="0"/>
               <a:pPr/>
-              <a:t>12.12.2015</a:t>
+              <a:t>17.12.2015</a:t>
             </a:fld>
             <a:endParaRPr lang="de-DE"/>
           </a:p>
@@ -14587,7 +14721,7 @@
             <a:fld id="{7AC709DD-AC18-4FBA-B4E6-46DED743653E}" type="datetime1">
               <a:rPr lang="de-DE" smtClean="0"/>
               <a:pPr/>
-              <a:t>12.12.2015</a:t>
+              <a:t>17.12.2015</a:t>
             </a:fld>
             <a:endParaRPr lang="de-DE"/>
           </a:p>
@@ -14930,7 +15064,7 @@
             <a:fld id="{7AC709DD-AC18-4FBA-B4E6-46DED743653E}" type="datetime1">
               <a:rPr lang="de-DE" smtClean="0"/>
               <a:pPr/>
-              <a:t>12.12.2015</a:t>
+              <a:t>17.12.2015</a:t>
             </a:fld>
             <a:endParaRPr lang="de-DE"/>
           </a:p>
@@ -15111,7 +15245,7 @@
             <a:fld id="{7AC709DD-AC18-4FBA-B4E6-46DED743653E}" type="datetime1">
               <a:rPr lang="de-DE" smtClean="0"/>
               <a:pPr/>
-              <a:t>12.12.2015</a:t>
+              <a:t>17.12.2015</a:t>
             </a:fld>
             <a:endParaRPr lang="de-DE"/>
           </a:p>
@@ -15348,8 +15482,28 @@
                 </a14:m>
                 <a:r>
                   <a:rPr lang="de-DE" dirty="0" smtClean="0"/>
-                  <a:t> Overfitting vermeiden.   </a:t>
+                  <a:t> Overfitting </a:t>
                 </a:r>
+                <a:r>
+                  <a:rPr lang="de-DE" dirty="0" smtClean="0"/>
+                  <a:t>vermeiden </a:t>
+                </a:r>
+                <a14:m>
+                  <m:oMath xmlns:m="http://schemas.openxmlformats.org/officeDocument/2006/math">
+                    <m:r>
+                      <a:rPr lang="de-DE" i="1">
+                        <a:latin typeface="Cambria Math" panose="02040503050406030204" pitchFamily="18" charset="0"/>
+                        <a:ea typeface="Cambria Math" panose="02040503050406030204" pitchFamily="18" charset="0"/>
+                      </a:rPr>
+                      <m:t>→</m:t>
+                    </m:r>
+                  </m:oMath>
+                </a14:m>
+                <a:r>
+                  <a:rPr lang="de-DE" dirty="0" smtClean="0"/>
+                  <a:t> mangelnde Gen-F.   </a:t>
+                </a:r>
+                <a:endParaRPr lang="de-DE" dirty="0" smtClean="0"/>
               </a:p>
               <a:p>
                 <a:pPr lvl="2"/>
@@ -15372,7 +15526,6 @@
                   <a:rPr lang="de-DE" dirty="0" smtClean="0"/>
                   <a:t> Regelsatz kann nicht abgespeichert werden.</a:t>
                 </a:r>
-                <a:endParaRPr lang="de-DE" dirty="0" smtClean="0"/>
               </a:p>
               <a:p>
                 <a:pPr lvl="2"/>
@@ -15718,7 +15871,7 @@
             <a:fld id="{7AC709DD-AC18-4FBA-B4E6-46DED743653E}" type="datetime1">
               <a:rPr lang="de-DE" smtClean="0"/>
               <a:pPr/>
-              <a:t>12.12.2015</a:t>
+              <a:t>18.12.2015</a:t>
             </a:fld>
             <a:endParaRPr lang="de-DE"/>
           </a:p>
@@ -15779,7 +15932,7 @@
         </p:nvSpPr>
         <p:spPr>
           <a:xfrm>
-            <a:off x="9348384" y="2222205"/>
+            <a:off x="9764828" y="2221074"/>
             <a:ext cx="593056" cy="3817088"/>
           </a:xfrm>
           <a:prstGeom prst="rightBrace">
@@ -15817,7 +15970,7 @@
         </p:nvSpPr>
         <p:spPr>
           <a:xfrm>
-            <a:off x="9941438" y="3806453"/>
+            <a:off x="10336817" y="3806452"/>
             <a:ext cx="1910318" cy="646331"/>
           </a:xfrm>
           <a:prstGeom prst="rect">
@@ -15943,7 +16096,7 @@
             <a:fld id="{7AC709DD-AC18-4FBA-B4E6-46DED743653E}" type="datetime1">
               <a:rPr lang="de-DE" smtClean="0"/>
               <a:pPr/>
-              <a:t>12.12.2015</a:t>
+              <a:t>17.12.2015</a:t>
             </a:fld>
             <a:endParaRPr lang="de-DE"/>
           </a:p>
@@ -16149,7 +16302,11 @@
             <a:pPr lvl="2"/>
             <a:r>
               <a:rPr lang="de-DE" sz="2800" dirty="0" smtClean="0"/>
-              <a:t>MSE wird gebildet und zum „trainieren“ des Netzes genutzt.</a:t>
+              <a:t>Differenz </a:t>
+            </a:r>
+            <a:r>
+              <a:rPr lang="de-DE" sz="2800" dirty="0" smtClean="0"/>
+              <a:t>wird gebildet und zum „trainieren“ des Netzes genutzt.</a:t>
             </a:r>
           </a:p>
           <a:p>
@@ -16238,7 +16395,7 @@
             <a:fld id="{7AC709DD-AC18-4FBA-B4E6-46DED743653E}" type="datetime1">
               <a:rPr lang="de-DE" smtClean="0"/>
               <a:pPr/>
-              <a:t>12.12.2015</a:t>
+              <a:t>17.12.2015</a:t>
             </a:fld>
             <a:endParaRPr lang="de-DE"/>
           </a:p>
@@ -16413,21 +16570,27 @@
           <a:p>
             <a:pPr lvl="2"/>
             <a:r>
+              <a:rPr lang="de-DE" sz="2800" dirty="0"/>
+              <a:t>Differenz wird gebildet und zum „trainieren“ des Netzes genutzt</a:t>
+            </a:r>
+            <a:r>
               <a:rPr lang="de-DE" sz="2800" dirty="0" smtClean="0"/>
-              <a:t>MSE wird gebildet und zum „trainieren“ des Netzes genutzt.</a:t>
-            </a:r>
-          </a:p>
-          <a:p>
-            <a:pPr marL="914400" lvl="2" indent="0">
-              <a:buNone/>
-            </a:pPr>
-            <a:endParaRPr lang="de-DE" sz="1600" dirty="0" smtClean="0"/>
+              <a:t>.</a:t>
+            </a:r>
+          </a:p>
+          <a:p>
+            <a:pPr lvl="2"/>
+            <a:endParaRPr lang="de-DE" sz="1600" dirty="0"/>
           </a:p>
           <a:p>
             <a:pPr lvl="1"/>
             <a:r>
               <a:rPr lang="de-DE" sz="3400" dirty="0" smtClean="0"/>
-              <a:t>Bestärkendes Lernen</a:t>
+              <a:t>Bestärkendes </a:t>
+            </a:r>
+            <a:r>
+              <a:rPr lang="de-DE" sz="3400" dirty="0" smtClean="0"/>
+              <a:t>Lernen</a:t>
             </a:r>
           </a:p>
           <a:p>
@@ -16503,7 +16666,7 @@
             <a:fld id="{7AC709DD-AC18-4FBA-B4E6-46DED743653E}" type="datetime1">
               <a:rPr lang="de-DE" smtClean="0"/>
               <a:pPr/>
-              <a:t>12.12.2015</a:t>
+              <a:t>18.12.2015</a:t>
             </a:fld>
             <a:endParaRPr lang="de-DE"/>
           </a:p>
@@ -16675,8 +16838,8 @@
           </a:p>
         </p:txBody>
       </p:sp>
-      <mc:AlternateContent xmlns:mc="http://schemas.openxmlformats.org/markup-compatibility/2006" xmlns:a14="http://schemas.microsoft.com/office/drawing/2010/main">
-        <mc:Choice Requires="a14">
+      <mc:AlternateContent xmlns:mc="http://schemas.openxmlformats.org/markup-compatibility/2006">
+        <mc:Choice xmlns:a14="http://schemas.microsoft.com/office/drawing/2010/main" Requires="a14">
           <p:sp>
             <p:nvSpPr>
               <p:cNvPr id="3" name="Inhaltsplatzhalter 2"/>
@@ -16735,12 +16898,34 @@
               <a:p>
                 <a:pPr lvl="2"/>
                 <a:r>
+                  <a:rPr lang="de-DE" sz="2200" u="sng" dirty="0"/>
+                  <a:t>Differenz wird gebildet und zum „trainieren“ des Netzes genutzt</a:t>
+                </a:r>
+                <a:r>
                   <a:rPr lang="de-DE" sz="2200" u="sng" dirty="0" smtClean="0"/>
-                  <a:t>MSE wird gebildet und zum „trainieren“ des Netzes genutzt.</a:t>
+                  <a:t>.  </a:t>
                 </a:r>
+                <a14:m>
+                  <m:oMath xmlns:m="http://schemas.openxmlformats.org/officeDocument/2006/math">
+                    <m:r>
+                      <a:rPr lang="de-DE" sz="2200" i="0" u="sng" smtClean="0">
+                        <a:latin typeface="Cambria Math" panose="02040503050406030204" pitchFamily="18" charset="0"/>
+                        <a:ea typeface="Cambria Math" panose="02040503050406030204" pitchFamily="18" charset="0"/>
+                      </a:rPr>
+                      <m:t>→</m:t>
+                    </m:r>
+                  </m:oMath>
+                </a14:m>
+                <a:r>
+                  <a:rPr lang="de-DE" sz="2200" u="sng" dirty="0" smtClean="0"/>
+                  <a:t> MSE</a:t>
+                </a:r>
+                <a:endParaRPr lang="de-DE" sz="2200" u="sng" dirty="0"/>
               </a:p>
               <a:p>
-                <a:pPr lvl="2"/>
+                <a:pPr marL="914400" lvl="2" indent="0">
+                  <a:buNone/>
+                </a:pPr>
                 <a:endParaRPr lang="de-DE" dirty="0"/>
               </a:p>
               <a:p>
@@ -16938,7 +17123,7 @@
             </p:txBody>
           </p:sp>
         </mc:Choice>
-        <mc:Fallback xmlns="">
+        <mc:Fallback>
           <p:sp>
             <p:nvSpPr>
               <p:cNvPr id="3" name="Inhaltsplatzhalter 2"/>
@@ -16954,10 +17139,10 @@
                 <a:off x="838200" y="1889423"/>
                 <a:ext cx="10515600" cy="4351338"/>
               </a:xfrm>
-              <a:blipFill rotWithShape="1">
+              <a:blipFill rotWithShape="0">
                 <a:blip r:embed="rId2"/>
                 <a:stretch>
-                  <a:fillRect l="-1043" t="-3782"/>
+                  <a:fillRect l="-1043" t="-3922"/>
                 </a:stretch>
               </a:blipFill>
             </p:spPr>
@@ -16994,7 +17179,7 @@
             <a:fld id="{7AC709DD-AC18-4FBA-B4E6-46DED743653E}" type="datetime1">
               <a:rPr lang="de-DE" smtClean="0"/>
               <a:pPr/>
-              <a:t>12.12.2015</a:t>
+              <a:t>18.12.2015</a:t>
             </a:fld>
             <a:endParaRPr lang="de-DE"/>
           </a:p>
@@ -17422,7 +17607,7 @@
             <a:fld id="{7AC709DD-AC18-4FBA-B4E6-46DED743653E}" type="datetime1">
               <a:rPr lang="de-DE" smtClean="0"/>
               <a:pPr/>
-              <a:t>12.12.2015</a:t>
+              <a:t>17.12.2015</a:t>
             </a:fld>
             <a:endParaRPr lang="de-DE"/>
           </a:p>
@@ -17766,7 +17951,7 @@
             <a:fld id="{7AC709DD-AC18-4FBA-B4E6-46DED743653E}" type="datetime1">
               <a:rPr lang="de-DE" smtClean="0"/>
               <a:pPr/>
-              <a:t>12.12.2015</a:t>
+              <a:t>17.12.2015</a:t>
             </a:fld>
             <a:endParaRPr lang="de-DE"/>
           </a:p>
@@ -17874,7 +18059,7 @@
             <a:fld id="{7AC709DD-AC18-4FBA-B4E6-46DED743653E}" type="datetime1">
               <a:rPr lang="de-DE" smtClean="0"/>
               <a:pPr/>
-              <a:t>12.12.2015</a:t>
+              <a:t>17.12.2015</a:t>
             </a:fld>
             <a:endParaRPr lang="de-DE"/>
           </a:p>
@@ -18168,7 +18353,7 @@
             <a:fld id="{7AC709DD-AC18-4FBA-B4E6-46DED743653E}" type="datetime1">
               <a:rPr lang="de-DE" smtClean="0"/>
               <a:pPr/>
-              <a:t>12.12.2015</a:t>
+              <a:t>17.12.2015</a:t>
             </a:fld>
             <a:endParaRPr lang="de-DE"/>
           </a:p>
@@ -18488,8 +18673,13 @@
           <a:p>
             <a:r>
               <a:rPr lang="de-DE" dirty="0" smtClean="0"/>
-              <a:t>Umsetzung mit Neuroph</a:t>
-            </a:r>
+              <a:t>Umsetzung mit </a:t>
+            </a:r>
+            <a:r>
+              <a:rPr lang="de-DE" dirty="0" smtClean="0"/>
+              <a:t>Neuroph Studio </a:t>
+            </a:r>
+            <a:endParaRPr lang="de-DE" dirty="0" smtClean="0"/>
           </a:p>
           <a:p>
             <a:pPr marL="457200" lvl="1" indent="0">
@@ -18555,7 +18745,7 @@
             <a:fld id="{7AC709DD-AC18-4FBA-B4E6-46DED743653E}" type="datetime1">
               <a:rPr lang="de-DE" smtClean="0"/>
               <a:pPr/>
-              <a:t>12.12.2015</a:t>
+              <a:t>17.12.2015</a:t>
             </a:fld>
             <a:endParaRPr lang="de-DE"/>
           </a:p>
@@ -18831,7 +19021,7 @@
             <a:fld id="{7AC709DD-AC18-4FBA-B4E6-46DED743653E}" type="datetime1">
               <a:rPr lang="de-DE" smtClean="0"/>
               <a:pPr/>
-              <a:t>12.12.2015</a:t>
+              <a:t>17.12.2015</a:t>
             </a:fld>
             <a:endParaRPr lang="de-DE"/>
           </a:p>
@@ -19118,13 +19308,13 @@
           <p:nvPr>
             <p:extLst>
               <p:ext uri="{D42A27DB-BD31-4B8C-83A1-F6EECF244321}">
-                <p14:modId xmlns:p14="http://schemas.microsoft.com/office/powerpoint/2010/main" val="1022215839"/>
+                <p14:modId xmlns:p14="http://schemas.microsoft.com/office/powerpoint/2010/main" val="2641416645"/>
               </p:ext>
             </p:extLst>
           </p:nvPr>
         </p:nvGraphicFramePr>
         <p:xfrm>
-          <a:off x="903382" y="202020"/>
+          <a:off x="350489" y="382773"/>
           <a:ext cx="10686105" cy="5826322"/>
         </p:xfrm>
         <a:graphic>
@@ -19259,7 +19449,7 @@
             <a:fld id="{7AC709DD-AC18-4FBA-B4E6-46DED743653E}" type="datetime1">
               <a:rPr lang="de-DE" smtClean="0"/>
               <a:pPr/>
-              <a:t>12.12.2015</a:t>
+              <a:t>17.12.2015</a:t>
             </a:fld>
             <a:endParaRPr lang="de-DE"/>
           </a:p>
@@ -19320,8 +19510,8 @@
         </p:nvSpPr>
         <p:spPr>
           <a:xfrm rot="16200000">
-            <a:off x="1833623" y="2882639"/>
-            <a:ext cx="606056" cy="2596902"/>
+            <a:off x="1737287" y="2810840"/>
+            <a:ext cx="606056" cy="3213304"/>
           </a:xfrm>
           <a:prstGeom prst="leftBrace">
             <a:avLst/>
@@ -19358,8 +19548,8 @@
         </p:nvSpPr>
         <p:spPr>
           <a:xfrm rot="16200000">
-            <a:off x="4430526" y="2882639"/>
-            <a:ext cx="606056" cy="2596902"/>
+            <a:off x="5112414" y="2634473"/>
+            <a:ext cx="606056" cy="3565599"/>
           </a:xfrm>
           <a:prstGeom prst="leftBrace">
             <a:avLst/>
@@ -19390,14 +19580,281 @@
       </p:sp>
       <p:sp>
         <p:nvSpPr>
-          <p:cNvPr id="14" name="Geschweifte Klammer links 13"/>
+          <p:cNvPr id="19" name="Textfeld 18"/>
+          <p:cNvSpPr txBox="1"/>
+          <p:nvPr/>
+        </p:nvSpPr>
+        <p:spPr>
+          <a:xfrm>
+            <a:off x="1313249" y="4768026"/>
+            <a:ext cx="1461639" cy="1477328"/>
+          </a:xfrm>
+          <a:prstGeom prst="rect">
+            <a:avLst/>
+          </a:prstGeom>
+          <a:noFill/>
+        </p:spPr>
+        <p:txBody>
+          <a:bodyPr wrap="square" rtlCol="0">
+            <a:spAutoFit/>
+          </a:bodyPr>
+          <a:lstStyle/>
+          <a:p>
+            <a:pPr marL="285750" indent="-285750">
+              <a:buFont typeface="Wingdings" panose="05000000000000000000" pitchFamily="2" charset="2"/>
+              <a:buChar char="§"/>
+            </a:pPr>
+            <a:r>
+              <a:rPr lang="de-DE" dirty="0" smtClean="0"/>
+              <a:t>…</a:t>
+            </a:r>
+          </a:p>
+          <a:p>
+            <a:pPr marL="285750" indent="-285750">
+              <a:buFont typeface="Wingdings" panose="05000000000000000000" pitchFamily="2" charset="2"/>
+              <a:buChar char="§"/>
+            </a:pPr>
+            <a:r>
+              <a:rPr lang="de-DE" dirty="0" smtClean="0"/>
+              <a:t>4-5-1 (B) </a:t>
+            </a:r>
+          </a:p>
+          <a:p>
+            <a:pPr marL="285750" indent="-285750">
+              <a:buFont typeface="Wingdings" panose="05000000000000000000" pitchFamily="2" charset="2"/>
+              <a:buChar char="§"/>
+            </a:pPr>
+            <a:r>
+              <a:rPr lang="de-DE" b="1" dirty="0" smtClean="0"/>
+              <a:t>4-9-1</a:t>
+            </a:r>
+            <a:r>
+              <a:rPr lang="de-DE" dirty="0" smtClean="0"/>
+              <a:t> (B)</a:t>
+            </a:r>
+          </a:p>
+          <a:p>
+            <a:pPr marL="285750" indent="-285750">
+              <a:buFont typeface="Wingdings" panose="05000000000000000000" pitchFamily="2" charset="2"/>
+              <a:buChar char="§"/>
+            </a:pPr>
+            <a:r>
+              <a:rPr lang="de-DE" dirty="0" smtClean="0"/>
+              <a:t>4-13-1 (B)</a:t>
+            </a:r>
+          </a:p>
+          <a:p>
+            <a:pPr marL="285750" indent="-285750">
+              <a:buFont typeface="Wingdings" panose="05000000000000000000" pitchFamily="2" charset="2"/>
+              <a:buChar char="§"/>
+            </a:pPr>
+            <a:r>
+              <a:rPr lang="de-DE" dirty="0" smtClean="0"/>
+              <a:t>…</a:t>
+            </a:r>
+          </a:p>
+        </p:txBody>
+      </p:sp>
+      <p:sp>
+        <p:nvSpPr>
+          <p:cNvPr id="20" name="Textfeld 19"/>
+          <p:cNvSpPr txBox="1"/>
+          <p:nvPr/>
+        </p:nvSpPr>
+        <p:spPr>
+          <a:xfrm>
+            <a:off x="4686336" y="4846086"/>
+            <a:ext cx="1479603" cy="646331"/>
+          </a:xfrm>
+          <a:prstGeom prst="rect">
+            <a:avLst/>
+          </a:prstGeom>
+          <a:noFill/>
+        </p:spPr>
+        <p:txBody>
+          <a:bodyPr wrap="square" rtlCol="0">
+            <a:spAutoFit/>
+          </a:bodyPr>
+          <a:lstStyle/>
+          <a:p>
+            <a:pPr marL="285750" indent="-285750">
+              <a:buFont typeface="Wingdings" panose="05000000000000000000" pitchFamily="2" charset="2"/>
+              <a:buChar char="§"/>
+            </a:pPr>
+            <a:r>
+              <a:rPr lang="de-DE" b="1" dirty="0" smtClean="0"/>
+              <a:t>Sigmoid</a:t>
+            </a:r>
+          </a:p>
+          <a:p>
+            <a:pPr marL="285750" indent="-285750">
+              <a:buFont typeface="Wingdings" panose="05000000000000000000" pitchFamily="2" charset="2"/>
+              <a:buChar char="§"/>
+            </a:pPr>
+            <a:r>
+              <a:rPr lang="de-DE" dirty="0" smtClean="0"/>
+              <a:t>Tanh</a:t>
+            </a:r>
+          </a:p>
+        </p:txBody>
+      </p:sp>
+      <p:sp>
+        <p:nvSpPr>
+          <p:cNvPr id="22" name="Textfeld 21"/>
+          <p:cNvSpPr txBox="1"/>
+          <p:nvPr/>
+        </p:nvSpPr>
+        <p:spPr>
+          <a:xfrm>
+            <a:off x="7811769" y="4849720"/>
+            <a:ext cx="2340693" cy="1200329"/>
+          </a:xfrm>
+          <a:prstGeom prst="rect">
+            <a:avLst/>
+          </a:prstGeom>
+          <a:noFill/>
+        </p:spPr>
+        <p:txBody>
+          <a:bodyPr wrap="square" rtlCol="0">
+            <a:spAutoFit/>
+          </a:bodyPr>
+          <a:lstStyle/>
+          <a:p>
+            <a:pPr marL="285750" indent="-285750">
+              <a:buFont typeface="Wingdings" panose="05000000000000000000" pitchFamily="2" charset="2"/>
+              <a:buChar char="§"/>
+            </a:pPr>
+            <a:r>
+              <a:rPr lang="de-DE" b="1" dirty="0" smtClean="0"/>
+              <a:t>Backpropagation</a:t>
+            </a:r>
+          </a:p>
+          <a:p>
+            <a:pPr marL="285750" indent="-285750">
+              <a:buFont typeface="Wingdings" panose="05000000000000000000" pitchFamily="2" charset="2"/>
+              <a:buChar char="§"/>
+            </a:pPr>
+            <a:r>
+              <a:rPr lang="de-DE" dirty="0" smtClean="0"/>
+              <a:t>M-Backpropagation</a:t>
+            </a:r>
+          </a:p>
+          <a:p>
+            <a:pPr marL="285750" indent="-285750">
+              <a:buFont typeface="Wingdings" panose="05000000000000000000" pitchFamily="2" charset="2"/>
+              <a:buChar char="§"/>
+            </a:pPr>
+            <a:r>
+              <a:rPr lang="de-DE" dirty="0" smtClean="0"/>
+              <a:t>R-BP</a:t>
+            </a:r>
+          </a:p>
+          <a:p>
+            <a:pPr marL="285750" indent="-285750">
+              <a:buFont typeface="Wingdings" panose="05000000000000000000" pitchFamily="2" charset="2"/>
+              <a:buChar char="§"/>
+            </a:pPr>
+            <a:endParaRPr lang="de-DE" dirty="0"/>
+          </a:p>
+        </p:txBody>
+      </p:sp>
+      <p:sp>
+        <p:nvSpPr>
+          <p:cNvPr id="24" name="Eckige Klammer links/rechts 23"/>
           <p:cNvSpPr/>
           <p:nvPr/>
         </p:nvSpPr>
         <p:spPr>
+          <a:xfrm>
+            <a:off x="811288" y="4596879"/>
+            <a:ext cx="10034511" cy="1539698"/>
+          </a:xfrm>
+          <a:prstGeom prst="bracketPair">
+            <a:avLst/>
+          </a:prstGeom>
+        </p:spPr>
+        <p:style>
+          <a:lnRef idx="1">
+            <a:schemeClr val="dk1"/>
+          </a:lnRef>
+          <a:fillRef idx="0">
+            <a:schemeClr val="dk1"/>
+          </a:fillRef>
+          <a:effectRef idx="0">
+            <a:schemeClr val="dk1"/>
+          </a:effectRef>
+          <a:fontRef idx="minor">
+            <a:schemeClr val="tx1"/>
+          </a:fontRef>
+        </p:style>
+        <p:txBody>
+          <a:bodyPr rtlCol="0" anchor="ctr"/>
+          <a:lstStyle/>
+          <a:p>
+            <a:pPr algn="ctr"/>
+            <a:endParaRPr lang="de-DE"/>
+          </a:p>
+        </p:txBody>
+      </p:sp>
+      <p:sp>
+        <p:nvSpPr>
+          <p:cNvPr id="25" name="Textfeld 24"/>
+          <p:cNvSpPr txBox="1"/>
+          <p:nvPr/>
+        </p:nvSpPr>
+        <p:spPr>
+          <a:xfrm>
+            <a:off x="10748191" y="4846086"/>
+            <a:ext cx="1533729" cy="923330"/>
+          </a:xfrm>
+          <a:prstGeom prst="rect">
+            <a:avLst/>
+          </a:prstGeom>
+          <a:noFill/>
+        </p:spPr>
+        <p:txBody>
+          <a:bodyPr wrap="square" rtlCol="0">
+            <a:spAutoFit/>
+          </a:bodyPr>
+          <a:lstStyle/>
+          <a:p>
+            <a:pPr algn="ctr"/>
+            <a:r>
+              <a:rPr lang="de-DE" dirty="0" smtClean="0"/>
+              <a:t>Jeweils: </a:t>
+            </a:r>
+          </a:p>
+          <a:p>
+            <a:pPr algn="ctr"/>
+            <a:r>
+              <a:rPr lang="de-DE" dirty="0" smtClean="0"/>
+              <a:t>5 mal mit je</a:t>
+            </a:r>
+          </a:p>
+          <a:p>
+            <a:pPr algn="ctr"/>
+            <a:r>
+              <a:rPr lang="de-DE" dirty="0"/>
+              <a:t>1</a:t>
+            </a:r>
+            <a:r>
+              <a:rPr lang="de-DE" dirty="0" smtClean="0"/>
+              <a:t>0.000 Zyklen</a:t>
+            </a:r>
+            <a:endParaRPr lang="de-DE" dirty="0"/>
+          </a:p>
+        </p:txBody>
+      </p:sp>
+      <p:sp>
+        <p:nvSpPr>
+          <p:cNvPr id="18" name="Geschweifte Klammer links 17"/>
+          <p:cNvSpPr/>
+          <p:nvPr/>
+        </p:nvSpPr>
+        <p:spPr>
           <a:xfrm rot="16200000">
-            <a:off x="7091423" y="2882639"/>
-            <a:ext cx="606056" cy="2596902"/>
+            <a:off x="8671748" y="2666824"/>
+            <a:ext cx="606056" cy="3565599"/>
           </a:xfrm>
           <a:prstGeom prst="leftBrace">
             <a:avLst/>
@@ -19423,385 +19880,6 @@
           <a:p>
             <a:pPr algn="ctr"/>
             <a:endParaRPr lang="de-DE"/>
-          </a:p>
-        </p:txBody>
-      </p:sp>
-      <p:sp>
-        <p:nvSpPr>
-          <p:cNvPr id="15" name="Geschweifte Klammer links 14"/>
-          <p:cNvSpPr/>
-          <p:nvPr/>
-        </p:nvSpPr>
-        <p:spPr>
-          <a:xfrm rot="16200000">
-            <a:off x="9779688" y="2791275"/>
-            <a:ext cx="606056" cy="2779628"/>
-          </a:xfrm>
-          <a:prstGeom prst="leftBrace">
-            <a:avLst/>
-          </a:prstGeom>
-        </p:spPr>
-        <p:style>
-          <a:lnRef idx="1">
-            <a:schemeClr val="dk1"/>
-          </a:lnRef>
-          <a:fillRef idx="0">
-            <a:schemeClr val="dk1"/>
-          </a:fillRef>
-          <a:effectRef idx="0">
-            <a:schemeClr val="dk1"/>
-          </a:effectRef>
-          <a:fontRef idx="minor">
-            <a:schemeClr val="tx1"/>
-          </a:fontRef>
-        </p:style>
-        <p:txBody>
-          <a:bodyPr rtlCol="0" anchor="ctr"/>
-          <a:lstStyle/>
-          <a:p>
-            <a:pPr algn="ctr"/>
-            <a:endParaRPr lang="de-DE"/>
-          </a:p>
-        </p:txBody>
-      </p:sp>
-      <p:sp>
-        <p:nvSpPr>
-          <p:cNvPr id="19" name="Textfeld 18"/>
-          <p:cNvSpPr txBox="1"/>
-          <p:nvPr/>
-        </p:nvSpPr>
-        <p:spPr>
-          <a:xfrm>
-            <a:off x="1580104" y="4645789"/>
-            <a:ext cx="1461639" cy="1477328"/>
-          </a:xfrm>
-          <a:prstGeom prst="rect">
-            <a:avLst/>
-          </a:prstGeom>
-          <a:noFill/>
-        </p:spPr>
-        <p:txBody>
-          <a:bodyPr wrap="square" rtlCol="0">
-            <a:spAutoFit/>
-          </a:bodyPr>
-          <a:lstStyle/>
-          <a:p>
-            <a:pPr marL="285750" indent="-285750">
-              <a:buFont typeface="Wingdings" panose="05000000000000000000" pitchFamily="2" charset="2"/>
-              <a:buChar char="§"/>
-            </a:pPr>
-            <a:r>
-              <a:rPr lang="de-DE" dirty="0" smtClean="0"/>
-              <a:t>…</a:t>
-            </a:r>
-          </a:p>
-          <a:p>
-            <a:pPr marL="285750" indent="-285750">
-              <a:buFont typeface="Wingdings" panose="05000000000000000000" pitchFamily="2" charset="2"/>
-              <a:buChar char="§"/>
-            </a:pPr>
-            <a:r>
-              <a:rPr lang="de-DE" dirty="0" smtClean="0"/>
-              <a:t>4-5-1 (B) </a:t>
-            </a:r>
-          </a:p>
-          <a:p>
-            <a:pPr marL="285750" indent="-285750">
-              <a:buFont typeface="Wingdings" panose="05000000000000000000" pitchFamily="2" charset="2"/>
-              <a:buChar char="§"/>
-            </a:pPr>
-            <a:r>
-              <a:rPr lang="de-DE" b="1" dirty="0" smtClean="0"/>
-              <a:t>4-9-1</a:t>
-            </a:r>
-            <a:r>
-              <a:rPr lang="de-DE" dirty="0" smtClean="0"/>
-              <a:t> (B)</a:t>
-            </a:r>
-          </a:p>
-          <a:p>
-            <a:pPr marL="285750" indent="-285750">
-              <a:buFont typeface="Wingdings" panose="05000000000000000000" pitchFamily="2" charset="2"/>
-              <a:buChar char="§"/>
-            </a:pPr>
-            <a:r>
-              <a:rPr lang="de-DE" dirty="0" smtClean="0"/>
-              <a:t>4-13-1 (B)</a:t>
-            </a:r>
-          </a:p>
-          <a:p>
-            <a:pPr marL="285750" indent="-285750">
-              <a:buFont typeface="Wingdings" panose="05000000000000000000" pitchFamily="2" charset="2"/>
-              <a:buChar char="§"/>
-            </a:pPr>
-            <a:r>
-              <a:rPr lang="de-DE" dirty="0" smtClean="0"/>
-              <a:t>…</a:t>
-            </a:r>
-          </a:p>
-        </p:txBody>
-      </p:sp>
-      <p:sp>
-        <p:nvSpPr>
-          <p:cNvPr id="20" name="Textfeld 19"/>
-          <p:cNvSpPr txBox="1"/>
-          <p:nvPr/>
-        </p:nvSpPr>
-        <p:spPr>
-          <a:xfrm>
-            <a:off x="3984498" y="4674706"/>
-            <a:ext cx="1479603" cy="646331"/>
-          </a:xfrm>
-          <a:prstGeom prst="rect">
-            <a:avLst/>
-          </a:prstGeom>
-          <a:noFill/>
-        </p:spPr>
-        <p:txBody>
-          <a:bodyPr wrap="square" rtlCol="0">
-            <a:spAutoFit/>
-          </a:bodyPr>
-          <a:lstStyle/>
-          <a:p>
-            <a:pPr marL="285750" indent="-285750">
-              <a:buFont typeface="Wingdings" panose="05000000000000000000" pitchFamily="2" charset="2"/>
-              <a:buChar char="§"/>
-            </a:pPr>
-            <a:r>
-              <a:rPr lang="de-DE" b="1" dirty="0" smtClean="0"/>
-              <a:t>Sigmoid</a:t>
-            </a:r>
-          </a:p>
-          <a:p>
-            <a:pPr marL="285750" indent="-285750">
-              <a:buFont typeface="Wingdings" panose="05000000000000000000" pitchFamily="2" charset="2"/>
-              <a:buChar char="§"/>
-            </a:pPr>
-            <a:r>
-              <a:rPr lang="de-DE" dirty="0" smtClean="0"/>
-              <a:t>Tanh</a:t>
-            </a:r>
-          </a:p>
-        </p:txBody>
-      </p:sp>
-      <p:sp>
-        <p:nvSpPr>
-          <p:cNvPr id="22" name="Textfeld 21"/>
-          <p:cNvSpPr txBox="1"/>
-          <p:nvPr/>
-        </p:nvSpPr>
-        <p:spPr>
-          <a:xfrm>
-            <a:off x="6229545" y="4660481"/>
-            <a:ext cx="2340693" cy="1200329"/>
-          </a:xfrm>
-          <a:prstGeom prst="rect">
-            <a:avLst/>
-          </a:prstGeom>
-          <a:noFill/>
-        </p:spPr>
-        <p:txBody>
-          <a:bodyPr wrap="square" rtlCol="0">
-            <a:spAutoFit/>
-          </a:bodyPr>
-          <a:lstStyle/>
-          <a:p>
-            <a:pPr marL="285750" indent="-285750">
-              <a:buFont typeface="Wingdings" panose="05000000000000000000" pitchFamily="2" charset="2"/>
-              <a:buChar char="§"/>
-            </a:pPr>
-            <a:r>
-              <a:rPr lang="de-DE" b="1" dirty="0" smtClean="0"/>
-              <a:t>Backpropagation</a:t>
-            </a:r>
-          </a:p>
-          <a:p>
-            <a:pPr marL="285750" indent="-285750">
-              <a:buFont typeface="Wingdings" panose="05000000000000000000" pitchFamily="2" charset="2"/>
-              <a:buChar char="§"/>
-            </a:pPr>
-            <a:r>
-              <a:rPr lang="de-DE" dirty="0" smtClean="0"/>
-              <a:t>M-Backpropagation</a:t>
-            </a:r>
-          </a:p>
-          <a:p>
-            <a:pPr marL="285750" indent="-285750">
-              <a:buFont typeface="Wingdings" panose="05000000000000000000" pitchFamily="2" charset="2"/>
-              <a:buChar char="§"/>
-            </a:pPr>
-            <a:r>
-              <a:rPr lang="de-DE" dirty="0" smtClean="0"/>
-              <a:t>R-BP</a:t>
-            </a:r>
-          </a:p>
-          <a:p>
-            <a:pPr marL="285750" indent="-285750">
-              <a:buFont typeface="Wingdings" panose="05000000000000000000" pitchFamily="2" charset="2"/>
-              <a:buChar char="§"/>
-            </a:pPr>
-            <a:endParaRPr lang="de-DE" dirty="0"/>
-          </a:p>
-        </p:txBody>
-      </p:sp>
-      <p:sp>
-        <p:nvSpPr>
-          <p:cNvPr id="23" name="Textfeld 22"/>
-          <p:cNvSpPr txBox="1"/>
-          <p:nvPr/>
-        </p:nvSpPr>
-        <p:spPr>
-          <a:xfrm>
-            <a:off x="9512993" y="4674706"/>
-            <a:ext cx="1137683" cy="1477328"/>
-          </a:xfrm>
-          <a:prstGeom prst="rect">
-            <a:avLst/>
-          </a:prstGeom>
-          <a:noFill/>
-        </p:spPr>
-        <p:txBody>
-          <a:bodyPr wrap="square" rtlCol="0">
-            <a:spAutoFit/>
-          </a:bodyPr>
-          <a:lstStyle/>
-          <a:p>
-            <a:pPr marL="285750" indent="-285750">
-              <a:buFont typeface="Wingdings" panose="05000000000000000000" pitchFamily="2" charset="2"/>
-              <a:buChar char="§"/>
-            </a:pPr>
-            <a:r>
-              <a:rPr lang="de-DE" dirty="0" smtClean="0"/>
-              <a:t>0,9</a:t>
-            </a:r>
-          </a:p>
-          <a:p>
-            <a:pPr marL="285750" indent="-285750">
-              <a:buFont typeface="Wingdings" panose="05000000000000000000" pitchFamily="2" charset="2"/>
-              <a:buChar char="§"/>
-            </a:pPr>
-            <a:r>
-              <a:rPr lang="de-DE" b="1" dirty="0" smtClean="0"/>
-              <a:t>...</a:t>
-            </a:r>
-          </a:p>
-          <a:p>
-            <a:pPr marL="285750" indent="-285750">
-              <a:buFont typeface="Wingdings" panose="05000000000000000000" pitchFamily="2" charset="2"/>
-              <a:buChar char="§"/>
-            </a:pPr>
-            <a:r>
-              <a:rPr lang="de-DE" b="1" smtClean="0"/>
-              <a:t>0,7</a:t>
-            </a:r>
-            <a:endParaRPr lang="de-DE" b="1" dirty="0" smtClean="0"/>
-          </a:p>
-          <a:p>
-            <a:pPr marL="285750" indent="-285750">
-              <a:buFont typeface="Wingdings" panose="05000000000000000000" pitchFamily="2" charset="2"/>
-              <a:buChar char="§"/>
-            </a:pPr>
-            <a:r>
-              <a:rPr lang="de-DE" dirty="0" smtClean="0"/>
-              <a:t>…</a:t>
-            </a:r>
-          </a:p>
-          <a:p>
-            <a:pPr marL="285750" indent="-285750">
-              <a:buFont typeface="Wingdings" panose="05000000000000000000" pitchFamily="2" charset="2"/>
-              <a:buChar char="§"/>
-            </a:pPr>
-            <a:r>
-              <a:rPr lang="de-DE" dirty="0" smtClean="0"/>
-              <a:t>0,1</a:t>
-            </a:r>
-          </a:p>
-        </p:txBody>
-      </p:sp>
-      <p:sp>
-        <p:nvSpPr>
-          <p:cNvPr id="24" name="Eckige Klammer links/rechts 23"/>
-          <p:cNvSpPr/>
-          <p:nvPr/>
-        </p:nvSpPr>
-        <p:spPr>
-          <a:xfrm>
-            <a:off x="800656" y="4596879"/>
-            <a:ext cx="9721248" cy="1539698"/>
-          </a:xfrm>
-          <a:prstGeom prst="bracketPair">
-            <a:avLst/>
-          </a:prstGeom>
-        </p:spPr>
-        <p:style>
-          <a:lnRef idx="1">
-            <a:schemeClr val="dk1"/>
-          </a:lnRef>
-          <a:fillRef idx="0">
-            <a:schemeClr val="dk1"/>
-          </a:fillRef>
-          <a:effectRef idx="0">
-            <a:schemeClr val="dk1"/>
-          </a:effectRef>
-          <a:fontRef idx="minor">
-            <a:schemeClr val="tx1"/>
-          </a:fontRef>
-        </p:style>
-        <p:txBody>
-          <a:bodyPr rtlCol="0" anchor="ctr"/>
-          <a:lstStyle/>
-          <a:p>
-            <a:pPr algn="ctr"/>
-            <a:endParaRPr lang="de-DE"/>
-          </a:p>
-        </p:txBody>
-      </p:sp>
-      <p:sp>
-        <p:nvSpPr>
-          <p:cNvPr id="25" name="Textfeld 24"/>
-          <p:cNvSpPr txBox="1"/>
-          <p:nvPr/>
-        </p:nvSpPr>
-        <p:spPr>
-          <a:xfrm>
-            <a:off x="10623665" y="4937479"/>
-            <a:ext cx="1533729" cy="923330"/>
-          </a:xfrm>
-          <a:prstGeom prst="rect">
-            <a:avLst/>
-          </a:prstGeom>
-          <a:noFill/>
-        </p:spPr>
-        <p:txBody>
-          <a:bodyPr wrap="square" rtlCol="0">
-            <a:spAutoFit/>
-          </a:bodyPr>
-          <a:lstStyle/>
-          <a:p>
-            <a:pPr algn="ctr"/>
-            <a:r>
-              <a:rPr lang="de-DE" dirty="0" smtClean="0"/>
-              <a:t>Jeweils: </a:t>
-            </a:r>
-          </a:p>
-          <a:p>
-            <a:pPr algn="ctr"/>
-            <a:r>
-              <a:rPr lang="de-DE" dirty="0" smtClean="0"/>
-              <a:t>5 mal mit je</a:t>
-            </a:r>
-          </a:p>
-          <a:p>
-            <a:pPr algn="ctr"/>
-            <a:r>
-              <a:rPr lang="de-DE" dirty="0"/>
-              <a:t>1</a:t>
-            </a:r>
-            <a:r>
-              <a:rPr lang="de-DE" dirty="0" smtClean="0"/>
-              <a:t>0.000 Zyklen</a:t>
-            </a:r>
-            <a:endParaRPr lang="de-DE" dirty="0"/>
           </a:p>
         </p:txBody>
       </p:sp>
@@ -19949,7 +20027,7 @@
             <a:fld id="{7AC709DD-AC18-4FBA-B4E6-46DED743653E}" type="datetime1">
               <a:rPr lang="de-DE" smtClean="0"/>
               <a:pPr/>
-              <a:t>12.12.2015</a:t>
+              <a:t>17.12.2015</a:t>
             </a:fld>
             <a:endParaRPr lang="de-DE"/>
           </a:p>
@@ -20002,8 +20080,8 @@
           </a:p>
         </p:txBody>
       </p:sp>
-      <mc:AlternateContent xmlns:mc="http://schemas.openxmlformats.org/markup-compatibility/2006" xmlns:a14="http://schemas.microsoft.com/office/drawing/2010/main">
-        <mc:Choice Requires="a14">
+      <mc:AlternateContent xmlns:mc="http://schemas.openxmlformats.org/markup-compatibility/2006">
+        <mc:Choice xmlns:a14="http://schemas.microsoft.com/office/drawing/2010/main" Requires="a14">
           <p:sp>
             <p:nvSpPr>
               <p:cNvPr id="7" name="Textfeld 6"/>
@@ -20012,8 +20090,8 @@
             </p:nvSpPr>
             <p:spPr>
               <a:xfrm>
-                <a:off x="7669141" y="3809910"/>
-                <a:ext cx="3297458" cy="1223092"/>
+                <a:off x="7669140" y="3809910"/>
+                <a:ext cx="4190997" cy="1223092"/>
               </a:xfrm>
               <a:prstGeom prst="rect">
                 <a:avLst/>
@@ -20195,6 +20273,12 @@
                           </m:r>
                         </m:den>
                       </m:f>
+                      <m:r>
+                        <a:rPr lang="de-DE" b="0" i="1" smtClean="0">
+                          <a:latin typeface="Cambria Math" panose="02040503050406030204" pitchFamily="18" charset="0"/>
+                        </a:rPr>
+                        <m:t> ∗0,8+0,1</m:t>
+                      </m:r>
                     </m:oMath>
                   </m:oMathPara>
                 </a14:m>
@@ -20203,7 +20287,7 @@
             </p:txBody>
           </p:sp>
         </mc:Choice>
-        <mc:Fallback xmlns="">
+        <mc:Fallback>
           <p:sp>
             <p:nvSpPr>
               <p:cNvPr id="7" name="Textfeld 6"/>
@@ -20214,16 +20298,16 @@
             </p:nvSpPr>
             <p:spPr>
               <a:xfrm>
-                <a:off x="7669141" y="3809910"/>
-                <a:ext cx="3297458" cy="1223092"/>
+                <a:off x="7669140" y="3809910"/>
+                <a:ext cx="4190997" cy="1223092"/>
               </a:xfrm>
               <a:prstGeom prst="rect">
                 <a:avLst/>
               </a:prstGeom>
               <a:blipFill rotWithShape="0">
-                <a:blip r:embed="rId3" cstate="print"/>
+                <a:blip r:embed="rId3"/>
                 <a:stretch>
-                  <a:fillRect l="-1289" t="-2956"/>
+                  <a:fillRect l="-1014" t="-2956"/>
                 </a:stretch>
               </a:blipFill>
             </p:spPr>
@@ -21055,8 +21139,8 @@
           </a:p>
         </p:txBody>
       </p:sp>
-      <mc:AlternateContent xmlns:mc="http://schemas.openxmlformats.org/markup-compatibility/2006" xmlns:a14="http://schemas.microsoft.com/office/drawing/2010/main">
-        <mc:Choice Requires="a14">
+      <mc:AlternateContent xmlns:mc="http://schemas.openxmlformats.org/markup-compatibility/2006">
+        <mc:Choice xmlns:a14="http://schemas.microsoft.com/office/drawing/2010/main" Requires="a14">
           <p:sp>
             <p:nvSpPr>
               <p:cNvPr id="3" name="Inhaltsplatzhalter 2"/>
@@ -21105,30 +21189,23 @@
                 <a:pPr lvl="1"/>
                 <a:r>
                   <a:rPr lang="de-DE" dirty="0" smtClean="0"/>
-                  <a:t>Schritte: </a:t>
+                  <a:t>B steht hierbei für Bias-Neuron </a:t>
                 </a:r>
                 <a14:m>
                   <m:oMath xmlns:m="http://schemas.openxmlformats.org/officeDocument/2006/math">
                     <m:r>
-                      <a:rPr lang="de-DE" b="0" i="1" smtClean="0">
+                      <a:rPr lang="de-DE" i="1" smtClean="0">
                         <a:latin typeface="Cambria Math" panose="02040503050406030204" pitchFamily="18" charset="0"/>
+                        <a:ea typeface="Cambria Math" panose="02040503050406030204" pitchFamily="18" charset="0"/>
                       </a:rPr>
-                      <m:t>2</m:t>
-                    </m:r>
-                    <m:r>
-                      <a:rPr lang="de-DE" b="0" i="1" smtClean="0">
-                        <a:latin typeface="Cambria Math" panose="02040503050406030204" pitchFamily="18" charset="0"/>
-                      </a:rPr>
-                      <m:t>𝑛</m:t>
-                    </m:r>
-                    <m:r>
-                      <a:rPr lang="de-DE" b="0" i="1" smtClean="0">
-                        <a:latin typeface="Cambria Math" panose="02040503050406030204" pitchFamily="18" charset="0"/>
-                      </a:rPr>
-                      <m:t>+1</m:t>
+                      <m:t>→</m:t>
                     </m:r>
                   </m:oMath>
                 </a14:m>
+                <a:r>
+                  <a:rPr lang="de-DE" dirty="0" smtClean="0"/>
+                  <a:t> Schnellere Konvergenz.</a:t>
+                </a:r>
                 <a:endParaRPr lang="de-DE" dirty="0" smtClean="0"/>
               </a:p>
               <a:p>
@@ -21185,7 +21262,7 @@
             </p:txBody>
           </p:sp>
         </mc:Choice>
-        <mc:Fallback xmlns="">
+        <mc:Fallback>
           <p:sp>
             <p:nvSpPr>
               <p:cNvPr id="3" name="Inhaltsplatzhalter 2"/>
@@ -21198,7 +21275,7 @@
             </p:nvSpPr>
             <p:spPr>
               <a:blipFill rotWithShape="0">
-                <a:blip r:embed="rId3" cstate="print"/>
+                <a:blip r:embed="rId3"/>
                 <a:stretch>
                   <a:fillRect l="-1043" t="-2241" b="-2661"/>
                 </a:stretch>
@@ -21237,7 +21314,7 @@
             <a:fld id="{7AC709DD-AC18-4FBA-B4E6-46DED743653E}" type="datetime1">
               <a:rPr lang="de-DE" smtClean="0"/>
               <a:pPr/>
-              <a:t>12.12.2015</a:t>
+              <a:t>17.12.2015</a:t>
             </a:fld>
             <a:endParaRPr lang="de-DE"/>
           </a:p>
@@ -23123,7 +23200,7 @@
             <a:fld id="{7AC709DD-AC18-4FBA-B4E6-46DED743653E}" type="datetime1">
               <a:rPr lang="de-DE" smtClean="0"/>
               <a:pPr/>
-              <a:t>12.12.2015</a:t>
+              <a:t>17.12.2015</a:t>
             </a:fld>
             <a:endParaRPr lang="de-DE"/>
           </a:p>
@@ -25041,7 +25118,7 @@
             <a:fld id="{7AC709DD-AC18-4FBA-B4E6-46DED743653E}" type="datetime1">
               <a:rPr lang="de-DE" smtClean="0"/>
               <a:pPr/>
-              <a:t>12.12.2015</a:t>
+              <a:t>17.12.2015</a:t>
             </a:fld>
             <a:endParaRPr lang="de-DE"/>
           </a:p>
@@ -25794,7 +25871,7 @@
             <a:fld id="{7AC709DD-AC18-4FBA-B4E6-46DED743653E}" type="datetime1">
               <a:rPr lang="de-DE" smtClean="0"/>
               <a:pPr/>
-              <a:t>12.12.2015</a:t>
+              <a:t>17.12.2015</a:t>
             </a:fld>
             <a:endParaRPr lang="de-DE"/>
           </a:p>
@@ -26560,7 +26637,7 @@
             <a:fld id="{7AC709DD-AC18-4FBA-B4E6-46DED743653E}" type="datetime1">
               <a:rPr lang="de-DE" smtClean="0"/>
               <a:pPr/>
-              <a:t>12.12.2015</a:t>
+              <a:t>17.12.2015</a:t>
             </a:fld>
             <a:endParaRPr lang="de-DE"/>
           </a:p>
@@ -27563,7 +27640,7 @@
             <a:fld id="{7AC709DD-AC18-4FBA-B4E6-46DED743653E}" type="datetime1">
               <a:rPr lang="de-DE" smtClean="0"/>
               <a:pPr/>
-              <a:t>12.12.2015</a:t>
+              <a:t>17.12.2015</a:t>
             </a:fld>
             <a:endParaRPr lang="de-DE"/>
           </a:p>
@@ -28596,7 +28673,7 @@
             <a:fld id="{7AC709DD-AC18-4FBA-B4E6-46DED743653E}" type="datetime1">
               <a:rPr lang="de-DE" smtClean="0"/>
               <a:pPr/>
-              <a:t>12.12.2015</a:t>
+              <a:t>17.12.2015</a:t>
             </a:fld>
             <a:endParaRPr lang="de-DE"/>
           </a:p>
@@ -28713,85 +28790,528 @@
           </a:p>
         </p:txBody>
       </p:sp>
-      <p:sp>
-        <p:nvSpPr>
-          <p:cNvPr id="3" name="Inhaltsplatzhalter 2"/>
-          <p:cNvSpPr>
-            <a:spLocks noGrp="1"/>
-          </p:cNvSpPr>
-          <p:nvPr>
-            <p:ph idx="1"/>
-          </p:nvPr>
-        </p:nvSpPr>
-        <p:spPr/>
-        <p:txBody>
-          <a:bodyPr>
-            <a:normAutofit/>
-          </a:bodyPr>
-          <a:lstStyle/>
-          <a:p>
-            <a:r>
-              <a:rPr lang="de-DE" dirty="0" smtClean="0"/>
-              <a:t>Optimierung der Lernrate</a:t>
-            </a:r>
-            <a:endParaRPr lang="de-DE" dirty="0"/>
-          </a:p>
-          <a:p>
-            <a:endParaRPr lang="de-DE" dirty="0" smtClean="0"/>
-          </a:p>
-          <a:p>
-            <a:endParaRPr lang="de-DE" dirty="0"/>
-          </a:p>
-          <a:p>
-            <a:pPr marL="0" indent="0">
-              <a:buNone/>
-            </a:pPr>
-            <a:endParaRPr lang="de-DE" dirty="0" smtClean="0"/>
-          </a:p>
-          <a:p>
-            <a:pPr marL="0" indent="0">
-              <a:buNone/>
-            </a:pPr>
-            <a:endParaRPr lang="de-DE" dirty="0" smtClean="0"/>
-          </a:p>
-          <a:p>
-            <a:pPr marL="0" indent="0">
-              <a:buNone/>
-            </a:pPr>
-            <a:endParaRPr lang="de-DE" dirty="0" smtClean="0"/>
-          </a:p>
-          <a:p>
-            <a:pPr marL="0" indent="0">
-              <a:buNone/>
-            </a:pPr>
-            <a:endParaRPr lang="de-DE" dirty="0" smtClean="0"/>
-          </a:p>
-          <a:p>
-            <a:endParaRPr lang="de-DE" dirty="0" smtClean="0"/>
-          </a:p>
-          <a:p>
-            <a:endParaRPr lang="de-DE" dirty="0"/>
-          </a:p>
-          <a:p>
-            <a:endParaRPr lang="de-DE" dirty="0" smtClean="0"/>
-          </a:p>
-          <a:p>
-            <a:endParaRPr lang="de-DE" dirty="0"/>
-          </a:p>
-          <a:p>
-            <a:pPr marL="0" indent="0">
-              <a:buNone/>
-            </a:pPr>
-            <a:endParaRPr lang="de-DE" dirty="0"/>
-          </a:p>
-          <a:p>
-            <a:pPr marL="0" indent="0">
-              <a:buNone/>
-            </a:pPr>
-            <a:endParaRPr lang="de-DE" dirty="0" smtClean="0"/>
-          </a:p>
-        </p:txBody>
-      </p:sp>
+      <mc:AlternateContent xmlns:mc="http://schemas.openxmlformats.org/markup-compatibility/2006">
+        <mc:Choice xmlns:a14="http://schemas.microsoft.com/office/drawing/2010/main" Requires="a14">
+          <p:sp>
+            <p:nvSpPr>
+              <p:cNvPr id="3" name="Inhaltsplatzhalter 2"/>
+              <p:cNvSpPr>
+                <a:spLocks noGrp="1"/>
+              </p:cNvSpPr>
+              <p:nvPr>
+                <p:ph idx="1"/>
+              </p:nvPr>
+            </p:nvSpPr>
+            <p:spPr/>
+            <p:txBody>
+              <a:bodyPr>
+                <a:normAutofit/>
+              </a:bodyPr>
+              <a:lstStyle/>
+              <a:p>
+                <a:r>
+                  <a:rPr lang="de-DE" dirty="0" smtClean="0"/>
+                  <a:t>RPROP  </a:t>
+                </a:r>
+                <a14:m>
+                  <m:oMath xmlns:m="http://schemas.openxmlformats.org/officeDocument/2006/math">
+                    <m:r>
+                      <a:rPr lang="de-DE" i="1" smtClean="0">
+                        <a:latin typeface="Cambria Math" panose="02040503050406030204" pitchFamily="18" charset="0"/>
+                        <a:ea typeface="Cambria Math" panose="02040503050406030204" pitchFamily="18" charset="0"/>
+                      </a:rPr>
+                      <m:t>→</m:t>
+                    </m:r>
+                  </m:oMath>
+                </a14:m>
+                <a:r>
+                  <a:rPr lang="de-DE" dirty="0" smtClean="0"/>
+                  <a:t>„Federndes“ Backpropagation:</a:t>
+                </a:r>
+              </a:p>
+              <a:p>
+                <a:pPr lvl="1"/>
+                <a:r>
+                  <a:rPr lang="de-DE" dirty="0" smtClean="0"/>
+                  <a:t>Verfahren ändert Gewichte nur durch Vorzeichen des Gradienten.</a:t>
+                </a:r>
+              </a:p>
+              <a:p>
+                <a:pPr lvl="2"/>
+                <a:r>
+                  <a:rPr lang="de-DE" dirty="0" smtClean="0"/>
+                  <a:t>Dazu wird der Kurvenanstieg von </a:t>
+                </a:r>
+                <a14:m>
+                  <m:oMath xmlns:m="http://schemas.openxmlformats.org/officeDocument/2006/math">
+                    <m:r>
+                      <a:rPr lang="de-DE" b="0" i="1" smtClean="0">
+                        <a:latin typeface="Cambria Math" panose="02040503050406030204" pitchFamily="18" charset="0"/>
+                      </a:rPr>
+                      <m:t>𝑡</m:t>
+                    </m:r>
+                  </m:oMath>
+                </a14:m>
+                <a:r>
+                  <a:rPr lang="de-DE" dirty="0" smtClean="0"/>
+                  <a:t> und </a:t>
+                </a:r>
+                <a14:m>
+                  <m:oMath xmlns:m="http://schemas.openxmlformats.org/officeDocument/2006/math">
+                    <m:r>
+                      <a:rPr lang="de-DE" i="1">
+                        <a:latin typeface="Cambria Math" panose="02040503050406030204" pitchFamily="18" charset="0"/>
+                      </a:rPr>
+                      <m:t>𝑡</m:t>
+                    </m:r>
+                    <m:r>
+                      <a:rPr lang="de-DE" b="0" i="1" smtClean="0">
+                        <a:latin typeface="Cambria Math" panose="02040503050406030204" pitchFamily="18" charset="0"/>
+                      </a:rPr>
+                      <m:t>−1</m:t>
+                    </m:r>
+                  </m:oMath>
+                </a14:m>
+                <a:r>
+                  <a:rPr lang="de-DE" dirty="0" smtClean="0"/>
+                  <a:t> herangezogen (namens </a:t>
+                </a:r>
+                <a14:m>
+                  <m:oMath xmlns:m="http://schemas.openxmlformats.org/officeDocument/2006/math">
+                    <m:r>
+                      <a:rPr lang="de-DE" i="1">
+                        <a:latin typeface="Cambria Math" panose="02040503050406030204" pitchFamily="18" charset="0"/>
+                      </a:rPr>
+                      <m:t>𝑆</m:t>
+                    </m:r>
+                    <m:d>
+                      <m:dPr>
+                        <m:ctrlPr>
+                          <a:rPr lang="de-DE" i="1">
+                            <a:latin typeface="Cambria Math" panose="02040503050406030204" pitchFamily="18" charset="0"/>
+                          </a:rPr>
+                        </m:ctrlPr>
+                      </m:dPr>
+                      <m:e>
+                        <m:r>
+                          <a:rPr lang="de-DE" i="1">
+                            <a:latin typeface="Cambria Math" panose="02040503050406030204" pitchFamily="18" charset="0"/>
+                          </a:rPr>
+                          <m:t>𝑡</m:t>
+                        </m:r>
+                        <m:r>
+                          <a:rPr lang="de-DE" i="1">
+                            <a:latin typeface="Cambria Math" panose="02040503050406030204" pitchFamily="18" charset="0"/>
+                          </a:rPr>
+                          <m:t>−1</m:t>
+                        </m:r>
+                      </m:e>
+                    </m:d>
+                  </m:oMath>
+                </a14:m>
+                <a:r>
+                  <a:rPr lang="de-DE" dirty="0" smtClean="0"/>
+                  <a:t> und </a:t>
+                </a:r>
+                <a14:m>
+                  <m:oMath xmlns:m="http://schemas.openxmlformats.org/officeDocument/2006/math">
+                    <m:r>
+                      <a:rPr lang="de-DE" i="1">
+                        <a:latin typeface="Cambria Math" panose="02040503050406030204" pitchFamily="18" charset="0"/>
+                      </a:rPr>
+                      <m:t>𝑆</m:t>
+                    </m:r>
+                    <m:r>
+                      <a:rPr lang="de-DE" b="0" i="1" smtClean="0">
+                        <a:latin typeface="Cambria Math" panose="02040503050406030204" pitchFamily="18" charset="0"/>
+                      </a:rPr>
+                      <m:t>(</m:t>
+                    </m:r>
+                    <m:r>
+                      <a:rPr lang="de-DE" b="0" i="1" smtClean="0">
+                        <a:latin typeface="Cambria Math" panose="02040503050406030204" pitchFamily="18" charset="0"/>
+                      </a:rPr>
+                      <m:t>𝑡</m:t>
+                    </m:r>
+                    <m:r>
+                      <a:rPr lang="de-DE" b="0" i="1" smtClean="0">
+                        <a:latin typeface="Cambria Math" panose="02040503050406030204" pitchFamily="18" charset="0"/>
+                      </a:rPr>
+                      <m:t>)</m:t>
+                    </m:r>
+                  </m:oMath>
+                </a14:m>
+                <a:r>
+                  <a:rPr lang="de-DE" dirty="0" smtClean="0"/>
+                  <a:t>)</a:t>
+                </a:r>
+                <a:endParaRPr lang="de-DE" dirty="0"/>
+              </a:p>
+              <a:p>
+                <a:pPr marL="0" indent="0">
+                  <a:buNone/>
+                </a:pPr>
+                <a:endParaRPr lang="de-DE" dirty="0"/>
+              </a:p>
+              <a:p>
+                <a:pPr marL="0" indent="0">
+                  <a:buNone/>
+                </a:pPr>
+                <a:endParaRPr lang="de-DE" i="1" dirty="0" smtClean="0">
+                  <a:latin typeface="Cambria Math" panose="02040503050406030204" pitchFamily="18" charset="0"/>
+                </a:endParaRPr>
+              </a:p>
+              <a:p>
+                <a:pPr marL="0" indent="0">
+                  <a:buNone/>
+                </a:pPr>
+                <a14:m>
+                  <m:oMathPara xmlns:m="http://schemas.openxmlformats.org/officeDocument/2006/math">
+                    <m:oMathParaPr>
+                      <m:jc m:val="centerGroup"/>
+                    </m:oMathParaPr>
+                    <m:oMath xmlns:m="http://schemas.openxmlformats.org/officeDocument/2006/math">
+                      <m:sSub>
+                        <m:sSubPr>
+                          <m:ctrlPr>
+                            <a:rPr lang="de-DE" i="1" smtClean="0">
+                              <a:latin typeface="Cambria Math" panose="02040503050406030204" pitchFamily="18" charset="0"/>
+                            </a:rPr>
+                          </m:ctrlPr>
+                        </m:sSubPr>
+                        <m:e>
+                          <m:r>
+                            <a:rPr lang="de-DE" i="1" smtClean="0">
+                              <a:latin typeface="Cambria Math" panose="02040503050406030204" pitchFamily="18" charset="0"/>
+                              <a:ea typeface="Cambria Math" panose="02040503050406030204" pitchFamily="18" charset="0"/>
+                            </a:rPr>
+                            <m:t>∆</m:t>
+                          </m:r>
+                          <m:r>
+                            <a:rPr lang="de-DE" b="0" i="1" smtClean="0">
+                              <a:latin typeface="Cambria Math" panose="02040503050406030204" pitchFamily="18" charset="0"/>
+                              <a:ea typeface="Cambria Math" panose="02040503050406030204" pitchFamily="18" charset="0"/>
+                            </a:rPr>
+                            <m:t>𝑤</m:t>
+                          </m:r>
+                        </m:e>
+                        <m:sub>
+                          <m:r>
+                            <a:rPr lang="de-DE" b="0" i="1" smtClean="0">
+                              <a:latin typeface="Cambria Math" panose="02040503050406030204" pitchFamily="18" charset="0"/>
+                            </a:rPr>
+                            <m:t>𝑖𝑗</m:t>
+                          </m:r>
+                        </m:sub>
+                      </m:sSub>
+                      <m:r>
+                        <a:rPr lang="de-DE" b="0" i="1" smtClean="0">
+                          <a:latin typeface="Cambria Math" panose="02040503050406030204" pitchFamily="18" charset="0"/>
+                        </a:rPr>
+                        <m:t> =</m:t>
+                      </m:r>
+                      <m:d>
+                        <m:dPr>
+                          <m:begChr m:val="{"/>
+                          <m:endChr m:val=""/>
+                          <m:ctrlPr>
+                            <a:rPr lang="de-DE" b="0" i="1" smtClean="0">
+                              <a:latin typeface="Cambria Math" panose="02040503050406030204" pitchFamily="18" charset="0"/>
+                            </a:rPr>
+                          </m:ctrlPr>
+                        </m:dPr>
+                        <m:e>
+                          <m:eqArr>
+                            <m:eqArrPr>
+                              <m:ctrlPr>
+                                <a:rPr lang="de-DE" b="0" i="1" smtClean="0">
+                                  <a:latin typeface="Cambria Math" panose="02040503050406030204" pitchFamily="18" charset="0"/>
+                                </a:rPr>
+                              </m:ctrlPr>
+                            </m:eqArrPr>
+                            <m:e>
+                              <m:sSub>
+                                <m:sSubPr>
+                                  <m:ctrlPr>
+                                    <a:rPr lang="de-DE" i="1">
+                                      <a:latin typeface="Cambria Math" panose="02040503050406030204" pitchFamily="18" charset="0"/>
+                                    </a:rPr>
+                                  </m:ctrlPr>
+                                </m:sSubPr>
+                                <m:e>
+                                  <m:r>
+                                    <a:rPr lang="de-DE" b="0" i="1" smtClean="0">
+                                      <a:latin typeface="Cambria Math" panose="02040503050406030204" pitchFamily="18" charset="0"/>
+                                    </a:rPr>
+                                    <m:t>−</m:t>
+                                  </m:r>
+                                  <m:r>
+                                    <a:rPr lang="de-DE" i="1">
+                                      <a:latin typeface="Cambria Math" panose="02040503050406030204" pitchFamily="18" charset="0"/>
+                                      <a:ea typeface="Cambria Math" panose="02040503050406030204" pitchFamily="18" charset="0"/>
+                                    </a:rPr>
+                                    <m:t>∆</m:t>
+                                  </m:r>
+                                </m:e>
+                                <m:sub>
+                                  <m:r>
+                                    <a:rPr lang="de-DE" i="1">
+                                      <a:latin typeface="Cambria Math" panose="02040503050406030204" pitchFamily="18" charset="0"/>
+                                    </a:rPr>
+                                    <m:t>𝑖𝑗</m:t>
+                                  </m:r>
+                                  <m:r>
+                                    <a:rPr lang="de-DE" b="0" i="1" smtClean="0">
+                                      <a:latin typeface="Cambria Math" panose="02040503050406030204" pitchFamily="18" charset="0"/>
+                                    </a:rPr>
+                                    <m:t> </m:t>
+                                  </m:r>
+                                </m:sub>
+                              </m:sSub>
+                              <m:r>
+                                <a:rPr lang="de-DE" b="0" i="1" smtClean="0">
+                                  <a:latin typeface="Cambria Math" panose="02040503050406030204" pitchFamily="18" charset="0"/>
+                                </a:rPr>
+                                <m:t>𝑓𝑎𝑙𝑙𝑠</m:t>
+                              </m:r>
+                              <m:r>
+                                <a:rPr lang="de-DE" b="0" i="1" smtClean="0">
+                                  <a:latin typeface="Cambria Math" panose="02040503050406030204" pitchFamily="18" charset="0"/>
+                                </a:rPr>
+                                <m:t> </m:t>
+                              </m:r>
+                              <m:r>
+                                <a:rPr lang="de-DE" b="0" i="1" smtClean="0">
+                                  <a:latin typeface="Cambria Math" panose="02040503050406030204" pitchFamily="18" charset="0"/>
+                                </a:rPr>
+                                <m:t>𝑆</m:t>
+                              </m:r>
+                              <m:d>
+                                <m:dPr>
+                                  <m:ctrlPr>
+                                    <a:rPr lang="de-DE" b="0" i="1" smtClean="0">
+                                      <a:latin typeface="Cambria Math" panose="02040503050406030204" pitchFamily="18" charset="0"/>
+                                    </a:rPr>
+                                  </m:ctrlPr>
+                                </m:dPr>
+                                <m:e>
+                                  <m:r>
+                                    <a:rPr lang="de-DE" b="0" i="1" smtClean="0">
+                                      <a:latin typeface="Cambria Math" panose="02040503050406030204" pitchFamily="18" charset="0"/>
+                                    </a:rPr>
+                                    <m:t>𝑡</m:t>
+                                  </m:r>
+                                </m:e>
+                              </m:d>
+                              <m:r>
+                                <a:rPr lang="de-DE" b="0" i="1" smtClean="0">
+                                  <a:latin typeface="Cambria Math" panose="02040503050406030204" pitchFamily="18" charset="0"/>
+                                </a:rPr>
+                                <m:t>&gt;0</m:t>
+                              </m:r>
+                            </m:e>
+                            <m:e>
+                              <m:sSub>
+                                <m:sSubPr>
+                                  <m:ctrlPr>
+                                    <a:rPr lang="de-DE" i="1">
+                                      <a:latin typeface="Cambria Math" panose="02040503050406030204" pitchFamily="18" charset="0"/>
+                                    </a:rPr>
+                                  </m:ctrlPr>
+                                </m:sSubPr>
+                                <m:e>
+                                  <m:r>
+                                    <a:rPr lang="de-DE" b="0" i="1" smtClean="0">
+                                      <a:latin typeface="Cambria Math" panose="02040503050406030204" pitchFamily="18" charset="0"/>
+                                    </a:rPr>
+                                    <m:t>+</m:t>
+                                  </m:r>
+                                  <m:r>
+                                    <a:rPr lang="de-DE" i="1">
+                                      <a:latin typeface="Cambria Math" panose="02040503050406030204" pitchFamily="18" charset="0"/>
+                                      <a:ea typeface="Cambria Math" panose="02040503050406030204" pitchFamily="18" charset="0"/>
+                                    </a:rPr>
+                                    <m:t>∆</m:t>
+                                  </m:r>
+                                </m:e>
+                                <m:sub>
+                                  <m:r>
+                                    <a:rPr lang="de-DE" i="1">
+                                      <a:latin typeface="Cambria Math" panose="02040503050406030204" pitchFamily="18" charset="0"/>
+                                    </a:rPr>
+                                    <m:t>𝑖𝑗</m:t>
+                                  </m:r>
+                                  <m:r>
+                                    <a:rPr lang="de-DE" i="1">
+                                      <a:latin typeface="Cambria Math" panose="02040503050406030204" pitchFamily="18" charset="0"/>
+                                    </a:rPr>
+                                    <m:t> </m:t>
+                                  </m:r>
+                                </m:sub>
+                              </m:sSub>
+                              <m:r>
+                                <a:rPr lang="de-DE" i="1">
+                                  <a:latin typeface="Cambria Math" panose="02040503050406030204" pitchFamily="18" charset="0"/>
+                                </a:rPr>
+                                <m:t>𝑓𝑎𝑙𝑙𝑠</m:t>
+                              </m:r>
+                              <m:r>
+                                <a:rPr lang="de-DE" i="1">
+                                  <a:latin typeface="Cambria Math" panose="02040503050406030204" pitchFamily="18" charset="0"/>
+                                </a:rPr>
+                                <m:t> </m:t>
+                              </m:r>
+                              <m:r>
+                                <a:rPr lang="de-DE" i="1">
+                                  <a:latin typeface="Cambria Math" panose="02040503050406030204" pitchFamily="18" charset="0"/>
+                                </a:rPr>
+                                <m:t>𝑆</m:t>
+                              </m:r>
+                              <m:d>
+                                <m:dPr>
+                                  <m:ctrlPr>
+                                    <a:rPr lang="de-DE" i="1">
+                                      <a:latin typeface="Cambria Math" panose="02040503050406030204" pitchFamily="18" charset="0"/>
+                                    </a:rPr>
+                                  </m:ctrlPr>
+                                </m:dPr>
+                                <m:e>
+                                  <m:r>
+                                    <a:rPr lang="de-DE" i="1">
+                                      <a:latin typeface="Cambria Math" panose="02040503050406030204" pitchFamily="18" charset="0"/>
+                                    </a:rPr>
+                                    <m:t>𝑡</m:t>
+                                  </m:r>
+                                </m:e>
+                              </m:d>
+                              <m:r>
+                                <a:rPr lang="de-DE" b="0" i="1" smtClean="0">
+                                  <a:latin typeface="Cambria Math" panose="02040503050406030204" pitchFamily="18" charset="0"/>
+                                </a:rPr>
+                                <m:t>&lt;</m:t>
+                              </m:r>
+                              <m:r>
+                                <a:rPr lang="de-DE" i="1">
+                                  <a:latin typeface="Cambria Math" panose="02040503050406030204" pitchFamily="18" charset="0"/>
+                                </a:rPr>
+                                <m:t>0</m:t>
+                              </m:r>
+                            </m:e>
+                            <m:e>
+                              <m:r>
+                                <a:rPr lang="de-DE" i="1">
+                                  <a:latin typeface="Cambria Math" panose="02040503050406030204" pitchFamily="18" charset="0"/>
+                                </a:rPr>
+                                <m:t>0 </m:t>
+                              </m:r>
+                              <m:r>
+                                <a:rPr lang="de-DE" i="1">
+                                  <a:latin typeface="Cambria Math" panose="02040503050406030204" pitchFamily="18" charset="0"/>
+                                </a:rPr>
+                                <m:t>𝑠𝑜𝑛𝑠𝑡</m:t>
+                              </m:r>
+                            </m:e>
+                            <m:e>
+                              <m:r>
+                                <a:rPr lang="de-DE" b="0" i="1" smtClean="0">
+                                  <a:latin typeface="Cambria Math" panose="02040503050406030204" pitchFamily="18" charset="0"/>
+                                </a:rPr>
+                                <m:t>_</m:t>
+                              </m:r>
+                            </m:e>
+                          </m:eqArr>
+                        </m:e>
+                      </m:d>
+                    </m:oMath>
+                  </m:oMathPara>
+                </a14:m>
+                <a:endParaRPr lang="de-DE" dirty="0" smtClean="0"/>
+              </a:p>
+              <a:p>
+                <a:pPr marL="0" indent="0">
+                  <a:buNone/>
+                </a:pPr>
+                <a:endParaRPr lang="de-DE" dirty="0" smtClean="0"/>
+              </a:p>
+              <a:p>
+                <a:pPr marL="0" indent="0">
+                  <a:buNone/>
+                </a:pPr>
+                <a:endParaRPr lang="de-DE" dirty="0" smtClean="0"/>
+              </a:p>
+              <a:p>
+                <a:pPr marL="0" indent="0">
+                  <a:buNone/>
+                </a:pPr>
+                <a:endParaRPr lang="de-DE" dirty="0" smtClean="0"/>
+              </a:p>
+              <a:p>
+                <a:pPr marL="0" indent="0">
+                  <a:buNone/>
+                </a:pPr>
+                <a:endParaRPr lang="de-DE" dirty="0" smtClean="0"/>
+              </a:p>
+              <a:p>
+                <a:endParaRPr lang="de-DE" dirty="0" smtClean="0"/>
+              </a:p>
+              <a:p>
+                <a:endParaRPr lang="de-DE" dirty="0"/>
+              </a:p>
+              <a:p>
+                <a:endParaRPr lang="de-DE" dirty="0" smtClean="0"/>
+              </a:p>
+              <a:p>
+                <a:endParaRPr lang="de-DE" dirty="0"/>
+              </a:p>
+              <a:p>
+                <a:pPr marL="0" indent="0">
+                  <a:buNone/>
+                </a:pPr>
+                <a:endParaRPr lang="de-DE" dirty="0"/>
+              </a:p>
+              <a:p>
+                <a:pPr marL="0" indent="0">
+                  <a:buNone/>
+                </a:pPr>
+                <a:endParaRPr lang="de-DE" dirty="0" smtClean="0"/>
+              </a:p>
+            </p:txBody>
+          </p:sp>
+        </mc:Choice>
+        <mc:Fallback>
+          <p:sp>
+            <p:nvSpPr>
+              <p:cNvPr id="3" name="Inhaltsplatzhalter 2"/>
+              <p:cNvSpPr>
+                <a:spLocks noGrp="1" noRot="1" noChangeAspect="1" noMove="1" noResize="1" noEditPoints="1" noAdjustHandles="1" noChangeArrowheads="1" noChangeShapeType="1" noTextEdit="1"/>
+              </p:cNvSpPr>
+              <p:nvPr>
+                <p:ph idx="1"/>
+              </p:nvPr>
+            </p:nvSpPr>
+            <p:spPr>
+              <a:blipFill rotWithShape="0">
+                <a:blip r:embed="rId3"/>
+                <a:stretch>
+                  <a:fillRect l="-1043" t="-2241"/>
+                </a:stretch>
+              </a:blipFill>
+            </p:spPr>
+            <p:txBody>
+              <a:bodyPr/>
+              <a:lstStyle/>
+              <a:p>
+                <a:r>
+                  <a:rPr lang="de-DE">
+                    <a:noFill/>
+                  </a:rPr>
+                  <a:t> </a:t>
+                </a:r>
+              </a:p>
+            </p:txBody>
+          </p:sp>
+        </mc:Fallback>
+      </mc:AlternateContent>
       <p:sp>
         <p:nvSpPr>
           <p:cNvPr id="4" name="Datumsplatzhalter 3"/>
@@ -28810,7 +29330,7 @@
             <a:fld id="{7AC709DD-AC18-4FBA-B4E6-46DED743653E}" type="datetime1">
               <a:rPr lang="de-DE" smtClean="0"/>
               <a:pPr/>
-              <a:t>12.12.2015</a:t>
+              <a:t>18.12.2015</a:t>
             </a:fld>
             <a:endParaRPr lang="de-DE"/>
           </a:p>
@@ -28863,1199 +29383,10 @@
           </a:p>
         </p:txBody>
       </p:sp>
-      <mc:AlternateContent xmlns:mc="http://schemas.openxmlformats.org/markup-compatibility/2006" xmlns:a14="http://schemas.microsoft.com/office/drawing/2010/main">
-        <mc:Choice Requires="a14">
-          <p:graphicFrame>
-            <p:nvGraphicFramePr>
-              <p:cNvPr id="9" name="Tabelle 8"/>
-              <p:cNvGraphicFramePr>
-                <a:graphicFrameLocks noGrp="1"/>
-              </p:cNvGraphicFramePr>
-              <p:nvPr>
-                <p:extLst>
-                  <p:ext uri="{D42A27DB-BD31-4B8C-83A1-F6EECF244321}">
-                    <p14:modId xmlns:p14="http://schemas.microsoft.com/office/powerpoint/2010/main" val="1421226377"/>
-                  </p:ext>
-                </p:extLst>
-              </p:nvPr>
-            </p:nvGraphicFramePr>
-            <p:xfrm>
-              <a:off x="1872511" y="2686689"/>
-              <a:ext cx="8547397" cy="2595880"/>
-            </p:xfrm>
-            <a:graphic>
-              <a:graphicData uri="http://schemas.openxmlformats.org/drawingml/2006/table">
-                <a:tbl>
-                  <a:tblPr firstRow="1" bandRow="1">
-                    <a:tableStyleId>{5940675A-B579-460E-94D1-54222C63F5DA}</a:tableStyleId>
-                  </a:tblPr>
-                  <a:tblGrid>
-                    <a:gridCol w="4421963"/>
-                    <a:gridCol w="2062717"/>
-                    <a:gridCol w="2062717"/>
-                  </a:tblGrid>
-                  <a:tr h="370840">
-                    <a:tc rowSpan="2">
-                      <a:txBody>
-                        <a:bodyPr/>
-                        <a:lstStyle/>
-                        <a:p>
-                          <a:pPr algn="ctr"/>
-                          <a:r>
-                            <a:rPr lang="de-DE" b="1" dirty="0" smtClean="0"/>
-                            <a:t>Lernrate</a:t>
-                          </a:r>
-                          <a:endParaRPr lang="de-DE" b="1" dirty="0"/>
-                        </a:p>
-                      </a:txBody>
-                      <a:tcPr anchor="ctr"/>
-                    </a:tc>
-                    <a:tc gridSpan="2">
-                      <a:txBody>
-                        <a:bodyPr/>
-                        <a:lstStyle/>
-                        <a:p>
-                          <a:pPr algn="ctr"/>
-                          <a:r>
-                            <a:rPr lang="de-DE" b="1" dirty="0" smtClean="0"/>
-                            <a:t>MSE</a:t>
-                          </a:r>
-                          <a:endParaRPr lang="de-DE" b="1" dirty="0"/>
-                        </a:p>
-                      </a:txBody>
-                      <a:tcPr/>
-                    </a:tc>
-                    <a:tc hMerge="1">
-                      <a:txBody>
-                        <a:bodyPr/>
-                        <a:lstStyle/>
-                        <a:p>
-                          <a:endParaRPr lang="de-DE"/>
-                        </a:p>
-                      </a:txBody>
-                      <a:tcPr/>
-                    </a:tc>
-                  </a:tr>
-                  <a:tr h="370840">
-                    <a:tc vMerge="1">
-                      <a:txBody>
-                        <a:bodyPr/>
-                        <a:lstStyle/>
-                        <a:p>
-                          <a:pPr algn="ctr"/>
-                          <a:endParaRPr lang="de-DE" dirty="0"/>
-                        </a:p>
-                      </a:txBody>
-                      <a:tcPr/>
-                    </a:tc>
-                    <a:tc>
-                      <a:txBody>
-                        <a:bodyPr/>
-                        <a:lstStyle/>
-                        <a:p>
-                          <a:pPr algn="ctr"/>
-                          <a:r>
-                            <a:rPr lang="de-DE" dirty="0" smtClean="0"/>
-                            <a:t>Training</a:t>
-                          </a:r>
-                          <a:endParaRPr lang="de-DE" dirty="0"/>
-                        </a:p>
-                      </a:txBody>
-                      <a:tcPr/>
-                    </a:tc>
-                    <a:tc>
-                      <a:txBody>
-                        <a:bodyPr/>
-                        <a:lstStyle/>
-                        <a:p>
-                          <a:pPr algn="ctr"/>
-                          <a:r>
-                            <a:rPr lang="de-DE" dirty="0" smtClean="0"/>
-                            <a:t>Test</a:t>
-                          </a:r>
-                          <a:endParaRPr lang="de-DE" dirty="0"/>
-                        </a:p>
-                      </a:txBody>
-                      <a:tcPr/>
-                    </a:tc>
-                  </a:tr>
-                  <a:tr h="370840">
-                    <a:tc>
-                      <a:txBody>
-                        <a:bodyPr/>
-                        <a:lstStyle/>
-                        <a:p>
-                          <a:pPr algn="ctr"/>
-                          <a:r>
-                            <a:rPr lang="de-DE" b="0" dirty="0" smtClean="0"/>
-                            <a:t>0,1</a:t>
-                          </a:r>
-                          <a:endParaRPr lang="de-DE" b="0" dirty="0"/>
-                        </a:p>
-                      </a:txBody>
-                      <a:tcPr anchor="ctr"/>
-                    </a:tc>
-                    <a:tc>
-                      <a:txBody>
-                        <a:bodyPr/>
-                        <a:lstStyle/>
-                        <a:p>
-                          <a:pPr algn="ctr"/>
-                          <a:r>
-                            <a:rPr lang="de-DE" dirty="0" smtClean="0"/>
-                            <a:t>0,001118</a:t>
-                          </a:r>
-                        </a:p>
-                      </a:txBody>
-                      <a:tcPr/>
-                    </a:tc>
-                    <a:tc>
-                      <a:txBody>
-                        <a:bodyPr/>
-                        <a:lstStyle/>
-                        <a:p>
-                          <a:pPr algn="ctr"/>
-                          <a:r>
-                            <a:rPr lang="de-DE" dirty="0" smtClean="0"/>
-                            <a:t>0,001425</a:t>
-                          </a:r>
-                          <a:endParaRPr lang="de-DE" dirty="0"/>
-                        </a:p>
-                      </a:txBody>
-                      <a:tcPr/>
-                    </a:tc>
-                  </a:tr>
-                  <a:tr h="370840">
-                    <a:tc>
-                      <a:txBody>
-                        <a:bodyPr/>
-                        <a:lstStyle/>
-                        <a:p>
-                          <a:pPr algn="ctr"/>
-                          <a:r>
-                            <a:rPr lang="de-DE" b="0" dirty="0" smtClean="0"/>
-                            <a:t>0,3</a:t>
-                          </a:r>
-                          <a:endParaRPr lang="de-DE" b="0" dirty="0"/>
-                        </a:p>
-                      </a:txBody>
-                      <a:tcPr anchor="ctr">
-                        <a:noFill/>
-                      </a:tcPr>
-                    </a:tc>
-                    <a:tc>
-                      <a:txBody>
-                        <a:bodyPr/>
-                        <a:lstStyle/>
-                        <a:p>
-                          <a:pPr algn="ctr"/>
-                          <a14:m>
-                            <m:oMathPara xmlns:m="http://schemas.openxmlformats.org/officeDocument/2006/math">
-                              <m:oMathParaPr>
-                                <m:jc m:val="centerGroup"/>
-                              </m:oMathParaPr>
-                              <m:oMath xmlns:m="http://schemas.openxmlformats.org/officeDocument/2006/math">
-                                <m:sSup>
-                                  <m:sSupPr>
-                                    <m:ctrlPr>
-                                      <a:rPr lang="de-DE" i="1" dirty="0" smtClean="0">
-                                        <a:latin typeface="Cambria Math" panose="02040503050406030204" pitchFamily="18" charset="0"/>
-                                      </a:rPr>
-                                    </m:ctrlPr>
-                                  </m:sSupPr>
-                                  <m:e>
-                                    <m:r>
-                                      <a:rPr lang="de-DE" b="0" i="1" dirty="0" smtClean="0">
-                                        <a:latin typeface="Cambria Math" panose="02040503050406030204" pitchFamily="18" charset="0"/>
-                                      </a:rPr>
-                                      <m:t>8</m:t>
-                                    </m:r>
-                                    <m:r>
-                                      <a:rPr lang="de-DE" i="1" dirty="0" smtClean="0">
-                                        <a:latin typeface="Cambria Math" panose="02040503050406030204" pitchFamily="18" charset="0"/>
-                                      </a:rPr>
-                                      <m:t>,</m:t>
-                                    </m:r>
-                                    <m:r>
-                                      <a:rPr lang="de-DE" b="0" i="1" dirty="0" smtClean="0">
-                                        <a:latin typeface="Cambria Math" panose="02040503050406030204" pitchFamily="18" charset="0"/>
-                                      </a:rPr>
-                                      <m:t>850</m:t>
-                                    </m:r>
-                                    <m:r>
-                                      <a:rPr lang="de-DE" i="1" dirty="0" smtClean="0">
-                                        <a:latin typeface="Cambria Math" panose="02040503050406030204" pitchFamily="18" charset="0"/>
-                                        <a:ea typeface="Cambria Math" panose="02040503050406030204" pitchFamily="18" charset="0"/>
-                                      </a:rPr>
-                                      <m:t>∙</m:t>
-                                    </m:r>
-                                    <m:r>
-                                      <a:rPr lang="de-DE" b="0" i="1" dirty="0" smtClean="0">
-                                        <a:latin typeface="Cambria Math" panose="02040503050406030204" pitchFamily="18" charset="0"/>
-                                        <a:ea typeface="Cambria Math" panose="02040503050406030204" pitchFamily="18" charset="0"/>
-                                      </a:rPr>
-                                      <m:t>10</m:t>
-                                    </m:r>
-                                  </m:e>
-                                  <m:sup>
-                                    <m:r>
-                                      <a:rPr lang="de-DE" b="0" i="1" dirty="0" smtClean="0">
-                                        <a:latin typeface="Cambria Math" panose="02040503050406030204" pitchFamily="18" charset="0"/>
-                                      </a:rPr>
-                                      <m:t>−4</m:t>
-                                    </m:r>
-                                  </m:sup>
-                                </m:sSup>
-                              </m:oMath>
-                            </m:oMathPara>
-                          </a14:m>
-                          <a:endParaRPr lang="de-DE" dirty="0" smtClean="0"/>
-                        </a:p>
-                      </a:txBody>
-                      <a:tcPr>
-                        <a:noFill/>
-                      </a:tcPr>
-                    </a:tc>
-                    <a:tc>
-                      <a:txBody>
-                        <a:bodyPr/>
-                        <a:lstStyle/>
-                        <a:p>
-                          <a:pPr algn="ctr"/>
-                          <a14:m>
-                            <m:oMathPara xmlns:m="http://schemas.openxmlformats.org/officeDocument/2006/math">
-                              <m:oMathParaPr>
-                                <m:jc m:val="centerGroup"/>
-                              </m:oMathParaPr>
-                              <m:oMath xmlns:m="http://schemas.openxmlformats.org/officeDocument/2006/math">
-                                <m:sSup>
-                                  <m:sSupPr>
-                                    <m:ctrlPr>
-                                      <a:rPr lang="de-DE" i="1" dirty="0" smtClean="0">
-                                        <a:latin typeface="Cambria Math" panose="02040503050406030204" pitchFamily="18" charset="0"/>
-                                      </a:rPr>
-                                    </m:ctrlPr>
-                                  </m:sSupPr>
-                                  <m:e>
-                                    <m:r>
-                                      <a:rPr lang="de-DE" i="1" dirty="0" smtClean="0">
-                                        <a:latin typeface="Cambria Math" panose="02040503050406030204" pitchFamily="18" charset="0"/>
-                                      </a:rPr>
-                                      <m:t>9,</m:t>
-                                    </m:r>
-                                    <m:r>
-                                      <a:rPr lang="de-DE" b="0" i="1" dirty="0" smtClean="0">
-                                        <a:latin typeface="Cambria Math" panose="02040503050406030204" pitchFamily="18" charset="0"/>
-                                      </a:rPr>
-                                      <m:t>668</m:t>
-                                    </m:r>
-                                    <m:r>
-                                      <a:rPr lang="de-DE" i="1" dirty="0" smtClean="0">
-                                        <a:latin typeface="Cambria Math" panose="02040503050406030204" pitchFamily="18" charset="0"/>
-                                        <a:ea typeface="Cambria Math" panose="02040503050406030204" pitchFamily="18" charset="0"/>
-                                      </a:rPr>
-                                      <m:t>∙</m:t>
-                                    </m:r>
-                                    <m:r>
-                                      <a:rPr lang="de-DE" b="0" i="1" dirty="0" smtClean="0">
-                                        <a:latin typeface="Cambria Math" panose="02040503050406030204" pitchFamily="18" charset="0"/>
-                                        <a:ea typeface="Cambria Math" panose="02040503050406030204" pitchFamily="18" charset="0"/>
-                                      </a:rPr>
-                                      <m:t>10</m:t>
-                                    </m:r>
-                                  </m:e>
-                                  <m:sup>
-                                    <m:r>
-                                      <a:rPr lang="de-DE" b="0" i="1" dirty="0" smtClean="0">
-                                        <a:latin typeface="Cambria Math" panose="02040503050406030204" pitchFamily="18" charset="0"/>
-                                      </a:rPr>
-                                      <m:t>−4</m:t>
-                                    </m:r>
-                                  </m:sup>
-                                </m:sSup>
-                              </m:oMath>
-                            </m:oMathPara>
-                          </a14:m>
-                          <a:endParaRPr lang="de-DE" dirty="0" smtClean="0"/>
-                        </a:p>
-                      </a:txBody>
-                      <a:tcPr>
-                        <a:noFill/>
-                      </a:tcPr>
-                    </a:tc>
-                  </a:tr>
-                  <a:tr h="370840">
-                    <a:tc>
-                      <a:txBody>
-                        <a:bodyPr/>
-                        <a:lstStyle/>
-                        <a:p>
-                          <a:pPr algn="ctr"/>
-                          <a:r>
-                            <a:rPr lang="de-DE" b="0" dirty="0" smtClean="0"/>
-                            <a:t>0,5</a:t>
-                          </a:r>
-                          <a:endParaRPr lang="de-DE" b="0" dirty="0"/>
-                        </a:p>
-                      </a:txBody>
-                      <a:tcPr anchor="ctr">
-                        <a:noFill/>
-                      </a:tcPr>
-                    </a:tc>
-                    <a:tc>
-                      <a:txBody>
-                        <a:bodyPr/>
-                        <a:lstStyle/>
-                        <a:p>
-                          <a:pPr algn="ctr"/>
-                          <a14:m>
-                            <m:oMathPara xmlns:m="http://schemas.openxmlformats.org/officeDocument/2006/math">
-                              <m:oMathParaPr>
-                                <m:jc m:val="centerGroup"/>
-                              </m:oMathParaPr>
-                              <m:oMath xmlns:m="http://schemas.openxmlformats.org/officeDocument/2006/math">
-                                <m:sSup>
-                                  <m:sSupPr>
-                                    <m:ctrlPr>
-                                      <a:rPr lang="de-DE" i="1" dirty="0" smtClean="0">
-                                        <a:latin typeface="Cambria Math" panose="02040503050406030204" pitchFamily="18" charset="0"/>
-                                      </a:rPr>
-                                    </m:ctrlPr>
-                                  </m:sSupPr>
-                                  <m:e>
-                                    <m:r>
-                                      <a:rPr lang="de-DE" b="0" i="1" dirty="0" smtClean="0">
-                                        <a:latin typeface="Cambria Math" panose="02040503050406030204" pitchFamily="18" charset="0"/>
-                                      </a:rPr>
-                                      <m:t>8</m:t>
-                                    </m:r>
-                                    <m:r>
-                                      <a:rPr lang="de-DE" i="1" dirty="0" smtClean="0">
-                                        <a:latin typeface="Cambria Math" panose="02040503050406030204" pitchFamily="18" charset="0"/>
-                                      </a:rPr>
-                                      <m:t>,</m:t>
-                                    </m:r>
-                                    <m:r>
-                                      <a:rPr lang="de-DE" b="0" i="1" dirty="0" smtClean="0">
-                                        <a:latin typeface="Cambria Math" panose="02040503050406030204" pitchFamily="18" charset="0"/>
-                                      </a:rPr>
-                                      <m:t>640</m:t>
-                                    </m:r>
-                                    <m:r>
-                                      <a:rPr lang="de-DE" i="1" dirty="0" smtClean="0">
-                                        <a:latin typeface="Cambria Math" panose="02040503050406030204" pitchFamily="18" charset="0"/>
-                                        <a:ea typeface="Cambria Math" panose="02040503050406030204" pitchFamily="18" charset="0"/>
-                                      </a:rPr>
-                                      <m:t>∙</m:t>
-                                    </m:r>
-                                    <m:r>
-                                      <a:rPr lang="de-DE" b="0" i="1" dirty="0" smtClean="0">
-                                        <a:latin typeface="Cambria Math" panose="02040503050406030204" pitchFamily="18" charset="0"/>
-                                        <a:ea typeface="Cambria Math" panose="02040503050406030204" pitchFamily="18" charset="0"/>
-                                      </a:rPr>
-                                      <m:t>10</m:t>
-                                    </m:r>
-                                  </m:e>
-                                  <m:sup>
-                                    <m:r>
-                                      <a:rPr lang="de-DE" b="0" i="1" dirty="0" smtClean="0">
-                                        <a:latin typeface="Cambria Math" panose="02040503050406030204" pitchFamily="18" charset="0"/>
-                                      </a:rPr>
-                                      <m:t>−4</m:t>
-                                    </m:r>
-                                  </m:sup>
-                                </m:sSup>
-                              </m:oMath>
-                            </m:oMathPara>
-                          </a14:m>
-                          <a:endParaRPr lang="de-DE" dirty="0" smtClean="0"/>
-                        </a:p>
-                      </a:txBody>
-                      <a:tcPr>
-                        <a:noFill/>
-                      </a:tcPr>
-                    </a:tc>
-                    <a:tc>
-                      <a:txBody>
-                        <a:bodyPr/>
-                        <a:lstStyle/>
-                        <a:p>
-                          <a:pPr algn="ctr"/>
-                          <a14:m>
-                            <m:oMathPara xmlns:m="http://schemas.openxmlformats.org/officeDocument/2006/math">
-                              <m:oMathParaPr>
-                                <m:jc m:val="centerGroup"/>
-                              </m:oMathParaPr>
-                              <m:oMath xmlns:m="http://schemas.openxmlformats.org/officeDocument/2006/math">
-                                <m:sSup>
-                                  <m:sSupPr>
-                                    <m:ctrlPr>
-                                      <a:rPr lang="de-DE" i="1" dirty="0" smtClean="0">
-                                        <a:latin typeface="Cambria Math" panose="02040503050406030204" pitchFamily="18" charset="0"/>
-                                      </a:rPr>
-                                    </m:ctrlPr>
-                                  </m:sSupPr>
-                                  <m:e>
-                                    <m:r>
-                                      <a:rPr lang="de-DE" b="0" i="1" dirty="0" smtClean="0">
-                                        <a:latin typeface="Cambria Math" panose="02040503050406030204" pitchFamily="18" charset="0"/>
-                                      </a:rPr>
-                                      <m:t>8,252</m:t>
-                                    </m:r>
-                                    <m:r>
-                                      <a:rPr lang="de-DE" i="1" dirty="0" smtClean="0">
-                                        <a:latin typeface="Cambria Math" panose="02040503050406030204" pitchFamily="18" charset="0"/>
-                                        <a:ea typeface="Cambria Math" panose="02040503050406030204" pitchFamily="18" charset="0"/>
-                                      </a:rPr>
-                                      <m:t>∙</m:t>
-                                    </m:r>
-                                    <m:r>
-                                      <a:rPr lang="de-DE" b="0" i="1" dirty="0" smtClean="0">
-                                        <a:latin typeface="Cambria Math" panose="02040503050406030204" pitchFamily="18" charset="0"/>
-                                        <a:ea typeface="Cambria Math" panose="02040503050406030204" pitchFamily="18" charset="0"/>
-                                      </a:rPr>
-                                      <m:t>10</m:t>
-                                    </m:r>
-                                  </m:e>
-                                  <m:sup>
-                                    <m:r>
-                                      <a:rPr lang="de-DE" b="0" i="1" dirty="0" smtClean="0">
-                                        <a:latin typeface="Cambria Math" panose="02040503050406030204" pitchFamily="18" charset="0"/>
-                                      </a:rPr>
-                                      <m:t>−4</m:t>
-                                    </m:r>
-                                  </m:sup>
-                                </m:sSup>
-                              </m:oMath>
-                            </m:oMathPara>
-                          </a14:m>
-                          <a:endParaRPr lang="de-DE" dirty="0" smtClean="0"/>
-                        </a:p>
-                      </a:txBody>
-                      <a:tcPr>
-                        <a:noFill/>
-                      </a:tcPr>
-                    </a:tc>
-                  </a:tr>
-                  <a:tr h="370840">
-                    <a:tc>
-                      <a:txBody>
-                        <a:bodyPr/>
-                        <a:lstStyle/>
-                        <a:p>
-                          <a:pPr algn="ctr"/>
-                          <a:r>
-                            <a:rPr lang="de-DE" b="0" dirty="0" smtClean="0"/>
-                            <a:t>0,7</a:t>
-                          </a:r>
-                          <a:endParaRPr lang="de-DE" b="0" dirty="0"/>
-                        </a:p>
-                      </a:txBody>
-                      <a:tcPr anchor="ctr">
-                        <a:noFill/>
-                      </a:tcPr>
-                    </a:tc>
-                    <a:tc>
-                      <a:txBody>
-                        <a:bodyPr/>
-                        <a:lstStyle/>
-                        <a:p>
-                          <a:pPr algn="ctr"/>
-                          <a14:m>
-                            <m:oMathPara xmlns:m="http://schemas.openxmlformats.org/officeDocument/2006/math">
-                              <m:oMathParaPr>
-                                <m:jc m:val="centerGroup"/>
-                              </m:oMathParaPr>
-                              <m:oMath xmlns:m="http://schemas.openxmlformats.org/officeDocument/2006/math">
-                                <m:sSup>
-                                  <m:sSupPr>
-                                    <m:ctrlPr>
-                                      <a:rPr lang="de-DE" i="1" dirty="0" smtClean="0">
-                                        <a:latin typeface="Cambria Math" panose="02040503050406030204" pitchFamily="18" charset="0"/>
-                                      </a:rPr>
-                                    </m:ctrlPr>
-                                  </m:sSupPr>
-                                  <m:e>
-                                    <m:r>
-                                      <a:rPr lang="de-DE" b="0" i="1" dirty="0" smtClean="0">
-                                        <a:latin typeface="Cambria Math" panose="02040503050406030204" pitchFamily="18" charset="0"/>
-                                      </a:rPr>
-                                      <m:t>8,04</m:t>
-                                    </m:r>
-                                    <m:r>
-                                      <a:rPr lang="de-DE" i="1" dirty="0" smtClean="0">
-                                        <a:latin typeface="Cambria Math" panose="02040503050406030204" pitchFamily="18" charset="0"/>
-                                        <a:ea typeface="Cambria Math" panose="02040503050406030204" pitchFamily="18" charset="0"/>
-                                      </a:rPr>
-                                      <m:t>∙</m:t>
-                                    </m:r>
-                                    <m:r>
-                                      <a:rPr lang="de-DE" b="0" i="1" dirty="0" smtClean="0">
-                                        <a:latin typeface="Cambria Math" panose="02040503050406030204" pitchFamily="18" charset="0"/>
-                                        <a:ea typeface="Cambria Math" panose="02040503050406030204" pitchFamily="18" charset="0"/>
-                                      </a:rPr>
-                                      <m:t>10</m:t>
-                                    </m:r>
-                                  </m:e>
-                                  <m:sup>
-                                    <m:r>
-                                      <a:rPr lang="de-DE" b="0" i="1" dirty="0" smtClean="0">
-                                        <a:latin typeface="Cambria Math" panose="02040503050406030204" pitchFamily="18" charset="0"/>
-                                      </a:rPr>
-                                      <m:t>−4</m:t>
-                                    </m:r>
-                                  </m:sup>
-                                </m:sSup>
-                              </m:oMath>
-                            </m:oMathPara>
-                          </a14:m>
-                          <a:endParaRPr lang="de-DE" dirty="0" smtClean="0"/>
-                        </a:p>
-                      </a:txBody>
-                      <a:tcPr>
-                        <a:noFill/>
-                      </a:tcPr>
-                    </a:tc>
-                    <a:tc>
-                      <a:txBody>
-                        <a:bodyPr/>
-                        <a:lstStyle/>
-                        <a:p>
-                          <a:pPr algn="ctr"/>
-                          <a14:m>
-                            <m:oMathPara xmlns:m="http://schemas.openxmlformats.org/officeDocument/2006/math">
-                              <m:oMathParaPr>
-                                <m:jc m:val="centerGroup"/>
-                              </m:oMathParaPr>
-                              <m:oMath xmlns:m="http://schemas.openxmlformats.org/officeDocument/2006/math">
-                                <m:sSup>
-                                  <m:sSupPr>
-                                    <m:ctrlPr>
-                                      <a:rPr lang="de-DE" i="1" dirty="0" smtClean="0">
-                                        <a:latin typeface="Cambria Math" panose="02040503050406030204" pitchFamily="18" charset="0"/>
-                                      </a:rPr>
-                                    </m:ctrlPr>
-                                  </m:sSupPr>
-                                  <m:e>
-                                    <m:r>
-                                      <a:rPr lang="de-DE" b="0" i="1" dirty="0" smtClean="0">
-                                        <a:latin typeface="Cambria Math" panose="02040503050406030204" pitchFamily="18" charset="0"/>
-                                      </a:rPr>
-                                      <m:t>8,823</m:t>
-                                    </m:r>
-                                    <m:r>
-                                      <a:rPr lang="de-DE" i="1" dirty="0" smtClean="0">
-                                        <a:latin typeface="Cambria Math" panose="02040503050406030204" pitchFamily="18" charset="0"/>
-                                        <a:ea typeface="Cambria Math" panose="02040503050406030204" pitchFamily="18" charset="0"/>
-                                      </a:rPr>
-                                      <m:t>∙</m:t>
-                                    </m:r>
-                                    <m:r>
-                                      <a:rPr lang="de-DE" b="0" i="1" dirty="0" smtClean="0">
-                                        <a:latin typeface="Cambria Math" panose="02040503050406030204" pitchFamily="18" charset="0"/>
-                                        <a:ea typeface="Cambria Math" panose="02040503050406030204" pitchFamily="18" charset="0"/>
-                                      </a:rPr>
-                                      <m:t>10</m:t>
-                                    </m:r>
-                                  </m:e>
-                                  <m:sup>
-                                    <m:r>
-                                      <a:rPr lang="de-DE" b="0" i="1" dirty="0" smtClean="0">
-                                        <a:latin typeface="Cambria Math" panose="02040503050406030204" pitchFamily="18" charset="0"/>
-                                      </a:rPr>
-                                      <m:t>−4</m:t>
-                                    </m:r>
-                                  </m:sup>
-                                </m:sSup>
-                              </m:oMath>
-                            </m:oMathPara>
-                          </a14:m>
-                          <a:endParaRPr lang="de-DE" dirty="0" smtClean="0"/>
-                        </a:p>
-                      </a:txBody>
-                      <a:tcPr>
-                        <a:noFill/>
-                      </a:tcPr>
-                    </a:tc>
-                  </a:tr>
-                  <a:tr h="370840">
-                    <a:tc>
-                      <a:txBody>
-                        <a:bodyPr/>
-                        <a:lstStyle/>
-                        <a:p>
-                          <a:pPr algn="ctr"/>
-                          <a:r>
-                            <a:rPr lang="de-DE" b="0" dirty="0" smtClean="0"/>
-                            <a:t>0,9</a:t>
-                          </a:r>
-                          <a:endParaRPr lang="de-DE" b="0" dirty="0"/>
-                        </a:p>
-                      </a:txBody>
-                      <a:tcPr anchor="ctr"/>
-                    </a:tc>
-                    <a:tc>
-                      <a:txBody>
-                        <a:bodyPr/>
-                        <a:lstStyle/>
-                        <a:p>
-                          <a:pPr algn="ctr"/>
-                          <a14:m>
-                            <m:oMathPara xmlns:m="http://schemas.openxmlformats.org/officeDocument/2006/math">
-                              <m:oMathParaPr>
-                                <m:jc m:val="centerGroup"/>
-                              </m:oMathParaPr>
-                              <m:oMath xmlns:m="http://schemas.openxmlformats.org/officeDocument/2006/math">
-                                <m:sSup>
-                                  <m:sSupPr>
-                                    <m:ctrlPr>
-                                      <a:rPr lang="de-DE" i="1" dirty="0" smtClean="0">
-                                        <a:latin typeface="Cambria Math" panose="02040503050406030204" pitchFamily="18" charset="0"/>
-                                      </a:rPr>
-                                    </m:ctrlPr>
-                                  </m:sSupPr>
-                                  <m:e>
-                                    <m:r>
-                                      <a:rPr lang="de-DE" b="0" i="1" dirty="0" smtClean="0">
-                                        <a:latin typeface="Cambria Math" panose="02040503050406030204" pitchFamily="18" charset="0"/>
-                                      </a:rPr>
-                                      <m:t>8</m:t>
-                                    </m:r>
-                                    <m:r>
-                                      <a:rPr lang="de-DE" i="1" dirty="0" smtClean="0">
-                                        <a:latin typeface="Cambria Math" panose="02040503050406030204" pitchFamily="18" charset="0"/>
-                                      </a:rPr>
-                                      <m:t>,</m:t>
-                                    </m:r>
-                                    <m:r>
-                                      <a:rPr lang="de-DE" b="0" i="1" dirty="0" smtClean="0">
-                                        <a:latin typeface="Cambria Math" panose="02040503050406030204" pitchFamily="18" charset="0"/>
-                                      </a:rPr>
-                                      <m:t>545</m:t>
-                                    </m:r>
-                                    <m:r>
-                                      <a:rPr lang="de-DE" i="1" dirty="0" smtClean="0">
-                                        <a:latin typeface="Cambria Math" panose="02040503050406030204" pitchFamily="18" charset="0"/>
-                                        <a:ea typeface="Cambria Math" panose="02040503050406030204" pitchFamily="18" charset="0"/>
-                                      </a:rPr>
-                                      <m:t>∙</m:t>
-                                    </m:r>
-                                    <m:r>
-                                      <a:rPr lang="de-DE" b="0" i="1" dirty="0" smtClean="0">
-                                        <a:latin typeface="Cambria Math" panose="02040503050406030204" pitchFamily="18" charset="0"/>
-                                        <a:ea typeface="Cambria Math" panose="02040503050406030204" pitchFamily="18" charset="0"/>
-                                      </a:rPr>
-                                      <m:t>10</m:t>
-                                    </m:r>
-                                  </m:e>
-                                  <m:sup>
-                                    <m:r>
-                                      <a:rPr lang="de-DE" b="0" i="1" dirty="0" smtClean="0">
-                                        <a:latin typeface="Cambria Math" panose="02040503050406030204" pitchFamily="18" charset="0"/>
-                                      </a:rPr>
-                                      <m:t>−4</m:t>
-                                    </m:r>
-                                  </m:sup>
-                                </m:sSup>
-                              </m:oMath>
-                            </m:oMathPara>
-                          </a14:m>
-                          <a:endParaRPr lang="de-DE" dirty="0" smtClean="0"/>
-                        </a:p>
-                      </a:txBody>
-                      <a:tcPr/>
-                    </a:tc>
-                    <a:tc>
-                      <a:txBody>
-                        <a:bodyPr/>
-                        <a:lstStyle/>
-                        <a:p>
-                          <a:pPr algn="ctr"/>
-                          <a14:m>
-                            <m:oMath xmlns:m="http://schemas.openxmlformats.org/officeDocument/2006/math">
-                              <m:sSup>
-                                <m:sSupPr>
-                                  <m:ctrlPr>
-                                    <a:rPr lang="de-DE" i="1" dirty="0" smtClean="0">
-                                      <a:latin typeface="Cambria Math" panose="02040503050406030204" pitchFamily="18" charset="0"/>
-                                    </a:rPr>
-                                  </m:ctrlPr>
-                                </m:sSupPr>
-                                <m:e>
-                                  <m:r>
-                                    <a:rPr lang="de-DE" b="0" i="1" dirty="0" smtClean="0">
-                                      <a:latin typeface="Cambria Math" panose="02040503050406030204" pitchFamily="18" charset="0"/>
-                                    </a:rPr>
-                                    <m:t>8,503</m:t>
-                                  </m:r>
-                                  <m:r>
-                                    <a:rPr lang="de-DE" i="1" dirty="0" smtClean="0">
-                                      <a:latin typeface="Cambria Math" panose="02040503050406030204" pitchFamily="18" charset="0"/>
-                                      <a:ea typeface="Cambria Math" panose="02040503050406030204" pitchFamily="18" charset="0"/>
-                                    </a:rPr>
-                                    <m:t>∙</m:t>
-                                  </m:r>
-                                  <m:r>
-                                    <a:rPr lang="de-DE" b="0" i="1" dirty="0" smtClean="0">
-                                      <a:latin typeface="Cambria Math" panose="02040503050406030204" pitchFamily="18" charset="0"/>
-                                      <a:ea typeface="Cambria Math" panose="02040503050406030204" pitchFamily="18" charset="0"/>
-                                    </a:rPr>
-                                    <m:t>10</m:t>
-                                  </m:r>
-                                </m:e>
-                                <m:sup>
-                                  <m:r>
-                                    <a:rPr lang="de-DE" b="0" i="1" dirty="0" smtClean="0">
-                                      <a:latin typeface="Cambria Math" panose="02040503050406030204" pitchFamily="18" charset="0"/>
-                                    </a:rPr>
-                                    <m:t>−4</m:t>
-                                  </m:r>
-                                </m:sup>
-                              </m:sSup>
-                            </m:oMath>
-                          </a14:m>
-                          <a:r>
-                            <a:rPr lang="de-DE" dirty="0" smtClean="0"/>
-                            <a:t> </a:t>
-                          </a:r>
-                        </a:p>
-                      </a:txBody>
-                      <a:tcPr/>
-                    </a:tc>
-                  </a:tr>
-                </a:tbl>
-              </a:graphicData>
-            </a:graphic>
-          </p:graphicFrame>
-        </mc:Choice>
-        <mc:Fallback xmlns="">
-          <p:graphicFrame>
-            <p:nvGraphicFramePr>
-              <p:cNvPr id="9" name="Tabelle 8"/>
-              <p:cNvGraphicFramePr>
-                <a:graphicFrameLocks noGrp="1"/>
-              </p:cNvGraphicFramePr>
-              <p:nvPr>
-                <p:extLst>
-                  <p:ext uri="{D42A27DB-BD31-4B8C-83A1-F6EECF244321}">
-                    <p14:modId xmlns:p14="http://schemas.microsoft.com/office/powerpoint/2010/main" val="1421226377"/>
-                  </p:ext>
-                </p:extLst>
-              </p:nvPr>
-            </p:nvGraphicFramePr>
-            <p:xfrm>
-              <a:off x="1872511" y="2686689"/>
-              <a:ext cx="8547397" cy="2595880"/>
-            </p:xfrm>
-            <a:graphic>
-              <a:graphicData uri="http://schemas.openxmlformats.org/drawingml/2006/table">
-                <a:tbl>
-                  <a:tblPr firstRow="1" bandRow="1">
-                    <a:tableStyleId>{5940675A-B579-460E-94D1-54222C63F5DA}</a:tableStyleId>
-                  </a:tblPr>
-                  <a:tblGrid>
-                    <a:gridCol w="4421963"/>
-                    <a:gridCol w="2062717"/>
-                    <a:gridCol w="2062717"/>
-                  </a:tblGrid>
-                  <a:tr h="370840">
-                    <a:tc rowSpan="2">
-                      <a:txBody>
-                        <a:bodyPr/>
-                        <a:lstStyle/>
-                        <a:p>
-                          <a:pPr algn="ctr"/>
-                          <a:r>
-                            <a:rPr lang="de-DE" b="1" dirty="0" smtClean="0"/>
-                            <a:t>Lernrate</a:t>
-                          </a:r>
-                          <a:endParaRPr lang="de-DE" b="1" dirty="0"/>
-                        </a:p>
-                      </a:txBody>
-                      <a:tcPr anchor="ctr"/>
-                    </a:tc>
-                    <a:tc gridSpan="2">
-                      <a:txBody>
-                        <a:bodyPr/>
-                        <a:lstStyle/>
-                        <a:p>
-                          <a:pPr algn="ctr"/>
-                          <a:r>
-                            <a:rPr lang="de-DE" b="1" dirty="0" smtClean="0"/>
-                            <a:t>MSE</a:t>
-                          </a:r>
-                          <a:endParaRPr lang="de-DE" b="1" dirty="0"/>
-                        </a:p>
-                      </a:txBody>
-                      <a:tcPr/>
-                    </a:tc>
-                    <a:tc hMerge="1">
-                      <a:txBody>
-                        <a:bodyPr/>
-                        <a:lstStyle/>
-                        <a:p>
-                          <a:endParaRPr lang="de-DE"/>
-                        </a:p>
-                      </a:txBody>
-                      <a:tcPr/>
-                    </a:tc>
-                  </a:tr>
-                  <a:tr h="370840">
-                    <a:tc vMerge="1">
-                      <a:txBody>
-                        <a:bodyPr/>
-                        <a:lstStyle/>
-                        <a:p>
-                          <a:pPr algn="ctr"/>
-                          <a:endParaRPr lang="de-DE" dirty="0"/>
-                        </a:p>
-                      </a:txBody>
-                      <a:tcPr/>
-                    </a:tc>
-                    <a:tc>
-                      <a:txBody>
-                        <a:bodyPr/>
-                        <a:lstStyle/>
-                        <a:p>
-                          <a:pPr algn="ctr"/>
-                          <a:r>
-                            <a:rPr lang="de-DE" dirty="0" smtClean="0"/>
-                            <a:t>Training</a:t>
-                          </a:r>
-                          <a:endParaRPr lang="de-DE" dirty="0"/>
-                        </a:p>
-                      </a:txBody>
-                      <a:tcPr/>
-                    </a:tc>
-                    <a:tc>
-                      <a:txBody>
-                        <a:bodyPr/>
-                        <a:lstStyle/>
-                        <a:p>
-                          <a:pPr algn="ctr"/>
-                          <a:r>
-                            <a:rPr lang="de-DE" dirty="0" smtClean="0"/>
-                            <a:t>Test</a:t>
-                          </a:r>
-                          <a:endParaRPr lang="de-DE" dirty="0"/>
-                        </a:p>
-                      </a:txBody>
-                      <a:tcPr/>
-                    </a:tc>
-                  </a:tr>
-                  <a:tr h="370840">
-                    <a:tc>
-                      <a:txBody>
-                        <a:bodyPr/>
-                        <a:lstStyle/>
-                        <a:p>
-                          <a:pPr algn="ctr"/>
-                          <a:r>
-                            <a:rPr lang="de-DE" b="0" dirty="0" smtClean="0"/>
-                            <a:t>0,1</a:t>
-                          </a:r>
-                          <a:endParaRPr lang="de-DE" b="0" dirty="0"/>
-                        </a:p>
-                      </a:txBody>
-                      <a:tcPr anchor="ctr"/>
-                    </a:tc>
-                    <a:tc>
-                      <a:txBody>
-                        <a:bodyPr/>
-                        <a:lstStyle/>
-                        <a:p>
-                          <a:pPr algn="ctr"/>
-                          <a:r>
-                            <a:rPr lang="de-DE" dirty="0" smtClean="0"/>
-                            <a:t>0,001118</a:t>
-                          </a:r>
-                          <a:endParaRPr lang="de-DE" dirty="0" smtClean="0"/>
-                        </a:p>
-                      </a:txBody>
-                      <a:tcPr/>
-                    </a:tc>
-                    <a:tc>
-                      <a:txBody>
-                        <a:bodyPr/>
-                        <a:lstStyle/>
-                        <a:p>
-                          <a:pPr algn="ctr"/>
-                          <a:r>
-                            <a:rPr lang="de-DE" dirty="0" smtClean="0"/>
-                            <a:t>0,001425</a:t>
-                          </a:r>
-                          <a:endParaRPr lang="de-DE" dirty="0"/>
-                        </a:p>
-                      </a:txBody>
-                      <a:tcPr/>
-                    </a:tc>
-                  </a:tr>
-                  <a:tr h="370840">
-                    <a:tc>
-                      <a:txBody>
-                        <a:bodyPr/>
-                        <a:lstStyle/>
-                        <a:p>
-                          <a:pPr algn="ctr"/>
-                          <a:r>
-                            <a:rPr lang="de-DE" b="0" dirty="0" smtClean="0"/>
-                            <a:t>0,3</a:t>
-                          </a:r>
-                          <a:endParaRPr lang="de-DE" b="0" dirty="0"/>
-                        </a:p>
-                      </a:txBody>
-                      <a:tcPr anchor="ctr">
-                        <a:noFill/>
-                      </a:tcPr>
-                    </a:tc>
-                    <a:tc>
-                      <a:txBody>
-                        <a:bodyPr/>
-                        <a:lstStyle/>
-                        <a:p>
-                          <a:endParaRPr lang="de-DE"/>
-                        </a:p>
-                      </a:txBody>
-                      <a:tcPr>
-                        <a:blipFill rotWithShape="0">
-                          <a:blip r:embed="rId3"/>
-                          <a:stretch>
-                            <a:fillRect l="-215089" t="-308197" r="-100888" b="-324590"/>
-                          </a:stretch>
-                        </a:blipFill>
-                      </a:tcPr>
-                    </a:tc>
-                    <a:tc>
-                      <a:txBody>
-                        <a:bodyPr/>
-                        <a:lstStyle/>
-                        <a:p>
-                          <a:endParaRPr lang="de-DE"/>
-                        </a:p>
-                      </a:txBody>
-                      <a:tcPr>
-                        <a:blipFill rotWithShape="0">
-                          <a:blip r:embed="rId3"/>
-                          <a:stretch>
-                            <a:fillRect l="-314159" t="-308197" r="-590" b="-324590"/>
-                          </a:stretch>
-                        </a:blipFill>
-                      </a:tcPr>
-                    </a:tc>
-                  </a:tr>
-                  <a:tr h="370840">
-                    <a:tc>
-                      <a:txBody>
-                        <a:bodyPr/>
-                        <a:lstStyle/>
-                        <a:p>
-                          <a:pPr algn="ctr"/>
-                          <a:r>
-                            <a:rPr lang="de-DE" b="0" dirty="0" smtClean="0"/>
-                            <a:t>0,5</a:t>
-                          </a:r>
-                          <a:endParaRPr lang="de-DE" b="0" dirty="0"/>
-                        </a:p>
-                      </a:txBody>
-                      <a:tcPr anchor="ctr">
-                        <a:noFill/>
-                      </a:tcPr>
-                    </a:tc>
-                    <a:tc>
-                      <a:txBody>
-                        <a:bodyPr/>
-                        <a:lstStyle/>
-                        <a:p>
-                          <a:endParaRPr lang="de-DE"/>
-                        </a:p>
-                      </a:txBody>
-                      <a:tcPr>
-                        <a:blipFill rotWithShape="0">
-                          <a:blip r:embed="rId3"/>
-                          <a:stretch>
-                            <a:fillRect l="-215089" t="-408197" r="-100888" b="-224590"/>
-                          </a:stretch>
-                        </a:blipFill>
-                      </a:tcPr>
-                    </a:tc>
-                    <a:tc>
-                      <a:txBody>
-                        <a:bodyPr/>
-                        <a:lstStyle/>
-                        <a:p>
-                          <a:endParaRPr lang="de-DE"/>
-                        </a:p>
-                      </a:txBody>
-                      <a:tcPr>
-                        <a:blipFill rotWithShape="0">
-                          <a:blip r:embed="rId3"/>
-                          <a:stretch>
-                            <a:fillRect l="-314159" t="-408197" r="-590" b="-224590"/>
-                          </a:stretch>
-                        </a:blipFill>
-                      </a:tcPr>
-                    </a:tc>
-                  </a:tr>
-                  <a:tr h="370840">
-                    <a:tc>
-                      <a:txBody>
-                        <a:bodyPr/>
-                        <a:lstStyle/>
-                        <a:p>
-                          <a:pPr algn="ctr"/>
-                          <a:r>
-                            <a:rPr lang="de-DE" b="0" dirty="0" smtClean="0"/>
-                            <a:t>0,7</a:t>
-                          </a:r>
-                          <a:endParaRPr lang="de-DE" b="0" dirty="0"/>
-                        </a:p>
-                      </a:txBody>
-                      <a:tcPr anchor="ctr">
-                        <a:noFill/>
-                      </a:tcPr>
-                    </a:tc>
-                    <a:tc>
-                      <a:txBody>
-                        <a:bodyPr/>
-                        <a:lstStyle/>
-                        <a:p>
-                          <a:endParaRPr lang="de-DE"/>
-                        </a:p>
-                      </a:txBody>
-                      <a:tcPr>
-                        <a:blipFill rotWithShape="0">
-                          <a:blip r:embed="rId3"/>
-                          <a:stretch>
-                            <a:fillRect l="-215089" t="-508197" r="-100888" b="-124590"/>
-                          </a:stretch>
-                        </a:blipFill>
-                      </a:tcPr>
-                    </a:tc>
-                    <a:tc>
-                      <a:txBody>
-                        <a:bodyPr/>
-                        <a:lstStyle/>
-                        <a:p>
-                          <a:endParaRPr lang="de-DE"/>
-                        </a:p>
-                      </a:txBody>
-                      <a:tcPr>
-                        <a:blipFill rotWithShape="0">
-                          <a:blip r:embed="rId3"/>
-                          <a:stretch>
-                            <a:fillRect l="-314159" t="-508197" r="-590" b="-124590"/>
-                          </a:stretch>
-                        </a:blipFill>
-                      </a:tcPr>
-                    </a:tc>
-                  </a:tr>
-                  <a:tr h="370840">
-                    <a:tc>
-                      <a:txBody>
-                        <a:bodyPr/>
-                        <a:lstStyle/>
-                        <a:p>
-                          <a:pPr algn="ctr"/>
-                          <a:r>
-                            <a:rPr lang="de-DE" b="0" dirty="0" smtClean="0"/>
-                            <a:t>0,9</a:t>
-                          </a:r>
-                          <a:endParaRPr lang="de-DE" b="0" dirty="0"/>
-                        </a:p>
-                      </a:txBody>
-                      <a:tcPr anchor="ctr"/>
-                    </a:tc>
-                    <a:tc>
-                      <a:txBody>
-                        <a:bodyPr/>
-                        <a:lstStyle/>
-                        <a:p>
-                          <a:endParaRPr lang="de-DE"/>
-                        </a:p>
-                      </a:txBody>
-                      <a:tcPr>
-                        <a:blipFill rotWithShape="0">
-                          <a:blip r:embed="rId3"/>
-                          <a:stretch>
-                            <a:fillRect l="-215089" t="-608197" r="-100888" b="-24590"/>
-                          </a:stretch>
-                        </a:blipFill>
-                      </a:tcPr>
-                    </a:tc>
-                    <a:tc>
-                      <a:txBody>
-                        <a:bodyPr/>
-                        <a:lstStyle/>
-                        <a:p>
-                          <a:endParaRPr lang="de-DE"/>
-                        </a:p>
-                      </a:txBody>
-                      <a:tcPr>
-                        <a:blipFill rotWithShape="0">
-                          <a:blip r:embed="rId3"/>
-                          <a:stretch>
-                            <a:fillRect l="-314159" t="-608197" r="-590" b="-24590"/>
-                          </a:stretch>
-                        </a:blipFill>
-                      </a:tcPr>
-                    </a:tc>
-                  </a:tr>
-                </a:tbl>
-              </a:graphicData>
-            </a:graphic>
-          </p:graphicFrame>
-        </mc:Fallback>
-      </mc:AlternateContent>
-      <p:sp>
-        <p:nvSpPr>
-          <p:cNvPr id="11" name="Rechteck 10"/>
-          <p:cNvSpPr/>
-          <p:nvPr/>
-        </p:nvSpPr>
-        <p:spPr>
-          <a:xfrm>
-            <a:off x="1872000" y="2656799"/>
-            <a:ext cx="8532000" cy="771569"/>
-          </a:xfrm>
-          <a:prstGeom prst="rect">
-            <a:avLst/>
-          </a:prstGeom>
-          <a:noFill/>
-          <a:ln w="28575">
-            <a:solidFill>
-              <a:schemeClr val="tx1"/>
-            </a:solidFill>
-          </a:ln>
-        </p:spPr>
-        <p:style>
-          <a:lnRef idx="2">
-            <a:schemeClr val="accent1">
-              <a:shade val="50000"/>
-            </a:schemeClr>
-          </a:lnRef>
-          <a:fillRef idx="1">
-            <a:schemeClr val="accent1"/>
-          </a:fillRef>
-          <a:effectRef idx="0">
-            <a:schemeClr val="accent1"/>
-          </a:effectRef>
-          <a:fontRef idx="minor">
-            <a:schemeClr val="lt1"/>
-          </a:fontRef>
-        </p:style>
-        <p:txBody>
-          <a:bodyPr rtlCol="0" anchor="ctr"/>
-          <a:lstStyle/>
-          <a:p>
-            <a:pPr algn="ctr"/>
-            <a:endParaRPr lang="de-DE"/>
-          </a:p>
-        </p:txBody>
-      </p:sp>
     </p:spTree>
     <p:extLst>
       <p:ext uri="{BB962C8B-B14F-4D97-AF65-F5344CB8AC3E}">
-        <p14:creationId xmlns:p14="http://schemas.microsoft.com/office/powerpoint/2010/main" val="457440247"/>
+        <p14:creationId xmlns:p14="http://schemas.microsoft.com/office/powerpoint/2010/main" val="2860437218"/>
       </p:ext>
     </p:extLst>
   </p:cSld>
@@ -30116,85 +29447,855 @@
           </a:p>
         </p:txBody>
       </p:sp>
-      <p:sp>
-        <p:nvSpPr>
-          <p:cNvPr id="3" name="Inhaltsplatzhalter 2"/>
-          <p:cNvSpPr>
-            <a:spLocks noGrp="1"/>
-          </p:cNvSpPr>
-          <p:nvPr>
-            <p:ph idx="1"/>
-          </p:nvPr>
-        </p:nvSpPr>
-        <p:spPr/>
-        <p:txBody>
-          <a:bodyPr>
-            <a:normAutofit/>
-          </a:bodyPr>
-          <a:lstStyle/>
-          <a:p>
-            <a:r>
-              <a:rPr lang="de-DE" dirty="0" smtClean="0"/>
-              <a:t>Optimierung der Lernrate</a:t>
-            </a:r>
-            <a:endParaRPr lang="de-DE" dirty="0"/>
-          </a:p>
-          <a:p>
-            <a:endParaRPr lang="de-DE" dirty="0" smtClean="0"/>
-          </a:p>
-          <a:p>
-            <a:endParaRPr lang="de-DE" dirty="0"/>
-          </a:p>
-          <a:p>
-            <a:pPr marL="0" indent="0">
-              <a:buNone/>
-            </a:pPr>
-            <a:endParaRPr lang="de-DE" dirty="0" smtClean="0"/>
-          </a:p>
-          <a:p>
-            <a:pPr marL="0" indent="0">
-              <a:buNone/>
-            </a:pPr>
-            <a:endParaRPr lang="de-DE" dirty="0" smtClean="0"/>
-          </a:p>
-          <a:p>
-            <a:pPr marL="0" indent="0">
-              <a:buNone/>
-            </a:pPr>
-            <a:endParaRPr lang="de-DE" dirty="0" smtClean="0"/>
-          </a:p>
-          <a:p>
-            <a:pPr marL="0" indent="0">
-              <a:buNone/>
-            </a:pPr>
-            <a:endParaRPr lang="de-DE" dirty="0" smtClean="0"/>
-          </a:p>
-          <a:p>
-            <a:endParaRPr lang="de-DE" dirty="0" smtClean="0"/>
-          </a:p>
-          <a:p>
-            <a:endParaRPr lang="de-DE" dirty="0"/>
-          </a:p>
-          <a:p>
-            <a:endParaRPr lang="de-DE" dirty="0" smtClean="0"/>
-          </a:p>
-          <a:p>
-            <a:endParaRPr lang="de-DE" dirty="0"/>
-          </a:p>
-          <a:p>
-            <a:pPr marL="0" indent="0">
-              <a:buNone/>
-            </a:pPr>
-            <a:endParaRPr lang="de-DE" dirty="0"/>
-          </a:p>
-          <a:p>
-            <a:pPr marL="0" indent="0">
-              <a:buNone/>
-            </a:pPr>
-            <a:endParaRPr lang="de-DE" dirty="0" smtClean="0"/>
-          </a:p>
-        </p:txBody>
-      </p:sp>
+      <mc:AlternateContent xmlns:mc="http://schemas.openxmlformats.org/markup-compatibility/2006">
+        <mc:Choice xmlns:a14="http://schemas.microsoft.com/office/drawing/2010/main" Requires="a14">
+          <p:sp>
+            <p:nvSpPr>
+              <p:cNvPr id="3" name="Inhaltsplatzhalter 2"/>
+              <p:cNvSpPr>
+                <a:spLocks noGrp="1"/>
+              </p:cNvSpPr>
+              <p:nvPr>
+                <p:ph idx="1"/>
+              </p:nvPr>
+            </p:nvSpPr>
+            <p:spPr/>
+            <p:txBody>
+              <a:bodyPr>
+                <a:normAutofit/>
+              </a:bodyPr>
+              <a:lstStyle/>
+              <a:p>
+                <a:r>
+                  <a:rPr lang="de-DE" dirty="0" smtClean="0"/>
+                  <a:t>RPROP  </a:t>
+                </a:r>
+                <a14:m>
+                  <m:oMath xmlns:m="http://schemas.openxmlformats.org/officeDocument/2006/math">
+                    <m:r>
+                      <a:rPr lang="de-DE" i="1" smtClean="0">
+                        <a:latin typeface="Cambria Math" panose="02040503050406030204" pitchFamily="18" charset="0"/>
+                        <a:ea typeface="Cambria Math" panose="02040503050406030204" pitchFamily="18" charset="0"/>
+                      </a:rPr>
+                      <m:t>→</m:t>
+                    </m:r>
+                  </m:oMath>
+                </a14:m>
+                <a:r>
+                  <a:rPr lang="de-DE" dirty="0" smtClean="0"/>
+                  <a:t>„Federndes“ Backpropagation:</a:t>
+                </a:r>
+              </a:p>
+              <a:p>
+                <a:pPr lvl="1"/>
+                <a:r>
+                  <a:rPr lang="de-DE" dirty="0" smtClean="0"/>
+                  <a:t>Betrag der Gewichtsveränderung </a:t>
+                </a:r>
+                <a14:m>
+                  <m:oMath xmlns:m="http://schemas.openxmlformats.org/officeDocument/2006/math">
+                    <m:sSub>
+                      <m:sSubPr>
+                        <m:ctrlPr>
+                          <a:rPr lang="de-DE" i="1">
+                            <a:latin typeface="Cambria Math" panose="02040503050406030204" pitchFamily="18" charset="0"/>
+                          </a:rPr>
+                        </m:ctrlPr>
+                      </m:sSubPr>
+                      <m:e>
+                        <m:r>
+                          <a:rPr lang="de-DE" i="1">
+                            <a:latin typeface="Cambria Math" panose="02040503050406030204" pitchFamily="18" charset="0"/>
+                            <a:ea typeface="Cambria Math" panose="02040503050406030204" pitchFamily="18" charset="0"/>
+                          </a:rPr>
+                          <m:t>∆</m:t>
+                        </m:r>
+                      </m:e>
+                      <m:sub>
+                        <m:r>
+                          <a:rPr lang="de-DE" i="1">
+                            <a:latin typeface="Cambria Math" panose="02040503050406030204" pitchFamily="18" charset="0"/>
+                          </a:rPr>
+                          <m:t>𝑖𝑗</m:t>
+                        </m:r>
+                      </m:sub>
+                    </m:sSub>
+                  </m:oMath>
+                </a14:m>
+                <a:r>
+                  <a:rPr lang="de-DE" dirty="0" smtClean="0"/>
+                  <a:t> wird getrennt bestimmt:</a:t>
+                </a:r>
+              </a:p>
+              <a:p>
+                <a:pPr lvl="2"/>
+                <a:r>
+                  <a:rPr lang="de-DE" dirty="0" smtClean="0"/>
+                  <a:t>Zwei konstante  Parameter </a:t>
+                </a:r>
+                <a14:m>
+                  <m:oMath xmlns:m="http://schemas.openxmlformats.org/officeDocument/2006/math">
+                    <m:sSub>
+                      <m:sSubPr>
+                        <m:ctrlPr>
+                          <a:rPr lang="de-DE" i="1">
+                            <a:latin typeface="Cambria Math" panose="02040503050406030204" pitchFamily="18" charset="0"/>
+                          </a:rPr>
+                        </m:ctrlPr>
+                      </m:sSubPr>
+                      <m:e>
+                        <m:r>
+                          <a:rPr lang="de-DE" b="0" i="1" smtClean="0">
+                            <a:latin typeface="Cambria Math" panose="02040503050406030204" pitchFamily="18" charset="0"/>
+                          </a:rPr>
+                          <m:t>𝑛</m:t>
+                        </m:r>
+                      </m:e>
+                      <m:sub>
+                        <m:r>
+                          <a:rPr lang="de-DE" b="0" i="1" smtClean="0">
+                            <a:latin typeface="Cambria Math" panose="02040503050406030204" pitchFamily="18" charset="0"/>
+                            <a:ea typeface="Cambria Math" panose="02040503050406030204" pitchFamily="18" charset="0"/>
+                          </a:rPr>
+                          <m:t>+</m:t>
+                        </m:r>
+                      </m:sub>
+                    </m:sSub>
+                  </m:oMath>
+                </a14:m>
+                <a:r>
+                  <a:rPr lang="de-DE" dirty="0" smtClean="0"/>
+                  <a:t> und </a:t>
+                </a:r>
+                <a14:m>
+                  <m:oMath xmlns:m="http://schemas.openxmlformats.org/officeDocument/2006/math">
+                    <m:sSub>
+                      <m:sSubPr>
+                        <m:ctrlPr>
+                          <a:rPr lang="de-DE" i="1">
+                            <a:latin typeface="Cambria Math" panose="02040503050406030204" pitchFamily="18" charset="0"/>
+                          </a:rPr>
+                        </m:ctrlPr>
+                      </m:sSubPr>
+                      <m:e>
+                        <m:r>
+                          <a:rPr lang="de-DE" i="1">
+                            <a:latin typeface="Cambria Math" panose="02040503050406030204" pitchFamily="18" charset="0"/>
+                          </a:rPr>
+                          <m:t>𝑛</m:t>
+                        </m:r>
+                      </m:e>
+                      <m:sub>
+                        <m:r>
+                          <a:rPr lang="de-DE" b="0" i="1" smtClean="0">
+                            <a:latin typeface="Cambria Math" panose="02040503050406030204" pitchFamily="18" charset="0"/>
+                          </a:rPr>
+                          <m:t>−</m:t>
+                        </m:r>
+                      </m:sub>
+                    </m:sSub>
+                  </m:oMath>
+                </a14:m>
+                <a:r>
+                  <a:rPr lang="de-DE" dirty="0" smtClean="0"/>
+                  <a:t> mit </a:t>
+                </a:r>
+                <a14:m>
+                  <m:oMath xmlns:m="http://schemas.openxmlformats.org/officeDocument/2006/math">
+                    <m:sSub>
+                      <m:sSubPr>
+                        <m:ctrlPr>
+                          <a:rPr lang="de-DE" i="1">
+                            <a:latin typeface="Cambria Math" panose="02040503050406030204" pitchFamily="18" charset="0"/>
+                          </a:rPr>
+                        </m:ctrlPr>
+                      </m:sSubPr>
+                      <m:e>
+                        <m:r>
+                          <a:rPr lang="de-DE" b="0" i="1" smtClean="0">
+                            <a:latin typeface="Cambria Math" panose="02040503050406030204" pitchFamily="18" charset="0"/>
+                          </a:rPr>
+                          <m:t>0&lt;</m:t>
+                        </m:r>
+                        <m:sSub>
+                          <m:sSubPr>
+                            <m:ctrlPr>
+                              <a:rPr lang="de-DE" i="1">
+                                <a:latin typeface="Cambria Math" panose="02040503050406030204" pitchFamily="18" charset="0"/>
+                              </a:rPr>
+                            </m:ctrlPr>
+                          </m:sSubPr>
+                          <m:e>
+                            <m:r>
+                              <a:rPr lang="de-DE" i="1">
+                                <a:latin typeface="Cambria Math" panose="02040503050406030204" pitchFamily="18" charset="0"/>
+                              </a:rPr>
+                              <m:t>𝑛</m:t>
+                            </m:r>
+                          </m:e>
+                          <m:sub>
+                            <m:r>
+                              <a:rPr lang="de-DE" b="0" i="1" smtClean="0">
+                                <a:latin typeface="Cambria Math" panose="02040503050406030204" pitchFamily="18" charset="0"/>
+                              </a:rPr>
+                              <m:t>−</m:t>
+                            </m:r>
+                          </m:sub>
+                        </m:sSub>
+                        <m:r>
+                          <a:rPr lang="de-DE" b="0" i="1" smtClean="0">
+                            <a:latin typeface="Cambria Math" panose="02040503050406030204" pitchFamily="18" charset="0"/>
+                            <a:ea typeface="Cambria Math" panose="02040503050406030204" pitchFamily="18" charset="0"/>
+                          </a:rPr>
+                          <m:t>&lt;1&lt; </m:t>
+                        </m:r>
+                        <m:r>
+                          <a:rPr lang="de-DE" i="1">
+                            <a:latin typeface="Cambria Math" panose="02040503050406030204" pitchFamily="18" charset="0"/>
+                          </a:rPr>
+                          <m:t>𝑛</m:t>
+                        </m:r>
+                      </m:e>
+                      <m:sub>
+                        <m:r>
+                          <a:rPr lang="de-DE" i="1">
+                            <a:latin typeface="Cambria Math" panose="02040503050406030204" pitchFamily="18" charset="0"/>
+                            <a:ea typeface="Cambria Math" panose="02040503050406030204" pitchFamily="18" charset="0"/>
+                          </a:rPr>
+                          <m:t>+</m:t>
+                        </m:r>
+                      </m:sub>
+                    </m:sSub>
+                  </m:oMath>
+                </a14:m>
+                <a:endParaRPr lang="de-DE" dirty="0" smtClean="0"/>
+              </a:p>
+              <a:p>
+                <a:pPr marL="0" indent="0">
+                  <a:buNone/>
+                </a:pPr>
+                <a:endParaRPr lang="de-DE" dirty="0" smtClean="0"/>
+              </a:p>
+              <a:p>
+                <a:pPr marL="0" indent="0">
+                  <a:buNone/>
+                </a:pPr>
+                <a:endParaRPr lang="de-DE" dirty="0"/>
+              </a:p>
+              <a:p>
+                <a:pPr marL="0" indent="0">
+                  <a:buNone/>
+                </a:pPr>
+                <a14:m>
+                  <m:oMathPara xmlns:m="http://schemas.openxmlformats.org/officeDocument/2006/math">
+                    <m:oMathParaPr>
+                      <m:jc m:val="centerGroup"/>
+                    </m:oMathParaPr>
+                    <m:oMath xmlns:m="http://schemas.openxmlformats.org/officeDocument/2006/math">
+                      <m:sSub>
+                        <m:sSubPr>
+                          <m:ctrlPr>
+                            <a:rPr lang="de-DE" i="1" smtClean="0">
+                              <a:latin typeface="Cambria Math" panose="02040503050406030204" pitchFamily="18" charset="0"/>
+                            </a:rPr>
+                          </m:ctrlPr>
+                        </m:sSubPr>
+                        <m:e>
+                          <m:r>
+                            <a:rPr lang="de-DE" i="1" smtClean="0">
+                              <a:latin typeface="Cambria Math" panose="02040503050406030204" pitchFamily="18" charset="0"/>
+                              <a:ea typeface="Cambria Math" panose="02040503050406030204" pitchFamily="18" charset="0"/>
+                            </a:rPr>
+                            <m:t>∆</m:t>
+                          </m:r>
+                        </m:e>
+                        <m:sub>
+                          <m:r>
+                            <a:rPr lang="de-DE" b="0" i="1" smtClean="0">
+                              <a:latin typeface="Cambria Math" panose="02040503050406030204" pitchFamily="18" charset="0"/>
+                            </a:rPr>
+                            <m:t>𝑖𝑗</m:t>
+                          </m:r>
+                        </m:sub>
+                      </m:sSub>
+                      <m:r>
+                        <a:rPr lang="de-DE" b="0" i="1" smtClean="0">
+                          <a:latin typeface="Cambria Math" panose="02040503050406030204" pitchFamily="18" charset="0"/>
+                        </a:rPr>
+                        <m:t> =</m:t>
+                      </m:r>
+                      <m:d>
+                        <m:dPr>
+                          <m:begChr m:val="{"/>
+                          <m:endChr m:val=""/>
+                          <m:ctrlPr>
+                            <a:rPr lang="de-DE" b="0" i="1" smtClean="0">
+                              <a:latin typeface="Cambria Math" panose="02040503050406030204" pitchFamily="18" charset="0"/>
+                            </a:rPr>
+                          </m:ctrlPr>
+                        </m:dPr>
+                        <m:e>
+                          <m:eqArr>
+                            <m:eqArrPr>
+                              <m:ctrlPr>
+                                <a:rPr lang="de-DE" b="0" i="1" smtClean="0">
+                                  <a:latin typeface="Cambria Math" panose="02040503050406030204" pitchFamily="18" charset="0"/>
+                                </a:rPr>
+                              </m:ctrlPr>
+                            </m:eqArrPr>
+                            <m:e>
+                              <m:sSub>
+                                <m:sSubPr>
+                                  <m:ctrlPr>
+                                    <a:rPr lang="de-DE" i="1">
+                                      <a:latin typeface="Cambria Math" panose="02040503050406030204" pitchFamily="18" charset="0"/>
+                                    </a:rPr>
+                                  </m:ctrlPr>
+                                </m:sSubPr>
+                                <m:e>
+                                  <m:r>
+                                    <a:rPr lang="de-DE" i="1">
+                                      <a:latin typeface="Cambria Math" panose="02040503050406030204" pitchFamily="18" charset="0"/>
+                                      <a:ea typeface="Cambria Math" panose="02040503050406030204" pitchFamily="18" charset="0"/>
+                                    </a:rPr>
+                                    <m:t>∆</m:t>
+                                  </m:r>
+                                </m:e>
+                                <m:sub>
+                                  <m:r>
+                                    <a:rPr lang="de-DE" i="1">
+                                      <a:latin typeface="Cambria Math" panose="02040503050406030204" pitchFamily="18" charset="0"/>
+                                    </a:rPr>
+                                    <m:t>𝑖𝑗</m:t>
+                                  </m:r>
+                                  <m:r>
+                                    <a:rPr lang="de-DE" b="0" i="1" smtClean="0">
+                                      <a:latin typeface="Cambria Math" panose="02040503050406030204" pitchFamily="18" charset="0"/>
+                                    </a:rPr>
+                                    <m:t> </m:t>
+                                  </m:r>
+                                </m:sub>
+                              </m:sSub>
+                              <m:d>
+                                <m:dPr>
+                                  <m:ctrlPr>
+                                    <a:rPr lang="de-DE" b="0" i="1" smtClean="0">
+                                      <a:latin typeface="Cambria Math" panose="02040503050406030204" pitchFamily="18" charset="0"/>
+                                    </a:rPr>
+                                  </m:ctrlPr>
+                                </m:dPr>
+                                <m:e>
+                                  <m:r>
+                                    <a:rPr lang="de-DE" b="0" i="1" smtClean="0">
+                                      <a:latin typeface="Cambria Math" panose="02040503050406030204" pitchFamily="18" charset="0"/>
+                                    </a:rPr>
+                                    <m:t>𝑡</m:t>
+                                  </m:r>
+                                  <m:r>
+                                    <a:rPr lang="de-DE" b="0" i="1" smtClean="0">
+                                      <a:latin typeface="Cambria Math" panose="02040503050406030204" pitchFamily="18" charset="0"/>
+                                    </a:rPr>
+                                    <m:t>−1</m:t>
+                                  </m:r>
+                                </m:e>
+                              </m:d>
+                              <m:r>
+                                <a:rPr lang="de-DE" i="1">
+                                  <a:latin typeface="Cambria Math" panose="02040503050406030204" pitchFamily="18" charset="0"/>
+                                  <a:ea typeface="Cambria Math" panose="02040503050406030204" pitchFamily="18" charset="0"/>
+                                </a:rPr>
+                                <m:t>∙</m:t>
+                              </m:r>
+                              <m:sSub>
+                                <m:sSubPr>
+                                  <m:ctrlPr>
+                                    <a:rPr lang="de-DE" i="1">
+                                      <a:latin typeface="Cambria Math" panose="02040503050406030204" pitchFamily="18" charset="0"/>
+                                    </a:rPr>
+                                  </m:ctrlPr>
+                                </m:sSubPr>
+                                <m:e>
+                                  <m:r>
+                                    <a:rPr lang="de-DE" i="1">
+                                      <a:latin typeface="Cambria Math" panose="02040503050406030204" pitchFamily="18" charset="0"/>
+                                    </a:rPr>
+                                    <m:t>𝑛</m:t>
+                                  </m:r>
+                                </m:e>
+                                <m:sub>
+                                  <m:r>
+                                    <a:rPr lang="de-DE" i="1">
+                                      <a:latin typeface="Cambria Math" panose="02040503050406030204" pitchFamily="18" charset="0"/>
+                                      <a:ea typeface="Cambria Math" panose="02040503050406030204" pitchFamily="18" charset="0"/>
+                                    </a:rPr>
+                                    <m:t>+</m:t>
+                                  </m:r>
+                                </m:sub>
+                              </m:sSub>
+                              <m:r>
+                                <a:rPr lang="de-DE" b="0" i="1" smtClean="0">
+                                  <a:latin typeface="Cambria Math" panose="02040503050406030204" pitchFamily="18" charset="0"/>
+                                  <a:ea typeface="Cambria Math" panose="02040503050406030204" pitchFamily="18" charset="0"/>
+                                </a:rPr>
+                                <m:t> </m:t>
+                              </m:r>
+                              <m:r>
+                                <a:rPr lang="de-DE" b="0" i="1" smtClean="0">
+                                  <a:latin typeface="Cambria Math" panose="02040503050406030204" pitchFamily="18" charset="0"/>
+                                  <a:ea typeface="Cambria Math" panose="02040503050406030204" pitchFamily="18" charset="0"/>
+                                </a:rPr>
+                                <m:t>𝑓𝑎𝑙𝑙𝑠</m:t>
+                              </m:r>
+                              <m:r>
+                                <a:rPr lang="de-DE" b="0" i="1" smtClean="0">
+                                  <a:latin typeface="Cambria Math" panose="02040503050406030204" pitchFamily="18" charset="0"/>
+                                  <a:ea typeface="Cambria Math" panose="02040503050406030204" pitchFamily="18" charset="0"/>
+                                </a:rPr>
+                                <m:t> </m:t>
+                              </m:r>
+                              <m:r>
+                                <a:rPr lang="de-DE" b="0" i="1" smtClean="0">
+                                  <a:latin typeface="Cambria Math" panose="02040503050406030204" pitchFamily="18" charset="0"/>
+                                  <a:ea typeface="Cambria Math" panose="02040503050406030204" pitchFamily="18" charset="0"/>
+                                </a:rPr>
+                                <m:t>𝑆</m:t>
+                              </m:r>
+                              <m:d>
+                                <m:dPr>
+                                  <m:ctrlPr>
+                                    <a:rPr lang="de-DE" b="0" i="1" smtClean="0">
+                                      <a:latin typeface="Cambria Math" panose="02040503050406030204" pitchFamily="18" charset="0"/>
+                                      <a:ea typeface="Cambria Math" panose="02040503050406030204" pitchFamily="18" charset="0"/>
+                                    </a:rPr>
+                                  </m:ctrlPr>
+                                </m:dPr>
+                                <m:e>
+                                  <m:r>
+                                    <a:rPr lang="de-DE" b="0" i="1" smtClean="0">
+                                      <a:latin typeface="Cambria Math" panose="02040503050406030204" pitchFamily="18" charset="0"/>
+                                      <a:ea typeface="Cambria Math" panose="02040503050406030204" pitchFamily="18" charset="0"/>
+                                    </a:rPr>
+                                    <m:t>𝑡</m:t>
+                                  </m:r>
+                                  <m:r>
+                                    <a:rPr lang="de-DE" b="0" i="1" smtClean="0">
+                                      <a:latin typeface="Cambria Math" panose="02040503050406030204" pitchFamily="18" charset="0"/>
+                                      <a:ea typeface="Cambria Math" panose="02040503050406030204" pitchFamily="18" charset="0"/>
+                                    </a:rPr>
+                                    <m:t>−1</m:t>
+                                  </m:r>
+                                </m:e>
+                              </m:d>
+                              <m:r>
+                                <a:rPr lang="de-DE" i="1">
+                                  <a:latin typeface="Cambria Math" panose="02040503050406030204" pitchFamily="18" charset="0"/>
+                                  <a:ea typeface="Cambria Math" panose="02040503050406030204" pitchFamily="18" charset="0"/>
+                                </a:rPr>
+                                <m:t>∙</m:t>
+                              </m:r>
+                              <m:r>
+                                <a:rPr lang="de-DE" b="0" i="1" smtClean="0">
+                                  <a:latin typeface="Cambria Math" panose="02040503050406030204" pitchFamily="18" charset="0"/>
+                                </a:rPr>
+                                <m:t> </m:t>
+                              </m:r>
+                              <m:r>
+                                <a:rPr lang="de-DE" b="0" i="1" smtClean="0">
+                                  <a:latin typeface="Cambria Math" panose="02040503050406030204" pitchFamily="18" charset="0"/>
+                                </a:rPr>
+                                <m:t>𝑆</m:t>
+                              </m:r>
+                              <m:d>
+                                <m:dPr>
+                                  <m:ctrlPr>
+                                    <a:rPr lang="de-DE" b="0" i="1" smtClean="0">
+                                      <a:latin typeface="Cambria Math" panose="02040503050406030204" pitchFamily="18" charset="0"/>
+                                    </a:rPr>
+                                  </m:ctrlPr>
+                                </m:dPr>
+                                <m:e>
+                                  <m:r>
+                                    <a:rPr lang="de-DE" b="0" i="1" smtClean="0">
+                                      <a:latin typeface="Cambria Math" panose="02040503050406030204" pitchFamily="18" charset="0"/>
+                                    </a:rPr>
+                                    <m:t>𝑡</m:t>
+                                  </m:r>
+                                </m:e>
+                              </m:d>
+                              <m:r>
+                                <a:rPr lang="de-DE" b="0" i="1" smtClean="0">
+                                  <a:latin typeface="Cambria Math" panose="02040503050406030204" pitchFamily="18" charset="0"/>
+                                </a:rPr>
+                                <m:t>&gt;0</m:t>
+                              </m:r>
+                            </m:e>
+                            <m:e>
+                              <m:sSub>
+                                <m:sSubPr>
+                                  <m:ctrlPr>
+                                    <a:rPr lang="de-DE" i="1">
+                                      <a:latin typeface="Cambria Math" panose="02040503050406030204" pitchFamily="18" charset="0"/>
+                                    </a:rPr>
+                                  </m:ctrlPr>
+                                </m:sSubPr>
+                                <m:e>
+                                  <m:r>
+                                    <a:rPr lang="de-DE" i="1">
+                                      <a:latin typeface="Cambria Math" panose="02040503050406030204" pitchFamily="18" charset="0"/>
+                                      <a:ea typeface="Cambria Math" panose="02040503050406030204" pitchFamily="18" charset="0"/>
+                                    </a:rPr>
+                                    <m:t>∆</m:t>
+                                  </m:r>
+                                </m:e>
+                                <m:sub>
+                                  <m:r>
+                                    <a:rPr lang="de-DE" i="1">
+                                      <a:latin typeface="Cambria Math" panose="02040503050406030204" pitchFamily="18" charset="0"/>
+                                    </a:rPr>
+                                    <m:t>𝑖𝑗</m:t>
+                                  </m:r>
+                                  <m:r>
+                                    <a:rPr lang="de-DE" i="1">
+                                      <a:latin typeface="Cambria Math" panose="02040503050406030204" pitchFamily="18" charset="0"/>
+                                    </a:rPr>
+                                    <m:t> </m:t>
+                                  </m:r>
+                                </m:sub>
+                              </m:sSub>
+                              <m:d>
+                                <m:dPr>
+                                  <m:ctrlPr>
+                                    <a:rPr lang="de-DE" i="1">
+                                      <a:latin typeface="Cambria Math" panose="02040503050406030204" pitchFamily="18" charset="0"/>
+                                    </a:rPr>
+                                  </m:ctrlPr>
+                                </m:dPr>
+                                <m:e>
+                                  <m:r>
+                                    <a:rPr lang="de-DE" i="1">
+                                      <a:latin typeface="Cambria Math" panose="02040503050406030204" pitchFamily="18" charset="0"/>
+                                    </a:rPr>
+                                    <m:t>𝑡</m:t>
+                                  </m:r>
+                                  <m:r>
+                                    <a:rPr lang="de-DE" i="1">
+                                      <a:latin typeface="Cambria Math" panose="02040503050406030204" pitchFamily="18" charset="0"/>
+                                    </a:rPr>
+                                    <m:t>−1</m:t>
+                                  </m:r>
+                                </m:e>
+                              </m:d>
+                              <m:r>
+                                <a:rPr lang="de-DE" i="1">
+                                  <a:latin typeface="Cambria Math" panose="02040503050406030204" pitchFamily="18" charset="0"/>
+                                  <a:ea typeface="Cambria Math" panose="02040503050406030204" pitchFamily="18" charset="0"/>
+                                </a:rPr>
+                                <m:t>∙</m:t>
+                              </m:r>
+                              <m:sSub>
+                                <m:sSubPr>
+                                  <m:ctrlPr>
+                                    <a:rPr lang="de-DE" i="1">
+                                      <a:latin typeface="Cambria Math" panose="02040503050406030204" pitchFamily="18" charset="0"/>
+                                    </a:rPr>
+                                  </m:ctrlPr>
+                                </m:sSubPr>
+                                <m:e>
+                                  <m:r>
+                                    <a:rPr lang="de-DE" i="1">
+                                      <a:latin typeface="Cambria Math" panose="02040503050406030204" pitchFamily="18" charset="0"/>
+                                    </a:rPr>
+                                    <m:t>𝑛</m:t>
+                                  </m:r>
+                                </m:e>
+                                <m:sub>
+                                  <m:r>
+                                    <a:rPr lang="de-DE" b="0" i="1" smtClean="0">
+                                      <a:latin typeface="Cambria Math" panose="02040503050406030204" pitchFamily="18" charset="0"/>
+                                    </a:rPr>
+                                    <m:t>−</m:t>
+                                  </m:r>
+                                </m:sub>
+                              </m:sSub>
+                              <m:r>
+                                <a:rPr lang="de-DE" i="1">
+                                  <a:latin typeface="Cambria Math" panose="02040503050406030204" pitchFamily="18" charset="0"/>
+                                  <a:ea typeface="Cambria Math" panose="02040503050406030204" pitchFamily="18" charset="0"/>
+                                </a:rPr>
+                                <m:t> </m:t>
+                              </m:r>
+                              <m:r>
+                                <a:rPr lang="de-DE" i="1">
+                                  <a:latin typeface="Cambria Math" panose="02040503050406030204" pitchFamily="18" charset="0"/>
+                                  <a:ea typeface="Cambria Math" panose="02040503050406030204" pitchFamily="18" charset="0"/>
+                                </a:rPr>
+                                <m:t>𝑓𝑎𝑙𝑙𝑠</m:t>
+                              </m:r>
+                              <m:r>
+                                <a:rPr lang="de-DE" i="1">
+                                  <a:latin typeface="Cambria Math" panose="02040503050406030204" pitchFamily="18" charset="0"/>
+                                  <a:ea typeface="Cambria Math" panose="02040503050406030204" pitchFamily="18" charset="0"/>
+                                </a:rPr>
+                                <m:t> </m:t>
+                              </m:r>
+                              <m:r>
+                                <a:rPr lang="de-DE" i="1">
+                                  <a:latin typeface="Cambria Math" panose="02040503050406030204" pitchFamily="18" charset="0"/>
+                                  <a:ea typeface="Cambria Math" panose="02040503050406030204" pitchFamily="18" charset="0"/>
+                                </a:rPr>
+                                <m:t>𝑆</m:t>
+                              </m:r>
+                              <m:d>
+                                <m:dPr>
+                                  <m:ctrlPr>
+                                    <a:rPr lang="de-DE" i="1">
+                                      <a:latin typeface="Cambria Math" panose="02040503050406030204" pitchFamily="18" charset="0"/>
+                                      <a:ea typeface="Cambria Math" panose="02040503050406030204" pitchFamily="18" charset="0"/>
+                                    </a:rPr>
+                                  </m:ctrlPr>
+                                </m:dPr>
+                                <m:e>
+                                  <m:r>
+                                    <a:rPr lang="de-DE" i="1">
+                                      <a:latin typeface="Cambria Math" panose="02040503050406030204" pitchFamily="18" charset="0"/>
+                                      <a:ea typeface="Cambria Math" panose="02040503050406030204" pitchFamily="18" charset="0"/>
+                                    </a:rPr>
+                                    <m:t>𝑡</m:t>
+                                  </m:r>
+                                  <m:r>
+                                    <a:rPr lang="de-DE" i="1">
+                                      <a:latin typeface="Cambria Math" panose="02040503050406030204" pitchFamily="18" charset="0"/>
+                                      <a:ea typeface="Cambria Math" panose="02040503050406030204" pitchFamily="18" charset="0"/>
+                                    </a:rPr>
+                                    <m:t>−1</m:t>
+                                  </m:r>
+                                </m:e>
+                              </m:d>
+                              <m:r>
+                                <a:rPr lang="de-DE" i="1">
+                                  <a:latin typeface="Cambria Math" panose="02040503050406030204" pitchFamily="18" charset="0"/>
+                                  <a:ea typeface="Cambria Math" panose="02040503050406030204" pitchFamily="18" charset="0"/>
+                                </a:rPr>
+                                <m:t>∙</m:t>
+                              </m:r>
+                              <m:r>
+                                <a:rPr lang="de-DE" i="1">
+                                  <a:latin typeface="Cambria Math" panose="02040503050406030204" pitchFamily="18" charset="0"/>
+                                </a:rPr>
+                                <m:t> </m:t>
+                              </m:r>
+                              <m:r>
+                                <a:rPr lang="de-DE" i="1">
+                                  <a:latin typeface="Cambria Math" panose="02040503050406030204" pitchFamily="18" charset="0"/>
+                                </a:rPr>
+                                <m:t>𝑆</m:t>
+                              </m:r>
+                              <m:d>
+                                <m:dPr>
+                                  <m:ctrlPr>
+                                    <a:rPr lang="de-DE" i="1">
+                                      <a:latin typeface="Cambria Math" panose="02040503050406030204" pitchFamily="18" charset="0"/>
+                                    </a:rPr>
+                                  </m:ctrlPr>
+                                </m:dPr>
+                                <m:e>
+                                  <m:r>
+                                    <a:rPr lang="de-DE" i="1">
+                                      <a:latin typeface="Cambria Math" panose="02040503050406030204" pitchFamily="18" charset="0"/>
+                                    </a:rPr>
+                                    <m:t>𝑡</m:t>
+                                  </m:r>
+                                </m:e>
+                              </m:d>
+                              <m:r>
+                                <a:rPr lang="de-DE" b="0" i="1" smtClean="0">
+                                  <a:latin typeface="Cambria Math" panose="02040503050406030204" pitchFamily="18" charset="0"/>
+                                </a:rPr>
+                                <m:t>&lt;</m:t>
+                              </m:r>
+                              <m:r>
+                                <a:rPr lang="de-DE" i="1">
+                                  <a:latin typeface="Cambria Math" panose="02040503050406030204" pitchFamily="18" charset="0"/>
+                                </a:rPr>
+                                <m:t>0</m:t>
+                              </m:r>
+                            </m:e>
+                            <m:e>
+                              <m:sSub>
+                                <m:sSubPr>
+                                  <m:ctrlPr>
+                                    <a:rPr lang="de-DE" i="1">
+                                      <a:latin typeface="Cambria Math" panose="02040503050406030204" pitchFamily="18" charset="0"/>
+                                    </a:rPr>
+                                  </m:ctrlPr>
+                                </m:sSubPr>
+                                <m:e>
+                                  <m:r>
+                                    <a:rPr lang="de-DE" i="1">
+                                      <a:latin typeface="Cambria Math" panose="02040503050406030204" pitchFamily="18" charset="0"/>
+                                      <a:ea typeface="Cambria Math" panose="02040503050406030204" pitchFamily="18" charset="0"/>
+                                    </a:rPr>
+                                    <m:t>∆</m:t>
+                                  </m:r>
+                                </m:e>
+                                <m:sub>
+                                  <m:r>
+                                    <a:rPr lang="de-DE" i="1">
+                                      <a:latin typeface="Cambria Math" panose="02040503050406030204" pitchFamily="18" charset="0"/>
+                                    </a:rPr>
+                                    <m:t>𝑖𝑗</m:t>
+                                  </m:r>
+                                  <m:r>
+                                    <a:rPr lang="de-DE" i="1">
+                                      <a:latin typeface="Cambria Math" panose="02040503050406030204" pitchFamily="18" charset="0"/>
+                                    </a:rPr>
+                                    <m:t> </m:t>
+                                  </m:r>
+                                </m:sub>
+                              </m:sSub>
+                              <m:d>
+                                <m:dPr>
+                                  <m:ctrlPr>
+                                    <a:rPr lang="de-DE" i="1">
+                                      <a:latin typeface="Cambria Math" panose="02040503050406030204" pitchFamily="18" charset="0"/>
+                                    </a:rPr>
+                                  </m:ctrlPr>
+                                </m:dPr>
+                                <m:e>
+                                  <m:r>
+                                    <a:rPr lang="de-DE" i="1">
+                                      <a:latin typeface="Cambria Math" panose="02040503050406030204" pitchFamily="18" charset="0"/>
+                                    </a:rPr>
+                                    <m:t>𝑡</m:t>
+                                  </m:r>
+                                  <m:r>
+                                    <a:rPr lang="de-DE" i="1">
+                                      <a:latin typeface="Cambria Math" panose="02040503050406030204" pitchFamily="18" charset="0"/>
+                                    </a:rPr>
+                                    <m:t>−1</m:t>
+                                  </m:r>
+                                </m:e>
+                              </m:d>
+                              <m:r>
+                                <a:rPr lang="de-DE" b="0" i="1" smtClean="0">
+                                  <a:latin typeface="Cambria Math" panose="02040503050406030204" pitchFamily="18" charset="0"/>
+                                </a:rPr>
+                                <m:t> </m:t>
+                              </m:r>
+                              <m:r>
+                                <a:rPr lang="de-DE" b="0" i="1" smtClean="0">
+                                  <a:latin typeface="Cambria Math" panose="02040503050406030204" pitchFamily="18" charset="0"/>
+                                </a:rPr>
+                                <m:t>𝑠𝑜𝑛𝑠𝑡</m:t>
+                              </m:r>
+                            </m:e>
+                            <m:e>
+                              <m:r>
+                                <a:rPr lang="de-DE" b="0" i="1" smtClean="0">
+                                  <a:latin typeface="Cambria Math" panose="02040503050406030204" pitchFamily="18" charset="0"/>
+                                </a:rPr>
+                                <m:t>−</m:t>
+                              </m:r>
+                            </m:e>
+                          </m:eqArr>
+                        </m:e>
+                      </m:d>
+                    </m:oMath>
+                  </m:oMathPara>
+                </a14:m>
+                <a:endParaRPr lang="de-DE" b="0" dirty="0" smtClean="0"/>
+              </a:p>
+              <a:p>
+                <a:pPr marL="0" indent="0">
+                  <a:buNone/>
+                </a:pPr>
+                <a:endParaRPr lang="de-DE" dirty="0" smtClean="0"/>
+              </a:p>
+              <a:p>
+                <a:pPr marL="0" indent="0">
+                  <a:buNone/>
+                </a:pPr>
+                <a:endParaRPr lang="de-DE" dirty="0" smtClean="0"/>
+              </a:p>
+              <a:p>
+                <a:pPr marL="0" indent="0">
+                  <a:buNone/>
+                </a:pPr>
+                <a:endParaRPr lang="de-DE" dirty="0" smtClean="0"/>
+              </a:p>
+              <a:p>
+                <a:pPr marL="0" indent="0">
+                  <a:buNone/>
+                </a:pPr>
+                <a:endParaRPr lang="de-DE" dirty="0" smtClean="0"/>
+              </a:p>
+              <a:p>
+                <a:pPr marL="0" indent="0">
+                  <a:buNone/>
+                </a:pPr>
+                <a:endParaRPr lang="de-DE" dirty="0" smtClean="0"/>
+              </a:p>
+              <a:p>
+                <a:endParaRPr lang="de-DE" dirty="0" smtClean="0"/>
+              </a:p>
+              <a:p>
+                <a:endParaRPr lang="de-DE" dirty="0"/>
+              </a:p>
+              <a:p>
+                <a:endParaRPr lang="de-DE" dirty="0" smtClean="0"/>
+              </a:p>
+              <a:p>
+                <a:endParaRPr lang="de-DE" dirty="0"/>
+              </a:p>
+              <a:p>
+                <a:pPr marL="0" indent="0">
+                  <a:buNone/>
+                </a:pPr>
+                <a:endParaRPr lang="de-DE" dirty="0"/>
+              </a:p>
+              <a:p>
+                <a:pPr marL="0" indent="0">
+                  <a:buNone/>
+                </a:pPr>
+                <a:endParaRPr lang="de-DE" dirty="0" smtClean="0"/>
+              </a:p>
+            </p:txBody>
+          </p:sp>
+        </mc:Choice>
+        <mc:Fallback>
+          <p:sp>
+            <p:nvSpPr>
+              <p:cNvPr id="3" name="Inhaltsplatzhalter 2"/>
+              <p:cNvSpPr>
+                <a:spLocks noGrp="1" noRot="1" noChangeAspect="1" noMove="1" noResize="1" noEditPoints="1" noAdjustHandles="1" noChangeArrowheads="1" noChangeShapeType="1" noTextEdit="1"/>
+              </p:cNvSpPr>
+              <p:nvPr>
+                <p:ph idx="1"/>
+              </p:nvPr>
+            </p:nvSpPr>
+            <p:spPr>
+              <a:blipFill rotWithShape="0">
+                <a:blip r:embed="rId3"/>
+                <a:stretch>
+                  <a:fillRect l="-1043" t="-2241"/>
+                </a:stretch>
+              </a:blipFill>
+            </p:spPr>
+            <p:txBody>
+              <a:bodyPr/>
+              <a:lstStyle/>
+              <a:p>
+                <a:r>
+                  <a:rPr lang="de-DE">
+                    <a:noFill/>
+                  </a:rPr>
+                  <a:t> </a:t>
+                </a:r>
+              </a:p>
+            </p:txBody>
+          </p:sp>
+        </mc:Fallback>
+      </mc:AlternateContent>
       <p:sp>
         <p:nvSpPr>
           <p:cNvPr id="4" name="Datumsplatzhalter 3"/>
@@ -30213,7 +30314,7 @@
             <a:fld id="{7AC709DD-AC18-4FBA-B4E6-46DED743653E}" type="datetime1">
               <a:rPr lang="de-DE" smtClean="0"/>
               <a:pPr/>
-              <a:t>12.12.2015</a:t>
+              <a:t>18.12.2015</a:t>
             </a:fld>
             <a:endParaRPr lang="de-DE"/>
           </a:p>
@@ -30266,1293 +30367,10 @@
           </a:p>
         </p:txBody>
       </p:sp>
-      <mc:AlternateContent xmlns:mc="http://schemas.openxmlformats.org/markup-compatibility/2006" xmlns:a14="http://schemas.microsoft.com/office/drawing/2010/main">
-        <mc:Choice Requires="a14">
-          <p:graphicFrame>
-            <p:nvGraphicFramePr>
-              <p:cNvPr id="9" name="Tabelle 8"/>
-              <p:cNvGraphicFramePr>
-                <a:graphicFrameLocks noGrp="1"/>
-              </p:cNvGraphicFramePr>
-              <p:nvPr>
-                <p:extLst>
-                  <p:ext uri="{D42A27DB-BD31-4B8C-83A1-F6EECF244321}">
-                    <p14:modId xmlns:p14="http://schemas.microsoft.com/office/powerpoint/2010/main" val="4182661413"/>
-                  </p:ext>
-                </p:extLst>
-              </p:nvPr>
-            </p:nvGraphicFramePr>
-            <p:xfrm>
-              <a:off x="1872511" y="2686689"/>
-              <a:ext cx="8547397" cy="2595880"/>
-            </p:xfrm>
-            <a:graphic>
-              <a:graphicData uri="http://schemas.openxmlformats.org/drawingml/2006/table">
-                <a:tbl>
-                  <a:tblPr firstRow="1" bandRow="1">
-                    <a:tableStyleId>{5940675A-B579-460E-94D1-54222C63F5DA}</a:tableStyleId>
-                  </a:tblPr>
-                  <a:tblGrid>
-                    <a:gridCol w="4421963"/>
-                    <a:gridCol w="2062717"/>
-                    <a:gridCol w="2062717"/>
-                  </a:tblGrid>
-                  <a:tr h="370840">
-                    <a:tc rowSpan="2">
-                      <a:txBody>
-                        <a:bodyPr/>
-                        <a:lstStyle/>
-                        <a:p>
-                          <a:pPr algn="ctr"/>
-                          <a:r>
-                            <a:rPr lang="de-DE" b="1" dirty="0" smtClean="0"/>
-                            <a:t>Lernrate</a:t>
-                          </a:r>
-                          <a:endParaRPr lang="de-DE" b="1" dirty="0"/>
-                        </a:p>
-                      </a:txBody>
-                      <a:tcPr anchor="ctr"/>
-                    </a:tc>
-                    <a:tc gridSpan="2">
-                      <a:txBody>
-                        <a:bodyPr/>
-                        <a:lstStyle/>
-                        <a:p>
-                          <a:pPr algn="ctr"/>
-                          <a:r>
-                            <a:rPr lang="de-DE" b="1" dirty="0" smtClean="0"/>
-                            <a:t>MSE</a:t>
-                          </a:r>
-                          <a:endParaRPr lang="de-DE" b="1" dirty="0"/>
-                        </a:p>
-                      </a:txBody>
-                      <a:tcPr/>
-                    </a:tc>
-                    <a:tc hMerge="1">
-                      <a:txBody>
-                        <a:bodyPr/>
-                        <a:lstStyle/>
-                        <a:p>
-                          <a:endParaRPr lang="de-DE"/>
-                        </a:p>
-                      </a:txBody>
-                      <a:tcPr/>
-                    </a:tc>
-                  </a:tr>
-                  <a:tr h="370840">
-                    <a:tc vMerge="1">
-                      <a:txBody>
-                        <a:bodyPr/>
-                        <a:lstStyle/>
-                        <a:p>
-                          <a:pPr algn="ctr"/>
-                          <a:endParaRPr lang="de-DE" dirty="0"/>
-                        </a:p>
-                      </a:txBody>
-                      <a:tcPr/>
-                    </a:tc>
-                    <a:tc>
-                      <a:txBody>
-                        <a:bodyPr/>
-                        <a:lstStyle/>
-                        <a:p>
-                          <a:pPr algn="ctr"/>
-                          <a:r>
-                            <a:rPr lang="de-DE" dirty="0" smtClean="0"/>
-                            <a:t>Training</a:t>
-                          </a:r>
-                          <a:endParaRPr lang="de-DE" dirty="0"/>
-                        </a:p>
-                      </a:txBody>
-                      <a:tcPr/>
-                    </a:tc>
-                    <a:tc>
-                      <a:txBody>
-                        <a:bodyPr/>
-                        <a:lstStyle/>
-                        <a:p>
-                          <a:pPr algn="ctr"/>
-                          <a:r>
-                            <a:rPr lang="de-DE" dirty="0" smtClean="0"/>
-                            <a:t>Test</a:t>
-                          </a:r>
-                          <a:endParaRPr lang="de-DE" dirty="0"/>
-                        </a:p>
-                      </a:txBody>
-                      <a:tcPr/>
-                    </a:tc>
-                  </a:tr>
-                  <a:tr h="370840">
-                    <a:tc>
-                      <a:txBody>
-                        <a:bodyPr/>
-                        <a:lstStyle/>
-                        <a:p>
-                          <a:pPr algn="ctr"/>
-                          <a:r>
-                            <a:rPr lang="de-DE" b="0" dirty="0" smtClean="0"/>
-                            <a:t>0,1</a:t>
-                          </a:r>
-                          <a:endParaRPr lang="de-DE" b="0" dirty="0"/>
-                        </a:p>
-                      </a:txBody>
-                      <a:tcPr anchor="ctr"/>
-                    </a:tc>
-                    <a:tc>
-                      <a:txBody>
-                        <a:bodyPr/>
-                        <a:lstStyle/>
-                        <a:p>
-                          <a:pPr algn="ctr"/>
-                          <a:r>
-                            <a:rPr lang="de-DE" dirty="0" smtClean="0"/>
-                            <a:t>0,001118</a:t>
-                          </a:r>
-                        </a:p>
-                      </a:txBody>
-                      <a:tcPr/>
-                    </a:tc>
-                    <a:tc>
-                      <a:txBody>
-                        <a:bodyPr/>
-                        <a:lstStyle/>
-                        <a:p>
-                          <a:pPr algn="ctr"/>
-                          <a:r>
-                            <a:rPr lang="de-DE" dirty="0" smtClean="0"/>
-                            <a:t>0,001425</a:t>
-                          </a:r>
-                          <a:endParaRPr lang="de-DE" dirty="0"/>
-                        </a:p>
-                      </a:txBody>
-                      <a:tcPr/>
-                    </a:tc>
-                  </a:tr>
-                  <a:tr h="370840">
-                    <a:tc>
-                      <a:txBody>
-                        <a:bodyPr/>
-                        <a:lstStyle/>
-                        <a:p>
-                          <a:pPr algn="ctr"/>
-                          <a:r>
-                            <a:rPr lang="de-DE" b="0" dirty="0" smtClean="0"/>
-                            <a:t>0,3</a:t>
-                          </a:r>
-                          <a:endParaRPr lang="de-DE" b="0" dirty="0"/>
-                        </a:p>
-                      </a:txBody>
-                      <a:tcPr anchor="ctr">
-                        <a:solidFill>
-                          <a:srgbClr val="FFFF00"/>
-                        </a:solidFill>
-                      </a:tcPr>
-                    </a:tc>
-                    <a:tc>
-                      <a:txBody>
-                        <a:bodyPr/>
-                        <a:lstStyle/>
-                        <a:p>
-                          <a:pPr algn="ctr"/>
-                          <a14:m>
-                            <m:oMathPara xmlns:m="http://schemas.openxmlformats.org/officeDocument/2006/math">
-                              <m:oMathParaPr>
-                                <m:jc m:val="centerGroup"/>
-                              </m:oMathParaPr>
-                              <m:oMath xmlns:m="http://schemas.openxmlformats.org/officeDocument/2006/math">
-                                <m:sSup>
-                                  <m:sSupPr>
-                                    <m:ctrlPr>
-                                      <a:rPr lang="de-DE" i="1" dirty="0" smtClean="0">
-                                        <a:latin typeface="Cambria Math" panose="02040503050406030204" pitchFamily="18" charset="0"/>
-                                      </a:rPr>
-                                    </m:ctrlPr>
-                                  </m:sSupPr>
-                                  <m:e>
-                                    <m:r>
-                                      <a:rPr lang="de-DE" b="0" i="1" dirty="0" smtClean="0">
-                                        <a:latin typeface="Cambria Math" panose="02040503050406030204" pitchFamily="18" charset="0"/>
-                                      </a:rPr>
-                                      <m:t>8</m:t>
-                                    </m:r>
-                                    <m:r>
-                                      <a:rPr lang="de-DE" i="1" dirty="0" smtClean="0">
-                                        <a:latin typeface="Cambria Math" panose="02040503050406030204" pitchFamily="18" charset="0"/>
-                                      </a:rPr>
-                                      <m:t>,</m:t>
-                                    </m:r>
-                                    <m:r>
-                                      <a:rPr lang="de-DE" b="0" i="1" dirty="0" smtClean="0">
-                                        <a:latin typeface="Cambria Math" panose="02040503050406030204" pitchFamily="18" charset="0"/>
-                                      </a:rPr>
-                                      <m:t>850</m:t>
-                                    </m:r>
-                                    <m:r>
-                                      <a:rPr lang="de-DE" i="1" dirty="0" smtClean="0">
-                                        <a:latin typeface="Cambria Math" panose="02040503050406030204" pitchFamily="18" charset="0"/>
-                                        <a:ea typeface="Cambria Math" panose="02040503050406030204" pitchFamily="18" charset="0"/>
-                                      </a:rPr>
-                                      <m:t>∙</m:t>
-                                    </m:r>
-                                    <m:r>
-                                      <a:rPr lang="de-DE" b="0" i="1" dirty="0" smtClean="0">
-                                        <a:latin typeface="Cambria Math" panose="02040503050406030204" pitchFamily="18" charset="0"/>
-                                        <a:ea typeface="Cambria Math" panose="02040503050406030204" pitchFamily="18" charset="0"/>
-                                      </a:rPr>
-                                      <m:t>10</m:t>
-                                    </m:r>
-                                  </m:e>
-                                  <m:sup>
-                                    <m:r>
-                                      <a:rPr lang="de-DE" b="0" i="1" dirty="0" smtClean="0">
-                                        <a:latin typeface="Cambria Math" panose="02040503050406030204" pitchFamily="18" charset="0"/>
-                                      </a:rPr>
-                                      <m:t>−4</m:t>
-                                    </m:r>
-                                  </m:sup>
-                                </m:sSup>
-                              </m:oMath>
-                            </m:oMathPara>
-                          </a14:m>
-                          <a:endParaRPr lang="de-DE" dirty="0" smtClean="0"/>
-                        </a:p>
-                      </a:txBody>
-                      <a:tcPr>
-                        <a:solidFill>
-                          <a:srgbClr val="FFFF00"/>
-                        </a:solidFill>
-                      </a:tcPr>
-                    </a:tc>
-                    <a:tc>
-                      <a:txBody>
-                        <a:bodyPr/>
-                        <a:lstStyle/>
-                        <a:p>
-                          <a:pPr algn="ctr"/>
-                          <a14:m>
-                            <m:oMathPara xmlns:m="http://schemas.openxmlformats.org/officeDocument/2006/math">
-                              <m:oMathParaPr>
-                                <m:jc m:val="centerGroup"/>
-                              </m:oMathParaPr>
-                              <m:oMath xmlns:m="http://schemas.openxmlformats.org/officeDocument/2006/math">
-                                <m:sSup>
-                                  <m:sSupPr>
-                                    <m:ctrlPr>
-                                      <a:rPr lang="de-DE" i="1" dirty="0" smtClean="0">
-                                        <a:latin typeface="Cambria Math" panose="02040503050406030204" pitchFamily="18" charset="0"/>
-                                      </a:rPr>
-                                    </m:ctrlPr>
-                                  </m:sSupPr>
-                                  <m:e>
-                                    <m:r>
-                                      <a:rPr lang="de-DE" i="1" dirty="0" smtClean="0">
-                                        <a:latin typeface="Cambria Math" panose="02040503050406030204" pitchFamily="18" charset="0"/>
-                                      </a:rPr>
-                                      <m:t>9,</m:t>
-                                    </m:r>
-                                    <m:r>
-                                      <a:rPr lang="de-DE" b="0" i="1" dirty="0" smtClean="0">
-                                        <a:latin typeface="Cambria Math" panose="02040503050406030204" pitchFamily="18" charset="0"/>
-                                      </a:rPr>
-                                      <m:t>668</m:t>
-                                    </m:r>
-                                    <m:r>
-                                      <a:rPr lang="de-DE" i="1" dirty="0" smtClean="0">
-                                        <a:latin typeface="Cambria Math" panose="02040503050406030204" pitchFamily="18" charset="0"/>
-                                        <a:ea typeface="Cambria Math" panose="02040503050406030204" pitchFamily="18" charset="0"/>
-                                      </a:rPr>
-                                      <m:t>∙</m:t>
-                                    </m:r>
-                                    <m:r>
-                                      <a:rPr lang="de-DE" b="0" i="1" dirty="0" smtClean="0">
-                                        <a:latin typeface="Cambria Math" panose="02040503050406030204" pitchFamily="18" charset="0"/>
-                                        <a:ea typeface="Cambria Math" panose="02040503050406030204" pitchFamily="18" charset="0"/>
-                                      </a:rPr>
-                                      <m:t>10</m:t>
-                                    </m:r>
-                                  </m:e>
-                                  <m:sup>
-                                    <m:r>
-                                      <a:rPr lang="de-DE" b="0" i="1" dirty="0" smtClean="0">
-                                        <a:latin typeface="Cambria Math" panose="02040503050406030204" pitchFamily="18" charset="0"/>
-                                      </a:rPr>
-                                      <m:t>−4</m:t>
-                                    </m:r>
-                                  </m:sup>
-                                </m:sSup>
-                              </m:oMath>
-                            </m:oMathPara>
-                          </a14:m>
-                          <a:endParaRPr lang="de-DE" dirty="0" smtClean="0"/>
-                        </a:p>
-                      </a:txBody>
-                      <a:tcPr>
-                        <a:solidFill>
-                          <a:srgbClr val="FFFF00"/>
-                        </a:solidFill>
-                      </a:tcPr>
-                    </a:tc>
-                  </a:tr>
-                  <a:tr h="370840">
-                    <a:tc>
-                      <a:txBody>
-                        <a:bodyPr/>
-                        <a:lstStyle/>
-                        <a:p>
-                          <a:pPr algn="ctr"/>
-                          <a:r>
-                            <a:rPr lang="de-DE" b="0" dirty="0" smtClean="0"/>
-                            <a:t>0,5</a:t>
-                          </a:r>
-                          <a:endParaRPr lang="de-DE" b="0" dirty="0"/>
-                        </a:p>
-                      </a:txBody>
-                      <a:tcPr anchor="ctr">
-                        <a:solidFill>
-                          <a:srgbClr val="FFFF00"/>
-                        </a:solidFill>
-                      </a:tcPr>
-                    </a:tc>
-                    <a:tc>
-                      <a:txBody>
-                        <a:bodyPr/>
-                        <a:lstStyle/>
-                        <a:p>
-                          <a:pPr algn="ctr"/>
-                          <a14:m>
-                            <m:oMathPara xmlns:m="http://schemas.openxmlformats.org/officeDocument/2006/math">
-                              <m:oMathParaPr>
-                                <m:jc m:val="centerGroup"/>
-                              </m:oMathParaPr>
-                              <m:oMath xmlns:m="http://schemas.openxmlformats.org/officeDocument/2006/math">
-                                <m:sSup>
-                                  <m:sSupPr>
-                                    <m:ctrlPr>
-                                      <a:rPr lang="de-DE" i="1" dirty="0" smtClean="0">
-                                        <a:latin typeface="Cambria Math" panose="02040503050406030204" pitchFamily="18" charset="0"/>
-                                      </a:rPr>
-                                    </m:ctrlPr>
-                                  </m:sSupPr>
-                                  <m:e>
-                                    <m:r>
-                                      <a:rPr lang="de-DE" b="0" i="1" dirty="0" smtClean="0">
-                                        <a:latin typeface="Cambria Math" panose="02040503050406030204" pitchFamily="18" charset="0"/>
-                                      </a:rPr>
-                                      <m:t>8</m:t>
-                                    </m:r>
-                                    <m:r>
-                                      <a:rPr lang="de-DE" i="1" dirty="0" smtClean="0">
-                                        <a:latin typeface="Cambria Math" panose="02040503050406030204" pitchFamily="18" charset="0"/>
-                                      </a:rPr>
-                                      <m:t>,</m:t>
-                                    </m:r>
-                                    <m:r>
-                                      <a:rPr lang="de-DE" b="0" i="1" dirty="0" smtClean="0">
-                                        <a:latin typeface="Cambria Math" panose="02040503050406030204" pitchFamily="18" charset="0"/>
-                                      </a:rPr>
-                                      <m:t>640</m:t>
-                                    </m:r>
-                                    <m:r>
-                                      <a:rPr lang="de-DE" i="1" dirty="0" smtClean="0">
-                                        <a:latin typeface="Cambria Math" panose="02040503050406030204" pitchFamily="18" charset="0"/>
-                                        <a:ea typeface="Cambria Math" panose="02040503050406030204" pitchFamily="18" charset="0"/>
-                                      </a:rPr>
-                                      <m:t>∙</m:t>
-                                    </m:r>
-                                    <m:r>
-                                      <a:rPr lang="de-DE" b="0" i="1" dirty="0" smtClean="0">
-                                        <a:latin typeface="Cambria Math" panose="02040503050406030204" pitchFamily="18" charset="0"/>
-                                        <a:ea typeface="Cambria Math" panose="02040503050406030204" pitchFamily="18" charset="0"/>
-                                      </a:rPr>
-                                      <m:t>10</m:t>
-                                    </m:r>
-                                  </m:e>
-                                  <m:sup>
-                                    <m:r>
-                                      <a:rPr lang="de-DE" b="0" i="1" dirty="0" smtClean="0">
-                                        <a:latin typeface="Cambria Math" panose="02040503050406030204" pitchFamily="18" charset="0"/>
-                                      </a:rPr>
-                                      <m:t>−4</m:t>
-                                    </m:r>
-                                  </m:sup>
-                                </m:sSup>
-                              </m:oMath>
-                            </m:oMathPara>
-                          </a14:m>
-                          <a:endParaRPr lang="de-DE" dirty="0" smtClean="0"/>
-                        </a:p>
-                      </a:txBody>
-                      <a:tcPr>
-                        <a:solidFill>
-                          <a:srgbClr val="FFFF00"/>
-                        </a:solidFill>
-                      </a:tcPr>
-                    </a:tc>
-                    <a:tc>
-                      <a:txBody>
-                        <a:bodyPr/>
-                        <a:lstStyle/>
-                        <a:p>
-                          <a:pPr algn="ctr"/>
-                          <a14:m>
-                            <m:oMathPara xmlns:m="http://schemas.openxmlformats.org/officeDocument/2006/math">
-                              <m:oMathParaPr>
-                                <m:jc m:val="centerGroup"/>
-                              </m:oMathParaPr>
-                              <m:oMath xmlns:m="http://schemas.openxmlformats.org/officeDocument/2006/math">
-                                <m:sSup>
-                                  <m:sSupPr>
-                                    <m:ctrlPr>
-                                      <a:rPr lang="de-DE" i="1" dirty="0" smtClean="0">
-                                        <a:latin typeface="Cambria Math" panose="02040503050406030204" pitchFamily="18" charset="0"/>
-                                      </a:rPr>
-                                    </m:ctrlPr>
-                                  </m:sSupPr>
-                                  <m:e>
-                                    <m:r>
-                                      <a:rPr lang="de-DE" b="0" i="1" dirty="0" smtClean="0">
-                                        <a:latin typeface="Cambria Math" panose="02040503050406030204" pitchFamily="18" charset="0"/>
-                                      </a:rPr>
-                                      <m:t>8,252</m:t>
-                                    </m:r>
-                                    <m:r>
-                                      <a:rPr lang="de-DE" i="1" dirty="0" smtClean="0">
-                                        <a:latin typeface="Cambria Math" panose="02040503050406030204" pitchFamily="18" charset="0"/>
-                                        <a:ea typeface="Cambria Math" panose="02040503050406030204" pitchFamily="18" charset="0"/>
-                                      </a:rPr>
-                                      <m:t>∙</m:t>
-                                    </m:r>
-                                    <m:r>
-                                      <a:rPr lang="de-DE" b="0" i="1" dirty="0" smtClean="0">
-                                        <a:latin typeface="Cambria Math" panose="02040503050406030204" pitchFamily="18" charset="0"/>
-                                        <a:ea typeface="Cambria Math" panose="02040503050406030204" pitchFamily="18" charset="0"/>
-                                      </a:rPr>
-                                      <m:t>10</m:t>
-                                    </m:r>
-                                  </m:e>
-                                  <m:sup>
-                                    <m:r>
-                                      <a:rPr lang="de-DE" b="0" i="1" dirty="0" smtClean="0">
-                                        <a:latin typeface="Cambria Math" panose="02040503050406030204" pitchFamily="18" charset="0"/>
-                                      </a:rPr>
-                                      <m:t>−4</m:t>
-                                    </m:r>
-                                  </m:sup>
-                                </m:sSup>
-                              </m:oMath>
-                            </m:oMathPara>
-                          </a14:m>
-                          <a:endParaRPr lang="de-DE" dirty="0" smtClean="0"/>
-                        </a:p>
-                      </a:txBody>
-                      <a:tcPr>
-                        <a:solidFill>
-                          <a:srgbClr val="FFFF00"/>
-                        </a:solidFill>
-                      </a:tcPr>
-                    </a:tc>
-                  </a:tr>
-                  <a:tr h="370840">
-                    <a:tc>
-                      <a:txBody>
-                        <a:bodyPr/>
-                        <a:lstStyle/>
-                        <a:p>
-                          <a:pPr algn="ctr"/>
-                          <a:r>
-                            <a:rPr lang="de-DE" b="0" dirty="0" smtClean="0"/>
-                            <a:t>0,7</a:t>
-                          </a:r>
-                          <a:endParaRPr lang="de-DE" b="0" dirty="0"/>
-                        </a:p>
-                      </a:txBody>
-                      <a:tcPr anchor="ctr">
-                        <a:solidFill>
-                          <a:srgbClr val="FFFF00"/>
-                        </a:solidFill>
-                      </a:tcPr>
-                    </a:tc>
-                    <a:tc>
-                      <a:txBody>
-                        <a:bodyPr/>
-                        <a:lstStyle/>
-                        <a:p>
-                          <a:pPr algn="ctr"/>
-                          <a14:m>
-                            <m:oMathPara xmlns:m="http://schemas.openxmlformats.org/officeDocument/2006/math">
-                              <m:oMathParaPr>
-                                <m:jc m:val="centerGroup"/>
-                              </m:oMathParaPr>
-                              <m:oMath xmlns:m="http://schemas.openxmlformats.org/officeDocument/2006/math">
-                                <m:sSup>
-                                  <m:sSupPr>
-                                    <m:ctrlPr>
-                                      <a:rPr lang="de-DE" i="1" dirty="0" smtClean="0">
-                                        <a:latin typeface="Cambria Math" panose="02040503050406030204" pitchFamily="18" charset="0"/>
-                                      </a:rPr>
-                                    </m:ctrlPr>
-                                  </m:sSupPr>
-                                  <m:e>
-                                    <m:r>
-                                      <a:rPr lang="de-DE" b="0" i="1" dirty="0" smtClean="0">
-                                        <a:latin typeface="Cambria Math" panose="02040503050406030204" pitchFamily="18" charset="0"/>
-                                      </a:rPr>
-                                      <m:t>8,04</m:t>
-                                    </m:r>
-                                    <m:r>
-                                      <a:rPr lang="de-DE" i="1" dirty="0" smtClean="0">
-                                        <a:latin typeface="Cambria Math" panose="02040503050406030204" pitchFamily="18" charset="0"/>
-                                        <a:ea typeface="Cambria Math" panose="02040503050406030204" pitchFamily="18" charset="0"/>
-                                      </a:rPr>
-                                      <m:t>∙</m:t>
-                                    </m:r>
-                                    <m:r>
-                                      <a:rPr lang="de-DE" b="0" i="1" dirty="0" smtClean="0">
-                                        <a:latin typeface="Cambria Math" panose="02040503050406030204" pitchFamily="18" charset="0"/>
-                                        <a:ea typeface="Cambria Math" panose="02040503050406030204" pitchFamily="18" charset="0"/>
-                                      </a:rPr>
-                                      <m:t>10</m:t>
-                                    </m:r>
-                                  </m:e>
-                                  <m:sup>
-                                    <m:r>
-                                      <a:rPr lang="de-DE" b="0" i="1" dirty="0" smtClean="0">
-                                        <a:latin typeface="Cambria Math" panose="02040503050406030204" pitchFamily="18" charset="0"/>
-                                      </a:rPr>
-                                      <m:t>−4</m:t>
-                                    </m:r>
-                                  </m:sup>
-                                </m:sSup>
-                              </m:oMath>
-                            </m:oMathPara>
-                          </a14:m>
-                          <a:endParaRPr lang="de-DE" dirty="0" smtClean="0"/>
-                        </a:p>
-                      </a:txBody>
-                      <a:tcPr>
-                        <a:solidFill>
-                          <a:srgbClr val="FFFF00"/>
-                        </a:solidFill>
-                      </a:tcPr>
-                    </a:tc>
-                    <a:tc>
-                      <a:txBody>
-                        <a:bodyPr/>
-                        <a:lstStyle/>
-                        <a:p>
-                          <a:pPr algn="ctr"/>
-                          <a14:m>
-                            <m:oMathPara xmlns:m="http://schemas.openxmlformats.org/officeDocument/2006/math">
-                              <m:oMathParaPr>
-                                <m:jc m:val="centerGroup"/>
-                              </m:oMathParaPr>
-                              <m:oMath xmlns:m="http://schemas.openxmlformats.org/officeDocument/2006/math">
-                                <m:sSup>
-                                  <m:sSupPr>
-                                    <m:ctrlPr>
-                                      <a:rPr lang="de-DE" i="1" dirty="0" smtClean="0">
-                                        <a:latin typeface="Cambria Math" panose="02040503050406030204" pitchFamily="18" charset="0"/>
-                                      </a:rPr>
-                                    </m:ctrlPr>
-                                  </m:sSupPr>
-                                  <m:e>
-                                    <m:r>
-                                      <a:rPr lang="de-DE" b="0" i="1" dirty="0" smtClean="0">
-                                        <a:latin typeface="Cambria Math" panose="02040503050406030204" pitchFamily="18" charset="0"/>
-                                      </a:rPr>
-                                      <m:t>8,823</m:t>
-                                    </m:r>
-                                    <m:r>
-                                      <a:rPr lang="de-DE" i="1" dirty="0" smtClean="0">
-                                        <a:latin typeface="Cambria Math" panose="02040503050406030204" pitchFamily="18" charset="0"/>
-                                        <a:ea typeface="Cambria Math" panose="02040503050406030204" pitchFamily="18" charset="0"/>
-                                      </a:rPr>
-                                      <m:t>∙</m:t>
-                                    </m:r>
-                                    <m:r>
-                                      <a:rPr lang="de-DE" b="0" i="1" dirty="0" smtClean="0">
-                                        <a:latin typeface="Cambria Math" panose="02040503050406030204" pitchFamily="18" charset="0"/>
-                                        <a:ea typeface="Cambria Math" panose="02040503050406030204" pitchFamily="18" charset="0"/>
-                                      </a:rPr>
-                                      <m:t>10</m:t>
-                                    </m:r>
-                                  </m:e>
-                                  <m:sup>
-                                    <m:r>
-                                      <a:rPr lang="de-DE" b="0" i="1" dirty="0" smtClean="0">
-                                        <a:latin typeface="Cambria Math" panose="02040503050406030204" pitchFamily="18" charset="0"/>
-                                      </a:rPr>
-                                      <m:t>−4</m:t>
-                                    </m:r>
-                                  </m:sup>
-                                </m:sSup>
-                              </m:oMath>
-                            </m:oMathPara>
-                          </a14:m>
-                          <a:endParaRPr lang="de-DE" dirty="0" smtClean="0"/>
-                        </a:p>
-                      </a:txBody>
-                      <a:tcPr>
-                        <a:solidFill>
-                          <a:srgbClr val="FFFF00"/>
-                        </a:solidFill>
-                      </a:tcPr>
-                    </a:tc>
-                  </a:tr>
-                  <a:tr h="370840">
-                    <a:tc>
-                      <a:txBody>
-                        <a:bodyPr/>
-                        <a:lstStyle/>
-                        <a:p>
-                          <a:pPr algn="ctr"/>
-                          <a:r>
-                            <a:rPr lang="de-DE" b="0" dirty="0" smtClean="0"/>
-                            <a:t>0,9</a:t>
-                          </a:r>
-                          <a:endParaRPr lang="de-DE" b="0" dirty="0"/>
-                        </a:p>
-                      </a:txBody>
-                      <a:tcPr anchor="ctr"/>
-                    </a:tc>
-                    <a:tc>
-                      <a:txBody>
-                        <a:bodyPr/>
-                        <a:lstStyle/>
-                        <a:p>
-                          <a:pPr algn="ctr"/>
-                          <a14:m>
-                            <m:oMathPara xmlns:m="http://schemas.openxmlformats.org/officeDocument/2006/math">
-                              <m:oMathParaPr>
-                                <m:jc m:val="centerGroup"/>
-                              </m:oMathParaPr>
-                              <m:oMath xmlns:m="http://schemas.openxmlformats.org/officeDocument/2006/math">
-                                <m:sSup>
-                                  <m:sSupPr>
-                                    <m:ctrlPr>
-                                      <a:rPr lang="de-DE" i="1" dirty="0" smtClean="0">
-                                        <a:latin typeface="Cambria Math" panose="02040503050406030204" pitchFamily="18" charset="0"/>
-                                      </a:rPr>
-                                    </m:ctrlPr>
-                                  </m:sSupPr>
-                                  <m:e>
-                                    <m:r>
-                                      <a:rPr lang="de-DE" b="0" i="1" dirty="0" smtClean="0">
-                                        <a:latin typeface="Cambria Math" panose="02040503050406030204" pitchFamily="18" charset="0"/>
-                                      </a:rPr>
-                                      <m:t>8</m:t>
-                                    </m:r>
-                                    <m:r>
-                                      <a:rPr lang="de-DE" i="1" dirty="0" smtClean="0">
-                                        <a:latin typeface="Cambria Math" panose="02040503050406030204" pitchFamily="18" charset="0"/>
-                                      </a:rPr>
-                                      <m:t>,</m:t>
-                                    </m:r>
-                                    <m:r>
-                                      <a:rPr lang="de-DE" b="0" i="1" dirty="0" smtClean="0">
-                                        <a:latin typeface="Cambria Math" panose="02040503050406030204" pitchFamily="18" charset="0"/>
-                                      </a:rPr>
-                                      <m:t>545</m:t>
-                                    </m:r>
-                                    <m:r>
-                                      <a:rPr lang="de-DE" i="1" dirty="0" smtClean="0">
-                                        <a:latin typeface="Cambria Math" panose="02040503050406030204" pitchFamily="18" charset="0"/>
-                                        <a:ea typeface="Cambria Math" panose="02040503050406030204" pitchFamily="18" charset="0"/>
-                                      </a:rPr>
-                                      <m:t>∙</m:t>
-                                    </m:r>
-                                    <m:r>
-                                      <a:rPr lang="de-DE" b="0" i="1" dirty="0" smtClean="0">
-                                        <a:latin typeface="Cambria Math" panose="02040503050406030204" pitchFamily="18" charset="0"/>
-                                        <a:ea typeface="Cambria Math" panose="02040503050406030204" pitchFamily="18" charset="0"/>
-                                      </a:rPr>
-                                      <m:t>10</m:t>
-                                    </m:r>
-                                  </m:e>
-                                  <m:sup>
-                                    <m:r>
-                                      <a:rPr lang="de-DE" b="0" i="1" dirty="0" smtClean="0">
-                                        <a:latin typeface="Cambria Math" panose="02040503050406030204" pitchFamily="18" charset="0"/>
-                                      </a:rPr>
-                                      <m:t>−4</m:t>
-                                    </m:r>
-                                  </m:sup>
-                                </m:sSup>
-                              </m:oMath>
-                            </m:oMathPara>
-                          </a14:m>
-                          <a:endParaRPr lang="de-DE" dirty="0" smtClean="0"/>
-                        </a:p>
-                      </a:txBody>
-                      <a:tcPr/>
-                    </a:tc>
-                    <a:tc>
-                      <a:txBody>
-                        <a:bodyPr/>
-                        <a:lstStyle/>
-                        <a:p>
-                          <a:pPr algn="ctr"/>
-                          <a14:m>
-                            <m:oMath xmlns:m="http://schemas.openxmlformats.org/officeDocument/2006/math">
-                              <m:sSup>
-                                <m:sSupPr>
-                                  <m:ctrlPr>
-                                    <a:rPr lang="de-DE" i="1" dirty="0" smtClean="0">
-                                      <a:latin typeface="Cambria Math" panose="02040503050406030204" pitchFamily="18" charset="0"/>
-                                    </a:rPr>
-                                  </m:ctrlPr>
-                                </m:sSupPr>
-                                <m:e>
-                                  <m:r>
-                                    <a:rPr lang="de-DE" b="0" i="1" dirty="0" smtClean="0">
-                                      <a:latin typeface="Cambria Math" panose="02040503050406030204" pitchFamily="18" charset="0"/>
-                                    </a:rPr>
-                                    <m:t>8,503</m:t>
-                                  </m:r>
-                                  <m:r>
-                                    <a:rPr lang="de-DE" i="1" dirty="0" smtClean="0">
-                                      <a:latin typeface="Cambria Math" panose="02040503050406030204" pitchFamily="18" charset="0"/>
-                                      <a:ea typeface="Cambria Math" panose="02040503050406030204" pitchFamily="18" charset="0"/>
-                                    </a:rPr>
-                                    <m:t>∙</m:t>
-                                  </m:r>
-                                  <m:r>
-                                    <a:rPr lang="de-DE" b="0" i="1" dirty="0" smtClean="0">
-                                      <a:latin typeface="Cambria Math" panose="02040503050406030204" pitchFamily="18" charset="0"/>
-                                      <a:ea typeface="Cambria Math" panose="02040503050406030204" pitchFamily="18" charset="0"/>
-                                    </a:rPr>
-                                    <m:t>10</m:t>
-                                  </m:r>
-                                </m:e>
-                                <m:sup>
-                                  <m:r>
-                                    <a:rPr lang="de-DE" b="0" i="1" dirty="0" smtClean="0">
-                                      <a:latin typeface="Cambria Math" panose="02040503050406030204" pitchFamily="18" charset="0"/>
-                                    </a:rPr>
-                                    <m:t>−4</m:t>
-                                  </m:r>
-                                </m:sup>
-                              </m:sSup>
-                            </m:oMath>
-                          </a14:m>
-                          <a:r>
-                            <a:rPr lang="de-DE" dirty="0" smtClean="0"/>
-                            <a:t> </a:t>
-                          </a:r>
-                        </a:p>
-                      </a:txBody>
-                      <a:tcPr/>
-                    </a:tc>
-                  </a:tr>
-                </a:tbl>
-              </a:graphicData>
-            </a:graphic>
-          </p:graphicFrame>
-        </mc:Choice>
-        <mc:Fallback xmlns="">
-          <p:graphicFrame>
-            <p:nvGraphicFramePr>
-              <p:cNvPr id="9" name="Tabelle 8"/>
-              <p:cNvGraphicFramePr>
-                <a:graphicFrameLocks noGrp="1"/>
-              </p:cNvGraphicFramePr>
-              <p:nvPr>
-                <p:extLst>
-                  <p:ext uri="{D42A27DB-BD31-4B8C-83A1-F6EECF244321}">
-                    <p14:modId xmlns:p14="http://schemas.microsoft.com/office/powerpoint/2010/main" val="4182661413"/>
-                  </p:ext>
-                </p:extLst>
-              </p:nvPr>
-            </p:nvGraphicFramePr>
-            <p:xfrm>
-              <a:off x="1872511" y="2686689"/>
-              <a:ext cx="8547397" cy="2595880"/>
-            </p:xfrm>
-            <a:graphic>
-              <a:graphicData uri="http://schemas.openxmlformats.org/drawingml/2006/table">
-                <a:tbl>
-                  <a:tblPr firstRow="1" bandRow="1">
-                    <a:tableStyleId>{5940675A-B579-460E-94D1-54222C63F5DA}</a:tableStyleId>
-                  </a:tblPr>
-                  <a:tblGrid>
-                    <a:gridCol w="4421963"/>
-                    <a:gridCol w="2062717"/>
-                    <a:gridCol w="2062717"/>
-                  </a:tblGrid>
-                  <a:tr h="370840">
-                    <a:tc rowSpan="2">
-                      <a:txBody>
-                        <a:bodyPr/>
-                        <a:lstStyle/>
-                        <a:p>
-                          <a:pPr algn="ctr"/>
-                          <a:r>
-                            <a:rPr lang="de-DE" b="1" dirty="0" smtClean="0"/>
-                            <a:t>Lernrate</a:t>
-                          </a:r>
-                          <a:endParaRPr lang="de-DE" b="1" dirty="0"/>
-                        </a:p>
-                      </a:txBody>
-                      <a:tcPr anchor="ctr"/>
-                    </a:tc>
-                    <a:tc gridSpan="2">
-                      <a:txBody>
-                        <a:bodyPr/>
-                        <a:lstStyle/>
-                        <a:p>
-                          <a:pPr algn="ctr"/>
-                          <a:r>
-                            <a:rPr lang="de-DE" b="1" dirty="0" smtClean="0"/>
-                            <a:t>MSE</a:t>
-                          </a:r>
-                          <a:endParaRPr lang="de-DE" b="1" dirty="0"/>
-                        </a:p>
-                      </a:txBody>
-                      <a:tcPr/>
-                    </a:tc>
-                    <a:tc hMerge="1">
-                      <a:txBody>
-                        <a:bodyPr/>
-                        <a:lstStyle/>
-                        <a:p>
-                          <a:endParaRPr lang="de-DE"/>
-                        </a:p>
-                      </a:txBody>
-                      <a:tcPr/>
-                    </a:tc>
-                  </a:tr>
-                  <a:tr h="370840">
-                    <a:tc vMerge="1">
-                      <a:txBody>
-                        <a:bodyPr/>
-                        <a:lstStyle/>
-                        <a:p>
-                          <a:pPr algn="ctr"/>
-                          <a:endParaRPr lang="de-DE" dirty="0"/>
-                        </a:p>
-                      </a:txBody>
-                      <a:tcPr/>
-                    </a:tc>
-                    <a:tc>
-                      <a:txBody>
-                        <a:bodyPr/>
-                        <a:lstStyle/>
-                        <a:p>
-                          <a:pPr algn="ctr"/>
-                          <a:r>
-                            <a:rPr lang="de-DE" dirty="0" smtClean="0"/>
-                            <a:t>Training</a:t>
-                          </a:r>
-                          <a:endParaRPr lang="de-DE" dirty="0"/>
-                        </a:p>
-                      </a:txBody>
-                      <a:tcPr/>
-                    </a:tc>
-                    <a:tc>
-                      <a:txBody>
-                        <a:bodyPr/>
-                        <a:lstStyle/>
-                        <a:p>
-                          <a:pPr algn="ctr"/>
-                          <a:r>
-                            <a:rPr lang="de-DE" dirty="0" smtClean="0"/>
-                            <a:t>Test</a:t>
-                          </a:r>
-                          <a:endParaRPr lang="de-DE" dirty="0"/>
-                        </a:p>
-                      </a:txBody>
-                      <a:tcPr/>
-                    </a:tc>
-                  </a:tr>
-                  <a:tr h="370840">
-                    <a:tc>
-                      <a:txBody>
-                        <a:bodyPr/>
-                        <a:lstStyle/>
-                        <a:p>
-                          <a:pPr algn="ctr"/>
-                          <a:r>
-                            <a:rPr lang="de-DE" b="0" dirty="0" smtClean="0"/>
-                            <a:t>0,1</a:t>
-                          </a:r>
-                          <a:endParaRPr lang="de-DE" b="0" dirty="0"/>
-                        </a:p>
-                      </a:txBody>
-                      <a:tcPr anchor="ctr"/>
-                    </a:tc>
-                    <a:tc>
-                      <a:txBody>
-                        <a:bodyPr/>
-                        <a:lstStyle/>
-                        <a:p>
-                          <a:pPr algn="ctr"/>
-                          <a:r>
-                            <a:rPr lang="de-DE" dirty="0" smtClean="0"/>
-                            <a:t>0,001118</a:t>
-                          </a:r>
-                          <a:endParaRPr lang="de-DE" dirty="0" smtClean="0"/>
-                        </a:p>
-                      </a:txBody>
-                      <a:tcPr/>
-                    </a:tc>
-                    <a:tc>
-                      <a:txBody>
-                        <a:bodyPr/>
-                        <a:lstStyle/>
-                        <a:p>
-                          <a:pPr algn="ctr"/>
-                          <a:r>
-                            <a:rPr lang="de-DE" dirty="0" smtClean="0"/>
-                            <a:t>0,001425</a:t>
-                          </a:r>
-                          <a:endParaRPr lang="de-DE" dirty="0"/>
-                        </a:p>
-                      </a:txBody>
-                      <a:tcPr/>
-                    </a:tc>
-                  </a:tr>
-                  <a:tr h="370840">
-                    <a:tc>
-                      <a:txBody>
-                        <a:bodyPr/>
-                        <a:lstStyle/>
-                        <a:p>
-                          <a:pPr algn="ctr"/>
-                          <a:r>
-                            <a:rPr lang="de-DE" b="0" dirty="0" smtClean="0"/>
-                            <a:t>0,3</a:t>
-                          </a:r>
-                          <a:endParaRPr lang="de-DE" b="0" dirty="0"/>
-                        </a:p>
-                      </a:txBody>
-                      <a:tcPr anchor="ctr">
-                        <a:solidFill>
-                          <a:srgbClr val="FFFF00"/>
-                        </a:solidFill>
-                      </a:tcPr>
-                    </a:tc>
-                    <a:tc>
-                      <a:txBody>
-                        <a:bodyPr/>
-                        <a:lstStyle/>
-                        <a:p>
-                          <a:endParaRPr lang="de-DE"/>
-                        </a:p>
-                      </a:txBody>
-                      <a:tcPr>
-                        <a:blipFill rotWithShape="0">
-                          <a:blip r:embed="rId3"/>
-                          <a:stretch>
-                            <a:fillRect l="-215089" t="-308197" r="-100888" b="-324590"/>
-                          </a:stretch>
-                        </a:blipFill>
-                      </a:tcPr>
-                    </a:tc>
-                    <a:tc>
-                      <a:txBody>
-                        <a:bodyPr/>
-                        <a:lstStyle/>
-                        <a:p>
-                          <a:endParaRPr lang="de-DE"/>
-                        </a:p>
-                      </a:txBody>
-                      <a:tcPr>
-                        <a:blipFill rotWithShape="0">
-                          <a:blip r:embed="rId3"/>
-                          <a:stretch>
-                            <a:fillRect l="-314159" t="-308197" r="-590" b="-324590"/>
-                          </a:stretch>
-                        </a:blipFill>
-                      </a:tcPr>
-                    </a:tc>
-                  </a:tr>
-                  <a:tr h="370840">
-                    <a:tc>
-                      <a:txBody>
-                        <a:bodyPr/>
-                        <a:lstStyle/>
-                        <a:p>
-                          <a:pPr algn="ctr"/>
-                          <a:r>
-                            <a:rPr lang="de-DE" b="0" dirty="0" smtClean="0"/>
-                            <a:t>0,5</a:t>
-                          </a:r>
-                          <a:endParaRPr lang="de-DE" b="0" dirty="0"/>
-                        </a:p>
-                      </a:txBody>
-                      <a:tcPr anchor="ctr">
-                        <a:solidFill>
-                          <a:srgbClr val="FFFF00"/>
-                        </a:solidFill>
-                      </a:tcPr>
-                    </a:tc>
-                    <a:tc>
-                      <a:txBody>
-                        <a:bodyPr/>
-                        <a:lstStyle/>
-                        <a:p>
-                          <a:endParaRPr lang="de-DE"/>
-                        </a:p>
-                      </a:txBody>
-                      <a:tcPr>
-                        <a:blipFill rotWithShape="0">
-                          <a:blip r:embed="rId3"/>
-                          <a:stretch>
-                            <a:fillRect l="-215089" t="-408197" r="-100888" b="-224590"/>
-                          </a:stretch>
-                        </a:blipFill>
-                      </a:tcPr>
-                    </a:tc>
-                    <a:tc>
-                      <a:txBody>
-                        <a:bodyPr/>
-                        <a:lstStyle/>
-                        <a:p>
-                          <a:endParaRPr lang="de-DE"/>
-                        </a:p>
-                      </a:txBody>
-                      <a:tcPr>
-                        <a:blipFill rotWithShape="0">
-                          <a:blip r:embed="rId3"/>
-                          <a:stretch>
-                            <a:fillRect l="-314159" t="-408197" r="-590" b="-224590"/>
-                          </a:stretch>
-                        </a:blipFill>
-                      </a:tcPr>
-                    </a:tc>
-                  </a:tr>
-                  <a:tr h="370840">
-                    <a:tc>
-                      <a:txBody>
-                        <a:bodyPr/>
-                        <a:lstStyle/>
-                        <a:p>
-                          <a:pPr algn="ctr"/>
-                          <a:r>
-                            <a:rPr lang="de-DE" b="0" dirty="0" smtClean="0"/>
-                            <a:t>0,7</a:t>
-                          </a:r>
-                          <a:endParaRPr lang="de-DE" b="0" dirty="0"/>
-                        </a:p>
-                      </a:txBody>
-                      <a:tcPr anchor="ctr">
-                        <a:solidFill>
-                          <a:srgbClr val="FFFF00"/>
-                        </a:solidFill>
-                      </a:tcPr>
-                    </a:tc>
-                    <a:tc>
-                      <a:txBody>
-                        <a:bodyPr/>
-                        <a:lstStyle/>
-                        <a:p>
-                          <a:endParaRPr lang="de-DE"/>
-                        </a:p>
-                      </a:txBody>
-                      <a:tcPr>
-                        <a:blipFill rotWithShape="0">
-                          <a:blip r:embed="rId3"/>
-                          <a:stretch>
-                            <a:fillRect l="-215089" t="-508197" r="-100888" b="-124590"/>
-                          </a:stretch>
-                        </a:blipFill>
-                      </a:tcPr>
-                    </a:tc>
-                    <a:tc>
-                      <a:txBody>
-                        <a:bodyPr/>
-                        <a:lstStyle/>
-                        <a:p>
-                          <a:endParaRPr lang="de-DE"/>
-                        </a:p>
-                      </a:txBody>
-                      <a:tcPr>
-                        <a:blipFill rotWithShape="0">
-                          <a:blip r:embed="rId3"/>
-                          <a:stretch>
-                            <a:fillRect l="-314159" t="-508197" r="-590" b="-124590"/>
-                          </a:stretch>
-                        </a:blipFill>
-                      </a:tcPr>
-                    </a:tc>
-                  </a:tr>
-                  <a:tr h="370840">
-                    <a:tc>
-                      <a:txBody>
-                        <a:bodyPr/>
-                        <a:lstStyle/>
-                        <a:p>
-                          <a:pPr algn="ctr"/>
-                          <a:r>
-                            <a:rPr lang="de-DE" b="0" dirty="0" smtClean="0"/>
-                            <a:t>0,9</a:t>
-                          </a:r>
-                          <a:endParaRPr lang="de-DE" b="0" dirty="0"/>
-                        </a:p>
-                      </a:txBody>
-                      <a:tcPr anchor="ctr"/>
-                    </a:tc>
-                    <a:tc>
-                      <a:txBody>
-                        <a:bodyPr/>
-                        <a:lstStyle/>
-                        <a:p>
-                          <a:endParaRPr lang="de-DE"/>
-                        </a:p>
-                      </a:txBody>
-                      <a:tcPr>
-                        <a:blipFill rotWithShape="0">
-                          <a:blip r:embed="rId3"/>
-                          <a:stretch>
-                            <a:fillRect l="-215089" t="-608197" r="-100888" b="-24590"/>
-                          </a:stretch>
-                        </a:blipFill>
-                      </a:tcPr>
-                    </a:tc>
-                    <a:tc>
-                      <a:txBody>
-                        <a:bodyPr/>
-                        <a:lstStyle/>
-                        <a:p>
-                          <a:endParaRPr lang="de-DE"/>
-                        </a:p>
-                      </a:txBody>
-                      <a:tcPr>
-                        <a:blipFill rotWithShape="0">
-                          <a:blip r:embed="rId3"/>
-                          <a:stretch>
-                            <a:fillRect l="-314159" t="-608197" r="-590" b="-24590"/>
-                          </a:stretch>
-                        </a:blipFill>
-                      </a:tcPr>
-                    </a:tc>
-                  </a:tr>
-                </a:tbl>
-              </a:graphicData>
-            </a:graphic>
-          </p:graphicFrame>
-        </mc:Fallback>
-      </mc:AlternateContent>
-      <p:sp>
-        <p:nvSpPr>
-          <p:cNvPr id="11" name="Rechteck 10"/>
-          <p:cNvSpPr/>
-          <p:nvPr/>
-        </p:nvSpPr>
-        <p:spPr>
-          <a:xfrm>
-            <a:off x="1872000" y="2656799"/>
-            <a:ext cx="8532000" cy="771569"/>
-          </a:xfrm>
-          <a:prstGeom prst="rect">
-            <a:avLst/>
-          </a:prstGeom>
-          <a:noFill/>
-          <a:ln w="28575">
-            <a:solidFill>
-              <a:schemeClr val="tx1"/>
-            </a:solidFill>
-          </a:ln>
-        </p:spPr>
-        <p:style>
-          <a:lnRef idx="2">
-            <a:schemeClr val="accent1">
-              <a:shade val="50000"/>
-            </a:schemeClr>
-          </a:lnRef>
-          <a:fillRef idx="1">
-            <a:schemeClr val="accent1"/>
-          </a:fillRef>
-          <a:effectRef idx="0">
-            <a:schemeClr val="accent1"/>
-          </a:effectRef>
-          <a:fontRef idx="minor">
-            <a:schemeClr val="lt1"/>
-          </a:fontRef>
-        </p:style>
-        <p:txBody>
-          <a:bodyPr rtlCol="0" anchor="ctr"/>
-          <a:lstStyle/>
-          <a:p>
-            <a:pPr algn="ctr"/>
-            <a:endParaRPr lang="de-DE"/>
-          </a:p>
-        </p:txBody>
-      </p:sp>
-      <p:sp>
-        <p:nvSpPr>
-          <p:cNvPr id="7" name="Geschweifte Klammer rechts 6"/>
-          <p:cNvSpPr/>
-          <p:nvPr/>
-        </p:nvSpPr>
-        <p:spPr>
-          <a:xfrm>
-            <a:off x="10520030" y="3806455"/>
-            <a:ext cx="208221" cy="1063257"/>
-          </a:xfrm>
-          <a:prstGeom prst="rightBrace">
-            <a:avLst/>
-          </a:prstGeom>
-        </p:spPr>
-        <p:style>
-          <a:lnRef idx="1">
-            <a:schemeClr val="dk1"/>
-          </a:lnRef>
-          <a:fillRef idx="0">
-            <a:schemeClr val="dk1"/>
-          </a:fillRef>
-          <a:effectRef idx="0">
-            <a:schemeClr val="dk1"/>
-          </a:effectRef>
-          <a:fontRef idx="minor">
-            <a:schemeClr val="tx1"/>
-          </a:fontRef>
-        </p:style>
-        <p:txBody>
-          <a:bodyPr rtlCol="0" anchor="ctr"/>
-          <a:lstStyle/>
-          <a:p>
-            <a:pPr algn="ctr"/>
-            <a:endParaRPr lang="de-DE"/>
-          </a:p>
-        </p:txBody>
-      </p:sp>
-      <p:sp>
-        <p:nvSpPr>
-          <p:cNvPr id="8" name="Textfeld 7"/>
-          <p:cNvSpPr txBox="1"/>
-          <p:nvPr/>
-        </p:nvSpPr>
-        <p:spPr>
-          <a:xfrm>
-            <a:off x="10828373" y="4142785"/>
-            <a:ext cx="1222153" cy="369332"/>
-          </a:xfrm>
-          <a:prstGeom prst="rect">
-            <a:avLst/>
-          </a:prstGeom>
-          <a:solidFill>
-            <a:srgbClr val="FFFF00"/>
-          </a:solidFill>
-        </p:spPr>
-        <p:txBody>
-          <a:bodyPr wrap="square" rtlCol="0">
-            <a:spAutoFit/>
-          </a:bodyPr>
-          <a:lstStyle/>
-          <a:p>
-            <a:r>
-              <a:rPr lang="de-DE" dirty="0" smtClean="0"/>
-              <a:t>Fein: 0,475</a:t>
-            </a:r>
-            <a:endParaRPr lang="de-DE" dirty="0"/>
-          </a:p>
-        </p:txBody>
-      </p:sp>
     </p:spTree>
     <p:extLst>
       <p:ext uri="{BB962C8B-B14F-4D97-AF65-F5344CB8AC3E}">
-        <p14:creationId xmlns:p14="http://schemas.microsoft.com/office/powerpoint/2010/main" val="1852976558"/>
+        <p14:creationId xmlns:p14="http://schemas.microsoft.com/office/powerpoint/2010/main" val="1822512792"/>
       </p:ext>
     </p:extLst>
   </p:cSld>
@@ -31632,24 +30450,46 @@
           <a:p>
             <a:r>
               <a:rPr lang="de-DE" dirty="0" smtClean="0"/>
-              <a:t>Endgültiges Netz – DAX</a:t>
-            </a:r>
-          </a:p>
-          <a:p>
+              <a:t>Resilient Backpropagation:</a:t>
+            </a:r>
+          </a:p>
+          <a:p>
+            <a:pPr lvl="1"/>
+            <a:r>
+              <a:rPr lang="de-DE" dirty="0" smtClean="0"/>
+              <a:t>Sehr effizienter Backpropapagation-Algorithmus.</a:t>
+            </a:r>
+          </a:p>
+          <a:p>
+            <a:pPr lvl="1"/>
+            <a:r>
+              <a:rPr lang="de-DE" dirty="0" smtClean="0"/>
+              <a:t>Verfügt über eine adaptive Lernrate.</a:t>
+            </a:r>
+          </a:p>
+          <a:p>
+            <a:pPr lvl="1"/>
+            <a:r>
+              <a:rPr lang="de-DE" dirty="0" smtClean="0"/>
+              <a:t>Benötigt keinen Momentum-Faktor.</a:t>
+            </a:r>
+          </a:p>
+          <a:p>
+            <a:pPr lvl="1"/>
+            <a:r>
+              <a:rPr lang="de-DE" dirty="0" smtClean="0"/>
+              <a:t>Ist in der Praxis meistens anderen Lernregeln überlegen.</a:t>
+            </a:r>
             <a:endParaRPr lang="de-DE" dirty="0"/>
           </a:p>
           <a:p>
             <a:endParaRPr lang="de-DE" dirty="0" smtClean="0"/>
           </a:p>
           <a:p>
+            <a:pPr marL="0" indent="0">
+              <a:buNone/>
+            </a:pPr>
             <a:endParaRPr lang="de-DE" dirty="0"/>
-          </a:p>
-          <a:p>
-            <a:endParaRPr lang="de-DE" dirty="0" smtClean="0"/>
-          </a:p>
-          <a:p>
-            <a:pPr algn="r"/>
-            <a:endParaRPr lang="de-DE" dirty="0" smtClean="0"/>
           </a:p>
           <a:p>
             <a:pPr marL="0" indent="0">
@@ -31676,11 +30516,204 @@
             <a:endParaRPr lang="de-DE" dirty="0" smtClean="0"/>
           </a:p>
           <a:p>
+            <a:endParaRPr lang="de-DE" dirty="0" smtClean="0"/>
+          </a:p>
+          <a:p>
+            <a:endParaRPr lang="de-DE" dirty="0"/>
+          </a:p>
+          <a:p>
+            <a:endParaRPr lang="de-DE" dirty="0" smtClean="0"/>
+          </a:p>
+          <a:p>
+            <a:endParaRPr lang="de-DE" dirty="0"/>
+          </a:p>
+          <a:p>
+            <a:pPr marL="0" indent="0">
+              <a:buNone/>
+            </a:pPr>
+            <a:endParaRPr lang="de-DE" dirty="0"/>
+          </a:p>
+          <a:p>
             <a:pPr marL="0" indent="0">
               <a:buNone/>
             </a:pPr>
             <a:endParaRPr lang="de-DE" dirty="0" smtClean="0"/>
           </a:p>
+        </p:txBody>
+      </p:sp>
+      <p:sp>
+        <p:nvSpPr>
+          <p:cNvPr id="4" name="Datumsplatzhalter 3"/>
+          <p:cNvSpPr>
+            <a:spLocks noGrp="1"/>
+          </p:cNvSpPr>
+          <p:nvPr>
+            <p:ph type="dt" sz="half" idx="10"/>
+          </p:nvPr>
+        </p:nvSpPr>
+        <p:spPr/>
+        <p:txBody>
+          <a:bodyPr/>
+          <a:lstStyle/>
+          <a:p>
+            <a:fld id="{7AC709DD-AC18-4FBA-B4E6-46DED743653E}" type="datetime1">
+              <a:rPr lang="de-DE" smtClean="0"/>
+              <a:pPr/>
+              <a:t>17.12.2015</a:t>
+            </a:fld>
+            <a:endParaRPr lang="de-DE"/>
+          </a:p>
+        </p:txBody>
+      </p:sp>
+      <p:sp>
+        <p:nvSpPr>
+          <p:cNvPr id="5" name="Fußzeilenplatzhalter 4"/>
+          <p:cNvSpPr>
+            <a:spLocks noGrp="1"/>
+          </p:cNvSpPr>
+          <p:nvPr>
+            <p:ph type="ftr" sz="quarter" idx="11"/>
+          </p:nvPr>
+        </p:nvSpPr>
+        <p:spPr/>
+        <p:txBody>
+          <a:bodyPr/>
+          <a:lstStyle/>
+          <a:p>
+            <a:r>
+              <a:rPr lang="de-DE" smtClean="0"/>
+              <a:t>Fakultät Informatik             Sebastian Schötteler &amp; Benedikt Hofrichter</a:t>
+            </a:r>
+            <a:endParaRPr lang="de-DE" dirty="0"/>
+          </a:p>
+        </p:txBody>
+      </p:sp>
+      <p:sp>
+        <p:nvSpPr>
+          <p:cNvPr id="6" name="Foliennummernplatzhalter 5"/>
+          <p:cNvSpPr>
+            <a:spLocks noGrp="1"/>
+          </p:cNvSpPr>
+          <p:nvPr>
+            <p:ph type="sldNum" sz="quarter" idx="12"/>
+          </p:nvPr>
+        </p:nvSpPr>
+        <p:spPr/>
+        <p:txBody>
+          <a:bodyPr/>
+          <a:lstStyle/>
+          <a:p>
+            <a:fld id="{0E226D3C-400E-4353-AAC2-09A0472DC536}" type="slidenum">
+              <a:rPr lang="de-DE" smtClean="0"/>
+              <a:pPr/>
+              <a:t>41</a:t>
+            </a:fld>
+            <a:endParaRPr lang="de-DE" dirty="0"/>
+          </a:p>
+        </p:txBody>
+      </p:sp>
+    </p:spTree>
+    <p:extLst>
+      <p:ext uri="{BB962C8B-B14F-4D97-AF65-F5344CB8AC3E}">
+        <p14:creationId xmlns:p14="http://schemas.microsoft.com/office/powerpoint/2010/main" val="457440247"/>
+      </p:ext>
+    </p:extLst>
+  </p:cSld>
+  <p:clrMapOvr>
+    <a:masterClrMapping/>
+  </p:clrMapOvr>
+  <p:timing>
+    <p:tnLst>
+      <p:par>
+        <p:cTn id="1" dur="indefinite" restart="never" nodeType="tmRoot"/>
+      </p:par>
+    </p:tnLst>
+  </p:timing>
+</p:sld>
+</file>
+
+<file path=ppt/slides/slide43.xml><?xml version="1.0" encoding="utf-8"?>
+<p:sld xmlns:a="http://schemas.openxmlformats.org/drawingml/2006/main" xmlns:r="http://schemas.openxmlformats.org/officeDocument/2006/relationships" xmlns:p="http://schemas.openxmlformats.org/presentationml/2006/main">
+  <p:cSld>
+    <p:spTree>
+      <p:nvGrpSpPr>
+        <p:cNvPr id="1" name=""/>
+        <p:cNvGrpSpPr/>
+        <p:nvPr/>
+      </p:nvGrpSpPr>
+      <p:grpSpPr>
+        <a:xfrm>
+          <a:off x="0" y="0"/>
+          <a:ext cx="0" cy="0"/>
+          <a:chOff x="0" y="0"/>
+          <a:chExt cx="0" cy="0"/>
+        </a:xfrm>
+      </p:grpSpPr>
+      <p:sp>
+        <p:nvSpPr>
+          <p:cNvPr id="2" name="Titel 1"/>
+          <p:cNvSpPr>
+            <a:spLocks noGrp="1"/>
+          </p:cNvSpPr>
+          <p:nvPr>
+            <p:ph type="title"/>
+          </p:nvPr>
+        </p:nvSpPr>
+        <p:spPr/>
+        <p:txBody>
+          <a:bodyPr/>
+          <a:lstStyle/>
+          <a:p>
+            <a:pPr marL="857250" indent="-857250">
+              <a:buFont typeface="+mj-lt"/>
+              <a:buAutoNum type="romanUcPeriod" startAt="5"/>
+            </a:pPr>
+            <a:r>
+              <a:rPr lang="de-DE" b="1" dirty="0" smtClean="0"/>
+              <a:t>Umsetzung des künstlichen neuronalen Netzes</a:t>
+            </a:r>
+            <a:endParaRPr lang="de-DE" dirty="0"/>
+          </a:p>
+        </p:txBody>
+      </p:sp>
+      <p:sp>
+        <p:nvSpPr>
+          <p:cNvPr id="3" name="Inhaltsplatzhalter 2"/>
+          <p:cNvSpPr>
+            <a:spLocks noGrp="1"/>
+          </p:cNvSpPr>
+          <p:nvPr>
+            <p:ph idx="1"/>
+          </p:nvPr>
+        </p:nvSpPr>
+        <p:spPr/>
+        <p:txBody>
+          <a:bodyPr>
+            <a:normAutofit/>
+          </a:bodyPr>
+          <a:lstStyle/>
+          <a:p>
+            <a:r>
+              <a:rPr lang="de-DE" dirty="0" smtClean="0"/>
+              <a:t>Endgültiges Netz – DAX</a:t>
+            </a:r>
+          </a:p>
+          <a:p>
+            <a:endParaRPr lang="de-DE" dirty="0"/>
+          </a:p>
+          <a:p>
+            <a:endParaRPr lang="de-DE" dirty="0" smtClean="0"/>
+          </a:p>
+          <a:p>
+            <a:endParaRPr lang="de-DE" dirty="0"/>
+          </a:p>
+          <a:p>
+            <a:endParaRPr lang="de-DE" dirty="0" smtClean="0"/>
+          </a:p>
+          <a:p>
+            <a:pPr algn="r"/>
+            <a:endParaRPr lang="de-DE" dirty="0" smtClean="0"/>
+          </a:p>
           <a:p>
             <a:pPr marL="0" indent="0">
               <a:buNone/>
@@ -31688,6 +30721,36 @@
             <a:endParaRPr lang="de-DE" dirty="0" smtClean="0"/>
           </a:p>
           <a:p>
+            <a:pPr marL="0" indent="0">
+              <a:buNone/>
+            </a:pPr>
+            <a:endParaRPr lang="de-DE" dirty="0" smtClean="0"/>
+          </a:p>
+          <a:p>
+            <a:pPr marL="0" indent="0">
+              <a:buNone/>
+            </a:pPr>
+            <a:endParaRPr lang="de-DE" dirty="0" smtClean="0"/>
+          </a:p>
+          <a:p>
+            <a:pPr marL="0" indent="0">
+              <a:buNone/>
+            </a:pPr>
+            <a:endParaRPr lang="de-DE" dirty="0" smtClean="0"/>
+          </a:p>
+          <a:p>
+            <a:pPr marL="0" indent="0">
+              <a:buNone/>
+            </a:pPr>
+            <a:endParaRPr lang="de-DE" dirty="0" smtClean="0"/>
+          </a:p>
+          <a:p>
+            <a:pPr marL="0" indent="0">
+              <a:buNone/>
+            </a:pPr>
+            <a:endParaRPr lang="de-DE" dirty="0" smtClean="0"/>
+          </a:p>
+          <a:p>
             <a:endParaRPr lang="de-DE" dirty="0"/>
           </a:p>
           <a:p>
@@ -31728,7 +30791,7 @@
             <a:fld id="{7AC709DD-AC18-4FBA-B4E6-46DED743653E}" type="datetime1">
               <a:rPr lang="de-DE" smtClean="0"/>
               <a:pPr/>
-              <a:t>12.12.2015</a:t>
+              <a:t>17.12.2015</a:t>
             </a:fld>
             <a:endParaRPr lang="de-DE"/>
           </a:p>
@@ -31775,7 +30838,7 @@
             <a:fld id="{0E226D3C-400E-4353-AAC2-09A0472DC536}" type="slidenum">
               <a:rPr lang="de-DE" smtClean="0"/>
               <a:pPr/>
-              <a:t>41</a:t>
+              <a:t>42</a:t>
             </a:fld>
             <a:endParaRPr lang="de-DE" dirty="0"/>
           </a:p>
@@ -31820,14 +30883,14 @@
           <p:nvPr>
             <p:extLst>
               <p:ext uri="{D42A27DB-BD31-4B8C-83A1-F6EECF244321}">
-                <p14:modId xmlns:p14="http://schemas.microsoft.com/office/powerpoint/2010/main" val="2219988649"/>
+                <p14:modId xmlns:p14="http://schemas.microsoft.com/office/powerpoint/2010/main" val="176957908"/>
               </p:ext>
             </p:extLst>
           </p:nvPr>
         </p:nvGraphicFramePr>
         <p:xfrm>
           <a:off x="7382447" y="2332784"/>
-          <a:ext cx="4026288" cy="1483360"/>
+          <a:ext cx="4026288" cy="1112520"/>
         </p:xfrm>
         <a:graphic>
           <a:graphicData uri="http://schemas.openxmlformats.org/drawingml/2006/table">
@@ -31932,38 +30995,6 @@
                       <a:r>
                         <a:rPr lang="de-DE" dirty="0" smtClean="0"/>
                         <a:t>R-Backpropagation</a:t>
-                      </a:r>
-                      <a:endParaRPr lang="de-DE" dirty="0"/>
-                    </a:p>
-                  </a:txBody>
-                  <a:tcPr anchor="ctr"/>
-                </a:tc>
-              </a:tr>
-              <a:tr h="370840">
-                <a:tc>
-                  <a:txBody>
-                    <a:bodyPr/>
-                    <a:lstStyle/>
-                    <a:p>
-                      <a:pPr algn="ctr"/>
-                      <a:r>
-                        <a:rPr lang="de-DE" dirty="0" smtClean="0"/>
-                        <a:t>Lernrate</a:t>
-                      </a:r>
-                      <a:endParaRPr lang="de-DE" dirty="0"/>
-                    </a:p>
-                  </a:txBody>
-                  <a:tcPr anchor="ctr"/>
-                </a:tc>
-                <a:tc>
-                  <a:txBody>
-                    <a:bodyPr/>
-                    <a:lstStyle/>
-                    <a:p>
-                      <a:pPr algn="ctr"/>
-                      <a:r>
-                        <a:rPr lang="de-DE" dirty="0" smtClean="0"/>
-                        <a:t>0,475</a:t>
                       </a:r>
                       <a:endParaRPr lang="de-DE" dirty="0"/>
                     </a:p>
@@ -32190,7 +31221,7 @@
 </p:sld>
 </file>
 
-<file path=ppt/slides/slide43.xml><?xml version="1.0" encoding="utf-8"?>
+<file path=ppt/slides/slide44.xml><?xml version="1.0" encoding="utf-8"?>
 <p:sld xmlns:a="http://schemas.openxmlformats.org/drawingml/2006/main" xmlns:r="http://schemas.openxmlformats.org/officeDocument/2006/relationships" xmlns:p="http://schemas.openxmlformats.org/presentationml/2006/main">
   <p:cSld>
     <p:spTree>
@@ -32354,7 +31385,7 @@
             <a:fld id="{7AC709DD-AC18-4FBA-B4E6-46DED743653E}" type="datetime1">
               <a:rPr lang="de-DE" smtClean="0"/>
               <a:pPr/>
-              <a:t>12.12.2015</a:t>
+              <a:t>17.12.2015</a:t>
             </a:fld>
             <a:endParaRPr lang="de-DE"/>
           </a:p>
@@ -32401,7 +31432,7 @@
             <a:fld id="{0E226D3C-400E-4353-AAC2-09A0472DC536}" type="slidenum">
               <a:rPr lang="de-DE" smtClean="0"/>
               <a:pPr/>
-              <a:t>42</a:t>
+              <a:t>43</a:t>
             </a:fld>
             <a:endParaRPr lang="de-DE" dirty="0"/>
           </a:p>
@@ -32437,178 +31468,6 @@
           </a:prstGeom>
         </p:spPr>
       </p:pic>
-      <p:graphicFrame>
-        <p:nvGraphicFramePr>
-          <p:cNvPr id="8" name="Tabelle 7"/>
-          <p:cNvGraphicFramePr>
-            <a:graphicFrameLocks noGrp="1"/>
-          </p:cNvGraphicFramePr>
-          <p:nvPr>
-            <p:extLst>
-              <p:ext uri="{D42A27DB-BD31-4B8C-83A1-F6EECF244321}">
-                <p14:modId xmlns:p14="http://schemas.microsoft.com/office/powerpoint/2010/main" val="2403215366"/>
-              </p:ext>
-            </p:extLst>
-          </p:nvPr>
-        </p:nvGraphicFramePr>
-        <p:xfrm>
-          <a:off x="7382447" y="2332784"/>
-          <a:ext cx="4026288" cy="1483360"/>
-        </p:xfrm>
-        <a:graphic>
-          <a:graphicData uri="http://schemas.openxmlformats.org/drawingml/2006/table">
-            <a:tbl>
-              <a:tblPr firstRow="1" bandRow="1">
-                <a:tableStyleId>{5940675A-B579-460E-94D1-54222C63F5DA}</a:tableStyleId>
-              </a:tblPr>
-              <a:tblGrid>
-                <a:gridCol w="1935423"/>
-                <a:gridCol w="2090865"/>
-              </a:tblGrid>
-              <a:tr h="370840">
-                <a:tc>
-                  <a:txBody>
-                    <a:bodyPr/>
-                    <a:lstStyle/>
-                    <a:p>
-                      <a:pPr algn="ctr"/>
-                      <a:r>
-                        <a:rPr lang="de-DE" dirty="0" smtClean="0"/>
-                        <a:t>Topologie</a:t>
-                      </a:r>
-                      <a:endParaRPr lang="de-DE" dirty="0"/>
-                    </a:p>
-                  </a:txBody>
-                  <a:tcPr anchor="ctr"/>
-                </a:tc>
-                <a:tc>
-                  <a:txBody>
-                    <a:bodyPr/>
-                    <a:lstStyle/>
-                    <a:p>
-                      <a:pPr algn="ctr"/>
-                      <a:r>
-                        <a:rPr lang="de-DE" dirty="0" smtClean="0"/>
-                        <a:t>4-7-1</a:t>
-                      </a:r>
-                      <a:r>
-                        <a:rPr lang="de-DE" baseline="0" dirty="0" smtClean="0"/>
-                        <a:t> mit BIAS</a:t>
-                      </a:r>
-                      <a:endParaRPr lang="de-DE" dirty="0"/>
-                    </a:p>
-                  </a:txBody>
-                  <a:tcPr anchor="ctr"/>
-                </a:tc>
-              </a:tr>
-              <a:tr h="370840">
-                <a:tc>
-                  <a:txBody>
-                    <a:bodyPr/>
-                    <a:lstStyle/>
-                    <a:p>
-                      <a:pPr algn="ctr"/>
-                      <a:r>
-                        <a:rPr lang="de-DE" dirty="0" smtClean="0"/>
-                        <a:t>Transferfunktion</a:t>
-                      </a:r>
-                      <a:endParaRPr lang="de-DE" dirty="0"/>
-                    </a:p>
-                  </a:txBody>
-                  <a:tcPr anchor="ctr"/>
-                </a:tc>
-                <a:tc>
-                  <a:txBody>
-                    <a:bodyPr/>
-                    <a:lstStyle/>
-                    <a:p>
-                      <a:pPr algn="ctr"/>
-                      <a:r>
-                        <a:rPr lang="de-DE" dirty="0" smtClean="0"/>
-                        <a:t>Sigmoid</a:t>
-                      </a:r>
-                      <a:endParaRPr lang="de-DE" dirty="0"/>
-                    </a:p>
-                  </a:txBody>
-                  <a:tcPr anchor="ctr"/>
-                </a:tc>
-              </a:tr>
-              <a:tr h="370840">
-                <a:tc>
-                  <a:txBody>
-                    <a:bodyPr/>
-                    <a:lstStyle/>
-                    <a:p>
-                      <a:pPr algn="ctr"/>
-                      <a:r>
-                        <a:rPr lang="de-DE" dirty="0" smtClean="0"/>
-                        <a:t>Lernregel</a:t>
-                      </a:r>
-                      <a:endParaRPr lang="de-DE" dirty="0"/>
-                    </a:p>
-                  </a:txBody>
-                  <a:tcPr anchor="ctr"/>
-                </a:tc>
-                <a:tc>
-                  <a:txBody>
-                    <a:bodyPr/>
-                    <a:lstStyle/>
-                    <a:p>
-                      <a:pPr algn="ctr"/>
-                      <a:r>
-                        <a:rPr lang="de-DE" dirty="0" smtClean="0"/>
-                        <a:t>R-Backpropagation</a:t>
-                      </a:r>
-                      <a:endParaRPr lang="de-DE" dirty="0"/>
-                    </a:p>
-                  </a:txBody>
-                  <a:tcPr anchor="ctr"/>
-                </a:tc>
-              </a:tr>
-              <a:tr h="370840">
-                <a:tc>
-                  <a:txBody>
-                    <a:bodyPr/>
-                    <a:lstStyle/>
-                    <a:p>
-                      <a:pPr algn="ctr"/>
-                      <a:r>
-                        <a:rPr lang="de-DE" dirty="0" smtClean="0"/>
-                        <a:t>Lernrate</a:t>
-                      </a:r>
-                      <a:endParaRPr lang="de-DE" dirty="0"/>
-                    </a:p>
-                  </a:txBody>
-                  <a:tcPr anchor="ctr"/>
-                </a:tc>
-                <a:tc>
-                  <a:txBody>
-                    <a:bodyPr/>
-                    <a:lstStyle/>
-                    <a:p>
-                      <a:pPr algn="ctr"/>
-                      <a:r>
-                        <a:rPr lang="de-DE" dirty="0" smtClean="0">
-                          <a:solidFill>
-                            <a:srgbClr val="FF0000"/>
-                          </a:solidFill>
-                        </a:rPr>
-                        <a:t>0.350</a:t>
-                      </a:r>
-                      <a:endParaRPr lang="de-DE" dirty="0">
-                        <a:solidFill>
-                          <a:srgbClr val="FF0000"/>
-                        </a:solidFill>
-                      </a:endParaRPr>
-                    </a:p>
-                  </a:txBody>
-                  <a:tcPr anchor="ctr"/>
-                </a:tc>
-              </a:tr>
-            </a:tbl>
-          </a:graphicData>
-        </a:graphic>
-      </p:graphicFrame>
       <mc:AlternateContent xmlns:mc="http://schemas.openxmlformats.org/markup-compatibility/2006" xmlns:a14="http://schemas.microsoft.com/office/drawing/2010/main">
         <mc:Choice Requires="a14">
           <p:sp>
@@ -32804,285 +31663,23 @@
           </p:sp>
         </mc:Fallback>
       </mc:AlternateContent>
-    </p:spTree>
-    <p:extLst>
-      <p:ext uri="{BB962C8B-B14F-4D97-AF65-F5344CB8AC3E}">
-        <p14:creationId xmlns:p14="http://schemas.microsoft.com/office/powerpoint/2010/main" val="3489510652"/>
-      </p:ext>
-    </p:extLst>
-  </p:cSld>
-  <p:clrMapOvr>
-    <a:masterClrMapping/>
-  </p:clrMapOvr>
-  <p:timing>
-    <p:tnLst>
-      <p:par>
-        <p:cTn id="1" dur="indefinite" restart="never" nodeType="tmRoot"/>
-      </p:par>
-    </p:tnLst>
-  </p:timing>
-</p:sld>
-</file>
-
-<file path=ppt/slides/slide44.xml><?xml version="1.0" encoding="utf-8"?>
-<p:sld xmlns:a="http://schemas.openxmlformats.org/drawingml/2006/main" xmlns:r="http://schemas.openxmlformats.org/officeDocument/2006/relationships" xmlns:p="http://schemas.openxmlformats.org/presentationml/2006/main">
-  <p:cSld>
-    <p:spTree>
-      <p:nvGrpSpPr>
-        <p:cNvPr id="1" name=""/>
-        <p:cNvGrpSpPr/>
-        <p:nvPr/>
-      </p:nvGrpSpPr>
-      <p:grpSpPr>
-        <a:xfrm>
-          <a:off x="0" y="0"/>
-          <a:ext cx="0" cy="0"/>
-          <a:chOff x="0" y="0"/>
-          <a:chExt cx="0" cy="0"/>
-        </a:xfrm>
-      </p:grpSpPr>
-      <p:sp>
-        <p:nvSpPr>
-          <p:cNvPr id="2" name="Titel 1"/>
-          <p:cNvSpPr>
-            <a:spLocks noGrp="1"/>
-          </p:cNvSpPr>
-          <p:nvPr>
-            <p:ph type="title"/>
-          </p:nvPr>
-        </p:nvSpPr>
-        <p:spPr/>
-        <p:txBody>
-          <a:bodyPr/>
-          <a:lstStyle/>
-          <a:p>
-            <a:pPr marL="857250" indent="-857250">
-              <a:buFont typeface="+mj-lt"/>
-              <a:buAutoNum type="romanUcPeriod" startAt="5"/>
-            </a:pPr>
-            <a:r>
-              <a:rPr lang="de-DE" b="1" dirty="0" smtClean="0"/>
-              <a:t>Umsetzung des künstlichen neuronalen Netzes</a:t>
-            </a:r>
-            <a:endParaRPr lang="de-DE" dirty="0"/>
-          </a:p>
-        </p:txBody>
-      </p:sp>
-      <p:sp>
-        <p:nvSpPr>
-          <p:cNvPr id="3" name="Inhaltsplatzhalter 2"/>
-          <p:cNvSpPr>
-            <a:spLocks noGrp="1"/>
-          </p:cNvSpPr>
-          <p:nvPr>
-            <p:ph idx="1"/>
-          </p:nvPr>
-        </p:nvSpPr>
-        <p:spPr/>
-        <p:txBody>
-          <a:bodyPr>
-            <a:normAutofit/>
-          </a:bodyPr>
-          <a:lstStyle/>
-          <a:p>
-            <a:r>
-              <a:rPr lang="de-DE" dirty="0" smtClean="0"/>
-              <a:t>Analog – Dow Jones</a:t>
-            </a:r>
-          </a:p>
-          <a:p>
-            <a:endParaRPr lang="de-DE" dirty="0"/>
-          </a:p>
-          <a:p>
-            <a:endParaRPr lang="de-DE" dirty="0" smtClean="0"/>
-          </a:p>
-          <a:p>
-            <a:endParaRPr lang="de-DE" dirty="0"/>
-          </a:p>
-          <a:p>
-            <a:endParaRPr lang="de-DE" dirty="0" smtClean="0"/>
-          </a:p>
-          <a:p>
-            <a:pPr algn="r"/>
-            <a:endParaRPr lang="de-DE" dirty="0" smtClean="0"/>
-          </a:p>
-          <a:p>
-            <a:pPr marL="0" indent="0">
-              <a:buNone/>
-            </a:pPr>
-            <a:endParaRPr lang="de-DE" dirty="0" smtClean="0"/>
-          </a:p>
-          <a:p>
-            <a:pPr marL="0" indent="0">
-              <a:buNone/>
-            </a:pPr>
-            <a:endParaRPr lang="de-DE" dirty="0" smtClean="0"/>
-          </a:p>
-          <a:p>
-            <a:pPr marL="0" indent="0">
-              <a:buNone/>
-            </a:pPr>
-            <a:endParaRPr lang="de-DE" dirty="0" smtClean="0"/>
-          </a:p>
-          <a:p>
-            <a:pPr marL="0" indent="0">
-              <a:buNone/>
-            </a:pPr>
-            <a:endParaRPr lang="de-DE" dirty="0" smtClean="0"/>
-          </a:p>
-          <a:p>
-            <a:pPr marL="0" indent="0">
-              <a:buNone/>
-            </a:pPr>
-            <a:endParaRPr lang="de-DE" dirty="0" smtClean="0"/>
-          </a:p>
-          <a:p>
-            <a:pPr marL="0" indent="0">
-              <a:buNone/>
-            </a:pPr>
-            <a:endParaRPr lang="de-DE" dirty="0" smtClean="0"/>
-          </a:p>
-          <a:p>
-            <a:endParaRPr lang="de-DE" dirty="0"/>
-          </a:p>
-          <a:p>
-            <a:endParaRPr lang="de-DE" dirty="0" smtClean="0"/>
-          </a:p>
-          <a:p>
-            <a:endParaRPr lang="de-DE" dirty="0"/>
-          </a:p>
-          <a:p>
-            <a:pPr marL="0" indent="0">
-              <a:buNone/>
-            </a:pPr>
-            <a:endParaRPr lang="de-DE" dirty="0"/>
-          </a:p>
-          <a:p>
-            <a:pPr marL="0" indent="0">
-              <a:buNone/>
-            </a:pPr>
-            <a:endParaRPr lang="de-DE" dirty="0" smtClean="0"/>
-          </a:p>
-        </p:txBody>
-      </p:sp>
-      <p:sp>
-        <p:nvSpPr>
-          <p:cNvPr id="4" name="Datumsplatzhalter 3"/>
-          <p:cNvSpPr>
-            <a:spLocks noGrp="1"/>
-          </p:cNvSpPr>
-          <p:nvPr>
-            <p:ph type="dt" sz="half" idx="10"/>
-          </p:nvPr>
-        </p:nvSpPr>
-        <p:spPr/>
-        <p:txBody>
-          <a:bodyPr/>
-          <a:lstStyle/>
-          <a:p>
-            <a:fld id="{7AC709DD-AC18-4FBA-B4E6-46DED743653E}" type="datetime1">
-              <a:rPr lang="de-DE" smtClean="0"/>
-              <a:pPr/>
-              <a:t>12.12.2015</a:t>
-            </a:fld>
-            <a:endParaRPr lang="de-DE"/>
-          </a:p>
-        </p:txBody>
-      </p:sp>
-      <p:sp>
-        <p:nvSpPr>
-          <p:cNvPr id="5" name="Fußzeilenplatzhalter 4"/>
-          <p:cNvSpPr>
-            <a:spLocks noGrp="1"/>
-          </p:cNvSpPr>
-          <p:nvPr>
-            <p:ph type="ftr" sz="quarter" idx="11"/>
-          </p:nvPr>
-        </p:nvSpPr>
-        <p:spPr/>
-        <p:txBody>
-          <a:bodyPr/>
-          <a:lstStyle/>
-          <a:p>
-            <a:r>
-              <a:rPr lang="de-DE" smtClean="0"/>
-              <a:t>Fakultät Informatik             Sebastian Schötteler &amp; Benedikt Hofrichter</a:t>
-            </a:r>
-            <a:endParaRPr lang="de-DE" dirty="0"/>
-          </a:p>
-        </p:txBody>
-      </p:sp>
-      <p:sp>
-        <p:nvSpPr>
-          <p:cNvPr id="6" name="Foliennummernplatzhalter 5"/>
-          <p:cNvSpPr>
-            <a:spLocks noGrp="1"/>
-          </p:cNvSpPr>
-          <p:nvPr>
-            <p:ph type="sldNum" sz="quarter" idx="12"/>
-          </p:nvPr>
-        </p:nvSpPr>
-        <p:spPr/>
-        <p:txBody>
-          <a:bodyPr/>
-          <a:lstStyle/>
-          <a:p>
-            <a:fld id="{0E226D3C-400E-4353-AAC2-09A0472DC536}" type="slidenum">
-              <a:rPr lang="de-DE" smtClean="0"/>
-              <a:pPr/>
-              <a:t>43</a:t>
-            </a:fld>
-            <a:endParaRPr lang="de-DE" dirty="0"/>
-          </a:p>
-        </p:txBody>
-      </p:sp>
-      <p:pic>
-        <p:nvPicPr>
-          <p:cNvPr id="9" name="Grafik 8"/>
-          <p:cNvPicPr>
-            <a:picLocks noChangeAspect="1"/>
-          </p:cNvPicPr>
-          <p:nvPr/>
-        </p:nvPicPr>
-        <p:blipFill>
-          <a:blip r:embed="rId3" cstate="print">
-            <a:extLst>
-              <a:ext uri="{28A0092B-C50C-407E-A947-70E740481C1C}">
-                <a14:useLocalDpi xmlns:a14="http://schemas.microsoft.com/office/drawing/2010/main" val="0"/>
-              </a:ext>
-            </a:extLst>
-          </a:blip>
-          <a:stretch>
-            <a:fillRect/>
-          </a:stretch>
-        </p:blipFill>
-        <p:spPr>
-          <a:xfrm>
-            <a:off x="1134181" y="2300887"/>
-            <a:ext cx="5817808" cy="3857908"/>
-          </a:xfrm>
-          <a:prstGeom prst="rect">
-            <a:avLst/>
-          </a:prstGeom>
-        </p:spPr>
-      </p:pic>
       <p:graphicFrame>
         <p:nvGraphicFramePr>
-          <p:cNvPr id="8" name="Tabelle 7"/>
+          <p:cNvPr id="10" name="Tabelle 9"/>
           <p:cNvGraphicFramePr>
             <a:graphicFrameLocks noGrp="1"/>
           </p:cNvGraphicFramePr>
           <p:nvPr>
             <p:extLst>
               <p:ext uri="{D42A27DB-BD31-4B8C-83A1-F6EECF244321}">
-                <p14:modId xmlns:p14="http://schemas.microsoft.com/office/powerpoint/2010/main" val="2906290597"/>
+                <p14:modId xmlns:p14="http://schemas.microsoft.com/office/powerpoint/2010/main" val="4016651269"/>
               </p:ext>
             </p:extLst>
           </p:nvPr>
         </p:nvGraphicFramePr>
         <p:xfrm>
           <a:off x="7382447" y="2332784"/>
-          <a:ext cx="4026288" cy="1483360"/>
+          <a:ext cx="4026288" cy="1112520"/>
         </p:xfrm>
         <a:graphic>
           <a:graphicData uri="http://schemas.openxmlformats.org/drawingml/2006/table">
@@ -33194,50 +31791,272 @@
                   <a:tcPr anchor="ctr"/>
                 </a:tc>
               </a:tr>
-              <a:tr h="370840">
-                <a:tc>
-                  <a:txBody>
-                    <a:bodyPr/>
-                    <a:lstStyle/>
-                    <a:p>
-                      <a:pPr algn="ctr"/>
-                      <a:r>
-                        <a:rPr lang="de-DE" dirty="0" smtClean="0"/>
-                        <a:t>Lernrate</a:t>
-                      </a:r>
-                      <a:endParaRPr lang="de-DE" dirty="0"/>
-                    </a:p>
-                  </a:txBody>
-                  <a:tcPr anchor="ctr"/>
-                </a:tc>
-                <a:tc>
-                  <a:txBody>
-                    <a:bodyPr/>
-                    <a:lstStyle/>
-                    <a:p>
-                      <a:pPr algn="ctr"/>
-                      <a:r>
-                        <a:rPr lang="de-DE" dirty="0" smtClean="0">
-                          <a:solidFill>
-                            <a:srgbClr val="FF0000"/>
-                          </a:solidFill>
-                        </a:rPr>
-                        <a:t>0.6</a:t>
-                      </a:r>
-                      <a:endParaRPr lang="de-DE" dirty="0">
-                        <a:solidFill>
-                          <a:srgbClr val="FF0000"/>
-                        </a:solidFill>
-                      </a:endParaRPr>
-                    </a:p>
-                  </a:txBody>
-                  <a:tcPr anchor="ctr"/>
-                </a:tc>
-              </a:tr>
             </a:tbl>
           </a:graphicData>
         </a:graphic>
       </p:graphicFrame>
+    </p:spTree>
+    <p:extLst>
+      <p:ext uri="{BB962C8B-B14F-4D97-AF65-F5344CB8AC3E}">
+        <p14:creationId xmlns:p14="http://schemas.microsoft.com/office/powerpoint/2010/main" val="3489510652"/>
+      </p:ext>
+    </p:extLst>
+  </p:cSld>
+  <p:clrMapOvr>
+    <a:masterClrMapping/>
+  </p:clrMapOvr>
+  <p:timing>
+    <p:tnLst>
+      <p:par>
+        <p:cTn id="1" dur="indefinite" restart="never" nodeType="tmRoot"/>
+      </p:par>
+    </p:tnLst>
+  </p:timing>
+</p:sld>
+</file>
+
+<file path=ppt/slides/slide45.xml><?xml version="1.0" encoding="utf-8"?>
+<p:sld xmlns:a="http://schemas.openxmlformats.org/drawingml/2006/main" xmlns:r="http://schemas.openxmlformats.org/officeDocument/2006/relationships" xmlns:p="http://schemas.openxmlformats.org/presentationml/2006/main">
+  <p:cSld>
+    <p:spTree>
+      <p:nvGrpSpPr>
+        <p:cNvPr id="1" name=""/>
+        <p:cNvGrpSpPr/>
+        <p:nvPr/>
+      </p:nvGrpSpPr>
+      <p:grpSpPr>
+        <a:xfrm>
+          <a:off x="0" y="0"/>
+          <a:ext cx="0" cy="0"/>
+          <a:chOff x="0" y="0"/>
+          <a:chExt cx="0" cy="0"/>
+        </a:xfrm>
+      </p:grpSpPr>
+      <p:sp>
+        <p:nvSpPr>
+          <p:cNvPr id="2" name="Titel 1"/>
+          <p:cNvSpPr>
+            <a:spLocks noGrp="1"/>
+          </p:cNvSpPr>
+          <p:nvPr>
+            <p:ph type="title"/>
+          </p:nvPr>
+        </p:nvSpPr>
+        <p:spPr/>
+        <p:txBody>
+          <a:bodyPr/>
+          <a:lstStyle/>
+          <a:p>
+            <a:pPr marL="857250" indent="-857250">
+              <a:buFont typeface="+mj-lt"/>
+              <a:buAutoNum type="romanUcPeriod" startAt="5"/>
+            </a:pPr>
+            <a:r>
+              <a:rPr lang="de-DE" b="1" dirty="0" smtClean="0"/>
+              <a:t>Umsetzung des künstlichen neuronalen Netzes</a:t>
+            </a:r>
+            <a:endParaRPr lang="de-DE" dirty="0"/>
+          </a:p>
+        </p:txBody>
+      </p:sp>
+      <p:sp>
+        <p:nvSpPr>
+          <p:cNvPr id="3" name="Inhaltsplatzhalter 2"/>
+          <p:cNvSpPr>
+            <a:spLocks noGrp="1"/>
+          </p:cNvSpPr>
+          <p:nvPr>
+            <p:ph idx="1"/>
+          </p:nvPr>
+        </p:nvSpPr>
+        <p:spPr/>
+        <p:txBody>
+          <a:bodyPr>
+            <a:normAutofit/>
+          </a:bodyPr>
+          <a:lstStyle/>
+          <a:p>
+            <a:r>
+              <a:rPr lang="de-DE" dirty="0" smtClean="0"/>
+              <a:t>Analog – Dow Jones</a:t>
+            </a:r>
+          </a:p>
+          <a:p>
+            <a:endParaRPr lang="de-DE" dirty="0"/>
+          </a:p>
+          <a:p>
+            <a:endParaRPr lang="de-DE" dirty="0" smtClean="0"/>
+          </a:p>
+          <a:p>
+            <a:endParaRPr lang="de-DE" dirty="0"/>
+          </a:p>
+          <a:p>
+            <a:endParaRPr lang="de-DE" dirty="0" smtClean="0"/>
+          </a:p>
+          <a:p>
+            <a:pPr algn="r"/>
+            <a:endParaRPr lang="de-DE" dirty="0" smtClean="0"/>
+          </a:p>
+          <a:p>
+            <a:pPr marL="0" indent="0">
+              <a:buNone/>
+            </a:pPr>
+            <a:endParaRPr lang="de-DE" dirty="0" smtClean="0"/>
+          </a:p>
+          <a:p>
+            <a:pPr marL="0" indent="0">
+              <a:buNone/>
+            </a:pPr>
+            <a:endParaRPr lang="de-DE" dirty="0" smtClean="0"/>
+          </a:p>
+          <a:p>
+            <a:pPr marL="0" indent="0">
+              <a:buNone/>
+            </a:pPr>
+            <a:endParaRPr lang="de-DE" dirty="0" smtClean="0"/>
+          </a:p>
+          <a:p>
+            <a:pPr marL="0" indent="0">
+              <a:buNone/>
+            </a:pPr>
+            <a:endParaRPr lang="de-DE" dirty="0" smtClean="0"/>
+          </a:p>
+          <a:p>
+            <a:pPr marL="0" indent="0">
+              <a:buNone/>
+            </a:pPr>
+            <a:endParaRPr lang="de-DE" dirty="0" smtClean="0"/>
+          </a:p>
+          <a:p>
+            <a:pPr marL="0" indent="0">
+              <a:buNone/>
+            </a:pPr>
+            <a:endParaRPr lang="de-DE" dirty="0" smtClean="0"/>
+          </a:p>
+          <a:p>
+            <a:endParaRPr lang="de-DE" dirty="0"/>
+          </a:p>
+          <a:p>
+            <a:endParaRPr lang="de-DE" dirty="0" smtClean="0"/>
+          </a:p>
+          <a:p>
+            <a:endParaRPr lang="de-DE" dirty="0"/>
+          </a:p>
+          <a:p>
+            <a:pPr marL="0" indent="0">
+              <a:buNone/>
+            </a:pPr>
+            <a:endParaRPr lang="de-DE" dirty="0"/>
+          </a:p>
+          <a:p>
+            <a:pPr marL="0" indent="0">
+              <a:buNone/>
+            </a:pPr>
+            <a:endParaRPr lang="de-DE" dirty="0" smtClean="0"/>
+          </a:p>
+        </p:txBody>
+      </p:sp>
+      <p:sp>
+        <p:nvSpPr>
+          <p:cNvPr id="4" name="Datumsplatzhalter 3"/>
+          <p:cNvSpPr>
+            <a:spLocks noGrp="1"/>
+          </p:cNvSpPr>
+          <p:nvPr>
+            <p:ph type="dt" sz="half" idx="10"/>
+          </p:nvPr>
+        </p:nvSpPr>
+        <p:spPr/>
+        <p:txBody>
+          <a:bodyPr/>
+          <a:lstStyle/>
+          <a:p>
+            <a:fld id="{7AC709DD-AC18-4FBA-B4E6-46DED743653E}" type="datetime1">
+              <a:rPr lang="de-DE" smtClean="0"/>
+              <a:pPr/>
+              <a:t>17.12.2015</a:t>
+            </a:fld>
+            <a:endParaRPr lang="de-DE"/>
+          </a:p>
+        </p:txBody>
+      </p:sp>
+      <p:sp>
+        <p:nvSpPr>
+          <p:cNvPr id="5" name="Fußzeilenplatzhalter 4"/>
+          <p:cNvSpPr>
+            <a:spLocks noGrp="1"/>
+          </p:cNvSpPr>
+          <p:nvPr>
+            <p:ph type="ftr" sz="quarter" idx="11"/>
+          </p:nvPr>
+        </p:nvSpPr>
+        <p:spPr/>
+        <p:txBody>
+          <a:bodyPr/>
+          <a:lstStyle/>
+          <a:p>
+            <a:r>
+              <a:rPr lang="de-DE" smtClean="0"/>
+              <a:t>Fakultät Informatik             Sebastian Schötteler &amp; Benedikt Hofrichter</a:t>
+            </a:r>
+            <a:endParaRPr lang="de-DE" dirty="0"/>
+          </a:p>
+        </p:txBody>
+      </p:sp>
+      <p:sp>
+        <p:nvSpPr>
+          <p:cNvPr id="6" name="Foliennummernplatzhalter 5"/>
+          <p:cNvSpPr>
+            <a:spLocks noGrp="1"/>
+          </p:cNvSpPr>
+          <p:nvPr>
+            <p:ph type="sldNum" sz="quarter" idx="12"/>
+          </p:nvPr>
+        </p:nvSpPr>
+        <p:spPr/>
+        <p:txBody>
+          <a:bodyPr/>
+          <a:lstStyle/>
+          <a:p>
+            <a:fld id="{0E226D3C-400E-4353-AAC2-09A0472DC536}" type="slidenum">
+              <a:rPr lang="de-DE" smtClean="0"/>
+              <a:pPr/>
+              <a:t>44</a:t>
+            </a:fld>
+            <a:endParaRPr lang="de-DE" dirty="0"/>
+          </a:p>
+        </p:txBody>
+      </p:sp>
+      <p:pic>
+        <p:nvPicPr>
+          <p:cNvPr id="9" name="Grafik 8"/>
+          <p:cNvPicPr>
+            <a:picLocks noChangeAspect="1"/>
+          </p:cNvPicPr>
+          <p:nvPr/>
+        </p:nvPicPr>
+        <p:blipFill>
+          <a:blip r:embed="rId3" cstate="print">
+            <a:extLst>
+              <a:ext uri="{28A0092B-C50C-407E-A947-70E740481C1C}">
+                <a14:useLocalDpi xmlns:a14="http://schemas.microsoft.com/office/drawing/2010/main" val="0"/>
+              </a:ext>
+            </a:extLst>
+          </a:blip>
+          <a:stretch>
+            <a:fillRect/>
+          </a:stretch>
+        </p:blipFill>
+        <p:spPr>
+          <a:xfrm>
+            <a:off x="1134181" y="2300887"/>
+            <a:ext cx="5817808" cy="3857908"/>
+          </a:xfrm>
+          <a:prstGeom prst="rect">
+            <a:avLst/>
+          </a:prstGeom>
+        </p:spPr>
+      </p:pic>
       <mc:AlternateContent xmlns:mc="http://schemas.openxmlformats.org/markup-compatibility/2006" xmlns:a14="http://schemas.microsoft.com/office/drawing/2010/main">
         <mc:Choice Requires="a14">
           <p:sp>
@@ -33433,6 +32252,138 @@
           </p:sp>
         </mc:Fallback>
       </mc:AlternateContent>
+      <p:graphicFrame>
+        <p:nvGraphicFramePr>
+          <p:cNvPr id="10" name="Tabelle 9"/>
+          <p:cNvGraphicFramePr>
+            <a:graphicFrameLocks noGrp="1"/>
+          </p:cNvGraphicFramePr>
+          <p:nvPr>
+            <p:extLst>
+              <p:ext uri="{D42A27DB-BD31-4B8C-83A1-F6EECF244321}">
+                <p14:modId xmlns:p14="http://schemas.microsoft.com/office/powerpoint/2010/main" val="4016651269"/>
+              </p:ext>
+            </p:extLst>
+          </p:nvPr>
+        </p:nvGraphicFramePr>
+        <p:xfrm>
+          <a:off x="7382447" y="2332784"/>
+          <a:ext cx="4026288" cy="1112520"/>
+        </p:xfrm>
+        <a:graphic>
+          <a:graphicData uri="http://schemas.openxmlformats.org/drawingml/2006/table">
+            <a:tbl>
+              <a:tblPr firstRow="1" bandRow="1">
+                <a:tableStyleId>{5940675A-B579-460E-94D1-54222C63F5DA}</a:tableStyleId>
+              </a:tblPr>
+              <a:tblGrid>
+                <a:gridCol w="1935423"/>
+                <a:gridCol w="2090865"/>
+              </a:tblGrid>
+              <a:tr h="370840">
+                <a:tc>
+                  <a:txBody>
+                    <a:bodyPr/>
+                    <a:lstStyle/>
+                    <a:p>
+                      <a:pPr algn="ctr"/>
+                      <a:r>
+                        <a:rPr lang="de-DE" dirty="0" smtClean="0"/>
+                        <a:t>Topologie</a:t>
+                      </a:r>
+                      <a:endParaRPr lang="de-DE" dirty="0"/>
+                    </a:p>
+                  </a:txBody>
+                  <a:tcPr anchor="ctr"/>
+                </a:tc>
+                <a:tc>
+                  <a:txBody>
+                    <a:bodyPr/>
+                    <a:lstStyle/>
+                    <a:p>
+                      <a:pPr algn="ctr"/>
+                      <a:r>
+                        <a:rPr lang="de-DE" dirty="0" smtClean="0"/>
+                        <a:t>4-7-1</a:t>
+                      </a:r>
+                      <a:r>
+                        <a:rPr lang="de-DE" baseline="0" dirty="0" smtClean="0"/>
+                        <a:t> mit BIAS</a:t>
+                      </a:r>
+                      <a:endParaRPr lang="de-DE" dirty="0"/>
+                    </a:p>
+                  </a:txBody>
+                  <a:tcPr anchor="ctr"/>
+                </a:tc>
+              </a:tr>
+              <a:tr h="370840">
+                <a:tc>
+                  <a:txBody>
+                    <a:bodyPr/>
+                    <a:lstStyle/>
+                    <a:p>
+                      <a:pPr algn="ctr"/>
+                      <a:r>
+                        <a:rPr lang="de-DE" dirty="0" smtClean="0"/>
+                        <a:t>Transferfunktion</a:t>
+                      </a:r>
+                      <a:endParaRPr lang="de-DE" dirty="0"/>
+                    </a:p>
+                  </a:txBody>
+                  <a:tcPr anchor="ctr"/>
+                </a:tc>
+                <a:tc>
+                  <a:txBody>
+                    <a:bodyPr/>
+                    <a:lstStyle/>
+                    <a:p>
+                      <a:pPr algn="ctr"/>
+                      <a:r>
+                        <a:rPr lang="de-DE" dirty="0" smtClean="0"/>
+                        <a:t>Sigmoid</a:t>
+                      </a:r>
+                      <a:endParaRPr lang="de-DE" dirty="0"/>
+                    </a:p>
+                  </a:txBody>
+                  <a:tcPr anchor="ctr"/>
+                </a:tc>
+              </a:tr>
+              <a:tr h="370840">
+                <a:tc>
+                  <a:txBody>
+                    <a:bodyPr/>
+                    <a:lstStyle/>
+                    <a:p>
+                      <a:pPr algn="ctr"/>
+                      <a:r>
+                        <a:rPr lang="de-DE" dirty="0" smtClean="0"/>
+                        <a:t>Lernregel</a:t>
+                      </a:r>
+                      <a:endParaRPr lang="de-DE" dirty="0"/>
+                    </a:p>
+                  </a:txBody>
+                  <a:tcPr anchor="ctr"/>
+                </a:tc>
+                <a:tc>
+                  <a:txBody>
+                    <a:bodyPr/>
+                    <a:lstStyle/>
+                    <a:p>
+                      <a:pPr algn="ctr"/>
+                      <a:r>
+                        <a:rPr lang="de-DE" dirty="0" smtClean="0"/>
+                        <a:t>R-Backpropagation</a:t>
+                      </a:r>
+                      <a:endParaRPr lang="de-DE" dirty="0"/>
+                    </a:p>
+                  </a:txBody>
+                  <a:tcPr anchor="ctr"/>
+                </a:tc>
+              </a:tr>
+            </a:tbl>
+          </a:graphicData>
+        </a:graphic>
+      </p:graphicFrame>
     </p:spTree>
     <p:extLst>
       <p:ext uri="{BB962C8B-B14F-4D97-AF65-F5344CB8AC3E}">
@@ -33453,7 +32404,7 @@
 </p:sld>
 </file>
 
-<file path=ppt/slides/slide45.xml><?xml version="1.0" encoding="utf-8"?>
+<file path=ppt/slides/slide46.xml><?xml version="1.0" encoding="utf-8"?>
 <p:sld xmlns:a="http://schemas.openxmlformats.org/drawingml/2006/main" xmlns:r="http://schemas.openxmlformats.org/officeDocument/2006/relationships" xmlns:p="http://schemas.openxmlformats.org/presentationml/2006/main">
   <p:cSld>
     <p:spTree>
@@ -33488,7 +32439,7 @@
             <a:fld id="{7AC709DD-AC18-4FBA-B4E6-46DED743653E}" type="datetime1">
               <a:rPr lang="de-DE" smtClean="0"/>
               <a:pPr/>
-              <a:t>12.12.2015</a:t>
+              <a:t>17.12.2015</a:t>
             </a:fld>
             <a:endParaRPr lang="de-DE"/>
           </a:p>
@@ -33535,7 +32486,7 @@
             <a:fld id="{0E226D3C-400E-4353-AAC2-09A0472DC536}" type="slidenum">
               <a:rPr lang="de-DE" smtClean="0"/>
               <a:pPr/>
-              <a:t>44</a:t>
+              <a:t>45</a:t>
             </a:fld>
             <a:endParaRPr lang="de-DE" dirty="0"/>
           </a:p>
@@ -33747,7 +32698,7 @@
 </p:sld>
 </file>
 
-<file path=ppt/slides/slide46.xml><?xml version="1.0" encoding="utf-8"?>
+<file path=ppt/slides/slide47.xml><?xml version="1.0" encoding="utf-8"?>
 <p:sld xmlns:a="http://schemas.openxmlformats.org/drawingml/2006/main" xmlns:r="http://schemas.openxmlformats.org/officeDocument/2006/relationships" xmlns:p="http://schemas.openxmlformats.org/presentationml/2006/main">
   <p:cSld>
     <p:spTree>
@@ -33832,7 +32783,7 @@
             <a:fld id="{7AC709DD-AC18-4FBA-B4E6-46DED743653E}" type="datetime1">
               <a:rPr lang="de-DE" smtClean="0"/>
               <a:pPr/>
-              <a:t>12.12.2015</a:t>
+              <a:t>17.12.2015</a:t>
             </a:fld>
             <a:endParaRPr lang="de-DE"/>
           </a:p>
@@ -33879,7 +32830,7 @@
             <a:fld id="{0E226D3C-400E-4353-AAC2-09A0472DC536}" type="slidenum">
               <a:rPr lang="de-DE" smtClean="0"/>
               <a:pPr/>
-              <a:t>45</a:t>
+              <a:t>46</a:t>
             </a:fld>
             <a:endParaRPr lang="de-DE" dirty="0"/>
           </a:p>
@@ -33905,7 +32856,7 @@
 </p:sld>
 </file>
 
-<file path=ppt/slides/slide47.xml><?xml version="1.0" encoding="utf-8"?>
+<file path=ppt/slides/slide48.xml><?xml version="1.0" encoding="utf-8"?>
 <p:sld xmlns:a="http://schemas.openxmlformats.org/drawingml/2006/main" xmlns:r="http://schemas.openxmlformats.org/officeDocument/2006/relationships" xmlns:p="http://schemas.openxmlformats.org/presentationml/2006/main">
   <p:cSld>
     <p:spTree>
@@ -33940,7 +32891,7 @@
             <a:fld id="{7AC709DD-AC18-4FBA-B4E6-46DED743653E}" type="datetime1">
               <a:rPr lang="de-DE" smtClean="0"/>
               <a:pPr/>
-              <a:t>12.12.2015</a:t>
+              <a:t>17.12.2015</a:t>
             </a:fld>
             <a:endParaRPr lang="de-DE"/>
           </a:p>
@@ -33987,7 +32938,7 @@
             <a:fld id="{0E226D3C-400E-4353-AAC2-09A0472DC536}" type="slidenum">
               <a:rPr lang="de-DE" smtClean="0"/>
               <a:pPr/>
-              <a:t>46</a:t>
+              <a:t>47</a:t>
             </a:fld>
             <a:endParaRPr lang="de-DE" dirty="0"/>
           </a:p>
@@ -34199,7 +33150,7 @@
 </p:sld>
 </file>
 
-<file path=ppt/slides/slide48.xml><?xml version="1.0" encoding="utf-8"?>
+<file path=ppt/slides/slide49.xml><?xml version="1.0" encoding="utf-8"?>
 <p:sld xmlns:a="http://schemas.openxmlformats.org/drawingml/2006/main" xmlns:r="http://schemas.openxmlformats.org/officeDocument/2006/relationships" xmlns:p="http://schemas.openxmlformats.org/presentationml/2006/main">
   <p:cSld>
     <p:spTree>
@@ -34284,7 +33235,7 @@
             <a:fld id="{7AC709DD-AC18-4FBA-B4E6-46DED743653E}" type="datetime1">
               <a:rPr lang="de-DE" smtClean="0"/>
               <a:pPr/>
-              <a:t>12.12.2015</a:t>
+              <a:t>17.12.2015</a:t>
             </a:fld>
             <a:endParaRPr lang="de-DE"/>
           </a:p>
@@ -34331,7 +33282,7 @@
             <a:fld id="{0E226D3C-400E-4353-AAC2-09A0472DC536}" type="slidenum">
               <a:rPr lang="de-DE" smtClean="0"/>
               <a:pPr/>
-              <a:t>47</a:t>
+              <a:t>48</a:t>
             </a:fld>
             <a:endParaRPr lang="de-DE" dirty="0"/>
           </a:p>
@@ -34357,7 +33308,7 @@
 </p:sld>
 </file>
 
-<file path=ppt/slides/slide49.xml><?xml version="1.0" encoding="utf-8"?>
+<file path=ppt/slides/slide5.xml><?xml version="1.0" encoding="utf-8"?>
 <p:sld xmlns:a="http://schemas.openxmlformats.org/drawingml/2006/main" xmlns:r="http://schemas.openxmlformats.org/officeDocument/2006/relationships" xmlns:p="http://schemas.openxmlformats.org/presentationml/2006/main">
   <p:cSld>
     <p:spTree>
@@ -34376,6 +33327,112 @@
       </p:grpSpPr>
       <p:sp>
         <p:nvSpPr>
+          <p:cNvPr id="2" name="Titel 1"/>
+          <p:cNvSpPr>
+            <a:spLocks noGrp="1"/>
+          </p:cNvSpPr>
+          <p:nvPr>
+            <p:ph type="title"/>
+          </p:nvPr>
+        </p:nvSpPr>
+        <p:spPr/>
+        <p:txBody>
+          <a:bodyPr/>
+          <a:lstStyle/>
+          <a:p>
+            <a:pPr marL="857250" indent="-857250">
+              <a:buFont typeface="+mj-lt"/>
+              <a:buAutoNum type="romanUcPeriod"/>
+            </a:pPr>
+            <a:r>
+              <a:rPr lang="de-DE" b="1" dirty="0" smtClean="0"/>
+              <a:t>Motivation</a:t>
+            </a:r>
+            <a:endParaRPr lang="de-DE" b="1" dirty="0"/>
+          </a:p>
+        </p:txBody>
+      </p:sp>
+      <p:sp>
+        <p:nvSpPr>
+          <p:cNvPr id="3" name="Inhaltsplatzhalter 2"/>
+          <p:cNvSpPr>
+            <a:spLocks noGrp="1"/>
+          </p:cNvSpPr>
+          <p:nvPr>
+            <p:ph idx="1"/>
+          </p:nvPr>
+        </p:nvSpPr>
+        <p:spPr/>
+        <p:txBody>
+          <a:bodyPr>
+            <a:normAutofit/>
+          </a:bodyPr>
+          <a:lstStyle/>
+          <a:p>
+            <a:r>
+              <a:rPr lang="de-DE" dirty="0" smtClean="0"/>
+              <a:t>Zweck der Seminararbeit:</a:t>
+            </a:r>
+          </a:p>
+          <a:p>
+            <a:pPr lvl="1"/>
+            <a:r>
+              <a:rPr lang="de-DE" dirty="0" smtClean="0"/>
+              <a:t>Erstellung einer Anwendung  zur Prognose von Börsenkursen mittels KNN.</a:t>
+            </a:r>
+          </a:p>
+          <a:p>
+            <a:pPr lvl="2"/>
+            <a:r>
+              <a:rPr lang="de-DE" dirty="0" smtClean="0"/>
+              <a:t>Fokus : Erlangen eines Grundverständnisses über Prognosen mittels KNN.</a:t>
+            </a:r>
+          </a:p>
+          <a:p>
+            <a:pPr lvl="2"/>
+            <a:r>
+              <a:rPr lang="de-DE" dirty="0" smtClean="0"/>
+              <a:t>Präzision der Prognosen sollte jedoch nicht vernachlässigt werden.</a:t>
+            </a:r>
+          </a:p>
+          <a:p>
+            <a:pPr lvl="2"/>
+            <a:endParaRPr lang="de-DE" dirty="0"/>
+          </a:p>
+          <a:p>
+            <a:r>
+              <a:rPr lang="de-DE" dirty="0" smtClean="0"/>
+              <a:t>Die Anwendung soll in der Lage sein...</a:t>
+            </a:r>
+          </a:p>
+          <a:p>
+            <a:pPr lvl="1"/>
+            <a:r>
+              <a:rPr lang="de-DE" dirty="0" smtClean="0"/>
+              <a:t>…den zukünftigen Kurs verschiedener Börsen prognostizieren zu können.</a:t>
+            </a:r>
+          </a:p>
+          <a:p>
+            <a:pPr lvl="1"/>
+            <a:r>
+              <a:rPr lang="de-DE" dirty="0" smtClean="0"/>
+              <a:t>…eine genaue statistische Analyse der Prognose liefern.</a:t>
+            </a:r>
+          </a:p>
+          <a:p>
+            <a:pPr lvl="1"/>
+            <a:endParaRPr lang="de-DE" sz="2000" dirty="0"/>
+          </a:p>
+          <a:p>
+            <a:endParaRPr lang="de-DE" dirty="0" smtClean="0"/>
+          </a:p>
+          <a:p>
+            <a:endParaRPr lang="de-DE" dirty="0"/>
+          </a:p>
+        </p:txBody>
+      </p:sp>
+      <p:sp>
+        <p:nvSpPr>
           <p:cNvPr id="4" name="Datumsplatzhalter 3"/>
           <p:cNvSpPr>
             <a:spLocks noGrp="1"/>
@@ -34392,7 +33449,7 @@
             <a:fld id="{7AC709DD-AC18-4FBA-B4E6-46DED743653E}" type="datetime1">
               <a:rPr lang="de-DE" smtClean="0"/>
               <a:pPr/>
-              <a:t>12.12.2015</a:t>
+              <a:t>17.12.2015</a:t>
             </a:fld>
             <a:endParaRPr lang="de-DE"/>
           </a:p>
@@ -34414,7 +33471,7 @@
           <a:lstStyle/>
           <a:p>
             <a:r>
-              <a:rPr lang="de-DE" dirty="0" smtClean="0"/>
+              <a:rPr lang="de-DE" smtClean="0"/>
               <a:t>Fakultät Informatik             Sebastian Schötteler &amp; Benedikt Hofrichter</a:t>
             </a:r>
             <a:endParaRPr lang="de-DE" dirty="0"/>
@@ -34439,7 +33496,115 @@
             <a:fld id="{0E226D3C-400E-4353-AAC2-09A0472DC536}" type="slidenum">
               <a:rPr lang="de-DE" smtClean="0"/>
               <a:pPr/>
-              <a:t>48</a:t>
+              <a:t>4</a:t>
+            </a:fld>
+            <a:endParaRPr lang="de-DE" dirty="0"/>
+          </a:p>
+        </p:txBody>
+      </p:sp>
+    </p:spTree>
+    <p:extLst>
+      <p:ext uri="{BB962C8B-B14F-4D97-AF65-F5344CB8AC3E}">
+        <p14:creationId xmlns:p14="http://schemas.microsoft.com/office/powerpoint/2010/main" val="1352399409"/>
+      </p:ext>
+    </p:extLst>
+  </p:cSld>
+  <p:clrMapOvr>
+    <a:masterClrMapping/>
+  </p:clrMapOvr>
+  <p:timing>
+    <p:tnLst>
+      <p:par>
+        <p:cTn id="1" dur="indefinite" restart="never" nodeType="tmRoot"/>
+      </p:par>
+    </p:tnLst>
+  </p:timing>
+</p:sld>
+</file>
+
+<file path=ppt/slides/slide50.xml><?xml version="1.0" encoding="utf-8"?>
+<p:sld xmlns:a="http://schemas.openxmlformats.org/drawingml/2006/main" xmlns:r="http://schemas.openxmlformats.org/officeDocument/2006/relationships" xmlns:p="http://schemas.openxmlformats.org/presentationml/2006/main">
+  <p:cSld>
+    <p:spTree>
+      <p:nvGrpSpPr>
+        <p:cNvPr id="1" name=""/>
+        <p:cNvGrpSpPr/>
+        <p:nvPr/>
+      </p:nvGrpSpPr>
+      <p:grpSpPr>
+        <a:xfrm>
+          <a:off x="0" y="0"/>
+          <a:ext cx="0" cy="0"/>
+          <a:chOff x="0" y="0"/>
+          <a:chExt cx="0" cy="0"/>
+        </a:xfrm>
+      </p:grpSpPr>
+      <p:sp>
+        <p:nvSpPr>
+          <p:cNvPr id="4" name="Datumsplatzhalter 3"/>
+          <p:cNvSpPr>
+            <a:spLocks noGrp="1"/>
+          </p:cNvSpPr>
+          <p:nvPr>
+            <p:ph type="dt" sz="half" idx="10"/>
+          </p:nvPr>
+        </p:nvSpPr>
+        <p:spPr/>
+        <p:txBody>
+          <a:bodyPr/>
+          <a:lstStyle/>
+          <a:p>
+            <a:fld id="{7AC709DD-AC18-4FBA-B4E6-46DED743653E}" type="datetime1">
+              <a:rPr lang="de-DE" smtClean="0"/>
+              <a:pPr/>
+              <a:t>17.12.2015</a:t>
+            </a:fld>
+            <a:endParaRPr lang="de-DE"/>
+          </a:p>
+        </p:txBody>
+      </p:sp>
+      <p:sp>
+        <p:nvSpPr>
+          <p:cNvPr id="5" name="Fußzeilenplatzhalter 4"/>
+          <p:cNvSpPr>
+            <a:spLocks noGrp="1"/>
+          </p:cNvSpPr>
+          <p:nvPr>
+            <p:ph type="ftr" sz="quarter" idx="11"/>
+          </p:nvPr>
+        </p:nvSpPr>
+        <p:spPr/>
+        <p:txBody>
+          <a:bodyPr/>
+          <a:lstStyle/>
+          <a:p>
+            <a:r>
+              <a:rPr lang="de-DE" dirty="0" smtClean="0"/>
+              <a:t>Fakultät Informatik             Sebastian Schötteler &amp; Benedikt Hofrichter</a:t>
+            </a:r>
+            <a:endParaRPr lang="de-DE" dirty="0"/>
+          </a:p>
+        </p:txBody>
+      </p:sp>
+      <p:sp>
+        <p:nvSpPr>
+          <p:cNvPr id="6" name="Foliennummernplatzhalter 5"/>
+          <p:cNvSpPr>
+            <a:spLocks noGrp="1"/>
+          </p:cNvSpPr>
+          <p:nvPr>
+            <p:ph type="sldNum" sz="quarter" idx="12"/>
+          </p:nvPr>
+        </p:nvSpPr>
+        <p:spPr/>
+        <p:txBody>
+          <a:bodyPr/>
+          <a:lstStyle/>
+          <a:p>
+            <a:fld id="{0E226D3C-400E-4353-AAC2-09A0472DC536}" type="slidenum">
+              <a:rPr lang="de-DE" smtClean="0"/>
+              <a:pPr/>
+              <a:t>49</a:t>
             </a:fld>
             <a:endParaRPr lang="de-DE" dirty="0"/>
           </a:p>
@@ -34651,7 +33816,7 @@
 </p:sld>
 </file>
 
-<file path=ppt/slides/slide5.xml><?xml version="1.0" encoding="utf-8"?>
+<file path=ppt/slides/slide51.xml><?xml version="1.0" encoding="utf-8"?>
 <p:sld xmlns:a="http://schemas.openxmlformats.org/drawingml/2006/main" xmlns:r="http://schemas.openxmlformats.org/officeDocument/2006/relationships" xmlns:p="http://schemas.openxmlformats.org/presentationml/2006/main">
   <p:cSld>
     <p:spTree>
@@ -34685,11 +33850,11 @@
           <a:p>
             <a:pPr marL="857250" indent="-857250">
               <a:buFont typeface="+mj-lt"/>
-              <a:buAutoNum type="romanUcPeriod"/>
+              <a:buAutoNum type="romanUcPeriod" startAt="8"/>
             </a:pPr>
             <a:r>
               <a:rPr lang="de-DE" b="1" dirty="0" smtClean="0"/>
-              <a:t>Motivation</a:t>
+              <a:t>Analyse</a:t>
             </a:r>
             <a:endParaRPr lang="de-DE" b="1" dirty="0"/>
           </a:p>
@@ -34707,67 +33872,60 @@
         </p:nvSpPr>
         <p:spPr/>
         <p:txBody>
-          <a:bodyPr>
-            <a:normAutofit/>
-          </a:bodyPr>
+          <a:bodyPr/>
           <a:lstStyle/>
           <a:p>
             <a:r>
+              <a:rPr lang="de-DE" dirty="0"/>
+              <a:t>&lt;&lt;</a:t>
+            </a:r>
+            <a:r>
               <a:rPr lang="de-DE" dirty="0" smtClean="0"/>
-              <a:t>Zweck der Seminararbeit:</a:t>
+              <a:t>Beide&gt;&gt;</a:t>
+            </a:r>
+          </a:p>
+          <a:p>
+            <a:r>
+              <a:rPr lang="de-DE" dirty="0" smtClean="0"/>
+              <a:t>Jeden Kurs einzeln</a:t>
+            </a:r>
+          </a:p>
+          <a:p>
+            <a:r>
+              <a:rPr lang="de-DE" dirty="0" smtClean="0"/>
+              <a:t>Analysierter Zeitraum</a:t>
             </a:r>
           </a:p>
           <a:p>
             <a:pPr lvl="1"/>
             <a:r>
               <a:rPr lang="de-DE" dirty="0" smtClean="0"/>
-              <a:t>Erstellung einer Anwendung  zur Prognose von Börsenkursen mittels KNN.</a:t>
-            </a:r>
-          </a:p>
-          <a:p>
-            <a:pPr lvl="2"/>
+              <a:t>Graph =&gt; Alle vom Dashboard</a:t>
+            </a:r>
+          </a:p>
+          <a:p>
             <a:r>
               <a:rPr lang="de-DE" dirty="0" smtClean="0"/>
-              <a:t>Fokus : Erlangen eines Grundverständnisses über Prognosen mittels KNN.</a:t>
-            </a:r>
-          </a:p>
-          <a:p>
-            <a:pPr lvl="2"/>
+              <a:t>MSE,…</a:t>
+            </a:r>
+          </a:p>
+          <a:p>
             <a:r>
               <a:rPr lang="de-DE" dirty="0" smtClean="0"/>
-              <a:t>Präzision der Prognosen sollte jedoch nicht vernachlässigt werden.</a:t>
-            </a:r>
-          </a:p>
-          <a:p>
-            <a:pPr lvl="2"/>
-            <a:endParaRPr lang="de-DE" dirty="0"/>
+              <a:t>Zu gering gut zu hoch</a:t>
+            </a:r>
           </a:p>
           <a:p>
             <a:r>
               <a:rPr lang="de-DE" dirty="0" smtClean="0"/>
-              <a:t>Die Anwendung soll in der Lage sein...</a:t>
-            </a:r>
-          </a:p>
-          <a:p>
-            <a:pPr lvl="1"/>
+              <a:t>Gute Prognosen wenn stabil</a:t>
+            </a:r>
+          </a:p>
+          <a:p>
             <a:r>
               <a:rPr lang="de-DE" dirty="0" smtClean="0"/>
-              <a:t>…den zukünftigen Kurs verschiedener Börsen prognostizieren zu können.</a:t>
-            </a:r>
-          </a:p>
-          <a:p>
-            <a:pPr lvl="1"/>
-            <a:r>
-              <a:rPr lang="de-DE" dirty="0" smtClean="0"/>
-              <a:t>…eine genaue statistische Analyse der Prognose liefern.</a:t>
-            </a:r>
-          </a:p>
-          <a:p>
-            <a:pPr lvl="1"/>
-            <a:endParaRPr lang="de-DE" sz="2000" dirty="0"/>
-          </a:p>
-          <a:p>
-            <a:endParaRPr lang="de-DE" dirty="0" smtClean="0"/>
+              <a:t>Jedoch noch nicht genau genug für Praxis</a:t>
+            </a:r>
           </a:p>
           <a:p>
             <a:endParaRPr lang="de-DE" dirty="0"/>
@@ -34792,7 +33950,7 @@
             <a:fld id="{7AC709DD-AC18-4FBA-B4E6-46DED743653E}" type="datetime1">
               <a:rPr lang="de-DE" smtClean="0"/>
               <a:pPr/>
-              <a:t>12.12.2015</a:t>
+              <a:t>17.12.2015</a:t>
             </a:fld>
             <a:endParaRPr lang="de-DE"/>
           </a:p>
@@ -34839,214 +33997,7 @@
             <a:fld id="{0E226D3C-400E-4353-AAC2-09A0472DC536}" type="slidenum">
               <a:rPr lang="de-DE" smtClean="0"/>
               <a:pPr/>
-              <a:t>4</a:t>
-            </a:fld>
-            <a:endParaRPr lang="de-DE" dirty="0"/>
-          </a:p>
-        </p:txBody>
-      </p:sp>
-    </p:spTree>
-    <p:extLst>
-      <p:ext uri="{BB962C8B-B14F-4D97-AF65-F5344CB8AC3E}">
-        <p14:creationId xmlns:p14="http://schemas.microsoft.com/office/powerpoint/2010/main" val="1352399409"/>
-      </p:ext>
-    </p:extLst>
-  </p:cSld>
-  <p:clrMapOvr>
-    <a:masterClrMapping/>
-  </p:clrMapOvr>
-  <p:timing>
-    <p:tnLst>
-      <p:par>
-        <p:cTn id="1" dur="indefinite" restart="never" nodeType="tmRoot"/>
-      </p:par>
-    </p:tnLst>
-  </p:timing>
-</p:sld>
-</file>
-
-<file path=ppt/slides/slide50.xml><?xml version="1.0" encoding="utf-8"?>
-<p:sld xmlns:a="http://schemas.openxmlformats.org/drawingml/2006/main" xmlns:r="http://schemas.openxmlformats.org/officeDocument/2006/relationships" xmlns:p="http://schemas.openxmlformats.org/presentationml/2006/main">
-  <p:cSld>
-    <p:spTree>
-      <p:nvGrpSpPr>
-        <p:cNvPr id="1" name=""/>
-        <p:cNvGrpSpPr/>
-        <p:nvPr/>
-      </p:nvGrpSpPr>
-      <p:grpSpPr>
-        <a:xfrm>
-          <a:off x="0" y="0"/>
-          <a:ext cx="0" cy="0"/>
-          <a:chOff x="0" y="0"/>
-          <a:chExt cx="0" cy="0"/>
-        </a:xfrm>
-      </p:grpSpPr>
-      <p:sp>
-        <p:nvSpPr>
-          <p:cNvPr id="2" name="Titel 1"/>
-          <p:cNvSpPr>
-            <a:spLocks noGrp="1"/>
-          </p:cNvSpPr>
-          <p:nvPr>
-            <p:ph type="title"/>
-          </p:nvPr>
-        </p:nvSpPr>
-        <p:spPr/>
-        <p:txBody>
-          <a:bodyPr/>
-          <a:lstStyle/>
-          <a:p>
-            <a:pPr marL="857250" indent="-857250">
-              <a:buFont typeface="+mj-lt"/>
-              <a:buAutoNum type="romanUcPeriod" startAt="8"/>
-            </a:pPr>
-            <a:r>
-              <a:rPr lang="de-DE" b="1" dirty="0" smtClean="0"/>
-              <a:t>Analyse</a:t>
-            </a:r>
-            <a:endParaRPr lang="de-DE" b="1" dirty="0"/>
-          </a:p>
-        </p:txBody>
-      </p:sp>
-      <p:sp>
-        <p:nvSpPr>
-          <p:cNvPr id="3" name="Inhaltsplatzhalter 2"/>
-          <p:cNvSpPr>
-            <a:spLocks noGrp="1"/>
-          </p:cNvSpPr>
-          <p:nvPr>
-            <p:ph idx="1"/>
-          </p:nvPr>
-        </p:nvSpPr>
-        <p:spPr/>
-        <p:txBody>
-          <a:bodyPr/>
-          <a:lstStyle/>
-          <a:p>
-            <a:r>
-              <a:rPr lang="de-DE" dirty="0"/>
-              <a:t>&lt;&lt;</a:t>
-            </a:r>
-            <a:r>
-              <a:rPr lang="de-DE" dirty="0" smtClean="0"/>
-              <a:t>Beide&gt;&gt;</a:t>
-            </a:r>
-          </a:p>
-          <a:p>
-            <a:r>
-              <a:rPr lang="de-DE" dirty="0" smtClean="0"/>
-              <a:t>Jeden Kurs einzeln</a:t>
-            </a:r>
-          </a:p>
-          <a:p>
-            <a:r>
-              <a:rPr lang="de-DE" dirty="0" smtClean="0"/>
-              <a:t>Analysierter Zeitraum</a:t>
-            </a:r>
-          </a:p>
-          <a:p>
-            <a:pPr lvl="1"/>
-            <a:r>
-              <a:rPr lang="de-DE" dirty="0" smtClean="0"/>
-              <a:t>Graph =&gt; Alle vom Dashboard</a:t>
-            </a:r>
-          </a:p>
-          <a:p>
-            <a:r>
-              <a:rPr lang="de-DE" dirty="0" smtClean="0"/>
-              <a:t>MSE,…</a:t>
-            </a:r>
-          </a:p>
-          <a:p>
-            <a:r>
-              <a:rPr lang="de-DE" dirty="0" smtClean="0"/>
-              <a:t>Zu gering gut zu hoch</a:t>
-            </a:r>
-          </a:p>
-          <a:p>
-            <a:r>
-              <a:rPr lang="de-DE" dirty="0" smtClean="0"/>
-              <a:t>Gute Prognosen wenn stabil</a:t>
-            </a:r>
-          </a:p>
-          <a:p>
-            <a:r>
-              <a:rPr lang="de-DE" dirty="0" smtClean="0"/>
-              <a:t>Jedoch noch nicht genau genug für Praxis</a:t>
-            </a:r>
-          </a:p>
-          <a:p>
-            <a:endParaRPr lang="de-DE" dirty="0"/>
-          </a:p>
-        </p:txBody>
-      </p:sp>
-      <p:sp>
-        <p:nvSpPr>
-          <p:cNvPr id="4" name="Datumsplatzhalter 3"/>
-          <p:cNvSpPr>
-            <a:spLocks noGrp="1"/>
-          </p:cNvSpPr>
-          <p:nvPr>
-            <p:ph type="dt" sz="half" idx="10"/>
-          </p:nvPr>
-        </p:nvSpPr>
-        <p:spPr/>
-        <p:txBody>
-          <a:bodyPr/>
-          <a:lstStyle/>
-          <a:p>
-            <a:fld id="{7AC709DD-AC18-4FBA-B4E6-46DED743653E}" type="datetime1">
-              <a:rPr lang="de-DE" smtClean="0"/>
-              <a:pPr/>
-              <a:t>12.12.2015</a:t>
-            </a:fld>
-            <a:endParaRPr lang="de-DE"/>
-          </a:p>
-        </p:txBody>
-      </p:sp>
-      <p:sp>
-        <p:nvSpPr>
-          <p:cNvPr id="5" name="Fußzeilenplatzhalter 4"/>
-          <p:cNvSpPr>
-            <a:spLocks noGrp="1"/>
-          </p:cNvSpPr>
-          <p:nvPr>
-            <p:ph type="ftr" sz="quarter" idx="11"/>
-          </p:nvPr>
-        </p:nvSpPr>
-        <p:spPr/>
-        <p:txBody>
-          <a:bodyPr/>
-          <a:lstStyle/>
-          <a:p>
-            <a:r>
-              <a:rPr lang="de-DE" smtClean="0"/>
-              <a:t>Fakultät Informatik             Sebastian Schötteler &amp; Benedikt Hofrichter</a:t>
-            </a:r>
-            <a:endParaRPr lang="de-DE" dirty="0"/>
-          </a:p>
-        </p:txBody>
-      </p:sp>
-      <p:sp>
-        <p:nvSpPr>
-          <p:cNvPr id="6" name="Foliennummernplatzhalter 5"/>
-          <p:cNvSpPr>
-            <a:spLocks noGrp="1"/>
-          </p:cNvSpPr>
-          <p:nvPr>
-            <p:ph type="sldNum" sz="quarter" idx="12"/>
-          </p:nvPr>
-        </p:nvSpPr>
-        <p:spPr/>
-        <p:txBody>
-          <a:bodyPr/>
-          <a:lstStyle/>
-          <a:p>
-            <a:fld id="{0E226D3C-400E-4353-AAC2-09A0472DC536}" type="slidenum">
-              <a:rPr lang="de-DE" smtClean="0"/>
-              <a:pPr/>
-              <a:t>49</a:t>
+              <a:t>50</a:t>
             </a:fld>
             <a:endParaRPr lang="de-DE" dirty="0"/>
           </a:p>
@@ -35072,7 +34023,7 @@
 </p:sld>
 </file>
 
-<file path=ppt/slides/slide51.xml><?xml version="1.0" encoding="utf-8"?>
+<file path=ppt/slides/slide52.xml><?xml version="1.0" encoding="utf-8"?>
 <p:sld xmlns:a="http://schemas.openxmlformats.org/drawingml/2006/main" xmlns:r="http://schemas.openxmlformats.org/officeDocument/2006/relationships" xmlns:p="http://schemas.openxmlformats.org/presentationml/2006/main">
   <p:cSld>
     <p:spTree>
@@ -35107,7 +34058,7 @@
             <a:fld id="{7AC709DD-AC18-4FBA-B4E6-46DED743653E}" type="datetime1">
               <a:rPr lang="de-DE" smtClean="0"/>
               <a:pPr/>
-              <a:t>12.12.2015</a:t>
+              <a:t>17.12.2015</a:t>
             </a:fld>
             <a:endParaRPr lang="de-DE"/>
           </a:p>
@@ -35154,7 +34105,7 @@
             <a:fld id="{0E226D3C-400E-4353-AAC2-09A0472DC536}" type="slidenum">
               <a:rPr lang="de-DE" smtClean="0"/>
               <a:pPr/>
-              <a:t>50</a:t>
+              <a:t>51</a:t>
             </a:fld>
             <a:endParaRPr lang="de-DE" dirty="0"/>
           </a:p>
@@ -35366,7 +34317,7 @@
 </p:sld>
 </file>
 
-<file path=ppt/slides/slide52.xml><?xml version="1.0" encoding="utf-8"?>
+<file path=ppt/slides/slide53.xml><?xml version="1.0" encoding="utf-8"?>
 <p:sld xmlns:a="http://schemas.openxmlformats.org/drawingml/2006/main" xmlns:r="http://schemas.openxmlformats.org/officeDocument/2006/relationships" xmlns:p="http://schemas.openxmlformats.org/presentationml/2006/main">
   <p:cSld>
     <p:spTree>
@@ -35541,7 +34492,7 @@
             <a:fld id="{7AC709DD-AC18-4FBA-B4E6-46DED743653E}" type="datetime1">
               <a:rPr lang="de-DE" smtClean="0"/>
               <a:pPr/>
-              <a:t>12.12.2015</a:t>
+              <a:t>17.12.2015</a:t>
             </a:fld>
             <a:endParaRPr lang="de-DE"/>
           </a:p>
@@ -35588,7 +34539,7 @@
             <a:fld id="{0E226D3C-400E-4353-AAC2-09A0472DC536}" type="slidenum">
               <a:rPr lang="de-DE" smtClean="0"/>
               <a:pPr/>
-              <a:t>51</a:t>
+              <a:t>52</a:t>
             </a:fld>
             <a:endParaRPr lang="de-DE" dirty="0"/>
           </a:p>
@@ -35638,210 +34589,6 @@
     <p:extLst>
       <p:ext uri="{BB962C8B-B14F-4D97-AF65-F5344CB8AC3E}">
         <p14:creationId xmlns:p14="http://schemas.microsoft.com/office/powerpoint/2010/main" val="3854880417"/>
-      </p:ext>
-    </p:extLst>
-  </p:cSld>
-  <p:clrMapOvr>
-    <a:masterClrMapping/>
-  </p:clrMapOvr>
-  <p:timing>
-    <p:tnLst>
-      <p:par>
-        <p:cTn id="1" dur="indefinite" restart="never" nodeType="tmRoot"/>
-      </p:par>
-    </p:tnLst>
-  </p:timing>
-</p:sld>
-</file>
-
-<file path=ppt/slides/slide53.xml><?xml version="1.0" encoding="utf-8"?>
-<p:sld xmlns:a="http://schemas.openxmlformats.org/drawingml/2006/main" xmlns:r="http://schemas.openxmlformats.org/officeDocument/2006/relationships" xmlns:p="http://schemas.openxmlformats.org/presentationml/2006/main">
-  <p:cSld>
-    <p:spTree>
-      <p:nvGrpSpPr>
-        <p:cNvPr id="1" name=""/>
-        <p:cNvGrpSpPr/>
-        <p:nvPr/>
-      </p:nvGrpSpPr>
-      <p:grpSpPr>
-        <a:xfrm>
-          <a:off x="0" y="0"/>
-          <a:ext cx="0" cy="0"/>
-          <a:chOff x="0" y="0"/>
-          <a:chExt cx="0" cy="0"/>
-        </a:xfrm>
-      </p:grpSpPr>
-      <p:sp>
-        <p:nvSpPr>
-          <p:cNvPr id="2" name="Titel 1"/>
-          <p:cNvSpPr>
-            <a:spLocks noGrp="1"/>
-          </p:cNvSpPr>
-          <p:nvPr>
-            <p:ph type="title"/>
-          </p:nvPr>
-        </p:nvSpPr>
-        <p:spPr/>
-        <p:txBody>
-          <a:bodyPr/>
-          <a:lstStyle/>
-          <a:p>
-            <a:pPr marL="857250" indent="-857250">
-              <a:buFont typeface="+mj-lt"/>
-              <a:buAutoNum type="romanUcPeriod" startAt="9"/>
-            </a:pPr>
-            <a:r>
-              <a:rPr lang="de-DE" b="1" dirty="0" smtClean="0"/>
-              <a:t>Fazit</a:t>
-            </a:r>
-            <a:endParaRPr lang="de-DE" b="1" dirty="0"/>
-          </a:p>
-        </p:txBody>
-      </p:sp>
-      <p:sp>
-        <p:nvSpPr>
-          <p:cNvPr id="3" name="Inhaltsplatzhalter 2"/>
-          <p:cNvSpPr>
-            <a:spLocks noGrp="1"/>
-          </p:cNvSpPr>
-          <p:nvPr>
-            <p:ph idx="1"/>
-          </p:nvPr>
-        </p:nvSpPr>
-        <p:spPr/>
-        <p:txBody>
-          <a:bodyPr>
-            <a:normAutofit/>
-          </a:bodyPr>
-          <a:lstStyle/>
-          <a:p>
-            <a:r>
-              <a:rPr lang="de-DE" dirty="0" smtClean="0"/>
-              <a:t>KNN als Ergänzung sinnvoll, nicht als alleiniges Prognoseintrument.</a:t>
-            </a:r>
-          </a:p>
-          <a:p>
-            <a:endParaRPr lang="de-DE" dirty="0"/>
-          </a:p>
-          <a:p>
-            <a:r>
-              <a:rPr lang="de-DE" dirty="0" smtClean="0"/>
-              <a:t>Anwendungen dieser Art bereits zahlreich auf dem Markt vorhanden:</a:t>
-            </a:r>
-          </a:p>
-          <a:p>
-            <a:pPr lvl="1"/>
-            <a:r>
-              <a:rPr lang="de-DE" dirty="0" smtClean="0"/>
-              <a:t>Neuroshell Trader</a:t>
-            </a:r>
-          </a:p>
-          <a:p>
-            <a:pPr lvl="1"/>
-            <a:r>
-              <a:rPr lang="de-DE" dirty="0" smtClean="0"/>
-              <a:t>Altredo</a:t>
-            </a:r>
-          </a:p>
-          <a:p>
-            <a:pPr lvl="1"/>
-            <a:r>
-              <a:rPr lang="de-DE" dirty="0" smtClean="0"/>
-              <a:t>…</a:t>
-            </a:r>
-          </a:p>
-          <a:p>
-            <a:pPr lvl="1"/>
-            <a:endParaRPr lang="de-DE" dirty="0"/>
-          </a:p>
-          <a:p>
-            <a:pPr lvl="1"/>
-            <a:endParaRPr lang="de-DE" dirty="0" smtClean="0"/>
-          </a:p>
-          <a:p>
-            <a:pPr lvl="1"/>
-            <a:endParaRPr lang="de-DE" dirty="0" smtClean="0"/>
-          </a:p>
-          <a:p>
-            <a:endParaRPr lang="de-DE" dirty="0" smtClean="0"/>
-          </a:p>
-        </p:txBody>
-      </p:sp>
-      <p:sp>
-        <p:nvSpPr>
-          <p:cNvPr id="4" name="Datumsplatzhalter 3"/>
-          <p:cNvSpPr>
-            <a:spLocks noGrp="1"/>
-          </p:cNvSpPr>
-          <p:nvPr>
-            <p:ph type="dt" sz="half" idx="10"/>
-          </p:nvPr>
-        </p:nvSpPr>
-        <p:spPr/>
-        <p:txBody>
-          <a:bodyPr/>
-          <a:lstStyle/>
-          <a:p>
-            <a:fld id="{7AC709DD-AC18-4FBA-B4E6-46DED743653E}" type="datetime1">
-              <a:rPr lang="de-DE" smtClean="0"/>
-              <a:pPr/>
-              <a:t>12.12.2015</a:t>
-            </a:fld>
-            <a:endParaRPr lang="de-DE"/>
-          </a:p>
-        </p:txBody>
-      </p:sp>
-      <p:sp>
-        <p:nvSpPr>
-          <p:cNvPr id="5" name="Fußzeilenplatzhalter 4"/>
-          <p:cNvSpPr>
-            <a:spLocks noGrp="1"/>
-          </p:cNvSpPr>
-          <p:nvPr>
-            <p:ph type="ftr" sz="quarter" idx="11"/>
-          </p:nvPr>
-        </p:nvSpPr>
-        <p:spPr/>
-        <p:txBody>
-          <a:bodyPr/>
-          <a:lstStyle/>
-          <a:p>
-            <a:r>
-              <a:rPr lang="de-DE" smtClean="0"/>
-              <a:t>Fakultät Informatik             Sebastian Schötteler &amp; Benedikt Hofrichter</a:t>
-            </a:r>
-            <a:endParaRPr lang="de-DE" dirty="0"/>
-          </a:p>
-        </p:txBody>
-      </p:sp>
-      <p:sp>
-        <p:nvSpPr>
-          <p:cNvPr id="6" name="Foliennummernplatzhalter 5"/>
-          <p:cNvSpPr>
-            <a:spLocks noGrp="1"/>
-          </p:cNvSpPr>
-          <p:nvPr>
-            <p:ph type="sldNum" sz="quarter" idx="12"/>
-          </p:nvPr>
-        </p:nvSpPr>
-        <p:spPr/>
-        <p:txBody>
-          <a:bodyPr/>
-          <a:lstStyle/>
-          <a:p>
-            <a:fld id="{0E226D3C-400E-4353-AAC2-09A0472DC536}" type="slidenum">
-              <a:rPr lang="de-DE" smtClean="0"/>
-              <a:pPr/>
-              <a:t>52</a:t>
-            </a:fld>
-            <a:endParaRPr lang="de-DE" dirty="0"/>
-          </a:p>
-        </p:txBody>
-      </p:sp>
-    </p:spTree>
-    <p:extLst>
-      <p:ext uri="{BB962C8B-B14F-4D97-AF65-F5344CB8AC3E}">
-        <p14:creationId xmlns:p14="http://schemas.microsoft.com/office/powerpoint/2010/main" val="2340749465"/>
       </p:ext>
     </p:extLst>
   </p:cSld>
@@ -35885,6 +34632,210 @@
             <p:ph type="title"/>
           </p:nvPr>
         </p:nvSpPr>
+        <p:spPr/>
+        <p:txBody>
+          <a:bodyPr/>
+          <a:lstStyle/>
+          <a:p>
+            <a:pPr marL="857250" indent="-857250">
+              <a:buFont typeface="+mj-lt"/>
+              <a:buAutoNum type="romanUcPeriod" startAt="9"/>
+            </a:pPr>
+            <a:r>
+              <a:rPr lang="de-DE" b="1" dirty="0" smtClean="0"/>
+              <a:t>Fazit</a:t>
+            </a:r>
+            <a:endParaRPr lang="de-DE" b="1" dirty="0"/>
+          </a:p>
+        </p:txBody>
+      </p:sp>
+      <p:sp>
+        <p:nvSpPr>
+          <p:cNvPr id="3" name="Inhaltsplatzhalter 2"/>
+          <p:cNvSpPr>
+            <a:spLocks noGrp="1"/>
+          </p:cNvSpPr>
+          <p:nvPr>
+            <p:ph idx="1"/>
+          </p:nvPr>
+        </p:nvSpPr>
+        <p:spPr/>
+        <p:txBody>
+          <a:bodyPr>
+            <a:normAutofit/>
+          </a:bodyPr>
+          <a:lstStyle/>
+          <a:p>
+            <a:r>
+              <a:rPr lang="de-DE" dirty="0" smtClean="0"/>
+              <a:t>KNN als Ergänzung sinnvoll, nicht als alleiniges Prognoseintrument.</a:t>
+            </a:r>
+          </a:p>
+          <a:p>
+            <a:endParaRPr lang="de-DE" dirty="0"/>
+          </a:p>
+          <a:p>
+            <a:r>
+              <a:rPr lang="de-DE" dirty="0" smtClean="0"/>
+              <a:t>Anwendungen dieser Art bereits zahlreich auf dem Markt vorhanden:</a:t>
+            </a:r>
+          </a:p>
+          <a:p>
+            <a:pPr lvl="1"/>
+            <a:r>
+              <a:rPr lang="de-DE" dirty="0" smtClean="0"/>
+              <a:t>Neuroshell Trader</a:t>
+            </a:r>
+          </a:p>
+          <a:p>
+            <a:pPr lvl="1"/>
+            <a:r>
+              <a:rPr lang="de-DE" dirty="0" smtClean="0"/>
+              <a:t>Altredo</a:t>
+            </a:r>
+          </a:p>
+          <a:p>
+            <a:pPr lvl="1"/>
+            <a:r>
+              <a:rPr lang="de-DE" dirty="0" smtClean="0"/>
+              <a:t>…</a:t>
+            </a:r>
+          </a:p>
+          <a:p>
+            <a:pPr lvl="1"/>
+            <a:endParaRPr lang="de-DE" dirty="0"/>
+          </a:p>
+          <a:p>
+            <a:pPr lvl="1"/>
+            <a:endParaRPr lang="de-DE" dirty="0" smtClean="0"/>
+          </a:p>
+          <a:p>
+            <a:pPr lvl="1"/>
+            <a:endParaRPr lang="de-DE" dirty="0" smtClean="0"/>
+          </a:p>
+          <a:p>
+            <a:endParaRPr lang="de-DE" dirty="0" smtClean="0"/>
+          </a:p>
+        </p:txBody>
+      </p:sp>
+      <p:sp>
+        <p:nvSpPr>
+          <p:cNvPr id="4" name="Datumsplatzhalter 3"/>
+          <p:cNvSpPr>
+            <a:spLocks noGrp="1"/>
+          </p:cNvSpPr>
+          <p:nvPr>
+            <p:ph type="dt" sz="half" idx="10"/>
+          </p:nvPr>
+        </p:nvSpPr>
+        <p:spPr/>
+        <p:txBody>
+          <a:bodyPr/>
+          <a:lstStyle/>
+          <a:p>
+            <a:fld id="{7AC709DD-AC18-4FBA-B4E6-46DED743653E}" type="datetime1">
+              <a:rPr lang="de-DE" smtClean="0"/>
+              <a:pPr/>
+              <a:t>17.12.2015</a:t>
+            </a:fld>
+            <a:endParaRPr lang="de-DE"/>
+          </a:p>
+        </p:txBody>
+      </p:sp>
+      <p:sp>
+        <p:nvSpPr>
+          <p:cNvPr id="5" name="Fußzeilenplatzhalter 4"/>
+          <p:cNvSpPr>
+            <a:spLocks noGrp="1"/>
+          </p:cNvSpPr>
+          <p:nvPr>
+            <p:ph type="ftr" sz="quarter" idx="11"/>
+          </p:nvPr>
+        </p:nvSpPr>
+        <p:spPr/>
+        <p:txBody>
+          <a:bodyPr/>
+          <a:lstStyle/>
+          <a:p>
+            <a:r>
+              <a:rPr lang="de-DE" smtClean="0"/>
+              <a:t>Fakultät Informatik             Sebastian Schötteler &amp; Benedikt Hofrichter</a:t>
+            </a:r>
+            <a:endParaRPr lang="de-DE" dirty="0"/>
+          </a:p>
+        </p:txBody>
+      </p:sp>
+      <p:sp>
+        <p:nvSpPr>
+          <p:cNvPr id="6" name="Foliennummernplatzhalter 5"/>
+          <p:cNvSpPr>
+            <a:spLocks noGrp="1"/>
+          </p:cNvSpPr>
+          <p:nvPr>
+            <p:ph type="sldNum" sz="quarter" idx="12"/>
+          </p:nvPr>
+        </p:nvSpPr>
+        <p:spPr/>
+        <p:txBody>
+          <a:bodyPr/>
+          <a:lstStyle/>
+          <a:p>
+            <a:fld id="{0E226D3C-400E-4353-AAC2-09A0472DC536}" type="slidenum">
+              <a:rPr lang="de-DE" smtClean="0"/>
+              <a:pPr/>
+              <a:t>53</a:t>
+            </a:fld>
+            <a:endParaRPr lang="de-DE" dirty="0"/>
+          </a:p>
+        </p:txBody>
+      </p:sp>
+    </p:spTree>
+    <p:extLst>
+      <p:ext uri="{BB962C8B-B14F-4D97-AF65-F5344CB8AC3E}">
+        <p14:creationId xmlns:p14="http://schemas.microsoft.com/office/powerpoint/2010/main" val="2340749465"/>
+      </p:ext>
+    </p:extLst>
+  </p:cSld>
+  <p:clrMapOvr>
+    <a:masterClrMapping/>
+  </p:clrMapOvr>
+  <p:timing>
+    <p:tnLst>
+      <p:par>
+        <p:cTn id="1" dur="indefinite" restart="never" nodeType="tmRoot"/>
+      </p:par>
+    </p:tnLst>
+  </p:timing>
+</p:sld>
+</file>
+
+<file path=ppt/slides/slide55.xml><?xml version="1.0" encoding="utf-8"?>
+<p:sld xmlns:a="http://schemas.openxmlformats.org/drawingml/2006/main" xmlns:r="http://schemas.openxmlformats.org/officeDocument/2006/relationships" xmlns:p="http://schemas.openxmlformats.org/presentationml/2006/main">
+  <p:cSld>
+    <p:spTree>
+      <p:nvGrpSpPr>
+        <p:cNvPr id="1" name=""/>
+        <p:cNvGrpSpPr/>
+        <p:nvPr/>
+      </p:nvGrpSpPr>
+      <p:grpSpPr>
+        <a:xfrm>
+          <a:off x="0" y="0"/>
+          <a:ext cx="0" cy="0"/>
+          <a:chOff x="0" y="0"/>
+          <a:chExt cx="0" cy="0"/>
+        </a:xfrm>
+      </p:grpSpPr>
+      <p:sp>
+        <p:nvSpPr>
+          <p:cNvPr id="2" name="Titel 1"/>
+          <p:cNvSpPr>
+            <a:spLocks noGrp="1"/>
+          </p:cNvSpPr>
+          <p:nvPr>
+            <p:ph type="title"/>
+          </p:nvPr>
+        </p:nvSpPr>
         <p:spPr>
           <a:xfrm>
             <a:off x="305364" y="2954981"/>
@@ -35929,7 +34880,7 @@
             <a:fld id="{7AC709DD-AC18-4FBA-B4E6-46DED743653E}" type="datetime1">
               <a:rPr lang="de-DE" smtClean="0"/>
               <a:pPr/>
-              <a:t>12.12.2015</a:t>
+              <a:t>17.12.2015</a:t>
             </a:fld>
             <a:endParaRPr lang="de-DE"/>
           </a:p>
@@ -35976,7 +34927,7 @@
             <a:fld id="{0E226D3C-400E-4353-AAC2-09A0472DC536}" type="slidenum">
               <a:rPr lang="de-DE" smtClean="0"/>
               <a:pPr/>
-              <a:t>53</a:t>
+              <a:t>54</a:t>
             </a:fld>
             <a:endParaRPr lang="de-DE" dirty="0"/>
           </a:p>
@@ -36074,7 +35025,7 @@
             <a:fld id="{7AC709DD-AC18-4FBA-B4E6-46DED743653E}" type="datetime1">
               <a:rPr lang="de-DE" smtClean="0"/>
               <a:pPr/>
-              <a:t>12.12.2015</a:t>
+              <a:t>17.12.2015</a:t>
             </a:fld>
             <a:endParaRPr lang="de-DE"/>
           </a:p>
@@ -36418,7 +35369,7 @@
             <a:fld id="{7AC709DD-AC18-4FBA-B4E6-46DED743653E}" type="datetime1">
               <a:rPr lang="de-DE" smtClean="0"/>
               <a:pPr/>
-              <a:t>12.12.2015</a:t>
+              <a:t>17.12.2015</a:t>
             </a:fld>
             <a:endParaRPr lang="de-DE"/>
           </a:p>
@@ -36526,7 +35477,7 @@
             <a:fld id="{7AC709DD-AC18-4FBA-B4E6-46DED743653E}" type="datetime1">
               <a:rPr lang="de-DE" smtClean="0"/>
               <a:pPr/>
-              <a:t>12.12.2015</a:t>
+              <a:t>17.12.2015</a:t>
             </a:fld>
             <a:endParaRPr lang="de-DE"/>
           </a:p>
@@ -37268,7 +36219,7 @@
             <a:fld id="{7AC709DD-AC18-4FBA-B4E6-46DED743653E}" type="datetime1">
               <a:rPr lang="de-DE" smtClean="0"/>
               <a:pPr/>
-              <a:t>12.12.2015</a:t>
+              <a:t>17.12.2015</a:t>
             </a:fld>
             <a:endParaRPr lang="de-DE"/>
           </a:p>

--- a/3b_Vortrag/Präsentation.pptx
+++ b/3b_Vortrag/Präsentation.pptx
@@ -1117,12 +1117,12 @@
   </dgm:ptLst>
   <dgm:cxnLst>
     <dgm:cxn modelId="{FD03F84F-EB2F-4D0C-B14C-4BAC6C14CECA}" type="presOf" srcId="{CF5CA275-FE80-462A-8AEB-CBFBBC94D665}" destId="{A281B430-CED6-47C0-9CC8-6AAEF82CFA41}" srcOrd="0" destOrd="0" presId="urn:microsoft.com/office/officeart/2005/8/layout/chevron1"/>
+    <dgm:cxn modelId="{E1A36DD9-A14A-4FE1-96CD-D9D4452E0243}" type="presOf" srcId="{DD7F36FC-F40E-4253-89EF-D034576446D4}" destId="{6D6BD3B1-FDF8-44BB-99F4-33A9A894F98B}" srcOrd="0" destOrd="0" presId="urn:microsoft.com/office/officeart/2005/8/layout/chevron1"/>
+    <dgm:cxn modelId="{82630183-6850-47AD-A80A-8B9F6D764D21}" srcId="{CF5CA275-FE80-462A-8AEB-CBFBBC94D665}" destId="{DD7F36FC-F40E-4253-89EF-D034576446D4}" srcOrd="1" destOrd="0" parTransId="{56AC5809-4958-4CE5-BEBA-E8A4DB16498F}" sibTransId="{97FCE202-CEBD-4A36-896B-690460B1A5B0}"/>
     <dgm:cxn modelId="{1F2F4A01-2DE2-4243-8762-6F23F41650FD}" srcId="{CF5CA275-FE80-462A-8AEB-CBFBBC94D665}" destId="{3AF56E40-F3D8-4A49-9A0B-5EF54C7658FD}" srcOrd="0" destOrd="0" parTransId="{C9232BE9-EB2C-4DF6-A966-9AD6B00D57F6}" sibTransId="{7A56F363-72EA-4FFB-BB5F-7C2043521FC3}"/>
+    <dgm:cxn modelId="{FC9F4226-26A5-4C87-8258-3805A1AF2FCD}" type="presOf" srcId="{3AF56E40-F3D8-4A49-9A0B-5EF54C7658FD}" destId="{53E4825B-3D66-406A-9713-5BB390890124}" srcOrd="0" destOrd="0" presId="urn:microsoft.com/office/officeart/2005/8/layout/chevron1"/>
     <dgm:cxn modelId="{EDF304CC-D1DB-4EC4-B762-FC2DA12484EB}" srcId="{CF5CA275-FE80-462A-8AEB-CBFBBC94D665}" destId="{DDB69E34-AF84-40D7-AA6F-C255B145739F}" srcOrd="2" destOrd="0" parTransId="{81336908-17DD-4294-B0B5-988352EC03D1}" sibTransId="{039F296E-0505-4EB8-9540-E516B0D75917}"/>
-    <dgm:cxn modelId="{82630183-6850-47AD-A80A-8B9F6D764D21}" srcId="{CF5CA275-FE80-462A-8AEB-CBFBBC94D665}" destId="{DD7F36FC-F40E-4253-89EF-D034576446D4}" srcOrd="1" destOrd="0" parTransId="{56AC5809-4958-4CE5-BEBA-E8A4DB16498F}" sibTransId="{97FCE202-CEBD-4A36-896B-690460B1A5B0}"/>
-    <dgm:cxn modelId="{E1A36DD9-A14A-4FE1-96CD-D9D4452E0243}" type="presOf" srcId="{DD7F36FC-F40E-4253-89EF-D034576446D4}" destId="{6D6BD3B1-FDF8-44BB-99F4-33A9A894F98B}" srcOrd="0" destOrd="0" presId="urn:microsoft.com/office/officeart/2005/8/layout/chevron1"/>
     <dgm:cxn modelId="{9A0B5275-09BB-4D0D-97EF-47757802DFB0}" type="presOf" srcId="{DDB69E34-AF84-40D7-AA6F-C255B145739F}" destId="{1759F37C-CE72-40A5-B310-ECFA8240AA69}" srcOrd="0" destOrd="0" presId="urn:microsoft.com/office/officeart/2005/8/layout/chevron1"/>
-    <dgm:cxn modelId="{FC9F4226-26A5-4C87-8258-3805A1AF2FCD}" type="presOf" srcId="{3AF56E40-F3D8-4A49-9A0B-5EF54C7658FD}" destId="{53E4825B-3D66-406A-9713-5BB390890124}" srcOrd="0" destOrd="0" presId="urn:microsoft.com/office/officeart/2005/8/layout/chevron1"/>
     <dgm:cxn modelId="{145F1155-463C-455B-9750-106730AD5107}" type="presParOf" srcId="{A281B430-CED6-47C0-9CC8-6AAEF82CFA41}" destId="{53E4825B-3D66-406A-9713-5BB390890124}" srcOrd="0" destOrd="0" presId="urn:microsoft.com/office/officeart/2005/8/layout/chevron1"/>
     <dgm:cxn modelId="{7116C5E6-7881-4FB2-BA16-600425F5EF32}" type="presParOf" srcId="{A281B430-CED6-47C0-9CC8-6AAEF82CFA41}" destId="{26F2C24D-CB43-4EE9-9D99-8BBFE1CBDA90}" srcOrd="1" destOrd="0" presId="urn:microsoft.com/office/officeart/2005/8/layout/chevron1"/>
     <dgm:cxn modelId="{D0DEB894-BDEA-4F79-9653-E4E09E3BEBFB}" type="presParOf" srcId="{A281B430-CED6-47C0-9CC8-6AAEF82CFA41}" destId="{6D6BD3B1-FDF8-44BB-99F4-33A9A894F98B}" srcOrd="2" destOrd="0" presId="urn:microsoft.com/office/officeart/2005/8/layout/chevron1"/>
@@ -2785,7 +2785,7 @@
             <a:fld id="{5120BD12-1583-495B-85C5-BFC7DD39358E}" type="datetimeFigureOut">
               <a:rPr lang="de-DE" smtClean="0"/>
               <a:pPr/>
-              <a:t>17.12.2015</a:t>
+              <a:t>18.12.2015</a:t>
             </a:fld>
             <a:endParaRPr lang="de-DE"/>
           </a:p>
@@ -5103,7 +5103,7 @@
             <a:fld id="{FEB60944-69D9-40E2-805F-52E6DDFC3E05}" type="datetime1">
               <a:rPr lang="de-DE" smtClean="0"/>
               <a:pPr/>
-              <a:t>17.12.2015</a:t>
+              <a:t>18.12.2015</a:t>
             </a:fld>
             <a:endParaRPr lang="de-DE"/>
           </a:p>
@@ -5296,7 +5296,7 @@
             <a:fld id="{43C6271B-4DF3-4799-BDC9-4973FE68CB18}" type="datetime1">
               <a:rPr lang="de-DE" smtClean="0"/>
               <a:pPr/>
-              <a:t>17.12.2015</a:t>
+              <a:t>18.12.2015</a:t>
             </a:fld>
             <a:endParaRPr lang="de-DE"/>
           </a:p>
@@ -5480,7 +5480,7 @@
             <a:fld id="{7AC709DD-AC18-4FBA-B4E6-46DED743653E}" type="datetime1">
               <a:rPr lang="de-DE" smtClean="0"/>
               <a:pPr/>
-              <a:t>17.12.2015</a:t>
+              <a:t>18.12.2015</a:t>
             </a:fld>
             <a:endParaRPr lang="de-DE"/>
           </a:p>
@@ -5739,7 +5739,7 @@
             <a:fld id="{F3A5CA38-DE03-43E0-AAE8-40DE9D126515}" type="datetime1">
               <a:rPr lang="de-DE" smtClean="0"/>
               <a:pPr/>
-              <a:t>17.12.2015</a:t>
+              <a:t>18.12.2015</a:t>
             </a:fld>
             <a:endParaRPr lang="de-DE"/>
           </a:p>
@@ -5984,7 +5984,7 @@
             <a:fld id="{11090321-36FA-45A6-9663-BC38008A0E9B}" type="datetime1">
               <a:rPr lang="de-DE" smtClean="0"/>
               <a:pPr/>
-              <a:t>17.12.2015</a:t>
+              <a:t>18.12.2015</a:t>
             </a:fld>
             <a:endParaRPr lang="de-DE"/>
           </a:p>
@@ -6364,7 +6364,7 @@
             <a:fld id="{256C77CD-8025-4CCE-8E91-02984A062E73}" type="datetime1">
               <a:rPr lang="de-DE" smtClean="0"/>
               <a:pPr/>
-              <a:t>17.12.2015</a:t>
+              <a:t>18.12.2015</a:t>
             </a:fld>
             <a:endParaRPr lang="de-DE"/>
           </a:p>
@@ -6495,7 +6495,7 @@
             <a:fld id="{613140FE-C567-4560-9D45-46486DBA67D5}" type="datetime1">
               <a:rPr lang="de-DE" smtClean="0"/>
               <a:pPr/>
-              <a:t>17.12.2015</a:t>
+              <a:t>18.12.2015</a:t>
             </a:fld>
             <a:endParaRPr lang="de-DE"/>
           </a:p>
@@ -6603,7 +6603,7 @@
             <a:fld id="{664489CE-C1E2-4395-A707-33A40D5C0A6A}" type="datetime1">
               <a:rPr lang="de-DE" smtClean="0"/>
               <a:pPr/>
-              <a:t>17.12.2015</a:t>
+              <a:t>18.12.2015</a:t>
             </a:fld>
             <a:endParaRPr lang="de-DE"/>
           </a:p>
@@ -6893,7 +6893,7 @@
             <a:fld id="{BE84FF2F-E5B7-4AEF-A728-DCB9E7CE66D1}" type="datetime1">
               <a:rPr lang="de-DE" smtClean="0"/>
               <a:pPr/>
-              <a:t>17.12.2015</a:t>
+              <a:t>18.12.2015</a:t>
             </a:fld>
             <a:endParaRPr lang="de-DE"/>
           </a:p>
@@ -7159,7 +7159,7 @@
             <a:fld id="{1C1C31E4-1EA5-4909-922A-9F42F675C505}" type="datetime1">
               <a:rPr lang="de-DE" smtClean="0"/>
               <a:pPr/>
-              <a:t>17.12.2015</a:t>
+              <a:t>18.12.2015</a:t>
             </a:fld>
             <a:endParaRPr lang="de-DE"/>
           </a:p>
@@ -7368,7 +7368,7 @@
             <a:fld id="{19652882-9BC8-4FD3-AB94-9F037815DBC2}" type="datetime1">
               <a:rPr lang="de-DE" smtClean="0"/>
               <a:pPr/>
-              <a:t>17.12.2015</a:t>
+              <a:t>18.12.2015</a:t>
             </a:fld>
             <a:endParaRPr lang="de-DE" dirty="0"/>
           </a:p>
@@ -8098,7 +8098,7 @@
             <a:fld id="{7AC709DD-AC18-4FBA-B4E6-46DED743653E}" type="datetime1">
               <a:rPr lang="de-DE" smtClean="0"/>
               <a:pPr/>
-              <a:t>17.12.2015</a:t>
+              <a:t>18.12.2015</a:t>
             </a:fld>
             <a:endParaRPr lang="de-DE"/>
           </a:p>
@@ -8854,13 +8854,8 @@
             <a:pPr lvl="2"/>
             <a:r>
               <a:rPr lang="de-DE" dirty="0" smtClean="0"/>
-              <a:t>Definition der linearen </a:t>
-            </a:r>
-            <a:r>
-              <a:rPr lang="de-DE" dirty="0" smtClean="0"/>
-              <a:t>Separierbarkeit. </a:t>
-            </a:r>
-            <a:endParaRPr lang="de-DE" dirty="0" smtClean="0"/>
+              <a:t>Definition der linearen Separierbarkeit. </a:t>
+            </a:r>
           </a:p>
           <a:p>
             <a:pPr lvl="2"/>
@@ -8873,21 +8868,8 @@
             <a:pPr lvl="2"/>
             <a:r>
               <a:rPr lang="de-DE" dirty="0" smtClean="0"/>
-              <a:t> </a:t>
-            </a:r>
-            <a:r>
-              <a:rPr lang="de-DE" dirty="0" smtClean="0"/>
-              <a:t>Konvergenz-Theorem von Rosenblatt </a:t>
-            </a:r>
-            <a:r>
-              <a:rPr lang="de-DE" dirty="0" smtClean="0"/>
-              <a:t>&amp; Theorem von </a:t>
-            </a:r>
-            <a:r>
-              <a:rPr lang="de-DE" dirty="0" smtClean="0"/>
-              <a:t>Kolmogorov.</a:t>
-            </a:r>
-            <a:endParaRPr lang="de-DE" dirty="0" smtClean="0"/>
+              <a:t> Konvergenz-Theorem von Rosenblatt &amp; Theorem von Kolmogorov.</a:t>
+            </a:r>
           </a:p>
         </p:txBody>
       </p:sp>
@@ -8909,7 +8891,7 @@
             <a:fld id="{7AC709DD-AC18-4FBA-B4E6-46DED743653E}" type="datetime1">
               <a:rPr lang="de-DE" smtClean="0"/>
               <a:pPr/>
-              <a:t>17.12.2015</a:t>
+              <a:t>18.12.2015</a:t>
             </a:fld>
             <a:endParaRPr lang="de-DE"/>
           </a:p>
@@ -9664,8 +9646,8 @@
           </a:p>
         </p:txBody>
       </p:sp>
-      <mc:AlternateContent xmlns:mc="http://schemas.openxmlformats.org/markup-compatibility/2006">
-        <mc:Choice xmlns:a14="http://schemas.microsoft.com/office/drawing/2010/main" Requires="a14">
+      <mc:AlternateContent xmlns:mc="http://schemas.openxmlformats.org/markup-compatibility/2006" xmlns:a14="http://schemas.microsoft.com/office/drawing/2010/main">
+        <mc:Choice Requires="a14">
           <p:sp>
             <p:nvSpPr>
               <p:cNvPr id="3" name="Inhaltsplatzhalter 2"/>
@@ -9697,13 +9679,8 @@
                 <a:pPr lvl="1"/>
                 <a:r>
                   <a:rPr lang="de-DE" sz="2600" dirty="0" smtClean="0"/>
-                  <a:t>Definition der linearen Separierbarkeit</a:t>
+                  <a:t>Definition der linearen Separierbarkeit:</a:t>
                 </a:r>
-                <a:r>
-                  <a:rPr lang="de-DE" sz="2600" dirty="0" smtClean="0"/>
-                  <a:t>:</a:t>
-                </a:r>
-                <a:endParaRPr lang="de-DE" sz="2600" dirty="0" smtClean="0"/>
               </a:p>
               <a:p>
                 <a:pPr marL="457200" lvl="1" indent="0">
@@ -9711,11 +9688,7 @@
                 </a:pPr>
                 <a:r>
                   <a:rPr lang="de-DE" dirty="0" smtClean="0"/>
-                  <a:t>Seien</a:t>
-                </a:r>
-                <a:r>
-                  <a:rPr lang="de-DE" dirty="0" smtClean="0"/>
-                  <a:t> </a:t>
+                  <a:t>Seien </a:t>
                 </a:r>
                 <a14:m>
                   <m:oMath xmlns:m="http://schemas.openxmlformats.org/officeDocument/2006/math">
@@ -10015,7 +9988,6 @@
                   <a:rPr lang="de-DE" dirty="0" smtClean="0"/>
                   <a:t> die folgende Ungleichung erfüllt ist:</a:t>
                 </a:r>
-                <a:endParaRPr lang="de-DE" dirty="0" smtClean="0"/>
               </a:p>
               <a:p>
                 <a:pPr marL="457200" lvl="1" indent="0">
@@ -10258,7 +10230,7 @@
             </p:txBody>
           </p:sp>
         </mc:Choice>
-        <mc:Fallback>
+        <mc:Fallback xmlns="">
           <p:sp>
             <p:nvSpPr>
               <p:cNvPr id="3" name="Inhaltsplatzhalter 2"/>
@@ -10478,7 +10450,7 @@
             <a:fld id="{7AC709DD-AC18-4FBA-B4E6-46DED743653E}" type="datetime1">
               <a:rPr lang="de-DE" smtClean="0"/>
               <a:pPr/>
-              <a:t>17.12.2015</a:t>
+              <a:t>18.12.2015</a:t>
             </a:fld>
             <a:endParaRPr lang="de-DE"/>
           </a:p>
@@ -10716,7 +10688,7 @@
             <a:fld id="{7AC709DD-AC18-4FBA-B4E6-46DED743653E}" type="datetime1">
               <a:rPr lang="de-DE" smtClean="0"/>
               <a:pPr/>
-              <a:t>17.12.2015</a:t>
+              <a:t>18.12.2015</a:t>
             </a:fld>
             <a:endParaRPr lang="de-DE"/>
           </a:p>
@@ -12828,7 +12800,7 @@
             <a:fld id="{7AC709DD-AC18-4FBA-B4E6-46DED743653E}" type="datetime1">
               <a:rPr lang="de-DE" smtClean="0"/>
               <a:pPr/>
-              <a:t>17.12.2015</a:t>
+              <a:t>18.12.2015</a:t>
             </a:fld>
             <a:endParaRPr lang="de-DE"/>
           </a:p>
@@ -13115,7 +13087,7 @@
             <a:fld id="{7AC709DD-AC18-4FBA-B4E6-46DED743653E}" type="datetime1">
               <a:rPr lang="de-DE" smtClean="0"/>
               <a:pPr/>
-              <a:t>17.12.2015</a:t>
+              <a:t>18.12.2015</a:t>
             </a:fld>
             <a:endParaRPr lang="de-DE"/>
           </a:p>
@@ -13497,7 +13469,7 @@
             <a:fld id="{7AC709DD-AC18-4FBA-B4E6-46DED743653E}" type="datetime1">
               <a:rPr lang="de-DE" smtClean="0"/>
               <a:pPr/>
-              <a:t>17.12.2015</a:t>
+              <a:t>18.12.2015</a:t>
             </a:fld>
             <a:endParaRPr lang="de-DE"/>
           </a:p>
@@ -14081,7 +14053,7 @@
             <a:fld id="{7AC709DD-AC18-4FBA-B4E6-46DED743653E}" type="datetime1">
               <a:rPr lang="de-DE" smtClean="0"/>
               <a:pPr/>
-              <a:t>17.12.2015</a:t>
+              <a:t>18.12.2015</a:t>
             </a:fld>
             <a:endParaRPr lang="de-DE"/>
           </a:p>
@@ -14590,7 +14562,7 @@
             <a:fld id="{7AC709DD-AC18-4FBA-B4E6-46DED743653E}" type="datetime1">
               <a:rPr lang="de-DE" smtClean="0"/>
               <a:pPr/>
-              <a:t>17.12.2015</a:t>
+              <a:t>18.12.2015</a:t>
             </a:fld>
             <a:endParaRPr lang="de-DE"/>
           </a:p>
@@ -14721,7 +14693,7 @@
             <a:fld id="{7AC709DD-AC18-4FBA-B4E6-46DED743653E}" type="datetime1">
               <a:rPr lang="de-DE" smtClean="0"/>
               <a:pPr/>
-              <a:t>17.12.2015</a:t>
+              <a:t>18.12.2015</a:t>
             </a:fld>
             <a:endParaRPr lang="de-DE"/>
           </a:p>
@@ -15064,7 +15036,7 @@
             <a:fld id="{7AC709DD-AC18-4FBA-B4E6-46DED743653E}" type="datetime1">
               <a:rPr lang="de-DE" smtClean="0"/>
               <a:pPr/>
-              <a:t>17.12.2015</a:t>
+              <a:t>18.12.2015</a:t>
             </a:fld>
             <a:endParaRPr lang="de-DE"/>
           </a:p>
@@ -15245,7 +15217,7 @@
             <a:fld id="{7AC709DD-AC18-4FBA-B4E6-46DED743653E}" type="datetime1">
               <a:rPr lang="de-DE" smtClean="0"/>
               <a:pPr/>
-              <a:t>17.12.2015</a:t>
+              <a:t>18.12.2015</a:t>
             </a:fld>
             <a:endParaRPr lang="de-DE"/>
           </a:p>
@@ -15432,8 +15404,8 @@
           </a:p>
         </p:txBody>
       </p:sp>
-      <mc:AlternateContent xmlns:mc="http://schemas.openxmlformats.org/markup-compatibility/2006">
-        <mc:Choice xmlns:a14="http://schemas.microsoft.com/office/drawing/2010/main" Requires="a14">
+      <mc:AlternateContent xmlns:mc="http://schemas.openxmlformats.org/markup-compatibility/2006" xmlns:a14="http://schemas.microsoft.com/office/drawing/2010/main">
+        <mc:Choice Requires="a14">
           <p:sp>
             <p:nvSpPr>
               <p:cNvPr id="3" name="Inhaltsplatzhalter 2"/>
@@ -15482,11 +15454,7 @@
                 </a14:m>
                 <a:r>
                   <a:rPr lang="de-DE" dirty="0" smtClean="0"/>
-                  <a:t> Overfitting </a:t>
-                </a:r>
-                <a:r>
-                  <a:rPr lang="de-DE" dirty="0" smtClean="0"/>
-                  <a:t>vermeiden </a:t>
+                  <a:t> Overfitting vermeiden </a:t>
                 </a:r>
                 <a14:m>
                   <m:oMath xmlns:m="http://schemas.openxmlformats.org/officeDocument/2006/math">
@@ -15503,7 +15471,6 @@
                   <a:rPr lang="de-DE" dirty="0" smtClean="0"/>
                   <a:t> mangelnde Gen-F.   </a:t>
                 </a:r>
-                <a:endParaRPr lang="de-DE" dirty="0" smtClean="0"/>
               </a:p>
               <a:p>
                 <a:pPr lvl="2"/>
@@ -15819,7 +15786,7 @@
             </p:txBody>
           </p:sp>
         </mc:Choice>
-        <mc:Fallback>
+        <mc:Fallback xmlns="">
           <p:sp>
             <p:nvSpPr>
               <p:cNvPr id="3" name="Inhaltsplatzhalter 2"/>
@@ -16096,7 +16063,7 @@
             <a:fld id="{7AC709DD-AC18-4FBA-B4E6-46DED743653E}" type="datetime1">
               <a:rPr lang="de-DE" smtClean="0"/>
               <a:pPr/>
-              <a:t>17.12.2015</a:t>
+              <a:t>18.12.2015</a:t>
             </a:fld>
             <a:endParaRPr lang="de-DE"/>
           </a:p>
@@ -16302,11 +16269,7 @@
             <a:pPr lvl="2"/>
             <a:r>
               <a:rPr lang="de-DE" sz="2800" dirty="0" smtClean="0"/>
-              <a:t>Differenz </a:t>
-            </a:r>
-            <a:r>
-              <a:rPr lang="de-DE" sz="2800" dirty="0" smtClean="0"/>
-              <a:t>wird gebildet und zum „trainieren“ des Netzes genutzt.</a:t>
+              <a:t>Differenz wird gebildet und zum „trainieren“ des Netzes genutzt.</a:t>
             </a:r>
           </a:p>
           <a:p>
@@ -16395,7 +16358,7 @@
             <a:fld id="{7AC709DD-AC18-4FBA-B4E6-46DED743653E}" type="datetime1">
               <a:rPr lang="de-DE" smtClean="0"/>
               <a:pPr/>
-              <a:t>17.12.2015</a:t>
+              <a:t>18.12.2015</a:t>
             </a:fld>
             <a:endParaRPr lang="de-DE"/>
           </a:p>
@@ -16586,11 +16549,7 @@
             <a:pPr lvl="1"/>
             <a:r>
               <a:rPr lang="de-DE" sz="3400" dirty="0" smtClean="0"/>
-              <a:t>Bestärkendes </a:t>
-            </a:r>
-            <a:r>
-              <a:rPr lang="de-DE" sz="3400" dirty="0" smtClean="0"/>
-              <a:t>Lernen</a:t>
+              <a:t>Bestärkendes Lernen</a:t>
             </a:r>
           </a:p>
           <a:p>
@@ -16838,8 +16797,8 @@
           </a:p>
         </p:txBody>
       </p:sp>
-      <mc:AlternateContent xmlns:mc="http://schemas.openxmlformats.org/markup-compatibility/2006">
-        <mc:Choice xmlns:a14="http://schemas.microsoft.com/office/drawing/2010/main" Requires="a14">
+      <mc:AlternateContent xmlns:mc="http://schemas.openxmlformats.org/markup-compatibility/2006" xmlns:a14="http://schemas.microsoft.com/office/drawing/2010/main">
+        <mc:Choice Requires="a14">
           <p:sp>
             <p:nvSpPr>
               <p:cNvPr id="3" name="Inhaltsplatzhalter 2"/>
@@ -17123,7 +17082,7 @@
             </p:txBody>
           </p:sp>
         </mc:Choice>
-        <mc:Fallback>
+        <mc:Fallback xmlns="">
           <p:sp>
             <p:nvSpPr>
               <p:cNvPr id="3" name="Inhaltsplatzhalter 2"/>
@@ -17607,7 +17566,7 @@
             <a:fld id="{7AC709DD-AC18-4FBA-B4E6-46DED743653E}" type="datetime1">
               <a:rPr lang="de-DE" smtClean="0"/>
               <a:pPr/>
-              <a:t>17.12.2015</a:t>
+              <a:t>18.12.2015</a:t>
             </a:fld>
             <a:endParaRPr lang="de-DE"/>
           </a:p>
@@ -17951,7 +17910,7 @@
             <a:fld id="{7AC709DD-AC18-4FBA-B4E6-46DED743653E}" type="datetime1">
               <a:rPr lang="de-DE" smtClean="0"/>
               <a:pPr/>
-              <a:t>17.12.2015</a:t>
+              <a:t>18.12.2015</a:t>
             </a:fld>
             <a:endParaRPr lang="de-DE"/>
           </a:p>
@@ -18059,7 +18018,7 @@
             <a:fld id="{7AC709DD-AC18-4FBA-B4E6-46DED743653E}" type="datetime1">
               <a:rPr lang="de-DE" smtClean="0"/>
               <a:pPr/>
-              <a:t>17.12.2015</a:t>
+              <a:t>18.12.2015</a:t>
             </a:fld>
             <a:endParaRPr lang="de-DE"/>
           </a:p>
@@ -18353,7 +18312,7 @@
             <a:fld id="{7AC709DD-AC18-4FBA-B4E6-46DED743653E}" type="datetime1">
               <a:rPr lang="de-DE" smtClean="0"/>
               <a:pPr/>
-              <a:t>17.12.2015</a:t>
+              <a:t>18.12.2015</a:t>
             </a:fld>
             <a:endParaRPr lang="de-DE"/>
           </a:p>
@@ -18673,13 +18632,8 @@
           <a:p>
             <a:r>
               <a:rPr lang="de-DE" dirty="0" smtClean="0"/>
-              <a:t>Umsetzung mit </a:t>
-            </a:r>
-            <a:r>
-              <a:rPr lang="de-DE" dirty="0" smtClean="0"/>
-              <a:t>Neuroph Studio </a:t>
-            </a:r>
-            <a:endParaRPr lang="de-DE" dirty="0" smtClean="0"/>
+              <a:t>Umsetzung mit Neuroph Studio </a:t>
+            </a:r>
           </a:p>
           <a:p>
             <a:pPr marL="457200" lvl="1" indent="0">
@@ -18745,7 +18699,7 @@
             <a:fld id="{7AC709DD-AC18-4FBA-B4E6-46DED743653E}" type="datetime1">
               <a:rPr lang="de-DE" smtClean="0"/>
               <a:pPr/>
-              <a:t>17.12.2015</a:t>
+              <a:t>18.12.2015</a:t>
             </a:fld>
             <a:endParaRPr lang="de-DE"/>
           </a:p>
@@ -19021,7 +18975,7 @@
             <a:fld id="{7AC709DD-AC18-4FBA-B4E6-46DED743653E}" type="datetime1">
               <a:rPr lang="de-DE" smtClean="0"/>
               <a:pPr/>
-              <a:t>17.12.2015</a:t>
+              <a:t>18.12.2015</a:t>
             </a:fld>
             <a:endParaRPr lang="de-DE"/>
           </a:p>
@@ -19449,7 +19403,7 @@
             <a:fld id="{7AC709DD-AC18-4FBA-B4E6-46DED743653E}" type="datetime1">
               <a:rPr lang="de-DE" smtClean="0"/>
               <a:pPr/>
-              <a:t>17.12.2015</a:t>
+              <a:t>18.12.2015</a:t>
             </a:fld>
             <a:endParaRPr lang="de-DE"/>
           </a:p>
@@ -20027,7 +19981,7 @@
             <a:fld id="{7AC709DD-AC18-4FBA-B4E6-46DED743653E}" type="datetime1">
               <a:rPr lang="de-DE" smtClean="0"/>
               <a:pPr/>
-              <a:t>17.12.2015</a:t>
+              <a:t>18.12.2015</a:t>
             </a:fld>
             <a:endParaRPr lang="de-DE"/>
           </a:p>
@@ -20080,8 +20034,8 @@
           </a:p>
         </p:txBody>
       </p:sp>
-      <mc:AlternateContent xmlns:mc="http://schemas.openxmlformats.org/markup-compatibility/2006">
-        <mc:Choice xmlns:a14="http://schemas.microsoft.com/office/drawing/2010/main" Requires="a14">
+      <mc:AlternateContent xmlns:mc="http://schemas.openxmlformats.org/markup-compatibility/2006" xmlns:a14="http://schemas.microsoft.com/office/drawing/2010/main">
+        <mc:Choice Requires="a14">
           <p:sp>
             <p:nvSpPr>
               <p:cNvPr id="7" name="Textfeld 6"/>
@@ -20287,7 +20241,7 @@
             </p:txBody>
           </p:sp>
         </mc:Choice>
-        <mc:Fallback>
+        <mc:Fallback xmlns="">
           <p:sp>
             <p:nvSpPr>
               <p:cNvPr id="7" name="Textfeld 6"/>
@@ -21139,8 +21093,8 @@
           </a:p>
         </p:txBody>
       </p:sp>
-      <mc:AlternateContent xmlns:mc="http://schemas.openxmlformats.org/markup-compatibility/2006">
-        <mc:Choice xmlns:a14="http://schemas.microsoft.com/office/drawing/2010/main" Requires="a14">
+      <mc:AlternateContent xmlns:mc="http://schemas.openxmlformats.org/markup-compatibility/2006" xmlns:a14="http://schemas.microsoft.com/office/drawing/2010/main">
+        <mc:Choice Requires="a14">
           <p:sp>
             <p:nvSpPr>
               <p:cNvPr id="3" name="Inhaltsplatzhalter 2"/>
@@ -21206,7 +21160,6 @@
                   <a:rPr lang="de-DE" dirty="0" smtClean="0"/>
                   <a:t> Schnellere Konvergenz.</a:t>
                 </a:r>
-                <a:endParaRPr lang="de-DE" dirty="0" smtClean="0"/>
               </a:p>
               <a:p>
                 <a:pPr marL="0" indent="0">
@@ -21262,7 +21215,7 @@
             </p:txBody>
           </p:sp>
         </mc:Choice>
-        <mc:Fallback>
+        <mc:Fallback xmlns="">
           <p:sp>
             <p:nvSpPr>
               <p:cNvPr id="3" name="Inhaltsplatzhalter 2"/>
@@ -21314,7 +21267,7 @@
             <a:fld id="{7AC709DD-AC18-4FBA-B4E6-46DED743653E}" type="datetime1">
               <a:rPr lang="de-DE" smtClean="0"/>
               <a:pPr/>
-              <a:t>17.12.2015</a:t>
+              <a:t>18.12.2015</a:t>
             </a:fld>
             <a:endParaRPr lang="de-DE"/>
           </a:p>
@@ -23200,7 +23153,7 @@
             <a:fld id="{7AC709DD-AC18-4FBA-B4E6-46DED743653E}" type="datetime1">
               <a:rPr lang="de-DE" smtClean="0"/>
               <a:pPr/>
-              <a:t>17.12.2015</a:t>
+              <a:t>18.12.2015</a:t>
             </a:fld>
             <a:endParaRPr lang="de-DE"/>
           </a:p>
@@ -25118,7 +25071,7 @@
             <a:fld id="{7AC709DD-AC18-4FBA-B4E6-46DED743653E}" type="datetime1">
               <a:rPr lang="de-DE" smtClean="0"/>
               <a:pPr/>
-              <a:t>17.12.2015</a:t>
+              <a:t>18.12.2015</a:t>
             </a:fld>
             <a:endParaRPr lang="de-DE"/>
           </a:p>
@@ -25871,7 +25824,7 @@
             <a:fld id="{7AC709DD-AC18-4FBA-B4E6-46DED743653E}" type="datetime1">
               <a:rPr lang="de-DE" smtClean="0"/>
               <a:pPr/>
-              <a:t>17.12.2015</a:t>
+              <a:t>18.12.2015</a:t>
             </a:fld>
             <a:endParaRPr lang="de-DE"/>
           </a:p>
@@ -26637,7 +26590,7 @@
             <a:fld id="{7AC709DD-AC18-4FBA-B4E6-46DED743653E}" type="datetime1">
               <a:rPr lang="de-DE" smtClean="0"/>
               <a:pPr/>
-              <a:t>17.12.2015</a:t>
+              <a:t>18.12.2015</a:t>
             </a:fld>
             <a:endParaRPr lang="de-DE"/>
           </a:p>
@@ -27640,7 +27593,7 @@
             <a:fld id="{7AC709DD-AC18-4FBA-B4E6-46DED743653E}" type="datetime1">
               <a:rPr lang="de-DE" smtClean="0"/>
               <a:pPr/>
-              <a:t>17.12.2015</a:t>
+              <a:t>18.12.2015</a:t>
             </a:fld>
             <a:endParaRPr lang="de-DE"/>
           </a:p>
@@ -28673,7 +28626,7 @@
             <a:fld id="{7AC709DD-AC18-4FBA-B4E6-46DED743653E}" type="datetime1">
               <a:rPr lang="de-DE" smtClean="0"/>
               <a:pPr/>
-              <a:t>17.12.2015</a:t>
+              <a:t>18.12.2015</a:t>
             </a:fld>
             <a:endParaRPr lang="de-DE"/>
           </a:p>
@@ -28790,8 +28743,8 @@
           </a:p>
         </p:txBody>
       </p:sp>
-      <mc:AlternateContent xmlns:mc="http://schemas.openxmlformats.org/markup-compatibility/2006">
-        <mc:Choice xmlns:a14="http://schemas.microsoft.com/office/drawing/2010/main" Requires="a14">
+      <mc:AlternateContent xmlns:mc="http://schemas.openxmlformats.org/markup-compatibility/2006" xmlns:a14="http://schemas.microsoft.com/office/drawing/2010/main">
+        <mc:Choice Requires="a14">
           <p:sp>
             <p:nvSpPr>
               <p:cNvPr id="3" name="Inhaltsplatzhalter 2"/>
@@ -29278,7 +29231,7 @@
             </p:txBody>
           </p:sp>
         </mc:Choice>
-        <mc:Fallback>
+        <mc:Fallback xmlns="">
           <p:sp>
             <p:nvSpPr>
               <p:cNvPr id="3" name="Inhaltsplatzhalter 2"/>
@@ -29447,8 +29400,8 @@
           </a:p>
         </p:txBody>
       </p:sp>
-      <mc:AlternateContent xmlns:mc="http://schemas.openxmlformats.org/markup-compatibility/2006">
-        <mc:Choice xmlns:a14="http://schemas.microsoft.com/office/drawing/2010/main" Requires="a14">
+      <mc:AlternateContent xmlns:mc="http://schemas.openxmlformats.org/markup-compatibility/2006" xmlns:a14="http://schemas.microsoft.com/office/drawing/2010/main">
+        <mc:Choice Requires="a14">
           <p:sp>
             <p:nvSpPr>
               <p:cNvPr id="3" name="Inhaltsplatzhalter 2"/>
@@ -30262,7 +30215,7 @@
             </p:txBody>
           </p:sp>
         </mc:Choice>
-        <mc:Fallback>
+        <mc:Fallback xmlns="">
           <p:sp>
             <p:nvSpPr>
               <p:cNvPr id="3" name="Inhaltsplatzhalter 2"/>
@@ -30559,7 +30512,7 @@
             <a:fld id="{7AC709DD-AC18-4FBA-B4E6-46DED743653E}" type="datetime1">
               <a:rPr lang="de-DE" smtClean="0"/>
               <a:pPr/>
-              <a:t>17.12.2015</a:t>
+              <a:t>18.12.2015</a:t>
             </a:fld>
             <a:endParaRPr lang="de-DE"/>
           </a:p>
@@ -30791,7 +30744,7 @@
             <a:fld id="{7AC709DD-AC18-4FBA-B4E6-46DED743653E}" type="datetime1">
               <a:rPr lang="de-DE" smtClean="0"/>
               <a:pPr/>
-              <a:t>17.12.2015</a:t>
+              <a:t>18.12.2015</a:t>
             </a:fld>
             <a:endParaRPr lang="de-DE"/>
           </a:p>
@@ -31385,7 +31338,7 @@
             <a:fld id="{7AC709DD-AC18-4FBA-B4E6-46DED743653E}" type="datetime1">
               <a:rPr lang="de-DE" smtClean="0"/>
               <a:pPr/>
-              <a:t>17.12.2015</a:t>
+              <a:t>18.12.2015</a:t>
             </a:fld>
             <a:endParaRPr lang="de-DE"/>
           </a:p>
@@ -31974,7 +31927,7 @@
             <a:fld id="{7AC709DD-AC18-4FBA-B4E6-46DED743653E}" type="datetime1">
               <a:rPr lang="de-DE" smtClean="0"/>
               <a:pPr/>
-              <a:t>17.12.2015</a:t>
+              <a:t>18.12.2015</a:t>
             </a:fld>
             <a:endParaRPr lang="de-DE"/>
           </a:p>
@@ -32439,7 +32392,7 @@
             <a:fld id="{7AC709DD-AC18-4FBA-B4E6-46DED743653E}" type="datetime1">
               <a:rPr lang="de-DE" smtClean="0"/>
               <a:pPr/>
-              <a:t>17.12.2015</a:t>
+              <a:t>18.12.2015</a:t>
             </a:fld>
             <a:endParaRPr lang="de-DE"/>
           </a:p>
@@ -32783,7 +32736,7 @@
             <a:fld id="{7AC709DD-AC18-4FBA-B4E6-46DED743653E}" type="datetime1">
               <a:rPr lang="de-DE" smtClean="0"/>
               <a:pPr/>
-              <a:t>17.12.2015</a:t>
+              <a:t>18.12.2015</a:t>
             </a:fld>
             <a:endParaRPr lang="de-DE"/>
           </a:p>
@@ -32891,7 +32844,7 @@
             <a:fld id="{7AC709DD-AC18-4FBA-B4E6-46DED743653E}" type="datetime1">
               <a:rPr lang="de-DE" smtClean="0"/>
               <a:pPr/>
-              <a:t>17.12.2015</a:t>
+              <a:t>18.12.2015</a:t>
             </a:fld>
             <a:endParaRPr lang="de-DE"/>
           </a:p>
@@ -33235,7 +33188,7 @@
             <a:fld id="{7AC709DD-AC18-4FBA-B4E6-46DED743653E}" type="datetime1">
               <a:rPr lang="de-DE" smtClean="0"/>
               <a:pPr/>
-              <a:t>17.12.2015</a:t>
+              <a:t>18.12.2015</a:t>
             </a:fld>
             <a:endParaRPr lang="de-DE"/>
           </a:p>
@@ -33449,7 +33402,7 @@
             <a:fld id="{7AC709DD-AC18-4FBA-B4E6-46DED743653E}" type="datetime1">
               <a:rPr lang="de-DE" smtClean="0"/>
               <a:pPr/>
-              <a:t>17.12.2015</a:t>
+              <a:t>18.12.2015</a:t>
             </a:fld>
             <a:endParaRPr lang="de-DE"/>
           </a:p>
@@ -33557,7 +33510,7 @@
             <a:fld id="{7AC709DD-AC18-4FBA-B4E6-46DED743653E}" type="datetime1">
               <a:rPr lang="de-DE" smtClean="0"/>
               <a:pPr/>
-              <a:t>17.12.2015</a:t>
+              <a:t>18.12.2015</a:t>
             </a:fld>
             <a:endParaRPr lang="de-DE"/>
           </a:p>
@@ -33876,25 +33829,10 @@
           <a:lstStyle/>
           <a:p>
             <a:r>
-              <a:rPr lang="de-DE" dirty="0"/>
-              <a:t>&lt;&lt;</a:t>
-            </a:r>
-            <a:r>
-              <a:rPr lang="de-DE" dirty="0" smtClean="0"/>
-              <a:t>Beide&gt;&gt;</a:t>
-            </a:r>
-          </a:p>
-          <a:p>
-            <a:r>
-              <a:rPr lang="de-DE" dirty="0" smtClean="0"/>
-              <a:t>Jeden Kurs einzeln</a:t>
-            </a:r>
-          </a:p>
-          <a:p>
-            <a:r>
               <a:rPr lang="de-DE" dirty="0" smtClean="0"/>
               <a:t>Analysierter Zeitraum</a:t>
             </a:r>
+            <a:endParaRPr lang="de-DE" dirty="0" smtClean="0"/>
           </a:p>
           <a:p>
             <a:pPr lvl="1"/>
@@ -33924,8 +33862,19 @@
           <a:p>
             <a:r>
               <a:rPr lang="de-DE" dirty="0" smtClean="0"/>
-              <a:t>Jedoch noch nicht genau genug für Praxis</a:t>
-            </a:r>
+              <a:t>Jedoch noch nicht genau genug für </a:t>
+            </a:r>
+            <a:r>
+              <a:rPr lang="de-DE" dirty="0" smtClean="0"/>
+              <a:t>Praxis</a:t>
+            </a:r>
+          </a:p>
+          <a:p>
+            <a:r>
+              <a:rPr lang="de-DE" smtClean="0"/>
+              <a:t>Nikkei &gt; DAX &gt; Dow Jones</a:t>
+            </a:r>
+            <a:endParaRPr lang="de-DE" dirty="0" smtClean="0"/>
           </a:p>
           <a:p>
             <a:endParaRPr lang="de-DE" dirty="0"/>
@@ -33950,7 +33899,7 @@
             <a:fld id="{7AC709DD-AC18-4FBA-B4E6-46DED743653E}" type="datetime1">
               <a:rPr lang="de-DE" smtClean="0"/>
               <a:pPr/>
-              <a:t>17.12.2015</a:t>
+              <a:t>18.12.2015</a:t>
             </a:fld>
             <a:endParaRPr lang="de-DE"/>
           </a:p>
@@ -34058,7 +34007,7 @@
             <a:fld id="{7AC709DD-AC18-4FBA-B4E6-46DED743653E}" type="datetime1">
               <a:rPr lang="de-DE" smtClean="0"/>
               <a:pPr/>
-              <a:t>17.12.2015</a:t>
+              <a:t>18.12.2015</a:t>
             </a:fld>
             <a:endParaRPr lang="de-DE"/>
           </a:p>
@@ -34492,7 +34441,7 @@
             <a:fld id="{7AC709DD-AC18-4FBA-B4E6-46DED743653E}" type="datetime1">
               <a:rPr lang="de-DE" smtClean="0"/>
               <a:pPr/>
-              <a:t>17.12.2015</a:t>
+              <a:t>18.12.2015</a:t>
             </a:fld>
             <a:endParaRPr lang="de-DE"/>
           </a:p>
@@ -34736,7 +34685,7 @@
             <a:fld id="{7AC709DD-AC18-4FBA-B4E6-46DED743653E}" type="datetime1">
               <a:rPr lang="de-DE" smtClean="0"/>
               <a:pPr/>
-              <a:t>17.12.2015</a:t>
+              <a:t>18.12.2015</a:t>
             </a:fld>
             <a:endParaRPr lang="de-DE"/>
           </a:p>
@@ -34880,7 +34829,7 @@
             <a:fld id="{7AC709DD-AC18-4FBA-B4E6-46DED743653E}" type="datetime1">
               <a:rPr lang="de-DE" smtClean="0"/>
               <a:pPr/>
-              <a:t>17.12.2015</a:t>
+              <a:t>18.12.2015</a:t>
             </a:fld>
             <a:endParaRPr lang="de-DE"/>
           </a:p>
@@ -35025,7 +34974,7 @@
             <a:fld id="{7AC709DD-AC18-4FBA-B4E6-46DED743653E}" type="datetime1">
               <a:rPr lang="de-DE" smtClean="0"/>
               <a:pPr/>
-              <a:t>17.12.2015</a:t>
+              <a:t>18.12.2015</a:t>
             </a:fld>
             <a:endParaRPr lang="de-DE"/>
           </a:p>
@@ -35369,7 +35318,7 @@
             <a:fld id="{7AC709DD-AC18-4FBA-B4E6-46DED743653E}" type="datetime1">
               <a:rPr lang="de-DE" smtClean="0"/>
               <a:pPr/>
-              <a:t>17.12.2015</a:t>
+              <a:t>18.12.2015</a:t>
             </a:fld>
             <a:endParaRPr lang="de-DE"/>
           </a:p>
@@ -35477,7 +35426,7 @@
             <a:fld id="{7AC709DD-AC18-4FBA-B4E6-46DED743653E}" type="datetime1">
               <a:rPr lang="de-DE" smtClean="0"/>
               <a:pPr/>
-              <a:t>17.12.2015</a:t>
+              <a:t>18.12.2015</a:t>
             </a:fld>
             <a:endParaRPr lang="de-DE"/>
           </a:p>
@@ -36219,7 +36168,7 @@
             <a:fld id="{7AC709DD-AC18-4FBA-B4E6-46DED743653E}" type="datetime1">
               <a:rPr lang="de-DE" smtClean="0"/>
               <a:pPr/>
-              <a:t>17.12.2015</a:t>
+              <a:t>18.12.2015</a:t>
             </a:fld>
             <a:endParaRPr lang="de-DE"/>
           </a:p>

--- a/3b_Vortrag/Präsentation.pptx
+++ b/3b_Vortrag/Präsentation.pptx
@@ -2785,7 +2785,7 @@
             <a:fld id="{5120BD12-1583-495B-85C5-BFC7DD39358E}" type="datetimeFigureOut">
               <a:rPr lang="de-DE" smtClean="0"/>
               <a:pPr/>
-              <a:t>18.12.2015</a:t>
+              <a:t>19.12.2015</a:t>
             </a:fld>
             <a:endParaRPr lang="de-DE"/>
           </a:p>
@@ -5103,7 +5103,7 @@
             <a:fld id="{FEB60944-69D9-40E2-805F-52E6DDFC3E05}" type="datetime1">
               <a:rPr lang="de-DE" smtClean="0"/>
               <a:pPr/>
-              <a:t>18.12.2015</a:t>
+              <a:t>19.12.2015</a:t>
             </a:fld>
             <a:endParaRPr lang="de-DE"/>
           </a:p>
@@ -5296,7 +5296,7 @@
             <a:fld id="{43C6271B-4DF3-4799-BDC9-4973FE68CB18}" type="datetime1">
               <a:rPr lang="de-DE" smtClean="0"/>
               <a:pPr/>
-              <a:t>18.12.2015</a:t>
+              <a:t>19.12.2015</a:t>
             </a:fld>
             <a:endParaRPr lang="de-DE"/>
           </a:p>
@@ -5480,7 +5480,7 @@
             <a:fld id="{7AC709DD-AC18-4FBA-B4E6-46DED743653E}" type="datetime1">
               <a:rPr lang="de-DE" smtClean="0"/>
               <a:pPr/>
-              <a:t>18.12.2015</a:t>
+              <a:t>19.12.2015</a:t>
             </a:fld>
             <a:endParaRPr lang="de-DE"/>
           </a:p>
@@ -5739,7 +5739,7 @@
             <a:fld id="{F3A5CA38-DE03-43E0-AAE8-40DE9D126515}" type="datetime1">
               <a:rPr lang="de-DE" smtClean="0"/>
               <a:pPr/>
-              <a:t>18.12.2015</a:t>
+              <a:t>19.12.2015</a:t>
             </a:fld>
             <a:endParaRPr lang="de-DE"/>
           </a:p>
@@ -5984,7 +5984,7 @@
             <a:fld id="{11090321-36FA-45A6-9663-BC38008A0E9B}" type="datetime1">
               <a:rPr lang="de-DE" smtClean="0"/>
               <a:pPr/>
-              <a:t>18.12.2015</a:t>
+              <a:t>19.12.2015</a:t>
             </a:fld>
             <a:endParaRPr lang="de-DE"/>
           </a:p>
@@ -6364,7 +6364,7 @@
             <a:fld id="{256C77CD-8025-4CCE-8E91-02984A062E73}" type="datetime1">
               <a:rPr lang="de-DE" smtClean="0"/>
               <a:pPr/>
-              <a:t>18.12.2015</a:t>
+              <a:t>19.12.2015</a:t>
             </a:fld>
             <a:endParaRPr lang="de-DE"/>
           </a:p>
@@ -6495,7 +6495,7 @@
             <a:fld id="{613140FE-C567-4560-9D45-46486DBA67D5}" type="datetime1">
               <a:rPr lang="de-DE" smtClean="0"/>
               <a:pPr/>
-              <a:t>18.12.2015</a:t>
+              <a:t>19.12.2015</a:t>
             </a:fld>
             <a:endParaRPr lang="de-DE"/>
           </a:p>
@@ -6603,7 +6603,7 @@
             <a:fld id="{664489CE-C1E2-4395-A707-33A40D5C0A6A}" type="datetime1">
               <a:rPr lang="de-DE" smtClean="0"/>
               <a:pPr/>
-              <a:t>18.12.2015</a:t>
+              <a:t>19.12.2015</a:t>
             </a:fld>
             <a:endParaRPr lang="de-DE"/>
           </a:p>
@@ -6893,7 +6893,7 @@
             <a:fld id="{BE84FF2F-E5B7-4AEF-A728-DCB9E7CE66D1}" type="datetime1">
               <a:rPr lang="de-DE" smtClean="0"/>
               <a:pPr/>
-              <a:t>18.12.2015</a:t>
+              <a:t>19.12.2015</a:t>
             </a:fld>
             <a:endParaRPr lang="de-DE"/>
           </a:p>
@@ -7159,7 +7159,7 @@
             <a:fld id="{1C1C31E4-1EA5-4909-922A-9F42F675C505}" type="datetime1">
               <a:rPr lang="de-DE" smtClean="0"/>
               <a:pPr/>
-              <a:t>18.12.2015</a:t>
+              <a:t>19.12.2015</a:t>
             </a:fld>
             <a:endParaRPr lang="de-DE"/>
           </a:p>
@@ -7368,7 +7368,7 @@
             <a:fld id="{19652882-9BC8-4FD3-AB94-9F037815DBC2}" type="datetime1">
               <a:rPr lang="de-DE" smtClean="0"/>
               <a:pPr/>
-              <a:t>18.12.2015</a:t>
+              <a:t>19.12.2015</a:t>
             </a:fld>
             <a:endParaRPr lang="de-DE" dirty="0"/>
           </a:p>
@@ -8098,7 +8098,7 @@
             <a:fld id="{7AC709DD-AC18-4FBA-B4E6-46DED743653E}" type="datetime1">
               <a:rPr lang="de-DE" smtClean="0"/>
               <a:pPr/>
-              <a:t>18.12.2015</a:t>
+              <a:t>19.12.2015</a:t>
             </a:fld>
             <a:endParaRPr lang="de-DE"/>
           </a:p>
@@ -8891,7 +8891,7 @@
             <a:fld id="{7AC709DD-AC18-4FBA-B4E6-46DED743653E}" type="datetime1">
               <a:rPr lang="de-DE" smtClean="0"/>
               <a:pPr/>
-              <a:t>18.12.2015</a:t>
+              <a:t>19.12.2015</a:t>
             </a:fld>
             <a:endParaRPr lang="de-DE"/>
           </a:p>
@@ -10286,7 +10286,7 @@
             <a:fld id="{7AC709DD-AC18-4FBA-B4E6-46DED743653E}" type="datetime1">
               <a:rPr lang="de-DE" smtClean="0"/>
               <a:pPr/>
-              <a:t>18.12.2015</a:t>
+              <a:t>19.12.2015</a:t>
             </a:fld>
             <a:endParaRPr lang="de-DE"/>
           </a:p>
@@ -10450,7 +10450,7 @@
             <a:fld id="{7AC709DD-AC18-4FBA-B4E6-46DED743653E}" type="datetime1">
               <a:rPr lang="de-DE" smtClean="0"/>
               <a:pPr/>
-              <a:t>18.12.2015</a:t>
+              <a:t>19.12.2015</a:t>
             </a:fld>
             <a:endParaRPr lang="de-DE"/>
           </a:p>
@@ -10688,7 +10688,7 @@
             <a:fld id="{7AC709DD-AC18-4FBA-B4E6-46DED743653E}" type="datetime1">
               <a:rPr lang="de-DE" smtClean="0"/>
               <a:pPr/>
-              <a:t>18.12.2015</a:t>
+              <a:t>19.12.2015</a:t>
             </a:fld>
             <a:endParaRPr lang="de-DE"/>
           </a:p>
@@ -12800,7 +12800,7 @@
             <a:fld id="{7AC709DD-AC18-4FBA-B4E6-46DED743653E}" type="datetime1">
               <a:rPr lang="de-DE" smtClean="0"/>
               <a:pPr/>
-              <a:t>18.12.2015</a:t>
+              <a:t>19.12.2015</a:t>
             </a:fld>
             <a:endParaRPr lang="de-DE"/>
           </a:p>
@@ -13087,7 +13087,7 @@
             <a:fld id="{7AC709DD-AC18-4FBA-B4E6-46DED743653E}" type="datetime1">
               <a:rPr lang="de-DE" smtClean="0"/>
               <a:pPr/>
-              <a:t>18.12.2015</a:t>
+              <a:t>19.12.2015</a:t>
             </a:fld>
             <a:endParaRPr lang="de-DE"/>
           </a:p>
@@ -13469,7 +13469,7 @@
             <a:fld id="{7AC709DD-AC18-4FBA-B4E6-46DED743653E}" type="datetime1">
               <a:rPr lang="de-DE" smtClean="0"/>
               <a:pPr/>
-              <a:t>18.12.2015</a:t>
+              <a:t>19.12.2015</a:t>
             </a:fld>
             <a:endParaRPr lang="de-DE"/>
           </a:p>
@@ -14053,7 +14053,7 @@
             <a:fld id="{7AC709DD-AC18-4FBA-B4E6-46DED743653E}" type="datetime1">
               <a:rPr lang="de-DE" smtClean="0"/>
               <a:pPr/>
-              <a:t>18.12.2015</a:t>
+              <a:t>19.12.2015</a:t>
             </a:fld>
             <a:endParaRPr lang="de-DE"/>
           </a:p>
@@ -14562,7 +14562,7 @@
             <a:fld id="{7AC709DD-AC18-4FBA-B4E6-46DED743653E}" type="datetime1">
               <a:rPr lang="de-DE" smtClean="0"/>
               <a:pPr/>
-              <a:t>18.12.2015</a:t>
+              <a:t>19.12.2015</a:t>
             </a:fld>
             <a:endParaRPr lang="de-DE"/>
           </a:p>
@@ -14693,7 +14693,7 @@
             <a:fld id="{7AC709DD-AC18-4FBA-B4E6-46DED743653E}" type="datetime1">
               <a:rPr lang="de-DE" smtClean="0"/>
               <a:pPr/>
-              <a:t>18.12.2015</a:t>
+              <a:t>19.12.2015</a:t>
             </a:fld>
             <a:endParaRPr lang="de-DE"/>
           </a:p>
@@ -15036,7 +15036,7 @@
             <a:fld id="{7AC709DD-AC18-4FBA-B4E6-46DED743653E}" type="datetime1">
               <a:rPr lang="de-DE" smtClean="0"/>
               <a:pPr/>
-              <a:t>18.12.2015</a:t>
+              <a:t>19.12.2015</a:t>
             </a:fld>
             <a:endParaRPr lang="de-DE"/>
           </a:p>
@@ -15217,7 +15217,7 @@
             <a:fld id="{7AC709DD-AC18-4FBA-B4E6-46DED743653E}" type="datetime1">
               <a:rPr lang="de-DE" smtClean="0"/>
               <a:pPr/>
-              <a:t>18.12.2015</a:t>
+              <a:t>19.12.2015</a:t>
             </a:fld>
             <a:endParaRPr lang="de-DE"/>
           </a:p>
@@ -15838,7 +15838,7 @@
             <a:fld id="{7AC709DD-AC18-4FBA-B4E6-46DED743653E}" type="datetime1">
               <a:rPr lang="de-DE" smtClean="0"/>
               <a:pPr/>
-              <a:t>18.12.2015</a:t>
+              <a:t>19.12.2015</a:t>
             </a:fld>
             <a:endParaRPr lang="de-DE"/>
           </a:p>
@@ -16063,7 +16063,7 @@
             <a:fld id="{7AC709DD-AC18-4FBA-B4E6-46DED743653E}" type="datetime1">
               <a:rPr lang="de-DE" smtClean="0"/>
               <a:pPr/>
-              <a:t>18.12.2015</a:t>
+              <a:t>19.12.2015</a:t>
             </a:fld>
             <a:endParaRPr lang="de-DE"/>
           </a:p>
@@ -16358,7 +16358,7 @@
             <a:fld id="{7AC709DD-AC18-4FBA-B4E6-46DED743653E}" type="datetime1">
               <a:rPr lang="de-DE" smtClean="0"/>
               <a:pPr/>
-              <a:t>18.12.2015</a:t>
+              <a:t>19.12.2015</a:t>
             </a:fld>
             <a:endParaRPr lang="de-DE"/>
           </a:p>
@@ -16625,7 +16625,7 @@
             <a:fld id="{7AC709DD-AC18-4FBA-B4E6-46DED743653E}" type="datetime1">
               <a:rPr lang="de-DE" smtClean="0"/>
               <a:pPr/>
-              <a:t>18.12.2015</a:t>
+              <a:t>19.12.2015</a:t>
             </a:fld>
             <a:endParaRPr lang="de-DE"/>
           </a:p>
@@ -17138,7 +17138,7 @@
             <a:fld id="{7AC709DD-AC18-4FBA-B4E6-46DED743653E}" type="datetime1">
               <a:rPr lang="de-DE" smtClean="0"/>
               <a:pPr/>
-              <a:t>18.12.2015</a:t>
+              <a:t>19.12.2015</a:t>
             </a:fld>
             <a:endParaRPr lang="de-DE"/>
           </a:p>
@@ -17566,7 +17566,7 @@
             <a:fld id="{7AC709DD-AC18-4FBA-B4E6-46DED743653E}" type="datetime1">
               <a:rPr lang="de-DE" smtClean="0"/>
               <a:pPr/>
-              <a:t>18.12.2015</a:t>
+              <a:t>19.12.2015</a:t>
             </a:fld>
             <a:endParaRPr lang="de-DE"/>
           </a:p>
@@ -17910,7 +17910,7 @@
             <a:fld id="{7AC709DD-AC18-4FBA-B4E6-46DED743653E}" type="datetime1">
               <a:rPr lang="de-DE" smtClean="0"/>
               <a:pPr/>
-              <a:t>18.12.2015</a:t>
+              <a:t>19.12.2015</a:t>
             </a:fld>
             <a:endParaRPr lang="de-DE"/>
           </a:p>
@@ -18018,7 +18018,7 @@
             <a:fld id="{7AC709DD-AC18-4FBA-B4E6-46DED743653E}" type="datetime1">
               <a:rPr lang="de-DE" smtClean="0"/>
               <a:pPr/>
-              <a:t>18.12.2015</a:t>
+              <a:t>19.12.2015</a:t>
             </a:fld>
             <a:endParaRPr lang="de-DE"/>
           </a:p>
@@ -18312,7 +18312,7 @@
             <a:fld id="{7AC709DD-AC18-4FBA-B4E6-46DED743653E}" type="datetime1">
               <a:rPr lang="de-DE" smtClean="0"/>
               <a:pPr/>
-              <a:t>18.12.2015</a:t>
+              <a:t>19.12.2015</a:t>
             </a:fld>
             <a:endParaRPr lang="de-DE"/>
           </a:p>
@@ -18699,7 +18699,7 @@
             <a:fld id="{7AC709DD-AC18-4FBA-B4E6-46DED743653E}" type="datetime1">
               <a:rPr lang="de-DE" smtClean="0"/>
               <a:pPr/>
-              <a:t>18.12.2015</a:t>
+              <a:t>19.12.2015</a:t>
             </a:fld>
             <a:endParaRPr lang="de-DE"/>
           </a:p>
@@ -18975,7 +18975,7 @@
             <a:fld id="{7AC709DD-AC18-4FBA-B4E6-46DED743653E}" type="datetime1">
               <a:rPr lang="de-DE" smtClean="0"/>
               <a:pPr/>
-              <a:t>18.12.2015</a:t>
+              <a:t>19.12.2015</a:t>
             </a:fld>
             <a:endParaRPr lang="de-DE"/>
           </a:p>
@@ -19403,7 +19403,7 @@
             <a:fld id="{7AC709DD-AC18-4FBA-B4E6-46DED743653E}" type="datetime1">
               <a:rPr lang="de-DE" smtClean="0"/>
               <a:pPr/>
-              <a:t>18.12.2015</a:t>
+              <a:t>19.12.2015</a:t>
             </a:fld>
             <a:endParaRPr lang="de-DE"/>
           </a:p>
@@ -19981,7 +19981,7 @@
             <a:fld id="{7AC709DD-AC18-4FBA-B4E6-46DED743653E}" type="datetime1">
               <a:rPr lang="de-DE" smtClean="0"/>
               <a:pPr/>
-              <a:t>18.12.2015</a:t>
+              <a:t>19.12.2015</a:t>
             </a:fld>
             <a:endParaRPr lang="de-DE"/>
           </a:p>
@@ -21267,7 +21267,7 @@
             <a:fld id="{7AC709DD-AC18-4FBA-B4E6-46DED743653E}" type="datetime1">
               <a:rPr lang="de-DE" smtClean="0"/>
               <a:pPr/>
-              <a:t>18.12.2015</a:t>
+              <a:t>19.12.2015</a:t>
             </a:fld>
             <a:endParaRPr lang="de-DE"/>
           </a:p>
@@ -23153,7 +23153,7 @@
             <a:fld id="{7AC709DD-AC18-4FBA-B4E6-46DED743653E}" type="datetime1">
               <a:rPr lang="de-DE" smtClean="0"/>
               <a:pPr/>
-              <a:t>18.12.2015</a:t>
+              <a:t>19.12.2015</a:t>
             </a:fld>
             <a:endParaRPr lang="de-DE"/>
           </a:p>
@@ -25071,7 +25071,7 @@
             <a:fld id="{7AC709DD-AC18-4FBA-B4E6-46DED743653E}" type="datetime1">
               <a:rPr lang="de-DE" smtClean="0"/>
               <a:pPr/>
-              <a:t>18.12.2015</a:t>
+              <a:t>19.12.2015</a:t>
             </a:fld>
             <a:endParaRPr lang="de-DE"/>
           </a:p>
@@ -25824,7 +25824,7 @@
             <a:fld id="{7AC709DD-AC18-4FBA-B4E6-46DED743653E}" type="datetime1">
               <a:rPr lang="de-DE" smtClean="0"/>
               <a:pPr/>
-              <a:t>18.12.2015</a:t>
+              <a:t>19.12.2015</a:t>
             </a:fld>
             <a:endParaRPr lang="de-DE"/>
           </a:p>
@@ -26590,7 +26590,7 @@
             <a:fld id="{7AC709DD-AC18-4FBA-B4E6-46DED743653E}" type="datetime1">
               <a:rPr lang="de-DE" smtClean="0"/>
               <a:pPr/>
-              <a:t>18.12.2015</a:t>
+              <a:t>19.12.2015</a:t>
             </a:fld>
             <a:endParaRPr lang="de-DE"/>
           </a:p>
@@ -27593,7 +27593,7 @@
             <a:fld id="{7AC709DD-AC18-4FBA-B4E6-46DED743653E}" type="datetime1">
               <a:rPr lang="de-DE" smtClean="0"/>
               <a:pPr/>
-              <a:t>18.12.2015</a:t>
+              <a:t>19.12.2015</a:t>
             </a:fld>
             <a:endParaRPr lang="de-DE"/>
           </a:p>
@@ -28626,7 +28626,7 @@
             <a:fld id="{7AC709DD-AC18-4FBA-B4E6-46DED743653E}" type="datetime1">
               <a:rPr lang="de-DE" smtClean="0"/>
               <a:pPr/>
-              <a:t>18.12.2015</a:t>
+              <a:t>19.12.2015</a:t>
             </a:fld>
             <a:endParaRPr lang="de-DE"/>
           </a:p>
@@ -28743,8 +28743,8 @@
           </a:p>
         </p:txBody>
       </p:sp>
-      <mc:AlternateContent xmlns:mc="http://schemas.openxmlformats.org/markup-compatibility/2006" xmlns:a14="http://schemas.microsoft.com/office/drawing/2010/main">
-        <mc:Choice Requires="a14">
+      <mc:AlternateContent xmlns:mc="http://schemas.openxmlformats.org/markup-compatibility/2006">
+        <mc:Choice xmlns:a14="http://schemas.microsoft.com/office/drawing/2010/main" Requires="a14">
           <p:sp>
             <p:nvSpPr>
               <p:cNvPr id="3" name="Inhaltsplatzhalter 2"/>
@@ -28807,64 +28807,15 @@
                 </a14:m>
                 <a:r>
                   <a:rPr lang="de-DE" dirty="0" smtClean="0"/>
-                  <a:t> und </a:t>
+                  <a:t> </a:t>
                 </a:r>
-                <a14:m>
-                  <m:oMath xmlns:m="http://schemas.openxmlformats.org/officeDocument/2006/math">
-                    <m:r>
-                      <a:rPr lang="de-DE" i="1">
-                        <a:latin typeface="Cambria Math" panose="02040503050406030204" pitchFamily="18" charset="0"/>
-                      </a:rPr>
-                      <m:t>𝑡</m:t>
-                    </m:r>
-                    <m:r>
-                      <a:rPr lang="de-DE" b="0" i="1" smtClean="0">
-                        <a:latin typeface="Cambria Math" panose="02040503050406030204" pitchFamily="18" charset="0"/>
-                      </a:rPr>
-                      <m:t>−1</m:t>
-                    </m:r>
-                  </m:oMath>
-                </a14:m>
                 <a:r>
                   <a:rPr lang="de-DE" dirty="0" smtClean="0"/>
-                  <a:t> herangezogen (namens </a:t>
+                  <a:t>herangezogen </a:t>
                 </a:r>
-                <a14:m>
-                  <m:oMath xmlns:m="http://schemas.openxmlformats.org/officeDocument/2006/math">
-                    <m:r>
-                      <a:rPr lang="de-DE" i="1">
-                        <a:latin typeface="Cambria Math" panose="02040503050406030204" pitchFamily="18" charset="0"/>
-                      </a:rPr>
-                      <m:t>𝑆</m:t>
-                    </m:r>
-                    <m:d>
-                      <m:dPr>
-                        <m:ctrlPr>
-                          <a:rPr lang="de-DE" i="1">
-                            <a:latin typeface="Cambria Math" panose="02040503050406030204" pitchFamily="18" charset="0"/>
-                          </a:rPr>
-                        </m:ctrlPr>
-                      </m:dPr>
-                      <m:e>
-                        <m:r>
-                          <a:rPr lang="de-DE" i="1">
-                            <a:latin typeface="Cambria Math" panose="02040503050406030204" pitchFamily="18" charset="0"/>
-                          </a:rPr>
-                          <m:t>𝑡</m:t>
-                        </m:r>
-                        <m:r>
-                          <a:rPr lang="de-DE" i="1">
-                            <a:latin typeface="Cambria Math" panose="02040503050406030204" pitchFamily="18" charset="0"/>
-                          </a:rPr>
-                          <m:t>−1</m:t>
-                        </m:r>
-                      </m:e>
-                    </m:d>
-                  </m:oMath>
-                </a14:m>
                 <a:r>
                   <a:rPr lang="de-DE" dirty="0" smtClean="0"/>
-                  <a:t> und </a:t>
+                  <a:t>(namens </a:t>
                 </a:r>
                 <a14:m>
                   <m:oMath xmlns:m="http://schemas.openxmlformats.org/officeDocument/2006/math">
@@ -29231,7 +29182,7 @@
             </p:txBody>
           </p:sp>
         </mc:Choice>
-        <mc:Fallback xmlns="">
+        <mc:Fallback>
           <p:sp>
             <p:nvSpPr>
               <p:cNvPr id="3" name="Inhaltsplatzhalter 2"/>
@@ -29283,7 +29234,7 @@
             <a:fld id="{7AC709DD-AC18-4FBA-B4E6-46DED743653E}" type="datetime1">
               <a:rPr lang="de-DE" smtClean="0"/>
               <a:pPr/>
-              <a:t>18.12.2015</a:t>
+              <a:t>19.12.2015</a:t>
             </a:fld>
             <a:endParaRPr lang="de-DE"/>
           </a:p>
@@ -30267,7 +30218,7 @@
             <a:fld id="{7AC709DD-AC18-4FBA-B4E6-46DED743653E}" type="datetime1">
               <a:rPr lang="de-DE" smtClean="0"/>
               <a:pPr/>
-              <a:t>18.12.2015</a:t>
+              <a:t>19.12.2015</a:t>
             </a:fld>
             <a:endParaRPr lang="de-DE"/>
           </a:p>
@@ -30512,7 +30463,7 @@
             <a:fld id="{7AC709DD-AC18-4FBA-B4E6-46DED743653E}" type="datetime1">
               <a:rPr lang="de-DE" smtClean="0"/>
               <a:pPr/>
-              <a:t>18.12.2015</a:t>
+              <a:t>19.12.2015</a:t>
             </a:fld>
             <a:endParaRPr lang="de-DE"/>
           </a:p>
@@ -30744,7 +30695,7 @@
             <a:fld id="{7AC709DD-AC18-4FBA-B4E6-46DED743653E}" type="datetime1">
               <a:rPr lang="de-DE" smtClean="0"/>
               <a:pPr/>
-              <a:t>18.12.2015</a:t>
+              <a:t>19.12.2015</a:t>
             </a:fld>
             <a:endParaRPr lang="de-DE"/>
           </a:p>
@@ -31338,7 +31289,7 @@
             <a:fld id="{7AC709DD-AC18-4FBA-B4E6-46DED743653E}" type="datetime1">
               <a:rPr lang="de-DE" smtClean="0"/>
               <a:pPr/>
-              <a:t>18.12.2015</a:t>
+              <a:t>19.12.2015</a:t>
             </a:fld>
             <a:endParaRPr lang="de-DE"/>
           </a:p>
@@ -31927,7 +31878,7 @@
             <a:fld id="{7AC709DD-AC18-4FBA-B4E6-46DED743653E}" type="datetime1">
               <a:rPr lang="de-DE" smtClean="0"/>
               <a:pPr/>
-              <a:t>18.12.2015</a:t>
+              <a:t>19.12.2015</a:t>
             </a:fld>
             <a:endParaRPr lang="de-DE"/>
           </a:p>
@@ -32392,7 +32343,7 @@
             <a:fld id="{7AC709DD-AC18-4FBA-B4E6-46DED743653E}" type="datetime1">
               <a:rPr lang="de-DE" smtClean="0"/>
               <a:pPr/>
-              <a:t>18.12.2015</a:t>
+              <a:t>19.12.2015</a:t>
             </a:fld>
             <a:endParaRPr lang="de-DE"/>
           </a:p>
@@ -32736,7 +32687,7 @@
             <a:fld id="{7AC709DD-AC18-4FBA-B4E6-46DED743653E}" type="datetime1">
               <a:rPr lang="de-DE" smtClean="0"/>
               <a:pPr/>
-              <a:t>18.12.2015</a:t>
+              <a:t>19.12.2015</a:t>
             </a:fld>
             <a:endParaRPr lang="de-DE"/>
           </a:p>
@@ -32844,7 +32795,7 @@
             <a:fld id="{7AC709DD-AC18-4FBA-B4E6-46DED743653E}" type="datetime1">
               <a:rPr lang="de-DE" smtClean="0"/>
               <a:pPr/>
-              <a:t>18.12.2015</a:t>
+              <a:t>19.12.2015</a:t>
             </a:fld>
             <a:endParaRPr lang="de-DE"/>
           </a:p>
@@ -33188,7 +33139,7 @@
             <a:fld id="{7AC709DD-AC18-4FBA-B4E6-46DED743653E}" type="datetime1">
               <a:rPr lang="de-DE" smtClean="0"/>
               <a:pPr/>
-              <a:t>18.12.2015</a:t>
+              <a:t>19.12.2015</a:t>
             </a:fld>
             <a:endParaRPr lang="de-DE"/>
           </a:p>
@@ -33402,7 +33353,7 @@
             <a:fld id="{7AC709DD-AC18-4FBA-B4E6-46DED743653E}" type="datetime1">
               <a:rPr lang="de-DE" smtClean="0"/>
               <a:pPr/>
-              <a:t>18.12.2015</a:t>
+              <a:t>19.12.2015</a:t>
             </a:fld>
             <a:endParaRPr lang="de-DE"/>
           </a:p>
@@ -33510,7 +33461,7 @@
             <a:fld id="{7AC709DD-AC18-4FBA-B4E6-46DED743653E}" type="datetime1">
               <a:rPr lang="de-DE" smtClean="0"/>
               <a:pPr/>
-              <a:t>18.12.2015</a:t>
+              <a:t>19.12.2015</a:t>
             </a:fld>
             <a:endParaRPr lang="de-DE"/>
           </a:p>
@@ -33832,7 +33783,6 @@
               <a:rPr lang="de-DE" dirty="0" smtClean="0"/>
               <a:t>Analysierter Zeitraum</a:t>
             </a:r>
-            <a:endParaRPr lang="de-DE" dirty="0" smtClean="0"/>
           </a:p>
           <a:p>
             <a:pPr lvl="1"/>
@@ -33862,11 +33812,7 @@
           <a:p>
             <a:r>
               <a:rPr lang="de-DE" dirty="0" smtClean="0"/>
-              <a:t>Jedoch noch nicht genau genug für </a:t>
-            </a:r>
-            <a:r>
-              <a:rPr lang="de-DE" dirty="0" smtClean="0"/>
-              <a:t>Praxis</a:t>
+              <a:t>Jedoch noch nicht genau genug für Praxis</a:t>
             </a:r>
           </a:p>
           <a:p>
@@ -33899,7 +33845,7 @@
             <a:fld id="{7AC709DD-AC18-4FBA-B4E6-46DED743653E}" type="datetime1">
               <a:rPr lang="de-DE" smtClean="0"/>
               <a:pPr/>
-              <a:t>18.12.2015</a:t>
+              <a:t>19.12.2015</a:t>
             </a:fld>
             <a:endParaRPr lang="de-DE"/>
           </a:p>
@@ -34007,7 +33953,7 @@
             <a:fld id="{7AC709DD-AC18-4FBA-B4E6-46DED743653E}" type="datetime1">
               <a:rPr lang="de-DE" smtClean="0"/>
               <a:pPr/>
-              <a:t>18.12.2015</a:t>
+              <a:t>19.12.2015</a:t>
             </a:fld>
             <a:endParaRPr lang="de-DE"/>
           </a:p>
@@ -34441,7 +34387,7 @@
             <a:fld id="{7AC709DD-AC18-4FBA-B4E6-46DED743653E}" type="datetime1">
               <a:rPr lang="de-DE" smtClean="0"/>
               <a:pPr/>
-              <a:t>18.12.2015</a:t>
+              <a:t>19.12.2015</a:t>
             </a:fld>
             <a:endParaRPr lang="de-DE"/>
           </a:p>
@@ -34685,7 +34631,7 @@
             <a:fld id="{7AC709DD-AC18-4FBA-B4E6-46DED743653E}" type="datetime1">
               <a:rPr lang="de-DE" smtClean="0"/>
               <a:pPr/>
-              <a:t>18.12.2015</a:t>
+              <a:t>19.12.2015</a:t>
             </a:fld>
             <a:endParaRPr lang="de-DE"/>
           </a:p>
@@ -34829,7 +34775,7 @@
             <a:fld id="{7AC709DD-AC18-4FBA-B4E6-46DED743653E}" type="datetime1">
               <a:rPr lang="de-DE" smtClean="0"/>
               <a:pPr/>
-              <a:t>18.12.2015</a:t>
+              <a:t>19.12.2015</a:t>
             </a:fld>
             <a:endParaRPr lang="de-DE"/>
           </a:p>
@@ -34974,7 +34920,7 @@
             <a:fld id="{7AC709DD-AC18-4FBA-B4E6-46DED743653E}" type="datetime1">
               <a:rPr lang="de-DE" smtClean="0"/>
               <a:pPr/>
-              <a:t>18.12.2015</a:t>
+              <a:t>19.12.2015</a:t>
             </a:fld>
             <a:endParaRPr lang="de-DE"/>
           </a:p>
@@ -35318,7 +35264,7 @@
             <a:fld id="{7AC709DD-AC18-4FBA-B4E6-46DED743653E}" type="datetime1">
               <a:rPr lang="de-DE" smtClean="0"/>
               <a:pPr/>
-              <a:t>18.12.2015</a:t>
+              <a:t>19.12.2015</a:t>
             </a:fld>
             <a:endParaRPr lang="de-DE"/>
           </a:p>
@@ -35426,7 +35372,7 @@
             <a:fld id="{7AC709DD-AC18-4FBA-B4E6-46DED743653E}" type="datetime1">
               <a:rPr lang="de-DE" smtClean="0"/>
               <a:pPr/>
-              <a:t>18.12.2015</a:t>
+              <a:t>19.12.2015</a:t>
             </a:fld>
             <a:endParaRPr lang="de-DE"/>
           </a:p>
@@ -36168,7 +36114,7 @@
             <a:fld id="{7AC709DD-AC18-4FBA-B4E6-46DED743653E}" type="datetime1">
               <a:rPr lang="de-DE" smtClean="0"/>
               <a:pPr/>
-              <a:t>18.12.2015</a:t>
+              <a:t>19.12.2015</a:t>
             </a:fld>
             <a:endParaRPr lang="de-DE"/>
           </a:p>

--- a/3b_Vortrag/Präsentation.pptx
+++ b/3b_Vortrag/Präsentation.pptx
@@ -1147,240 +1147,6 @@
       <dsp:cNvGrpSpPr/>
     </dsp:nvGrpSpPr>
     <dsp:grpSpPr/>
-    <dsp:sp modelId="{53E4825B-3D66-406A-9713-5BB390890124}">
-      <dsp:nvSpPr>
-        <dsp:cNvPr id="0" name=""/>
-        <dsp:cNvSpPr/>
-      </dsp:nvSpPr>
-      <dsp:spPr>
-        <a:xfrm>
-          <a:off x="3" y="2160766"/>
-          <a:ext cx="3814229" cy="1525691"/>
-        </a:xfrm>
-        <a:prstGeom prst="chevron">
-          <a:avLst/>
-        </a:prstGeom>
-        <a:solidFill>
-          <a:schemeClr val="accent3">
-            <a:hueOff val="0"/>
-            <a:satOff val="0"/>
-            <a:lumOff val="0"/>
-            <a:alphaOff val="0"/>
-          </a:schemeClr>
-        </a:solidFill>
-        <a:ln w="12700" cap="flat" cmpd="sng" algn="ctr">
-          <a:solidFill>
-            <a:schemeClr val="lt1">
-              <a:hueOff val="0"/>
-              <a:satOff val="0"/>
-              <a:lumOff val="0"/>
-              <a:alphaOff val="0"/>
-            </a:schemeClr>
-          </a:solidFill>
-          <a:prstDash val="solid"/>
-          <a:miter lim="800000"/>
-        </a:ln>
-        <a:effectLst/>
-      </dsp:spPr>
-      <dsp:style>
-        <a:lnRef idx="2">
-          <a:scrgbClr r="0" g="0" b="0"/>
-        </a:lnRef>
-        <a:fillRef idx="1">
-          <a:scrgbClr r="0" g="0" b="0"/>
-        </a:fillRef>
-        <a:effectRef idx="0">
-          <a:scrgbClr r="0" g="0" b="0"/>
-        </a:effectRef>
-        <a:fontRef idx="minor">
-          <a:schemeClr val="lt1"/>
-        </a:fontRef>
-      </dsp:style>
-      <dsp:txBody>
-        <a:bodyPr spcFirstLastPara="0" vert="horz" wrap="square" lIns="100013" tIns="33338" rIns="33338" bIns="33338" numCol="1" spcCol="1270" anchor="ctr" anchorCtr="0">
-          <a:noAutofit/>
-        </a:bodyPr>
-        <a:lstStyle/>
-        <a:p>
-          <a:pPr lvl="0" algn="ctr" defTabSz="1111250">
-            <a:lnSpc>
-              <a:spcPct val="90000"/>
-            </a:lnSpc>
-            <a:spcBef>
-              <a:spcPct val="0"/>
-            </a:spcBef>
-            <a:spcAft>
-              <a:spcPct val="35000"/>
-            </a:spcAft>
-          </a:pPr>
-          <a:r>
-            <a:rPr lang="de-DE" sz="2500" kern="1200" dirty="0" smtClean="0"/>
-            <a:t>Topologie</a:t>
-          </a:r>
-          <a:endParaRPr lang="de-DE" sz="2500" kern="1200" dirty="0"/>
-        </a:p>
-      </dsp:txBody>
-      <dsp:txXfrm>
-        <a:off x="762849" y="2160766"/>
-        <a:ext cx="2288538" cy="1525691"/>
-      </dsp:txXfrm>
-    </dsp:sp>
-    <dsp:sp modelId="{6D6BD3B1-FDF8-44BB-99F4-33A9A894F98B}">
-      <dsp:nvSpPr>
-        <dsp:cNvPr id="0" name=""/>
-        <dsp:cNvSpPr/>
-      </dsp:nvSpPr>
-      <dsp:spPr>
-        <a:xfrm>
-          <a:off x="3435937" y="2150315"/>
-          <a:ext cx="3814229" cy="1525691"/>
-        </a:xfrm>
-        <a:prstGeom prst="chevron">
-          <a:avLst/>
-        </a:prstGeom>
-        <a:solidFill>
-          <a:schemeClr val="accent3">
-            <a:hueOff val="0"/>
-            <a:satOff val="0"/>
-            <a:lumOff val="0"/>
-            <a:alphaOff val="0"/>
-          </a:schemeClr>
-        </a:solidFill>
-        <a:ln w="12700" cap="flat" cmpd="sng" algn="ctr">
-          <a:solidFill>
-            <a:schemeClr val="lt1">
-              <a:hueOff val="0"/>
-              <a:satOff val="0"/>
-              <a:lumOff val="0"/>
-              <a:alphaOff val="0"/>
-            </a:schemeClr>
-          </a:solidFill>
-          <a:prstDash val="solid"/>
-          <a:miter lim="800000"/>
-        </a:ln>
-        <a:effectLst/>
-      </dsp:spPr>
-      <dsp:style>
-        <a:lnRef idx="2">
-          <a:scrgbClr r="0" g="0" b="0"/>
-        </a:lnRef>
-        <a:fillRef idx="1">
-          <a:scrgbClr r="0" g="0" b="0"/>
-        </a:fillRef>
-        <a:effectRef idx="0">
-          <a:scrgbClr r="0" g="0" b="0"/>
-        </a:effectRef>
-        <a:fontRef idx="minor">
-          <a:schemeClr val="lt1"/>
-        </a:fontRef>
-      </dsp:style>
-      <dsp:txBody>
-        <a:bodyPr spcFirstLastPara="0" vert="horz" wrap="square" lIns="100013" tIns="33338" rIns="33338" bIns="33338" numCol="1" spcCol="1270" anchor="ctr" anchorCtr="0">
-          <a:noAutofit/>
-        </a:bodyPr>
-        <a:lstStyle/>
-        <a:p>
-          <a:pPr lvl="0" algn="ctr" defTabSz="1111250">
-            <a:lnSpc>
-              <a:spcPct val="90000"/>
-            </a:lnSpc>
-            <a:spcBef>
-              <a:spcPct val="0"/>
-            </a:spcBef>
-            <a:spcAft>
-              <a:spcPct val="35000"/>
-            </a:spcAft>
-          </a:pPr>
-          <a:r>
-            <a:rPr lang="de-DE" sz="2500" kern="1200" dirty="0" smtClean="0"/>
-            <a:t>Transferfunktion</a:t>
-          </a:r>
-          <a:endParaRPr lang="de-DE" sz="2500" kern="1200" dirty="0"/>
-        </a:p>
-      </dsp:txBody>
-      <dsp:txXfrm>
-        <a:off x="4198783" y="2150315"/>
-        <a:ext cx="2288538" cy="1525691"/>
-      </dsp:txXfrm>
-    </dsp:sp>
-    <dsp:sp modelId="{1759F37C-CE72-40A5-B310-ECFA8240AA69}">
-      <dsp:nvSpPr>
-        <dsp:cNvPr id="0" name=""/>
-        <dsp:cNvSpPr/>
-      </dsp:nvSpPr>
-      <dsp:spPr>
-        <a:xfrm>
-          <a:off x="6868744" y="2150315"/>
-          <a:ext cx="3814229" cy="1525691"/>
-        </a:xfrm>
-        <a:prstGeom prst="chevron">
-          <a:avLst/>
-        </a:prstGeom>
-        <a:solidFill>
-          <a:schemeClr val="accent3">
-            <a:hueOff val="0"/>
-            <a:satOff val="0"/>
-            <a:lumOff val="0"/>
-            <a:alphaOff val="0"/>
-          </a:schemeClr>
-        </a:solidFill>
-        <a:ln w="12700" cap="flat" cmpd="sng" algn="ctr">
-          <a:solidFill>
-            <a:schemeClr val="lt1">
-              <a:hueOff val="0"/>
-              <a:satOff val="0"/>
-              <a:lumOff val="0"/>
-              <a:alphaOff val="0"/>
-            </a:schemeClr>
-          </a:solidFill>
-          <a:prstDash val="solid"/>
-          <a:miter lim="800000"/>
-        </a:ln>
-        <a:effectLst/>
-      </dsp:spPr>
-      <dsp:style>
-        <a:lnRef idx="2">
-          <a:scrgbClr r="0" g="0" b="0"/>
-        </a:lnRef>
-        <a:fillRef idx="1">
-          <a:scrgbClr r="0" g="0" b="0"/>
-        </a:fillRef>
-        <a:effectRef idx="0">
-          <a:scrgbClr r="0" g="0" b="0"/>
-        </a:effectRef>
-        <a:fontRef idx="minor">
-          <a:schemeClr val="lt1"/>
-        </a:fontRef>
-      </dsp:style>
-      <dsp:txBody>
-        <a:bodyPr spcFirstLastPara="0" vert="horz" wrap="square" lIns="100013" tIns="33338" rIns="33338" bIns="33338" numCol="1" spcCol="1270" anchor="ctr" anchorCtr="0">
-          <a:noAutofit/>
-        </a:bodyPr>
-        <a:lstStyle/>
-        <a:p>
-          <a:pPr lvl="0" algn="ctr" defTabSz="1111250">
-            <a:lnSpc>
-              <a:spcPct val="90000"/>
-            </a:lnSpc>
-            <a:spcBef>
-              <a:spcPct val="0"/>
-            </a:spcBef>
-            <a:spcAft>
-              <a:spcPct val="35000"/>
-            </a:spcAft>
-          </a:pPr>
-          <a:r>
-            <a:rPr lang="de-DE" sz="2500" kern="1200" dirty="0" smtClean="0"/>
-            <a:t>Lernregel</a:t>
-          </a:r>
-          <a:endParaRPr lang="de-DE" sz="2500" kern="1200" dirty="0"/>
-        </a:p>
-      </dsp:txBody>
-      <dsp:txXfrm>
-        <a:off x="7631590" y="2150315"/>
-        <a:ext cx="2288538" cy="1525691"/>
-      </dsp:txXfrm>
-    </dsp:sp>
   </dsp:spTree>
 </dsp:drawing>
 </file>
@@ -3524,16 +3290,48 @@
           <a:lstStyle/>
           <a:p>
             <a:r>
-              <a:rPr lang="en-US" sz="1200" b="0" i="0" kern="1200" dirty="0" smtClean="0">
-                <a:solidFill>
-                  <a:schemeClr val="tx1"/>
-                </a:solidFill>
-                <a:effectLst/>
-                <a:latin typeface="+mn-lt"/>
-                <a:ea typeface="+mn-ea"/>
-                <a:cs typeface="+mn-cs"/>
-              </a:rPr>
-              <a:t>This is relatively intuitive to understand. If the slope goes up, we adjust the weight downward (first case). Conversely, the weight is adjusted upward if the gradient is negative (second case). If there is no slope, we must be in a minima, so no step is necessary (third case)</a:t>
+              <a:rPr lang="de-DE" dirty="0" smtClean="0"/>
+              <a:t>=&gt;Anstieg Positiv: Gewicht wird</a:t>
+            </a:r>
+            <a:r>
+              <a:rPr lang="de-DE" baseline="0" dirty="0" smtClean="0"/>
+              <a:t> </a:t>
+            </a:r>
+            <a:r>
+              <a:rPr lang="de-DE" dirty="0" smtClean="0"/>
+              <a:t>verringert</a:t>
+            </a:r>
+          </a:p>
+          <a:p>
+            <a:pPr marL="0" indent="0">
+              <a:buFont typeface="Symbol" panose="05050102010706020507" pitchFamily="18" charset="2"/>
+              <a:buNone/>
+            </a:pPr>
+            <a:r>
+              <a:rPr lang="de-DE" dirty="0" smtClean="0"/>
+              <a:t>=</a:t>
+            </a:r>
+            <a:r>
+              <a:rPr lang="de-DE" baseline="0" dirty="0" smtClean="0"/>
+              <a:t>&gt;</a:t>
+            </a:r>
+            <a:r>
+              <a:rPr lang="de-DE" dirty="0" smtClean="0"/>
+              <a:t>Anstieg Negativ: Gewicht wird erhöht</a:t>
+            </a:r>
+          </a:p>
+          <a:p>
+            <a:pPr marL="0" indent="0">
+              <a:buFont typeface="Symbol" panose="05050102010706020507" pitchFamily="18" charset="2"/>
+              <a:buNone/>
+            </a:pPr>
+            <a:r>
+              <a:rPr lang="de-DE" dirty="0" smtClean="0"/>
+              <a:t>=</a:t>
+            </a:r>
+            <a:r>
+              <a:rPr lang="de-DE" baseline="0" dirty="0" smtClean="0"/>
+              <a:t>&gt;Keinen Anstieg: Gewicht passt, Minimum erreicht </a:t>
             </a:r>
             <a:endParaRPr lang="de-DE" dirty="0"/>
           </a:p>
@@ -3620,8 +3418,12 @@
           <a:bodyPr/>
           <a:lstStyle/>
           <a:p>
-            <a:r>
-              <a:rPr lang="en-US" sz="1200" b="0" i="0" kern="1200" dirty="0" smtClean="0">
+            <a:pPr marL="171450" indent="-171450">
+              <a:buFont typeface="Symbol" panose="05050102010706020507" pitchFamily="18" charset="2"/>
+              <a:buChar char="Þ"/>
+            </a:pPr>
+            <a:r>
+              <a:rPr lang="en-US" sz="1200" b="0" i="0" kern="1200" dirty="0" err="1" smtClean="0">
                 <a:solidFill>
                   <a:schemeClr val="tx1"/>
                 </a:solidFill>
@@ -3630,10 +3432,10 @@
                 <a:ea typeface="+mn-ea"/>
                 <a:cs typeface="+mn-cs"/>
               </a:rPr>
-              <a:t>h</a:t>
-            </a:r>
-            <a:r>
-              <a:rPr lang="en-US" sz="1200" b="0" i="0" kern="1200" baseline="30000" dirty="0" smtClean="0">
+              <a:t>Schreitweite</a:t>
+            </a:r>
+            <a:r>
+              <a:rPr lang="en-US" sz="1200" b="0" i="0" kern="1200" baseline="0" dirty="0" smtClean="0">
                 <a:solidFill>
                   <a:schemeClr val="tx1"/>
                 </a:solidFill>
@@ -3642,10 +3444,10 @@
                 <a:ea typeface="+mn-ea"/>
                 <a:cs typeface="+mn-cs"/>
               </a:rPr>
-              <a:t>+</a:t>
-            </a:r>
-            <a:r>
-              <a:rPr lang="en-US" sz="1200" b="0" i="0" kern="1200" dirty="0" smtClean="0">
+              <a:t> des </a:t>
+            </a:r>
+            <a:r>
+              <a:rPr lang="en-US" sz="1200" b="0" i="0" kern="1200" baseline="0" dirty="0" err="1" smtClean="0">
                 <a:solidFill>
                   <a:schemeClr val="tx1"/>
                 </a:solidFill>
@@ -3654,10 +3456,10 @@
                 <a:ea typeface="+mn-ea"/>
                 <a:cs typeface="+mn-cs"/>
               </a:rPr>
-              <a:t> and h</a:t>
-            </a:r>
-            <a:r>
-              <a:rPr lang="en-US" sz="1200" b="0" i="0" kern="1200" baseline="30000" dirty="0" smtClean="0">
+              <a:t>Betrages</a:t>
+            </a:r>
+            <a:r>
+              <a:rPr lang="en-US" sz="1200" b="0" i="0" kern="1200" baseline="0" dirty="0" smtClean="0">
                 <a:solidFill>
                   <a:schemeClr val="tx1"/>
                 </a:solidFill>
@@ -3666,10 +3468,10 @@
                 <a:ea typeface="+mn-ea"/>
                 <a:cs typeface="+mn-cs"/>
               </a:rPr>
-              <a:t>–</a:t>
-            </a:r>
-            <a:r>
-              <a:rPr lang="en-US" sz="1200" b="0" i="0" kern="1200" dirty="0" smtClean="0">
+              <a:t> der </a:t>
+            </a:r>
+            <a:r>
+              <a:rPr lang="en-US" sz="1200" b="0" i="0" kern="1200" baseline="0" dirty="0" err="1" smtClean="0">
                 <a:solidFill>
                   <a:schemeClr val="tx1"/>
                 </a:solidFill>
@@ -3678,10 +3480,10 @@
                 <a:ea typeface="+mn-ea"/>
                 <a:cs typeface="+mn-cs"/>
               </a:rPr>
-              <a:t> are constants defined such that 0&lt;h</a:t>
-            </a:r>
-            <a:r>
-              <a:rPr lang="en-US" sz="1200" b="0" i="0" kern="1200" baseline="30000" dirty="0" smtClean="0">
+              <a:t>Gewichtsveränderung</a:t>
+            </a:r>
+            <a:r>
+              <a:rPr lang="en-US" sz="1200" b="0" i="0" kern="1200" baseline="0" dirty="0" smtClean="0">
                 <a:solidFill>
                   <a:schemeClr val="tx1"/>
                 </a:solidFill>
@@ -3690,10 +3492,10 @@
                 <a:ea typeface="+mn-ea"/>
                 <a:cs typeface="+mn-cs"/>
               </a:rPr>
-              <a:t>–</a:t>
-            </a:r>
-            <a:r>
-              <a:rPr lang="en-US" sz="1200" b="0" i="0" kern="1200" dirty="0" smtClean="0">
+              <a:t> </a:t>
+            </a:r>
+            <a:r>
+              <a:rPr lang="en-US" sz="1200" b="0" i="0" kern="1200" baseline="0" dirty="0" err="1" smtClean="0">
                 <a:solidFill>
                   <a:schemeClr val="tx1"/>
                 </a:solidFill>
@@ -3702,10 +3504,10 @@
                 <a:ea typeface="+mn-ea"/>
                 <a:cs typeface="+mn-cs"/>
               </a:rPr>
-              <a:t> &lt;1&lt;h</a:t>
-            </a:r>
-            <a:r>
-              <a:rPr lang="en-US" sz="1200" b="0" i="0" kern="1200" baseline="30000" dirty="0" smtClean="0">
+              <a:t>wird</a:t>
+            </a:r>
+            <a:r>
+              <a:rPr lang="en-US" sz="1200" b="0" i="0" kern="1200" baseline="0" dirty="0" smtClean="0">
                 <a:solidFill>
                   <a:schemeClr val="tx1"/>
                 </a:solidFill>
@@ -3714,10 +3516,10 @@
                 <a:ea typeface="+mn-ea"/>
                 <a:cs typeface="+mn-cs"/>
               </a:rPr>
-              <a:t>+</a:t>
-            </a:r>
-            <a:r>
-              <a:rPr lang="en-US" sz="1200" b="0" i="0" kern="1200" dirty="0" smtClean="0">
+              <a:t> </a:t>
+            </a:r>
+            <a:r>
+              <a:rPr lang="en-US" sz="1200" b="0" i="0" kern="1200" baseline="0" dirty="0" err="1" smtClean="0">
                 <a:solidFill>
                   <a:schemeClr val="tx1"/>
                 </a:solidFill>
@@ -3726,10 +3528,10 @@
                 <a:ea typeface="+mn-ea"/>
                 <a:cs typeface="+mn-cs"/>
               </a:rPr>
-              <a:t>. Informally, the size of the step is increased (multiplied by h</a:t>
-            </a:r>
-            <a:r>
-              <a:rPr lang="en-US" sz="1200" b="0" i="0" kern="1200" baseline="30000" dirty="0" smtClean="0">
+              <a:t>erhöht</a:t>
+            </a:r>
+            <a:r>
+              <a:rPr lang="en-US" sz="1200" b="0" i="0" kern="1200" baseline="0" dirty="0" smtClean="0">
                 <a:solidFill>
                   <a:schemeClr val="tx1"/>
                 </a:solidFill>
@@ -3738,10 +3540,10 @@
                 <a:ea typeface="+mn-ea"/>
                 <a:cs typeface="+mn-cs"/>
               </a:rPr>
-              <a:t>+</a:t>
-            </a:r>
-            <a:r>
-              <a:rPr lang="en-US" sz="1200" b="0" i="0" kern="1200" dirty="0" smtClean="0">
+              <a:t>, </a:t>
+            </a:r>
+            <a:r>
+              <a:rPr lang="en-US" sz="1200" b="0" i="0" kern="1200" baseline="0" dirty="0" err="1" smtClean="0">
                 <a:solidFill>
                   <a:schemeClr val="tx1"/>
                 </a:solidFill>
@@ -3750,10 +3552,10 @@
                 <a:ea typeface="+mn-ea"/>
                 <a:cs typeface="+mn-cs"/>
               </a:rPr>
-              <a:t>) if the gradient maintains the same direction (first case). The step size is decreased (multiplied by h</a:t>
-            </a:r>
-            <a:r>
-              <a:rPr lang="en-US" sz="1200" b="0" i="0" kern="1200" baseline="30000" dirty="0" smtClean="0">
+              <a:t>wenn</a:t>
+            </a:r>
+            <a:r>
+              <a:rPr lang="en-US" sz="1200" b="0" i="0" kern="1200" baseline="0" dirty="0" smtClean="0">
                 <a:solidFill>
                   <a:schemeClr val="tx1"/>
                 </a:solidFill>
@@ -3762,10 +3564,10 @@
                 <a:ea typeface="+mn-ea"/>
                 <a:cs typeface="+mn-cs"/>
               </a:rPr>
-              <a:t>–</a:t>
-            </a:r>
-            <a:r>
-              <a:rPr lang="en-US" sz="1200" b="0" i="0" kern="1200" dirty="0" smtClean="0">
+              <a:t> der Gradient in der </a:t>
+            </a:r>
+            <a:r>
+              <a:rPr lang="en-US" sz="1200" b="0" i="0" kern="1200" baseline="0" dirty="0" err="1" smtClean="0">
                 <a:solidFill>
                   <a:schemeClr val="tx1"/>
                 </a:solidFill>
@@ -3774,9 +3576,469 @@
                 <a:ea typeface="+mn-ea"/>
                 <a:cs typeface="+mn-cs"/>
               </a:rPr>
-              <a:t>) if the gradient changes sign (second case). Otherwise, the step size is left untouched if the gradient is 0</a:t>
-            </a:r>
-            <a:endParaRPr lang="de-DE" dirty="0"/>
+              <a:t>selben</a:t>
+            </a:r>
+            <a:r>
+              <a:rPr lang="en-US" sz="1200" b="0" i="0" kern="1200" baseline="0" dirty="0" smtClean="0">
+                <a:solidFill>
+                  <a:schemeClr val="tx1"/>
+                </a:solidFill>
+                <a:effectLst/>
+                <a:latin typeface="+mn-lt"/>
+                <a:ea typeface="+mn-ea"/>
+                <a:cs typeface="+mn-cs"/>
+              </a:rPr>
+              <a:t> </a:t>
+            </a:r>
+            <a:r>
+              <a:rPr lang="en-US" sz="1200" b="0" i="0" kern="1200" baseline="0" dirty="0" err="1" smtClean="0">
+                <a:solidFill>
+                  <a:schemeClr val="tx1"/>
+                </a:solidFill>
+                <a:effectLst/>
+                <a:latin typeface="+mn-lt"/>
+                <a:ea typeface="+mn-ea"/>
+                <a:cs typeface="+mn-cs"/>
+              </a:rPr>
+              <a:t>Richtung</a:t>
+            </a:r>
+            <a:r>
+              <a:rPr lang="en-US" sz="1200" b="0" i="0" kern="1200" baseline="0" dirty="0" smtClean="0">
+                <a:solidFill>
+                  <a:schemeClr val="tx1"/>
+                </a:solidFill>
+                <a:effectLst/>
+                <a:latin typeface="+mn-lt"/>
+                <a:ea typeface="+mn-ea"/>
+                <a:cs typeface="+mn-cs"/>
+              </a:rPr>
+              <a:t> </a:t>
+            </a:r>
+            <a:r>
+              <a:rPr lang="en-US" sz="1200" b="0" i="0" kern="1200" baseline="0" dirty="0" err="1" smtClean="0">
+                <a:solidFill>
+                  <a:schemeClr val="tx1"/>
+                </a:solidFill>
+                <a:effectLst/>
+                <a:latin typeface="+mn-lt"/>
+                <a:ea typeface="+mn-ea"/>
+                <a:cs typeface="+mn-cs"/>
+              </a:rPr>
+              <a:t>bleibt</a:t>
+            </a:r>
+            <a:endParaRPr lang="en-US" sz="1200" b="0" i="0" kern="1200" baseline="0" dirty="0" smtClean="0">
+              <a:solidFill>
+                <a:schemeClr val="tx1"/>
+              </a:solidFill>
+              <a:effectLst/>
+              <a:latin typeface="+mn-lt"/>
+              <a:ea typeface="+mn-ea"/>
+              <a:cs typeface="+mn-cs"/>
+            </a:endParaRPr>
+          </a:p>
+          <a:p>
+            <a:pPr marL="171450" indent="-171450">
+              <a:buFont typeface="Symbol" panose="05050102010706020507" pitchFamily="18" charset="2"/>
+              <a:buChar char="Þ"/>
+            </a:pPr>
+            <a:r>
+              <a:rPr lang="en-US" sz="1200" b="0" i="0" kern="1200" baseline="0" dirty="0" err="1" smtClean="0">
+                <a:solidFill>
+                  <a:schemeClr val="tx1"/>
+                </a:solidFill>
+                <a:effectLst/>
+                <a:latin typeface="+mn-lt"/>
+                <a:ea typeface="+mn-ea"/>
+                <a:cs typeface="+mn-cs"/>
+              </a:rPr>
+              <a:t>Schitweite</a:t>
+            </a:r>
+            <a:r>
+              <a:rPr lang="en-US" sz="1200" b="0" i="0" kern="1200" baseline="0" dirty="0" smtClean="0">
+                <a:solidFill>
+                  <a:schemeClr val="tx1"/>
+                </a:solidFill>
+                <a:effectLst/>
+                <a:latin typeface="+mn-lt"/>
+                <a:ea typeface="+mn-ea"/>
+                <a:cs typeface="+mn-cs"/>
+              </a:rPr>
+              <a:t> des </a:t>
+            </a:r>
+            <a:r>
+              <a:rPr lang="en-US" sz="1200" b="0" i="0" kern="1200" baseline="0" dirty="0" err="1" smtClean="0">
+                <a:solidFill>
+                  <a:schemeClr val="tx1"/>
+                </a:solidFill>
+                <a:effectLst/>
+                <a:latin typeface="+mn-lt"/>
+                <a:ea typeface="+mn-ea"/>
+                <a:cs typeface="+mn-cs"/>
+              </a:rPr>
+              <a:t>Betrages</a:t>
+            </a:r>
+            <a:r>
+              <a:rPr lang="en-US" sz="1200" b="0" i="0" kern="1200" baseline="0" dirty="0" smtClean="0">
+                <a:solidFill>
+                  <a:schemeClr val="tx1"/>
+                </a:solidFill>
+                <a:effectLst/>
+                <a:latin typeface="+mn-lt"/>
+                <a:ea typeface="+mn-ea"/>
+                <a:cs typeface="+mn-cs"/>
+              </a:rPr>
+              <a:t> der </a:t>
+            </a:r>
+            <a:r>
+              <a:rPr lang="en-US" sz="1200" b="0" i="0" kern="1200" baseline="0" dirty="0" err="1" smtClean="0">
+                <a:solidFill>
+                  <a:schemeClr val="tx1"/>
+                </a:solidFill>
+                <a:effectLst/>
+                <a:latin typeface="+mn-lt"/>
+                <a:ea typeface="+mn-ea"/>
+                <a:cs typeface="+mn-cs"/>
+              </a:rPr>
+              <a:t>Gewichtsveränderung</a:t>
+            </a:r>
+            <a:r>
+              <a:rPr lang="en-US" sz="1200" b="0" i="0" kern="1200" baseline="0" dirty="0" smtClean="0">
+                <a:solidFill>
+                  <a:schemeClr val="tx1"/>
+                </a:solidFill>
+                <a:effectLst/>
+                <a:latin typeface="+mn-lt"/>
+                <a:ea typeface="+mn-ea"/>
+                <a:cs typeface="+mn-cs"/>
+              </a:rPr>
+              <a:t> </a:t>
+            </a:r>
+            <a:r>
+              <a:rPr lang="en-US" sz="1200" b="0" i="0" kern="1200" baseline="0" dirty="0" err="1" smtClean="0">
+                <a:solidFill>
+                  <a:schemeClr val="tx1"/>
+                </a:solidFill>
+                <a:effectLst/>
+                <a:latin typeface="+mn-lt"/>
+                <a:ea typeface="+mn-ea"/>
+                <a:cs typeface="+mn-cs"/>
+              </a:rPr>
+              <a:t>wird</a:t>
+            </a:r>
+            <a:r>
+              <a:rPr lang="en-US" sz="1200" b="0" i="0" kern="1200" baseline="0" dirty="0" smtClean="0">
+                <a:solidFill>
+                  <a:schemeClr val="tx1"/>
+                </a:solidFill>
+                <a:effectLst/>
+                <a:latin typeface="+mn-lt"/>
+                <a:ea typeface="+mn-ea"/>
+                <a:cs typeface="+mn-cs"/>
+              </a:rPr>
+              <a:t> </a:t>
+            </a:r>
+            <a:r>
+              <a:rPr lang="en-US" sz="1200" b="0" i="0" kern="1200" baseline="0" dirty="0" err="1" smtClean="0">
+                <a:solidFill>
+                  <a:schemeClr val="tx1"/>
+                </a:solidFill>
+                <a:effectLst/>
+                <a:latin typeface="+mn-lt"/>
+                <a:ea typeface="+mn-ea"/>
+                <a:cs typeface="+mn-cs"/>
+              </a:rPr>
+              <a:t>verrringert</a:t>
+            </a:r>
+            <a:r>
+              <a:rPr lang="en-US" sz="1200" b="0" i="0" kern="1200" baseline="0" dirty="0" smtClean="0">
+                <a:solidFill>
+                  <a:schemeClr val="tx1"/>
+                </a:solidFill>
+                <a:effectLst/>
+                <a:latin typeface="+mn-lt"/>
+                <a:ea typeface="+mn-ea"/>
+                <a:cs typeface="+mn-cs"/>
+              </a:rPr>
+              <a:t>, </a:t>
+            </a:r>
+            <a:r>
+              <a:rPr lang="en-US" sz="1200" b="0" i="0" kern="1200" baseline="0" dirty="0" err="1" smtClean="0">
+                <a:solidFill>
+                  <a:schemeClr val="tx1"/>
+                </a:solidFill>
+                <a:effectLst/>
+                <a:latin typeface="+mn-lt"/>
+                <a:ea typeface="+mn-ea"/>
+                <a:cs typeface="+mn-cs"/>
+              </a:rPr>
+              <a:t>wenn</a:t>
+            </a:r>
+            <a:r>
+              <a:rPr lang="en-US" sz="1200" b="0" i="0" kern="1200" baseline="0" dirty="0" smtClean="0">
+                <a:solidFill>
+                  <a:schemeClr val="tx1"/>
+                </a:solidFill>
+                <a:effectLst/>
+                <a:latin typeface="+mn-lt"/>
+                <a:ea typeface="+mn-ea"/>
+                <a:cs typeface="+mn-cs"/>
+              </a:rPr>
+              <a:t> der Gradient die </a:t>
+            </a:r>
+            <a:r>
+              <a:rPr lang="en-US" sz="1200" b="0" i="0" kern="1200" baseline="0" dirty="0" err="1" smtClean="0">
+                <a:solidFill>
+                  <a:schemeClr val="tx1"/>
+                </a:solidFill>
+                <a:effectLst/>
+                <a:latin typeface="+mn-lt"/>
+                <a:ea typeface="+mn-ea"/>
+                <a:cs typeface="+mn-cs"/>
+              </a:rPr>
+              <a:t>Richtung</a:t>
+            </a:r>
+            <a:r>
+              <a:rPr lang="en-US" sz="1200" b="0" i="0" kern="1200" baseline="0" dirty="0" smtClean="0">
+                <a:solidFill>
+                  <a:schemeClr val="tx1"/>
+                </a:solidFill>
+                <a:effectLst/>
+                <a:latin typeface="+mn-lt"/>
+                <a:ea typeface="+mn-ea"/>
+                <a:cs typeface="+mn-cs"/>
+              </a:rPr>
+              <a:t> </a:t>
+            </a:r>
+            <a:r>
+              <a:rPr lang="en-US" sz="1200" b="0" i="0" kern="1200" baseline="0" dirty="0" err="1" smtClean="0">
+                <a:solidFill>
+                  <a:schemeClr val="tx1"/>
+                </a:solidFill>
+                <a:effectLst/>
+                <a:latin typeface="+mn-lt"/>
+                <a:ea typeface="+mn-ea"/>
+                <a:cs typeface="+mn-cs"/>
+              </a:rPr>
+              <a:t>wechselt</a:t>
+            </a:r>
+            <a:r>
+              <a:rPr lang="en-US" sz="1200" b="0" i="0" kern="1200" baseline="0" dirty="0" smtClean="0">
+                <a:solidFill>
+                  <a:schemeClr val="tx1"/>
+                </a:solidFill>
+                <a:effectLst/>
+                <a:latin typeface="+mn-lt"/>
+                <a:ea typeface="+mn-ea"/>
+                <a:cs typeface="+mn-cs"/>
+              </a:rPr>
+              <a:t> (minima </a:t>
+            </a:r>
+            <a:r>
+              <a:rPr lang="en-US" sz="1200" b="0" i="0" kern="1200" baseline="0" dirty="0" err="1" smtClean="0">
+                <a:solidFill>
+                  <a:schemeClr val="tx1"/>
+                </a:solidFill>
+                <a:effectLst/>
+                <a:latin typeface="+mn-lt"/>
+                <a:ea typeface="+mn-ea"/>
+                <a:cs typeface="+mn-cs"/>
+              </a:rPr>
+              <a:t>gefunden</a:t>
+            </a:r>
+            <a:r>
+              <a:rPr lang="en-US" sz="1200" b="0" i="0" kern="1200" baseline="0" dirty="0" smtClean="0">
+                <a:solidFill>
+                  <a:schemeClr val="tx1"/>
+                </a:solidFill>
+                <a:effectLst/>
+                <a:latin typeface="+mn-lt"/>
+                <a:ea typeface="+mn-ea"/>
+                <a:cs typeface="+mn-cs"/>
+              </a:rPr>
+              <a:t>!)</a:t>
+            </a:r>
+          </a:p>
+          <a:p>
+            <a:pPr marL="171450" indent="-171450">
+              <a:buFont typeface="Symbol" panose="05050102010706020507" pitchFamily="18" charset="2"/>
+              <a:buChar char="Þ"/>
+            </a:pPr>
+            <a:r>
+              <a:rPr lang="en-US" sz="1200" b="0" i="0" kern="1200" baseline="0" dirty="0" err="1" smtClean="0">
+                <a:solidFill>
+                  <a:schemeClr val="tx1"/>
+                </a:solidFill>
+                <a:effectLst/>
+                <a:latin typeface="+mn-lt"/>
+                <a:ea typeface="+mn-ea"/>
+                <a:cs typeface="+mn-cs"/>
+              </a:rPr>
+              <a:t>Wenn</a:t>
+            </a:r>
+            <a:r>
+              <a:rPr lang="en-US" sz="1200" b="0" i="0" kern="1200" baseline="0" dirty="0" smtClean="0">
+                <a:solidFill>
+                  <a:schemeClr val="tx1"/>
+                </a:solidFill>
+                <a:effectLst/>
+                <a:latin typeface="+mn-lt"/>
+                <a:ea typeface="+mn-ea"/>
+                <a:cs typeface="+mn-cs"/>
+              </a:rPr>
+              <a:t> Gradient = 0 =&gt; </a:t>
+            </a:r>
+            <a:r>
+              <a:rPr lang="en-US" sz="1200" b="0" i="0" kern="1200" baseline="0" dirty="0" err="1" smtClean="0">
+                <a:solidFill>
+                  <a:schemeClr val="tx1"/>
+                </a:solidFill>
+                <a:effectLst/>
+                <a:latin typeface="+mn-lt"/>
+                <a:ea typeface="+mn-ea"/>
+                <a:cs typeface="+mn-cs"/>
+              </a:rPr>
+              <a:t>Schrittweite</a:t>
+            </a:r>
+            <a:r>
+              <a:rPr lang="en-US" sz="1200" b="0" i="0" kern="1200" baseline="0" dirty="0" smtClean="0">
+                <a:solidFill>
+                  <a:schemeClr val="tx1"/>
+                </a:solidFill>
+                <a:effectLst/>
+                <a:latin typeface="+mn-lt"/>
+                <a:ea typeface="+mn-ea"/>
+                <a:cs typeface="+mn-cs"/>
+              </a:rPr>
+              <a:t> so </a:t>
+            </a:r>
+            <a:r>
+              <a:rPr lang="en-US" sz="1200" b="0" i="0" kern="1200" baseline="0" dirty="0" err="1" smtClean="0">
+                <a:solidFill>
+                  <a:schemeClr val="tx1"/>
+                </a:solidFill>
+                <a:effectLst/>
+                <a:latin typeface="+mn-lt"/>
+                <a:ea typeface="+mn-ea"/>
+                <a:cs typeface="+mn-cs"/>
+              </a:rPr>
+              <a:t>lassen</a:t>
+            </a:r>
+            <a:r>
+              <a:rPr lang="en-US" sz="1200" b="0" i="0" kern="1200" baseline="0" dirty="0" smtClean="0">
+                <a:solidFill>
+                  <a:schemeClr val="tx1"/>
+                </a:solidFill>
+                <a:effectLst/>
+                <a:latin typeface="+mn-lt"/>
+                <a:ea typeface="+mn-ea"/>
+                <a:cs typeface="+mn-cs"/>
+              </a:rPr>
+              <a:t>, </a:t>
+            </a:r>
+            <a:r>
+              <a:rPr lang="en-US" sz="1200" b="0" i="0" kern="1200" baseline="0" dirty="0" err="1" smtClean="0">
+                <a:solidFill>
+                  <a:schemeClr val="tx1"/>
+                </a:solidFill>
+                <a:effectLst/>
+                <a:latin typeface="+mn-lt"/>
+                <a:ea typeface="+mn-ea"/>
+                <a:cs typeface="+mn-cs"/>
+              </a:rPr>
+              <a:t>damit</a:t>
+            </a:r>
+            <a:r>
+              <a:rPr lang="en-US" sz="1200" b="0" i="0" kern="1200" baseline="0" dirty="0" smtClean="0">
+                <a:solidFill>
+                  <a:schemeClr val="tx1"/>
+                </a:solidFill>
+                <a:effectLst/>
+                <a:latin typeface="+mn-lt"/>
+                <a:ea typeface="+mn-ea"/>
+                <a:cs typeface="+mn-cs"/>
+              </a:rPr>
+              <a:t> </a:t>
+            </a:r>
+            <a:r>
+              <a:rPr lang="en-US" sz="1200" b="0" i="0" kern="1200" baseline="0" dirty="0" err="1" smtClean="0">
+                <a:solidFill>
+                  <a:schemeClr val="tx1"/>
+                </a:solidFill>
+                <a:effectLst/>
+                <a:latin typeface="+mn-lt"/>
+                <a:ea typeface="+mn-ea"/>
+                <a:cs typeface="+mn-cs"/>
+              </a:rPr>
+              <a:t>Gewicht</a:t>
+            </a:r>
+            <a:r>
+              <a:rPr lang="en-US" sz="1200" b="0" i="0" kern="1200" baseline="0" dirty="0" smtClean="0">
+                <a:solidFill>
+                  <a:schemeClr val="tx1"/>
+                </a:solidFill>
+                <a:effectLst/>
+                <a:latin typeface="+mn-lt"/>
+                <a:ea typeface="+mn-ea"/>
+                <a:cs typeface="+mn-cs"/>
+              </a:rPr>
+              <a:t> </a:t>
+            </a:r>
+            <a:r>
+              <a:rPr lang="en-US" sz="1200" b="0" i="0" kern="1200" baseline="0" dirty="0" err="1" smtClean="0">
+                <a:solidFill>
+                  <a:schemeClr val="tx1"/>
+                </a:solidFill>
+                <a:effectLst/>
+                <a:latin typeface="+mn-lt"/>
+                <a:ea typeface="+mn-ea"/>
+                <a:cs typeface="+mn-cs"/>
+              </a:rPr>
+              <a:t>ebenfalls</a:t>
+            </a:r>
+            <a:r>
+              <a:rPr lang="en-US" sz="1200" b="0" i="0" kern="1200" baseline="0" dirty="0" smtClean="0">
+                <a:solidFill>
+                  <a:schemeClr val="tx1"/>
+                </a:solidFill>
+                <a:effectLst/>
+                <a:latin typeface="+mn-lt"/>
+                <a:ea typeface="+mn-ea"/>
+                <a:cs typeface="+mn-cs"/>
+              </a:rPr>
+              <a:t> </a:t>
+            </a:r>
+            <a:r>
+              <a:rPr lang="en-US" sz="1200" b="0" i="0" kern="1200" baseline="0" dirty="0" err="1" smtClean="0">
+                <a:solidFill>
+                  <a:schemeClr val="tx1"/>
+                </a:solidFill>
+                <a:effectLst/>
+                <a:latin typeface="+mn-lt"/>
+                <a:ea typeface="+mn-ea"/>
+                <a:cs typeface="+mn-cs"/>
+              </a:rPr>
+              <a:t>bleibt</a:t>
+            </a:r>
+            <a:endParaRPr lang="en-US" sz="1200" b="0" i="0" kern="1200" dirty="0" smtClean="0">
+              <a:solidFill>
+                <a:schemeClr val="tx1"/>
+              </a:solidFill>
+              <a:effectLst/>
+              <a:latin typeface="+mn-lt"/>
+              <a:ea typeface="+mn-ea"/>
+              <a:cs typeface="+mn-cs"/>
+            </a:endParaRPr>
+          </a:p>
+          <a:p>
+            <a:endParaRPr lang="en-US" sz="1200" b="0" i="0" kern="1200" dirty="0" smtClean="0">
+              <a:solidFill>
+                <a:schemeClr val="tx1"/>
+              </a:solidFill>
+              <a:effectLst/>
+              <a:latin typeface="+mn-lt"/>
+              <a:ea typeface="+mn-ea"/>
+              <a:cs typeface="+mn-cs"/>
+            </a:endParaRPr>
           </a:p>
         </p:txBody>
       </p:sp>
@@ -3861,6 +4123,10 @@
           <a:bodyPr/>
           <a:lstStyle/>
           <a:p>
+            <a:r>
+              <a:rPr lang="de-DE" dirty="0" smtClean="0"/>
+              <a:t>=&gt; Pendelt sich ein!</a:t>
+            </a:r>
             <a:endParaRPr lang="de-DE" dirty="0"/>
           </a:p>
         </p:txBody>
@@ -28807,11 +29073,7 @@
                 </a14:m>
                 <a:r>
                   <a:rPr lang="de-DE" dirty="0" smtClean="0"/>
-                  <a:t> </a:t>
-                </a:r>
-                <a:r>
-                  <a:rPr lang="de-DE" dirty="0" smtClean="0"/>
-                  <a:t>herangezogen </a:t>
+                  <a:t> und herangezogen </a:t>
                 </a:r>
                 <a:r>
                   <a:rPr lang="de-DE" dirty="0" smtClean="0"/>
@@ -28849,12 +29111,6 @@
                   <a:rPr lang="de-DE" dirty="0" smtClean="0"/>
                   <a:t>)</a:t>
                 </a:r>
-                <a:endParaRPr lang="de-DE" dirty="0"/>
-              </a:p>
-              <a:p>
-                <a:pPr marL="0" indent="0">
-                  <a:buNone/>
-                </a:pPr>
                 <a:endParaRPr lang="de-DE" dirty="0"/>
               </a:p>
               <a:p>
@@ -28912,7 +29168,19 @@
                         <a:rPr lang="de-DE" b="0" i="1" smtClean="0">
                           <a:latin typeface="Cambria Math" panose="02040503050406030204" pitchFamily="18" charset="0"/>
                         </a:rPr>
-                        <m:t> =</m:t>
+                        <m:t>(</m:t>
+                      </m:r>
+                      <m:r>
+                        <a:rPr lang="de-DE" b="0" i="1" smtClean="0">
+                          <a:latin typeface="Cambria Math" panose="02040503050406030204" pitchFamily="18" charset="0"/>
+                        </a:rPr>
+                        <m:t>𝑡</m:t>
+                      </m:r>
+                      <m:r>
+                        <a:rPr lang="de-DE" b="0" i="1" smtClean="0">
+                          <a:latin typeface="Cambria Math" panose="02040503050406030204" pitchFamily="18" charset="0"/>
+                        </a:rPr>
+                        <m:t>) =</m:t>
                       </m:r>
                       <m:d>
                         <m:dPr>
@@ -28972,6 +29240,29 @@
                                   </m:r>
                                 </m:sub>
                               </m:sSub>
+                              <m:d>
+                                <m:dPr>
+                                  <m:ctrlPr>
+                                    <a:rPr lang="de-DE" b="0" i="1" smtClean="0">
+                                      <a:latin typeface="Cambria Math" panose="02040503050406030204" pitchFamily="18" charset="0"/>
+                                    </a:rPr>
+                                  </m:ctrlPr>
+                                </m:dPr>
+                                <m:e>
+                                  <m:r>
+                                    <a:rPr lang="de-DE" b="0" i="1" smtClean="0">
+                                      <a:latin typeface="Cambria Math" panose="02040503050406030204" pitchFamily="18" charset="0"/>
+                                    </a:rPr>
+                                    <m:t>𝑡</m:t>
+                                  </m:r>
+                                </m:e>
+                              </m:d>
+                              <m:r>
+                                <a:rPr lang="de-DE" b="0" i="1" smtClean="0">
+                                  <a:latin typeface="Cambria Math" panose="02040503050406030204" pitchFamily="18" charset="0"/>
+                                </a:rPr>
+                                <m:t> </m:t>
+                              </m:r>
                               <m:r>
                                 <a:rPr lang="de-DE" b="0" i="1" smtClean="0">
                                   <a:latin typeface="Cambria Math" panose="02040503050406030204" pitchFamily="18" charset="0"/>
@@ -29011,7 +29302,13 @@
                                 <a:rPr lang="de-DE" b="0" i="1" smtClean="0">
                                   <a:latin typeface="Cambria Math" panose="02040503050406030204" pitchFamily="18" charset="0"/>
                                 </a:rPr>
-                                <m:t>&gt;0</m:t>
+                                <m:t>&gt; </m:t>
+                              </m:r>
+                              <m:r>
+                                <a:rPr lang="de-DE" b="0" i="1" smtClean="0">
+                                  <a:latin typeface="Cambria Math" panose="02040503050406030204" pitchFamily="18" charset="0"/>
+                                </a:rPr>
+                                <m:t>0</m:t>
                               </m:r>
                             </m:e>
                             <m:e>
@@ -29053,6 +29350,29 @@
                                   </m:r>
                                 </m:sub>
                               </m:sSub>
+                              <m:d>
+                                <m:dPr>
+                                  <m:ctrlPr>
+                                    <a:rPr lang="de-DE" b="0" i="1" smtClean="0">
+                                      <a:latin typeface="Cambria Math" panose="02040503050406030204" pitchFamily="18" charset="0"/>
+                                    </a:rPr>
+                                  </m:ctrlPr>
+                                </m:dPr>
+                                <m:e>
+                                  <m:r>
+                                    <a:rPr lang="de-DE" b="0" i="1" smtClean="0">
+                                      <a:latin typeface="Cambria Math" panose="02040503050406030204" pitchFamily="18" charset="0"/>
+                                    </a:rPr>
+                                    <m:t>𝑡</m:t>
+                                  </m:r>
+                                </m:e>
+                              </m:d>
+                              <m:r>
+                                <a:rPr lang="de-DE" b="0" i="1" smtClean="0">
+                                  <a:latin typeface="Cambria Math" panose="02040503050406030204" pitchFamily="18" charset="0"/>
+                                </a:rPr>
+                                <m:t> </m:t>
+                              </m:r>
                               <m:r>
                                 <a:rPr lang="de-DE" i="1">
                                   <a:latin typeface="Cambria Math" panose="02040503050406030204" pitchFamily="18" charset="0"/>
@@ -29103,13 +29423,19 @@
                             </m:e>
                             <m:e>
                               <m:r>
-                                <a:rPr lang="de-DE" i="1">
+                                <a:rPr lang="de-DE" i="1" smtClean="0">
                                   <a:latin typeface="Cambria Math" panose="02040503050406030204" pitchFamily="18" charset="0"/>
                                 </a:rPr>
-                                <m:t>0 </m:t>
+                                <m:t>0</m:t>
                               </m:r>
                               <m:r>
-                                <a:rPr lang="de-DE" i="1">
+                                <a:rPr lang="de-DE" b="0" i="1" smtClean="0">
+                                  <a:latin typeface="Cambria Math" panose="02040503050406030204" pitchFamily="18" charset="0"/>
+                                </a:rPr>
+                                <m:t> </m:t>
+                              </m:r>
+                              <m:r>
+                                <a:rPr lang="de-DE" b="0" i="1" smtClean="0">
                                   <a:latin typeface="Cambria Math" panose="02040503050406030204" pitchFamily="18" charset="0"/>
                                 </a:rPr>
                                 <m:t>𝑠𝑜𝑛𝑠𝑡</m:t>
@@ -29120,7 +29446,7 @@
                                 <a:rPr lang="de-DE" b="0" i="1" smtClean="0">
                                   <a:latin typeface="Cambria Math" panose="02040503050406030204" pitchFamily="18" charset="0"/>
                                 </a:rPr>
-                                <m:t>_</m:t>
+                                <m:t>−</m:t>
                               </m:r>
                             </m:e>
                           </m:eqArr>
@@ -29351,8 +29677,8 @@
           </a:p>
         </p:txBody>
       </p:sp>
-      <mc:AlternateContent xmlns:mc="http://schemas.openxmlformats.org/markup-compatibility/2006" xmlns:a14="http://schemas.microsoft.com/office/drawing/2010/main">
-        <mc:Choice Requires="a14">
+      <mc:AlternateContent xmlns:mc="http://schemas.openxmlformats.org/markup-compatibility/2006">
+        <mc:Choice xmlns:a14="http://schemas.microsoft.com/office/drawing/2010/main" Requires="a14">
           <p:sp>
             <p:nvSpPr>
               <p:cNvPr id="3" name="Inhaltsplatzhalter 2"/>
@@ -29626,7 +29952,19 @@
                         <a:rPr lang="de-DE" b="0" i="1" smtClean="0">
                           <a:latin typeface="Cambria Math" panose="02040503050406030204" pitchFamily="18" charset="0"/>
                         </a:rPr>
-                        <m:t> =</m:t>
+                        <m:t>(</m:t>
+                      </m:r>
+                      <m:r>
+                        <a:rPr lang="de-DE" b="0" i="1" smtClean="0">
+                          <a:latin typeface="Cambria Math" panose="02040503050406030204" pitchFamily="18" charset="0"/>
+                        </a:rPr>
+                        <m:t>𝑡</m:t>
+                      </m:r>
+                      <m:r>
+                        <a:rPr lang="de-DE" b="0" i="1" smtClean="0">
+                          <a:latin typeface="Cambria Math" panose="02040503050406030204" pitchFamily="18" charset="0"/>
+                        </a:rPr>
+                        <m:t>) =</m:t>
                       </m:r>
                       <m:d>
                         <m:dPr>
@@ -30166,7 +30504,7 @@
             </p:txBody>
           </p:sp>
         </mc:Choice>
-        <mc:Fallback xmlns="">
+        <mc:Fallback>
           <p:sp>
             <p:nvSpPr>
               <p:cNvPr id="3" name="Inhaltsplatzhalter 2"/>
@@ -31193,8 +31531,13 @@
           <a:p>
             <a:r>
               <a:rPr lang="de-DE" dirty="0" smtClean="0"/>
-              <a:t>Analog – Nikkei</a:t>
-            </a:r>
+              <a:t>Analog – </a:t>
+            </a:r>
+            <a:r>
+              <a:rPr lang="de-DE" dirty="0" smtClean="0"/>
+              <a:t>Nikkei 225</a:t>
+            </a:r>
+            <a:endParaRPr lang="de-DE" dirty="0" smtClean="0"/>
           </a:p>
           <a:p>
             <a:endParaRPr lang="de-DE" dirty="0"/>

--- a/3b_Vortrag/Präsentation.pptx
+++ b/3b_Vortrag/Präsentation.pptx
@@ -5,7 +5,7 @@
     <p:sldMasterId id="2147483648" r:id="rId1"/>
   </p:sldMasterIdLst>
   <p:notesMasterIdLst>
-    <p:notesMasterId r:id="rId57"/>
+    <p:notesMasterId r:id="rId58"/>
   </p:notesMasterIdLst>
   <p:sldIdLst>
     <p:sldId id="256" r:id="rId2"/>
@@ -49,20 +49,21 @@
     <p:sldId id="322" r:id="rId40"/>
     <p:sldId id="326" r:id="rId41"/>
     <p:sldId id="327" r:id="rId42"/>
-    <p:sldId id="317" r:id="rId43"/>
-    <p:sldId id="318" r:id="rId44"/>
-    <p:sldId id="325" r:id="rId45"/>
-    <p:sldId id="324" r:id="rId46"/>
-    <p:sldId id="282" r:id="rId47"/>
-    <p:sldId id="273" r:id="rId48"/>
-    <p:sldId id="283" r:id="rId49"/>
-    <p:sldId id="274" r:id="rId50"/>
-    <p:sldId id="284" r:id="rId51"/>
-    <p:sldId id="276" r:id="rId52"/>
-    <p:sldId id="285" r:id="rId53"/>
-    <p:sldId id="286" r:id="rId54"/>
-    <p:sldId id="306" r:id="rId55"/>
-    <p:sldId id="275" r:id="rId56"/>
+    <p:sldId id="328" r:id="rId43"/>
+    <p:sldId id="317" r:id="rId44"/>
+    <p:sldId id="318" r:id="rId45"/>
+    <p:sldId id="325" r:id="rId46"/>
+    <p:sldId id="324" r:id="rId47"/>
+    <p:sldId id="282" r:id="rId48"/>
+    <p:sldId id="273" r:id="rId49"/>
+    <p:sldId id="283" r:id="rId50"/>
+    <p:sldId id="274" r:id="rId51"/>
+    <p:sldId id="284" r:id="rId52"/>
+    <p:sldId id="276" r:id="rId53"/>
+    <p:sldId id="285" r:id="rId54"/>
+    <p:sldId id="286" r:id="rId55"/>
+    <p:sldId id="306" r:id="rId56"/>
+    <p:sldId id="275" r:id="rId57"/>
   </p:sldIdLst>
   <p:sldSz cx="12192000" cy="6858000"/>
   <p:notesSz cx="6858000" cy="9144000"/>
@@ -3291,16 +3292,17 @@
           <a:p>
             <a:r>
               <a:rPr lang="de-DE" dirty="0" smtClean="0"/>
-              <a:t>=&gt;Anstieg Positiv: Gewicht wird</a:t>
+              <a:t>=&gt;Anstieg Positiv: </a:t>
+            </a:r>
+            <a:r>
+              <a:rPr lang="de-DE" dirty="0" smtClean="0"/>
+              <a:t>Vorzeichen wird</a:t>
             </a:r>
             <a:r>
               <a:rPr lang="de-DE" baseline="0" dirty="0" smtClean="0"/>
-              <a:t> </a:t>
-            </a:r>
-            <a:r>
-              <a:rPr lang="de-DE" dirty="0" smtClean="0"/>
-              <a:t>verringert</a:t>
-            </a:r>
+              <a:t> umgekippt =&gt; Entspricht Schritt in umgekehrter Richtung</a:t>
+            </a:r>
+            <a:endParaRPr lang="de-DE" dirty="0" smtClean="0"/>
           </a:p>
           <a:p>
             <a:pPr marL="0" indent="0">
@@ -3317,8 +3319,13 @@
             </a:r>
             <a:r>
               <a:rPr lang="de-DE" dirty="0" smtClean="0"/>
-              <a:t>Anstieg Negativ: Gewicht wird erhöht</a:t>
-            </a:r>
+              <a:t>Anstieg Negativ: </a:t>
+            </a:r>
+            <a:r>
+              <a:rPr lang="de-DE" dirty="0" smtClean="0"/>
+              <a:t>Vorzeichen bleibt</a:t>
+            </a:r>
+            <a:endParaRPr lang="de-DE" dirty="0" smtClean="0"/>
           </a:p>
           <a:p>
             <a:pPr marL="0" indent="0">
@@ -3626,6 +3633,18 @@
               </a:rPr>
               <a:t>bleibt</a:t>
             </a:r>
+            <a:r>
+              <a:rPr lang="en-US" sz="1200" b="0" i="0" kern="1200" baseline="0" dirty="0" smtClean="0">
+                <a:solidFill>
+                  <a:schemeClr val="tx1"/>
+                </a:solidFill>
+                <a:effectLst/>
+                <a:latin typeface="+mn-lt"/>
+                <a:ea typeface="+mn-ea"/>
+                <a:cs typeface="+mn-cs"/>
+              </a:rPr>
+              <a:t>(Plateau)</a:t>
+            </a:r>
             <a:endParaRPr lang="en-US" sz="1200" b="0" i="0" kern="1200" baseline="0" dirty="0" smtClean="0">
               <a:solidFill>
                 <a:schemeClr val="tx1"/>
@@ -3855,8 +3874,41 @@
                 <a:ea typeface="+mn-ea"/>
                 <a:cs typeface="+mn-cs"/>
               </a:rPr>
-              <a:t>!)</a:t>
-            </a:r>
+              <a:t>!)(</a:t>
+            </a:r>
+            <a:r>
+              <a:rPr lang="en-US" sz="1200" b="0" i="0" kern="1200" baseline="0" dirty="0" err="1" smtClean="0">
+                <a:solidFill>
+                  <a:schemeClr val="tx1"/>
+                </a:solidFill>
+                <a:effectLst/>
+                <a:latin typeface="+mn-lt"/>
+                <a:ea typeface="+mn-ea"/>
+                <a:cs typeface="+mn-cs"/>
+              </a:rPr>
+              <a:t>Oszillation</a:t>
+            </a:r>
+            <a:r>
+              <a:rPr lang="en-US" sz="1200" b="0" i="0" kern="1200" baseline="0" dirty="0" smtClean="0">
+                <a:solidFill>
+                  <a:schemeClr val="tx1"/>
+                </a:solidFill>
+                <a:effectLst/>
+                <a:latin typeface="+mn-lt"/>
+                <a:ea typeface="+mn-ea"/>
+                <a:cs typeface="+mn-cs"/>
+              </a:rPr>
+              <a:t>)</a:t>
+            </a:r>
+            <a:endParaRPr lang="en-US" sz="1200" b="0" i="0" kern="1200" baseline="0" dirty="0" smtClean="0">
+              <a:solidFill>
+                <a:schemeClr val="tx1"/>
+              </a:solidFill>
+              <a:effectLst/>
+              <a:latin typeface="+mn-lt"/>
+              <a:ea typeface="+mn-ea"/>
+              <a:cs typeface="+mn-cs"/>
+            </a:endParaRPr>
           </a:p>
           <a:p>
             <a:pPr marL="171450" indent="-171450">
@@ -4123,11 +4175,627 @@
           <a:bodyPr/>
           <a:lstStyle/>
           <a:p>
-            <a:r>
-              <a:rPr lang="de-DE" dirty="0" smtClean="0"/>
-              <a:t>=&gt; Pendelt sich ein!</a:t>
-            </a:r>
-            <a:endParaRPr lang="de-DE" dirty="0"/>
+            <a:pPr marL="171450" indent="-171450">
+              <a:buFont typeface="Symbol" panose="05050102010706020507" pitchFamily="18" charset="2"/>
+              <a:buChar char="Þ"/>
+            </a:pPr>
+            <a:r>
+              <a:rPr lang="en-US" sz="1200" b="0" i="0" kern="1200" dirty="0" err="1" smtClean="0">
+                <a:solidFill>
+                  <a:schemeClr val="tx1"/>
+                </a:solidFill>
+                <a:effectLst/>
+                <a:latin typeface="+mn-lt"/>
+                <a:ea typeface="+mn-ea"/>
+                <a:cs typeface="+mn-cs"/>
+              </a:rPr>
+              <a:t>Schreitweite</a:t>
+            </a:r>
+            <a:r>
+              <a:rPr lang="en-US" sz="1200" b="0" i="0" kern="1200" baseline="0" dirty="0" smtClean="0">
+                <a:solidFill>
+                  <a:schemeClr val="tx1"/>
+                </a:solidFill>
+                <a:effectLst/>
+                <a:latin typeface="+mn-lt"/>
+                <a:ea typeface="+mn-ea"/>
+                <a:cs typeface="+mn-cs"/>
+              </a:rPr>
+              <a:t> des </a:t>
+            </a:r>
+            <a:r>
+              <a:rPr lang="en-US" sz="1200" b="0" i="0" kern="1200" baseline="0" dirty="0" err="1" smtClean="0">
+                <a:solidFill>
+                  <a:schemeClr val="tx1"/>
+                </a:solidFill>
+                <a:effectLst/>
+                <a:latin typeface="+mn-lt"/>
+                <a:ea typeface="+mn-ea"/>
+                <a:cs typeface="+mn-cs"/>
+              </a:rPr>
+              <a:t>Betrages</a:t>
+            </a:r>
+            <a:r>
+              <a:rPr lang="en-US" sz="1200" b="0" i="0" kern="1200" baseline="0" dirty="0" smtClean="0">
+                <a:solidFill>
+                  <a:schemeClr val="tx1"/>
+                </a:solidFill>
+                <a:effectLst/>
+                <a:latin typeface="+mn-lt"/>
+                <a:ea typeface="+mn-ea"/>
+                <a:cs typeface="+mn-cs"/>
+              </a:rPr>
+              <a:t> der </a:t>
+            </a:r>
+            <a:r>
+              <a:rPr lang="en-US" sz="1200" b="0" i="0" kern="1200" baseline="0" dirty="0" err="1" smtClean="0">
+                <a:solidFill>
+                  <a:schemeClr val="tx1"/>
+                </a:solidFill>
+                <a:effectLst/>
+                <a:latin typeface="+mn-lt"/>
+                <a:ea typeface="+mn-ea"/>
+                <a:cs typeface="+mn-cs"/>
+              </a:rPr>
+              <a:t>Gewichtsveränderung</a:t>
+            </a:r>
+            <a:r>
+              <a:rPr lang="en-US" sz="1200" b="0" i="0" kern="1200" baseline="0" dirty="0" smtClean="0">
+                <a:solidFill>
+                  <a:schemeClr val="tx1"/>
+                </a:solidFill>
+                <a:effectLst/>
+                <a:latin typeface="+mn-lt"/>
+                <a:ea typeface="+mn-ea"/>
+                <a:cs typeface="+mn-cs"/>
+              </a:rPr>
+              <a:t> </a:t>
+            </a:r>
+            <a:r>
+              <a:rPr lang="en-US" sz="1200" b="0" i="0" kern="1200" baseline="0" dirty="0" err="1" smtClean="0">
+                <a:solidFill>
+                  <a:schemeClr val="tx1"/>
+                </a:solidFill>
+                <a:effectLst/>
+                <a:latin typeface="+mn-lt"/>
+                <a:ea typeface="+mn-ea"/>
+                <a:cs typeface="+mn-cs"/>
+              </a:rPr>
+              <a:t>wird</a:t>
+            </a:r>
+            <a:r>
+              <a:rPr lang="en-US" sz="1200" b="0" i="0" kern="1200" baseline="0" dirty="0" smtClean="0">
+                <a:solidFill>
+                  <a:schemeClr val="tx1"/>
+                </a:solidFill>
+                <a:effectLst/>
+                <a:latin typeface="+mn-lt"/>
+                <a:ea typeface="+mn-ea"/>
+                <a:cs typeface="+mn-cs"/>
+              </a:rPr>
+              <a:t> </a:t>
+            </a:r>
+            <a:r>
+              <a:rPr lang="en-US" sz="1200" b="0" i="0" kern="1200" baseline="0" dirty="0" err="1" smtClean="0">
+                <a:solidFill>
+                  <a:schemeClr val="tx1"/>
+                </a:solidFill>
+                <a:effectLst/>
+                <a:latin typeface="+mn-lt"/>
+                <a:ea typeface="+mn-ea"/>
+                <a:cs typeface="+mn-cs"/>
+              </a:rPr>
+              <a:t>erhöht</a:t>
+            </a:r>
+            <a:r>
+              <a:rPr lang="en-US" sz="1200" b="0" i="0" kern="1200" baseline="0" dirty="0" smtClean="0">
+                <a:solidFill>
+                  <a:schemeClr val="tx1"/>
+                </a:solidFill>
+                <a:effectLst/>
+                <a:latin typeface="+mn-lt"/>
+                <a:ea typeface="+mn-ea"/>
+                <a:cs typeface="+mn-cs"/>
+              </a:rPr>
+              <a:t>, </a:t>
+            </a:r>
+            <a:r>
+              <a:rPr lang="en-US" sz="1200" b="0" i="0" kern="1200" baseline="0" dirty="0" err="1" smtClean="0">
+                <a:solidFill>
+                  <a:schemeClr val="tx1"/>
+                </a:solidFill>
+                <a:effectLst/>
+                <a:latin typeface="+mn-lt"/>
+                <a:ea typeface="+mn-ea"/>
+                <a:cs typeface="+mn-cs"/>
+              </a:rPr>
+              <a:t>wenn</a:t>
+            </a:r>
+            <a:r>
+              <a:rPr lang="en-US" sz="1200" b="0" i="0" kern="1200" baseline="0" dirty="0" smtClean="0">
+                <a:solidFill>
+                  <a:schemeClr val="tx1"/>
+                </a:solidFill>
+                <a:effectLst/>
+                <a:latin typeface="+mn-lt"/>
+                <a:ea typeface="+mn-ea"/>
+                <a:cs typeface="+mn-cs"/>
+              </a:rPr>
+              <a:t> der Gradient in der </a:t>
+            </a:r>
+            <a:r>
+              <a:rPr lang="en-US" sz="1200" b="0" i="0" kern="1200" baseline="0" dirty="0" err="1" smtClean="0">
+                <a:solidFill>
+                  <a:schemeClr val="tx1"/>
+                </a:solidFill>
+                <a:effectLst/>
+                <a:latin typeface="+mn-lt"/>
+                <a:ea typeface="+mn-ea"/>
+                <a:cs typeface="+mn-cs"/>
+              </a:rPr>
+              <a:t>selben</a:t>
+            </a:r>
+            <a:r>
+              <a:rPr lang="en-US" sz="1200" b="0" i="0" kern="1200" baseline="0" dirty="0" smtClean="0">
+                <a:solidFill>
+                  <a:schemeClr val="tx1"/>
+                </a:solidFill>
+                <a:effectLst/>
+                <a:latin typeface="+mn-lt"/>
+                <a:ea typeface="+mn-ea"/>
+                <a:cs typeface="+mn-cs"/>
+              </a:rPr>
+              <a:t> </a:t>
+            </a:r>
+            <a:r>
+              <a:rPr lang="en-US" sz="1200" b="0" i="0" kern="1200" baseline="0" dirty="0" err="1" smtClean="0">
+                <a:solidFill>
+                  <a:schemeClr val="tx1"/>
+                </a:solidFill>
+                <a:effectLst/>
+                <a:latin typeface="+mn-lt"/>
+                <a:ea typeface="+mn-ea"/>
+                <a:cs typeface="+mn-cs"/>
+              </a:rPr>
+              <a:t>Richtung</a:t>
+            </a:r>
+            <a:r>
+              <a:rPr lang="en-US" sz="1200" b="0" i="0" kern="1200" baseline="0" dirty="0" smtClean="0">
+                <a:solidFill>
+                  <a:schemeClr val="tx1"/>
+                </a:solidFill>
+                <a:effectLst/>
+                <a:latin typeface="+mn-lt"/>
+                <a:ea typeface="+mn-ea"/>
+                <a:cs typeface="+mn-cs"/>
+              </a:rPr>
+              <a:t> </a:t>
+            </a:r>
+            <a:r>
+              <a:rPr lang="en-US" sz="1200" b="0" i="0" kern="1200" baseline="0" dirty="0" err="1" smtClean="0">
+                <a:solidFill>
+                  <a:schemeClr val="tx1"/>
+                </a:solidFill>
+                <a:effectLst/>
+                <a:latin typeface="+mn-lt"/>
+                <a:ea typeface="+mn-ea"/>
+                <a:cs typeface="+mn-cs"/>
+              </a:rPr>
+              <a:t>bleibt</a:t>
+            </a:r>
+            <a:endParaRPr lang="en-US" sz="1200" b="0" i="0" kern="1200" baseline="0" dirty="0" smtClean="0">
+              <a:solidFill>
+                <a:schemeClr val="tx1"/>
+              </a:solidFill>
+              <a:effectLst/>
+              <a:latin typeface="+mn-lt"/>
+              <a:ea typeface="+mn-ea"/>
+              <a:cs typeface="+mn-cs"/>
+            </a:endParaRPr>
+          </a:p>
+          <a:p>
+            <a:pPr marL="171450" indent="-171450">
+              <a:buFont typeface="Symbol" panose="05050102010706020507" pitchFamily="18" charset="2"/>
+              <a:buChar char="Þ"/>
+            </a:pPr>
+            <a:r>
+              <a:rPr lang="en-US" sz="1200" b="0" i="0" kern="1200" baseline="0" dirty="0" err="1" smtClean="0">
+                <a:solidFill>
+                  <a:schemeClr val="tx1"/>
+                </a:solidFill>
+                <a:effectLst/>
+                <a:latin typeface="+mn-lt"/>
+                <a:ea typeface="+mn-ea"/>
+                <a:cs typeface="+mn-cs"/>
+              </a:rPr>
+              <a:t>Schitweite</a:t>
+            </a:r>
+            <a:r>
+              <a:rPr lang="en-US" sz="1200" b="0" i="0" kern="1200" baseline="0" dirty="0" smtClean="0">
+                <a:solidFill>
+                  <a:schemeClr val="tx1"/>
+                </a:solidFill>
+                <a:effectLst/>
+                <a:latin typeface="+mn-lt"/>
+                <a:ea typeface="+mn-ea"/>
+                <a:cs typeface="+mn-cs"/>
+              </a:rPr>
+              <a:t> des </a:t>
+            </a:r>
+            <a:r>
+              <a:rPr lang="en-US" sz="1200" b="0" i="0" kern="1200" baseline="0" dirty="0" err="1" smtClean="0">
+                <a:solidFill>
+                  <a:schemeClr val="tx1"/>
+                </a:solidFill>
+                <a:effectLst/>
+                <a:latin typeface="+mn-lt"/>
+                <a:ea typeface="+mn-ea"/>
+                <a:cs typeface="+mn-cs"/>
+              </a:rPr>
+              <a:t>Betrages</a:t>
+            </a:r>
+            <a:r>
+              <a:rPr lang="en-US" sz="1200" b="0" i="0" kern="1200" baseline="0" dirty="0" smtClean="0">
+                <a:solidFill>
+                  <a:schemeClr val="tx1"/>
+                </a:solidFill>
+                <a:effectLst/>
+                <a:latin typeface="+mn-lt"/>
+                <a:ea typeface="+mn-ea"/>
+                <a:cs typeface="+mn-cs"/>
+              </a:rPr>
+              <a:t> der </a:t>
+            </a:r>
+            <a:r>
+              <a:rPr lang="en-US" sz="1200" b="0" i="0" kern="1200" baseline="0" dirty="0" err="1" smtClean="0">
+                <a:solidFill>
+                  <a:schemeClr val="tx1"/>
+                </a:solidFill>
+                <a:effectLst/>
+                <a:latin typeface="+mn-lt"/>
+                <a:ea typeface="+mn-ea"/>
+                <a:cs typeface="+mn-cs"/>
+              </a:rPr>
+              <a:t>Gewichtsveränderung</a:t>
+            </a:r>
+            <a:r>
+              <a:rPr lang="en-US" sz="1200" b="0" i="0" kern="1200" baseline="0" dirty="0" smtClean="0">
+                <a:solidFill>
+                  <a:schemeClr val="tx1"/>
+                </a:solidFill>
+                <a:effectLst/>
+                <a:latin typeface="+mn-lt"/>
+                <a:ea typeface="+mn-ea"/>
+                <a:cs typeface="+mn-cs"/>
+              </a:rPr>
+              <a:t> </a:t>
+            </a:r>
+            <a:r>
+              <a:rPr lang="en-US" sz="1200" b="0" i="0" kern="1200" baseline="0" dirty="0" err="1" smtClean="0">
+                <a:solidFill>
+                  <a:schemeClr val="tx1"/>
+                </a:solidFill>
+                <a:effectLst/>
+                <a:latin typeface="+mn-lt"/>
+                <a:ea typeface="+mn-ea"/>
+                <a:cs typeface="+mn-cs"/>
+              </a:rPr>
+              <a:t>wird</a:t>
+            </a:r>
+            <a:r>
+              <a:rPr lang="en-US" sz="1200" b="0" i="0" kern="1200" baseline="0" dirty="0" smtClean="0">
+                <a:solidFill>
+                  <a:schemeClr val="tx1"/>
+                </a:solidFill>
+                <a:effectLst/>
+                <a:latin typeface="+mn-lt"/>
+                <a:ea typeface="+mn-ea"/>
+                <a:cs typeface="+mn-cs"/>
+              </a:rPr>
+              <a:t> </a:t>
+            </a:r>
+            <a:r>
+              <a:rPr lang="en-US" sz="1200" b="0" i="0" kern="1200" baseline="0" dirty="0" err="1" smtClean="0">
+                <a:solidFill>
+                  <a:schemeClr val="tx1"/>
+                </a:solidFill>
+                <a:effectLst/>
+                <a:latin typeface="+mn-lt"/>
+                <a:ea typeface="+mn-ea"/>
+                <a:cs typeface="+mn-cs"/>
+              </a:rPr>
+              <a:t>verrringert</a:t>
+            </a:r>
+            <a:r>
+              <a:rPr lang="en-US" sz="1200" b="0" i="0" kern="1200" baseline="0" dirty="0" smtClean="0">
+                <a:solidFill>
+                  <a:schemeClr val="tx1"/>
+                </a:solidFill>
+                <a:effectLst/>
+                <a:latin typeface="+mn-lt"/>
+                <a:ea typeface="+mn-ea"/>
+                <a:cs typeface="+mn-cs"/>
+              </a:rPr>
+              <a:t>, </a:t>
+            </a:r>
+            <a:r>
+              <a:rPr lang="en-US" sz="1200" b="0" i="0" kern="1200" baseline="0" dirty="0" err="1" smtClean="0">
+                <a:solidFill>
+                  <a:schemeClr val="tx1"/>
+                </a:solidFill>
+                <a:effectLst/>
+                <a:latin typeface="+mn-lt"/>
+                <a:ea typeface="+mn-ea"/>
+                <a:cs typeface="+mn-cs"/>
+              </a:rPr>
+              <a:t>wenn</a:t>
+            </a:r>
+            <a:r>
+              <a:rPr lang="en-US" sz="1200" b="0" i="0" kern="1200" baseline="0" dirty="0" smtClean="0">
+                <a:solidFill>
+                  <a:schemeClr val="tx1"/>
+                </a:solidFill>
+                <a:effectLst/>
+                <a:latin typeface="+mn-lt"/>
+                <a:ea typeface="+mn-ea"/>
+                <a:cs typeface="+mn-cs"/>
+              </a:rPr>
+              <a:t> der Gradient die </a:t>
+            </a:r>
+            <a:r>
+              <a:rPr lang="en-US" sz="1200" b="0" i="0" kern="1200" baseline="0" dirty="0" err="1" smtClean="0">
+                <a:solidFill>
+                  <a:schemeClr val="tx1"/>
+                </a:solidFill>
+                <a:effectLst/>
+                <a:latin typeface="+mn-lt"/>
+                <a:ea typeface="+mn-ea"/>
+                <a:cs typeface="+mn-cs"/>
+              </a:rPr>
+              <a:t>Richtung</a:t>
+            </a:r>
+            <a:r>
+              <a:rPr lang="en-US" sz="1200" b="0" i="0" kern="1200" baseline="0" dirty="0" smtClean="0">
+                <a:solidFill>
+                  <a:schemeClr val="tx1"/>
+                </a:solidFill>
+                <a:effectLst/>
+                <a:latin typeface="+mn-lt"/>
+                <a:ea typeface="+mn-ea"/>
+                <a:cs typeface="+mn-cs"/>
+              </a:rPr>
+              <a:t> </a:t>
+            </a:r>
+            <a:r>
+              <a:rPr lang="en-US" sz="1200" b="0" i="0" kern="1200" baseline="0" dirty="0" err="1" smtClean="0">
+                <a:solidFill>
+                  <a:schemeClr val="tx1"/>
+                </a:solidFill>
+                <a:effectLst/>
+                <a:latin typeface="+mn-lt"/>
+                <a:ea typeface="+mn-ea"/>
+                <a:cs typeface="+mn-cs"/>
+              </a:rPr>
+              <a:t>wechselt</a:t>
+            </a:r>
+            <a:r>
+              <a:rPr lang="en-US" sz="1200" b="0" i="0" kern="1200" baseline="0" dirty="0" smtClean="0">
+                <a:solidFill>
+                  <a:schemeClr val="tx1"/>
+                </a:solidFill>
+                <a:effectLst/>
+                <a:latin typeface="+mn-lt"/>
+                <a:ea typeface="+mn-ea"/>
+                <a:cs typeface="+mn-cs"/>
+              </a:rPr>
+              <a:t> (minima </a:t>
+            </a:r>
+            <a:r>
+              <a:rPr lang="en-US" sz="1200" b="0" i="0" kern="1200" baseline="0" dirty="0" err="1" smtClean="0">
+                <a:solidFill>
+                  <a:schemeClr val="tx1"/>
+                </a:solidFill>
+                <a:effectLst/>
+                <a:latin typeface="+mn-lt"/>
+                <a:ea typeface="+mn-ea"/>
+                <a:cs typeface="+mn-cs"/>
+              </a:rPr>
+              <a:t>gefunden</a:t>
+            </a:r>
+            <a:r>
+              <a:rPr lang="en-US" sz="1200" b="0" i="0" kern="1200" baseline="0" dirty="0" smtClean="0">
+                <a:solidFill>
+                  <a:schemeClr val="tx1"/>
+                </a:solidFill>
+                <a:effectLst/>
+                <a:latin typeface="+mn-lt"/>
+                <a:ea typeface="+mn-ea"/>
+                <a:cs typeface="+mn-cs"/>
+              </a:rPr>
+              <a:t>!)</a:t>
+            </a:r>
+          </a:p>
+          <a:p>
+            <a:pPr marL="171450" indent="-171450">
+              <a:buFont typeface="Symbol" panose="05050102010706020507" pitchFamily="18" charset="2"/>
+              <a:buChar char="Þ"/>
+            </a:pPr>
+            <a:r>
+              <a:rPr lang="en-US" sz="1200" b="0" i="0" kern="1200" baseline="0" dirty="0" err="1" smtClean="0">
+                <a:solidFill>
+                  <a:schemeClr val="tx1"/>
+                </a:solidFill>
+                <a:effectLst/>
+                <a:latin typeface="+mn-lt"/>
+                <a:ea typeface="+mn-ea"/>
+                <a:cs typeface="+mn-cs"/>
+              </a:rPr>
+              <a:t>Wenn</a:t>
+            </a:r>
+            <a:r>
+              <a:rPr lang="en-US" sz="1200" b="0" i="0" kern="1200" baseline="0" dirty="0" smtClean="0">
+                <a:solidFill>
+                  <a:schemeClr val="tx1"/>
+                </a:solidFill>
+                <a:effectLst/>
+                <a:latin typeface="+mn-lt"/>
+                <a:ea typeface="+mn-ea"/>
+                <a:cs typeface="+mn-cs"/>
+              </a:rPr>
+              <a:t> Gradient = 0 =&gt; </a:t>
+            </a:r>
+            <a:r>
+              <a:rPr lang="en-US" sz="1200" b="0" i="0" kern="1200" baseline="0" dirty="0" err="1" smtClean="0">
+                <a:solidFill>
+                  <a:schemeClr val="tx1"/>
+                </a:solidFill>
+                <a:effectLst/>
+                <a:latin typeface="+mn-lt"/>
+                <a:ea typeface="+mn-ea"/>
+                <a:cs typeface="+mn-cs"/>
+              </a:rPr>
+              <a:t>Schrittweite</a:t>
+            </a:r>
+            <a:r>
+              <a:rPr lang="en-US" sz="1200" b="0" i="0" kern="1200" baseline="0" dirty="0" smtClean="0">
+                <a:solidFill>
+                  <a:schemeClr val="tx1"/>
+                </a:solidFill>
+                <a:effectLst/>
+                <a:latin typeface="+mn-lt"/>
+                <a:ea typeface="+mn-ea"/>
+                <a:cs typeface="+mn-cs"/>
+              </a:rPr>
+              <a:t> so </a:t>
+            </a:r>
+            <a:r>
+              <a:rPr lang="en-US" sz="1200" b="0" i="0" kern="1200" baseline="0" dirty="0" err="1" smtClean="0">
+                <a:solidFill>
+                  <a:schemeClr val="tx1"/>
+                </a:solidFill>
+                <a:effectLst/>
+                <a:latin typeface="+mn-lt"/>
+                <a:ea typeface="+mn-ea"/>
+                <a:cs typeface="+mn-cs"/>
+              </a:rPr>
+              <a:t>lassen</a:t>
+            </a:r>
+            <a:r>
+              <a:rPr lang="en-US" sz="1200" b="0" i="0" kern="1200" baseline="0" dirty="0" smtClean="0">
+                <a:solidFill>
+                  <a:schemeClr val="tx1"/>
+                </a:solidFill>
+                <a:effectLst/>
+                <a:latin typeface="+mn-lt"/>
+                <a:ea typeface="+mn-ea"/>
+                <a:cs typeface="+mn-cs"/>
+              </a:rPr>
+              <a:t>, </a:t>
+            </a:r>
+            <a:r>
+              <a:rPr lang="en-US" sz="1200" b="0" i="0" kern="1200" baseline="0" dirty="0" err="1" smtClean="0">
+                <a:solidFill>
+                  <a:schemeClr val="tx1"/>
+                </a:solidFill>
+                <a:effectLst/>
+                <a:latin typeface="+mn-lt"/>
+                <a:ea typeface="+mn-ea"/>
+                <a:cs typeface="+mn-cs"/>
+              </a:rPr>
+              <a:t>damit</a:t>
+            </a:r>
+            <a:r>
+              <a:rPr lang="en-US" sz="1200" b="0" i="0" kern="1200" baseline="0" dirty="0" smtClean="0">
+                <a:solidFill>
+                  <a:schemeClr val="tx1"/>
+                </a:solidFill>
+                <a:effectLst/>
+                <a:latin typeface="+mn-lt"/>
+                <a:ea typeface="+mn-ea"/>
+                <a:cs typeface="+mn-cs"/>
+              </a:rPr>
+              <a:t> </a:t>
+            </a:r>
+            <a:r>
+              <a:rPr lang="en-US" sz="1200" b="0" i="0" kern="1200" baseline="0" dirty="0" err="1" smtClean="0">
+                <a:solidFill>
+                  <a:schemeClr val="tx1"/>
+                </a:solidFill>
+                <a:effectLst/>
+                <a:latin typeface="+mn-lt"/>
+                <a:ea typeface="+mn-ea"/>
+                <a:cs typeface="+mn-cs"/>
+              </a:rPr>
+              <a:t>Gewicht</a:t>
+            </a:r>
+            <a:r>
+              <a:rPr lang="en-US" sz="1200" b="0" i="0" kern="1200" baseline="0" dirty="0" smtClean="0">
+                <a:solidFill>
+                  <a:schemeClr val="tx1"/>
+                </a:solidFill>
+                <a:effectLst/>
+                <a:latin typeface="+mn-lt"/>
+                <a:ea typeface="+mn-ea"/>
+                <a:cs typeface="+mn-cs"/>
+              </a:rPr>
+              <a:t> </a:t>
+            </a:r>
+            <a:r>
+              <a:rPr lang="en-US" sz="1200" b="0" i="0" kern="1200" baseline="0" dirty="0" err="1" smtClean="0">
+                <a:solidFill>
+                  <a:schemeClr val="tx1"/>
+                </a:solidFill>
+                <a:effectLst/>
+                <a:latin typeface="+mn-lt"/>
+                <a:ea typeface="+mn-ea"/>
+                <a:cs typeface="+mn-cs"/>
+              </a:rPr>
+              <a:t>ebenfalls</a:t>
+            </a:r>
+            <a:r>
+              <a:rPr lang="en-US" sz="1200" b="0" i="0" kern="1200" baseline="0" dirty="0" smtClean="0">
+                <a:solidFill>
+                  <a:schemeClr val="tx1"/>
+                </a:solidFill>
+                <a:effectLst/>
+                <a:latin typeface="+mn-lt"/>
+                <a:ea typeface="+mn-ea"/>
+                <a:cs typeface="+mn-cs"/>
+              </a:rPr>
+              <a:t> </a:t>
+            </a:r>
+            <a:r>
+              <a:rPr lang="en-US" sz="1200" b="0" i="0" kern="1200" baseline="0" dirty="0" err="1" smtClean="0">
+                <a:solidFill>
+                  <a:schemeClr val="tx1"/>
+                </a:solidFill>
+                <a:effectLst/>
+                <a:latin typeface="+mn-lt"/>
+                <a:ea typeface="+mn-ea"/>
+                <a:cs typeface="+mn-cs"/>
+              </a:rPr>
+              <a:t>bleibt</a:t>
+            </a:r>
+            <a:endParaRPr lang="en-US" sz="1200" b="0" i="0" kern="1200" dirty="0" smtClean="0">
+              <a:solidFill>
+                <a:schemeClr val="tx1"/>
+              </a:solidFill>
+              <a:effectLst/>
+              <a:latin typeface="+mn-lt"/>
+              <a:ea typeface="+mn-ea"/>
+              <a:cs typeface="+mn-cs"/>
+            </a:endParaRPr>
+          </a:p>
+          <a:p>
+            <a:endParaRPr lang="en-US" sz="1200" b="0" i="0" kern="1200" dirty="0" smtClean="0">
+              <a:solidFill>
+                <a:schemeClr val="tx1"/>
+              </a:solidFill>
+              <a:effectLst/>
+              <a:latin typeface="+mn-lt"/>
+              <a:ea typeface="+mn-ea"/>
+              <a:cs typeface="+mn-cs"/>
+            </a:endParaRPr>
           </a:p>
         </p:txBody>
       </p:sp>
@@ -4158,7 +4826,7 @@
     </p:spTree>
     <p:extLst>
       <p:ext uri="{BB962C8B-B14F-4D97-AF65-F5344CB8AC3E}">
-        <p14:creationId xmlns:p14="http://schemas.microsoft.com/office/powerpoint/2010/main" val="1788656123"/>
+        <p14:creationId xmlns:p14="http://schemas.microsoft.com/office/powerpoint/2010/main" val="1186413083"/>
       </p:ext>
     </p:extLst>
   </p:cSld>
@@ -4212,6 +4880,10 @@
           <a:bodyPr/>
           <a:lstStyle/>
           <a:p>
+            <a:r>
+              <a:rPr lang="de-DE" dirty="0" smtClean="0"/>
+              <a:t>=&gt; Pendelt sich ein!</a:t>
+            </a:r>
             <a:endParaRPr lang="de-DE" dirty="0"/>
           </a:p>
         </p:txBody>
@@ -4243,7 +4915,7 @@
     </p:spTree>
     <p:extLst>
       <p:ext uri="{BB962C8B-B14F-4D97-AF65-F5344CB8AC3E}">
-        <p14:creationId xmlns:p14="http://schemas.microsoft.com/office/powerpoint/2010/main" val="170008971"/>
+        <p14:creationId xmlns:p14="http://schemas.microsoft.com/office/powerpoint/2010/main" val="1788656123"/>
       </p:ext>
     </p:extLst>
   </p:cSld>
@@ -4328,7 +5000,7 @@
     </p:spTree>
     <p:extLst>
       <p:ext uri="{BB962C8B-B14F-4D97-AF65-F5344CB8AC3E}">
-        <p14:creationId xmlns:p14="http://schemas.microsoft.com/office/powerpoint/2010/main" val="3262789401"/>
+        <p14:creationId xmlns:p14="http://schemas.microsoft.com/office/powerpoint/2010/main" val="170008971"/>
       </p:ext>
     </p:extLst>
   </p:cSld>
@@ -4413,7 +5085,7 @@
     </p:spTree>
     <p:extLst>
       <p:ext uri="{BB962C8B-B14F-4D97-AF65-F5344CB8AC3E}">
-        <p14:creationId xmlns:p14="http://schemas.microsoft.com/office/powerpoint/2010/main" val="2735871357"/>
+        <p14:creationId xmlns:p14="http://schemas.microsoft.com/office/powerpoint/2010/main" val="3262789401"/>
       </p:ext>
     </p:extLst>
   </p:cSld>
@@ -4509,6 +5181,91 @@
     <p:extLst>
       <p:ext uri="{BB962C8B-B14F-4D97-AF65-F5344CB8AC3E}">
         <p14:creationId xmlns:p14="http://schemas.microsoft.com/office/powerpoint/2010/main" val="1971542403"/>
+      </p:ext>
+    </p:extLst>
+  </p:cSld>
+  <p:clrMapOvr>
+    <a:masterClrMapping/>
+  </p:clrMapOvr>
+</p:notes>
+</file>
+
+<file path=ppt/notesSlides/notesSlide20.xml><?xml version="1.0" encoding="utf-8"?>
+<p:notes xmlns:a="http://schemas.openxmlformats.org/drawingml/2006/main" xmlns:r="http://schemas.openxmlformats.org/officeDocument/2006/relationships" xmlns:p="http://schemas.openxmlformats.org/presentationml/2006/main">
+  <p:cSld>
+    <p:spTree>
+      <p:nvGrpSpPr>
+        <p:cNvPr id="1" name=""/>
+        <p:cNvGrpSpPr/>
+        <p:nvPr/>
+      </p:nvGrpSpPr>
+      <p:grpSpPr>
+        <a:xfrm>
+          <a:off x="0" y="0"/>
+          <a:ext cx="0" cy="0"/>
+          <a:chOff x="0" y="0"/>
+          <a:chExt cx="0" cy="0"/>
+        </a:xfrm>
+      </p:grpSpPr>
+      <p:sp>
+        <p:nvSpPr>
+          <p:cNvPr id="2" name="Folienbildplatzhalter 1"/>
+          <p:cNvSpPr>
+            <a:spLocks noGrp="1" noRot="1" noChangeAspect="1"/>
+          </p:cNvSpPr>
+          <p:nvPr>
+            <p:ph type="sldImg"/>
+          </p:nvPr>
+        </p:nvSpPr>
+        <p:spPr/>
+      </p:sp>
+      <p:sp>
+        <p:nvSpPr>
+          <p:cNvPr id="3" name="Notizenplatzhalter 2"/>
+          <p:cNvSpPr>
+            <a:spLocks noGrp="1"/>
+          </p:cNvSpPr>
+          <p:nvPr>
+            <p:ph type="body" idx="1"/>
+          </p:nvPr>
+        </p:nvSpPr>
+        <p:spPr/>
+        <p:txBody>
+          <a:bodyPr/>
+          <a:lstStyle/>
+          <a:p>
+            <a:endParaRPr lang="de-DE" dirty="0"/>
+          </a:p>
+        </p:txBody>
+      </p:sp>
+      <p:sp>
+        <p:nvSpPr>
+          <p:cNvPr id="4" name="Foliennummernplatzhalter 3"/>
+          <p:cNvSpPr>
+            <a:spLocks noGrp="1"/>
+          </p:cNvSpPr>
+          <p:nvPr>
+            <p:ph type="sldNum" sz="quarter" idx="10"/>
+          </p:nvPr>
+        </p:nvSpPr>
+        <p:spPr/>
+        <p:txBody>
+          <a:bodyPr/>
+          <a:lstStyle/>
+          <a:p>
+            <a:fld id="{0B7A52FC-885B-48D0-94A7-F9F16D60E366}" type="slidenum">
+              <a:rPr lang="de-DE" smtClean="0"/>
+              <a:pPr/>
+              <a:t>45</a:t>
+            </a:fld>
+            <a:endParaRPr lang="de-DE"/>
+          </a:p>
+        </p:txBody>
+      </p:sp>
+    </p:spTree>
+    <p:extLst>
+      <p:ext uri="{BB962C8B-B14F-4D97-AF65-F5344CB8AC3E}">
+        <p14:creationId xmlns:p14="http://schemas.microsoft.com/office/powerpoint/2010/main" val="2735871357"/>
       </p:ext>
     </p:extLst>
   </p:cSld>
@@ -29009,8 +29766,8 @@
           </a:p>
         </p:txBody>
       </p:sp>
-      <mc:AlternateContent xmlns:mc="http://schemas.openxmlformats.org/markup-compatibility/2006">
-        <mc:Choice xmlns:a14="http://schemas.microsoft.com/office/drawing/2010/main" Requires="a14">
+      <mc:AlternateContent xmlns:mc="http://schemas.openxmlformats.org/markup-compatibility/2006" xmlns:a14="http://schemas.microsoft.com/office/drawing/2010/main">
+        <mc:Choice Requires="a14">
           <p:sp>
             <p:nvSpPr>
               <p:cNvPr id="3" name="Inhaltsplatzhalter 2"/>
@@ -29073,11 +29830,7 @@
                 </a14:m>
                 <a:r>
                   <a:rPr lang="de-DE" dirty="0" smtClean="0"/>
-                  <a:t> und herangezogen </a:t>
-                </a:r>
-                <a:r>
-                  <a:rPr lang="de-DE" dirty="0" smtClean="0"/>
-                  <a:t>(namens </a:t>
+                  <a:t> und herangezogen (namens </a:t>
                 </a:r>
                 <a14:m>
                   <m:oMath xmlns:m="http://schemas.openxmlformats.org/officeDocument/2006/math">
@@ -29302,13 +30055,7 @@
                                 <a:rPr lang="de-DE" b="0" i="1" smtClean="0">
                                   <a:latin typeface="Cambria Math" panose="02040503050406030204" pitchFamily="18" charset="0"/>
                                 </a:rPr>
-                                <m:t>&gt; </m:t>
-                              </m:r>
-                              <m:r>
-                                <a:rPr lang="de-DE" b="0" i="1" smtClean="0">
-                                  <a:latin typeface="Cambria Math" panose="02040503050406030204" pitchFamily="18" charset="0"/>
-                                </a:rPr>
-                                <m:t>0</m:t>
+                                <m:t>&gt; 0</m:t>
                               </m:r>
                             </m:e>
                             <m:e>
@@ -29508,7 +30255,7 @@
             </p:txBody>
           </p:sp>
         </mc:Choice>
-        <mc:Fallback>
+        <mc:Fallback xmlns="">
           <p:sp>
             <p:nvSpPr>
               <p:cNvPr id="3" name="Inhaltsplatzhalter 2"/>
@@ -29677,8 +30424,8 @@
           </a:p>
         </p:txBody>
       </p:sp>
-      <mc:AlternateContent xmlns:mc="http://schemas.openxmlformats.org/markup-compatibility/2006">
-        <mc:Choice xmlns:a14="http://schemas.microsoft.com/office/drawing/2010/main" Requires="a14">
+      <mc:AlternateContent xmlns:mc="http://schemas.openxmlformats.org/markup-compatibility/2006" xmlns:a14="http://schemas.microsoft.com/office/drawing/2010/main">
+        <mc:Choice Requires="a14">
           <p:sp>
             <p:nvSpPr>
               <p:cNvPr id="3" name="Inhaltsplatzhalter 2"/>
@@ -30504,7 +31251,7 @@
             </p:txBody>
           </p:sp>
         </mc:Choice>
-        <mc:Fallback>
+        <mc:Fallback xmlns="">
           <p:sp>
             <p:nvSpPr>
               <p:cNvPr id="3" name="Inhaltsplatzhalter 2"/>
@@ -30675,116 +31422,6 @@
       </p:sp>
       <p:sp>
         <p:nvSpPr>
-          <p:cNvPr id="3" name="Inhaltsplatzhalter 2"/>
-          <p:cNvSpPr>
-            <a:spLocks noGrp="1"/>
-          </p:cNvSpPr>
-          <p:nvPr>
-            <p:ph idx="1"/>
-          </p:nvPr>
-        </p:nvSpPr>
-        <p:spPr/>
-        <p:txBody>
-          <a:bodyPr>
-            <a:normAutofit/>
-          </a:bodyPr>
-          <a:lstStyle/>
-          <a:p>
-            <a:r>
-              <a:rPr lang="de-DE" dirty="0" smtClean="0"/>
-              <a:t>Resilient Backpropagation:</a:t>
-            </a:r>
-          </a:p>
-          <a:p>
-            <a:pPr lvl="1"/>
-            <a:r>
-              <a:rPr lang="de-DE" dirty="0" smtClean="0"/>
-              <a:t>Sehr effizienter Backpropapagation-Algorithmus.</a:t>
-            </a:r>
-          </a:p>
-          <a:p>
-            <a:pPr lvl="1"/>
-            <a:r>
-              <a:rPr lang="de-DE" dirty="0" smtClean="0"/>
-              <a:t>Verfügt über eine adaptive Lernrate.</a:t>
-            </a:r>
-          </a:p>
-          <a:p>
-            <a:pPr lvl="1"/>
-            <a:r>
-              <a:rPr lang="de-DE" dirty="0" smtClean="0"/>
-              <a:t>Benötigt keinen Momentum-Faktor.</a:t>
-            </a:r>
-          </a:p>
-          <a:p>
-            <a:pPr lvl="1"/>
-            <a:r>
-              <a:rPr lang="de-DE" dirty="0" smtClean="0"/>
-              <a:t>Ist in der Praxis meistens anderen Lernregeln überlegen.</a:t>
-            </a:r>
-            <a:endParaRPr lang="de-DE" dirty="0"/>
-          </a:p>
-          <a:p>
-            <a:endParaRPr lang="de-DE" dirty="0" smtClean="0"/>
-          </a:p>
-          <a:p>
-            <a:pPr marL="0" indent="0">
-              <a:buNone/>
-            </a:pPr>
-            <a:endParaRPr lang="de-DE" dirty="0"/>
-          </a:p>
-          <a:p>
-            <a:pPr marL="0" indent="0">
-              <a:buNone/>
-            </a:pPr>
-            <a:endParaRPr lang="de-DE" dirty="0" smtClean="0"/>
-          </a:p>
-          <a:p>
-            <a:pPr marL="0" indent="0">
-              <a:buNone/>
-            </a:pPr>
-            <a:endParaRPr lang="de-DE" dirty="0" smtClean="0"/>
-          </a:p>
-          <a:p>
-            <a:pPr marL="0" indent="0">
-              <a:buNone/>
-            </a:pPr>
-            <a:endParaRPr lang="de-DE" dirty="0" smtClean="0"/>
-          </a:p>
-          <a:p>
-            <a:pPr marL="0" indent="0">
-              <a:buNone/>
-            </a:pPr>
-            <a:endParaRPr lang="de-DE" dirty="0" smtClean="0"/>
-          </a:p>
-          <a:p>
-            <a:endParaRPr lang="de-DE" dirty="0" smtClean="0"/>
-          </a:p>
-          <a:p>
-            <a:endParaRPr lang="de-DE" dirty="0"/>
-          </a:p>
-          <a:p>
-            <a:endParaRPr lang="de-DE" dirty="0" smtClean="0"/>
-          </a:p>
-          <a:p>
-            <a:endParaRPr lang="de-DE" dirty="0"/>
-          </a:p>
-          <a:p>
-            <a:pPr marL="0" indent="0">
-              <a:buNone/>
-            </a:pPr>
-            <a:endParaRPr lang="de-DE" dirty="0"/>
-          </a:p>
-          <a:p>
-            <a:pPr marL="0" indent="0">
-              <a:buNone/>
-            </a:pPr>
-            <a:endParaRPr lang="de-DE" dirty="0" smtClean="0"/>
-          </a:p>
-        </p:txBody>
-      </p:sp>
-      <p:sp>
-        <p:nvSpPr>
           <p:cNvPr id="4" name="Datumsplatzhalter 3"/>
           <p:cNvSpPr>
             <a:spLocks noGrp="1"/>
@@ -30854,10 +31491,39 @@
           </a:p>
         </p:txBody>
       </p:sp>
+      <p:pic>
+        <p:nvPicPr>
+          <p:cNvPr id="8" name="Inhaltsplatzhalter 7"/>
+          <p:cNvPicPr>
+            <a:picLocks noGrp="1" noChangeAspect="1"/>
+          </p:cNvPicPr>
+          <p:nvPr>
+            <p:ph idx="1"/>
+          </p:nvPr>
+        </p:nvPicPr>
+        <p:blipFill>
+          <a:blip r:embed="rId3">
+            <a:extLst>
+              <a:ext uri="{28A0092B-C50C-407E-A947-70E740481C1C}">
+                <a14:useLocalDpi xmlns:a14="http://schemas.microsoft.com/office/drawing/2010/main" val="0"/>
+              </a:ext>
+            </a:extLst>
+          </a:blip>
+          <a:stretch>
+            <a:fillRect/>
+          </a:stretch>
+        </p:blipFill>
+        <p:spPr>
+          <a:xfrm>
+            <a:off x="2862929" y="1636294"/>
+            <a:ext cx="6530977" cy="4083470"/>
+          </a:xfrm>
+        </p:spPr>
+      </p:pic>
     </p:spTree>
     <p:extLst>
       <p:ext uri="{BB962C8B-B14F-4D97-AF65-F5344CB8AC3E}">
-        <p14:creationId xmlns:p14="http://schemas.microsoft.com/office/powerpoint/2010/main" val="457440247"/>
+        <p14:creationId xmlns:p14="http://schemas.microsoft.com/office/powerpoint/2010/main" val="1620048498"/>
       </p:ext>
     </p:extLst>
   </p:cSld>
@@ -30937,24 +31603,46 @@
           <a:p>
             <a:r>
               <a:rPr lang="de-DE" dirty="0" smtClean="0"/>
-              <a:t>Endgültiges Netz – DAX</a:t>
-            </a:r>
-          </a:p>
-          <a:p>
+              <a:t>Resilient Backpropagation:</a:t>
+            </a:r>
+          </a:p>
+          <a:p>
+            <a:pPr lvl="1"/>
+            <a:r>
+              <a:rPr lang="de-DE" dirty="0" smtClean="0"/>
+              <a:t>Sehr effizienter Backpropapagation-Algorithmus.</a:t>
+            </a:r>
+          </a:p>
+          <a:p>
+            <a:pPr lvl="1"/>
+            <a:r>
+              <a:rPr lang="de-DE" dirty="0" smtClean="0"/>
+              <a:t>Verfügt über eine adaptive Lernrate.</a:t>
+            </a:r>
+          </a:p>
+          <a:p>
+            <a:pPr lvl="1"/>
+            <a:r>
+              <a:rPr lang="de-DE" dirty="0" smtClean="0"/>
+              <a:t>Benötigt keinen Momentum-Faktor.</a:t>
+            </a:r>
+          </a:p>
+          <a:p>
+            <a:pPr lvl="1"/>
+            <a:r>
+              <a:rPr lang="de-DE" dirty="0" smtClean="0"/>
+              <a:t>Ist in der Praxis meistens anderen Lernregeln überlegen.</a:t>
+            </a:r>
             <a:endParaRPr lang="de-DE" dirty="0"/>
           </a:p>
           <a:p>
             <a:endParaRPr lang="de-DE" dirty="0" smtClean="0"/>
           </a:p>
           <a:p>
+            <a:pPr marL="0" indent="0">
+              <a:buNone/>
+            </a:pPr>
             <a:endParaRPr lang="de-DE" dirty="0"/>
-          </a:p>
-          <a:p>
-            <a:endParaRPr lang="de-DE" dirty="0" smtClean="0"/>
-          </a:p>
-          <a:p>
-            <a:pPr algn="r"/>
-            <a:endParaRPr lang="de-DE" dirty="0" smtClean="0"/>
           </a:p>
           <a:p>
             <a:pPr marL="0" indent="0">
@@ -30981,15 +31669,6 @@
             <a:endParaRPr lang="de-DE" dirty="0" smtClean="0"/>
           </a:p>
           <a:p>
-            <a:pPr marL="0" indent="0">
-              <a:buNone/>
-            </a:pPr>
-            <a:endParaRPr lang="de-DE" dirty="0" smtClean="0"/>
-          </a:p>
-          <a:p>
-            <a:pPr marL="0" indent="0">
-              <a:buNone/>
-            </a:pPr>
             <a:endParaRPr lang="de-DE" dirty="0" smtClean="0"/>
           </a:p>
           <a:p>
@@ -31081,6 +31760,238 @@
               <a:rPr lang="de-DE" smtClean="0"/>
               <a:pPr/>
               <a:t>42</a:t>
+            </a:fld>
+            <a:endParaRPr lang="de-DE" dirty="0"/>
+          </a:p>
+        </p:txBody>
+      </p:sp>
+    </p:spTree>
+    <p:extLst>
+      <p:ext uri="{BB962C8B-B14F-4D97-AF65-F5344CB8AC3E}">
+        <p14:creationId xmlns:p14="http://schemas.microsoft.com/office/powerpoint/2010/main" val="457440247"/>
+      </p:ext>
+    </p:extLst>
+  </p:cSld>
+  <p:clrMapOvr>
+    <a:masterClrMapping/>
+  </p:clrMapOvr>
+  <p:timing>
+    <p:tnLst>
+      <p:par>
+        <p:cTn id="1" dur="indefinite" restart="never" nodeType="tmRoot"/>
+      </p:par>
+    </p:tnLst>
+  </p:timing>
+</p:sld>
+</file>
+
+<file path=ppt/slides/slide44.xml><?xml version="1.0" encoding="utf-8"?>
+<p:sld xmlns:a="http://schemas.openxmlformats.org/drawingml/2006/main" xmlns:r="http://schemas.openxmlformats.org/officeDocument/2006/relationships" xmlns:p="http://schemas.openxmlformats.org/presentationml/2006/main">
+  <p:cSld>
+    <p:spTree>
+      <p:nvGrpSpPr>
+        <p:cNvPr id="1" name=""/>
+        <p:cNvGrpSpPr/>
+        <p:nvPr/>
+      </p:nvGrpSpPr>
+      <p:grpSpPr>
+        <a:xfrm>
+          <a:off x="0" y="0"/>
+          <a:ext cx="0" cy="0"/>
+          <a:chOff x="0" y="0"/>
+          <a:chExt cx="0" cy="0"/>
+        </a:xfrm>
+      </p:grpSpPr>
+      <p:sp>
+        <p:nvSpPr>
+          <p:cNvPr id="2" name="Titel 1"/>
+          <p:cNvSpPr>
+            <a:spLocks noGrp="1"/>
+          </p:cNvSpPr>
+          <p:nvPr>
+            <p:ph type="title"/>
+          </p:nvPr>
+        </p:nvSpPr>
+        <p:spPr/>
+        <p:txBody>
+          <a:bodyPr/>
+          <a:lstStyle/>
+          <a:p>
+            <a:pPr marL="857250" indent="-857250">
+              <a:buFont typeface="+mj-lt"/>
+              <a:buAutoNum type="romanUcPeriod" startAt="5"/>
+            </a:pPr>
+            <a:r>
+              <a:rPr lang="de-DE" b="1" dirty="0" smtClean="0"/>
+              <a:t>Umsetzung des künstlichen neuronalen Netzes</a:t>
+            </a:r>
+            <a:endParaRPr lang="de-DE" dirty="0"/>
+          </a:p>
+        </p:txBody>
+      </p:sp>
+      <p:sp>
+        <p:nvSpPr>
+          <p:cNvPr id="3" name="Inhaltsplatzhalter 2"/>
+          <p:cNvSpPr>
+            <a:spLocks noGrp="1"/>
+          </p:cNvSpPr>
+          <p:nvPr>
+            <p:ph idx="1"/>
+          </p:nvPr>
+        </p:nvSpPr>
+        <p:spPr/>
+        <p:txBody>
+          <a:bodyPr>
+            <a:normAutofit/>
+          </a:bodyPr>
+          <a:lstStyle/>
+          <a:p>
+            <a:r>
+              <a:rPr lang="de-DE" dirty="0" smtClean="0"/>
+              <a:t>Endgültiges Netz – DAX</a:t>
+            </a:r>
+          </a:p>
+          <a:p>
+            <a:endParaRPr lang="de-DE" dirty="0"/>
+          </a:p>
+          <a:p>
+            <a:endParaRPr lang="de-DE" dirty="0" smtClean="0"/>
+          </a:p>
+          <a:p>
+            <a:endParaRPr lang="de-DE" dirty="0"/>
+          </a:p>
+          <a:p>
+            <a:endParaRPr lang="de-DE" dirty="0" smtClean="0"/>
+          </a:p>
+          <a:p>
+            <a:pPr algn="r"/>
+            <a:endParaRPr lang="de-DE" dirty="0" smtClean="0"/>
+          </a:p>
+          <a:p>
+            <a:pPr marL="0" indent="0">
+              <a:buNone/>
+            </a:pPr>
+            <a:endParaRPr lang="de-DE" dirty="0" smtClean="0"/>
+          </a:p>
+          <a:p>
+            <a:pPr marL="0" indent="0">
+              <a:buNone/>
+            </a:pPr>
+            <a:endParaRPr lang="de-DE" dirty="0" smtClean="0"/>
+          </a:p>
+          <a:p>
+            <a:pPr marL="0" indent="0">
+              <a:buNone/>
+            </a:pPr>
+            <a:endParaRPr lang="de-DE" dirty="0" smtClean="0"/>
+          </a:p>
+          <a:p>
+            <a:pPr marL="0" indent="0">
+              <a:buNone/>
+            </a:pPr>
+            <a:endParaRPr lang="de-DE" dirty="0" smtClean="0"/>
+          </a:p>
+          <a:p>
+            <a:pPr marL="0" indent="0">
+              <a:buNone/>
+            </a:pPr>
+            <a:endParaRPr lang="de-DE" dirty="0" smtClean="0"/>
+          </a:p>
+          <a:p>
+            <a:pPr marL="0" indent="0">
+              <a:buNone/>
+            </a:pPr>
+            <a:endParaRPr lang="de-DE" dirty="0" smtClean="0"/>
+          </a:p>
+          <a:p>
+            <a:endParaRPr lang="de-DE" dirty="0"/>
+          </a:p>
+          <a:p>
+            <a:endParaRPr lang="de-DE" dirty="0" smtClean="0"/>
+          </a:p>
+          <a:p>
+            <a:endParaRPr lang="de-DE" dirty="0"/>
+          </a:p>
+          <a:p>
+            <a:pPr marL="0" indent="0">
+              <a:buNone/>
+            </a:pPr>
+            <a:endParaRPr lang="de-DE" dirty="0"/>
+          </a:p>
+          <a:p>
+            <a:pPr marL="0" indent="0">
+              <a:buNone/>
+            </a:pPr>
+            <a:endParaRPr lang="de-DE" dirty="0" smtClean="0"/>
+          </a:p>
+        </p:txBody>
+      </p:sp>
+      <p:sp>
+        <p:nvSpPr>
+          <p:cNvPr id="4" name="Datumsplatzhalter 3"/>
+          <p:cNvSpPr>
+            <a:spLocks noGrp="1"/>
+          </p:cNvSpPr>
+          <p:nvPr>
+            <p:ph type="dt" sz="half" idx="10"/>
+          </p:nvPr>
+        </p:nvSpPr>
+        <p:spPr/>
+        <p:txBody>
+          <a:bodyPr/>
+          <a:lstStyle/>
+          <a:p>
+            <a:fld id="{7AC709DD-AC18-4FBA-B4E6-46DED743653E}" type="datetime1">
+              <a:rPr lang="de-DE" smtClean="0"/>
+              <a:pPr/>
+              <a:t>19.12.2015</a:t>
+            </a:fld>
+            <a:endParaRPr lang="de-DE"/>
+          </a:p>
+        </p:txBody>
+      </p:sp>
+      <p:sp>
+        <p:nvSpPr>
+          <p:cNvPr id="5" name="Fußzeilenplatzhalter 4"/>
+          <p:cNvSpPr>
+            <a:spLocks noGrp="1"/>
+          </p:cNvSpPr>
+          <p:nvPr>
+            <p:ph type="ftr" sz="quarter" idx="11"/>
+          </p:nvPr>
+        </p:nvSpPr>
+        <p:spPr/>
+        <p:txBody>
+          <a:bodyPr/>
+          <a:lstStyle/>
+          <a:p>
+            <a:r>
+              <a:rPr lang="de-DE" smtClean="0"/>
+              <a:t>Fakultät Informatik             Sebastian Schötteler &amp; Benedikt Hofrichter</a:t>
+            </a:r>
+            <a:endParaRPr lang="de-DE" dirty="0"/>
+          </a:p>
+        </p:txBody>
+      </p:sp>
+      <p:sp>
+        <p:nvSpPr>
+          <p:cNvPr id="6" name="Foliennummernplatzhalter 5"/>
+          <p:cNvSpPr>
+            <a:spLocks noGrp="1"/>
+          </p:cNvSpPr>
+          <p:nvPr>
+            <p:ph type="sldNum" sz="quarter" idx="12"/>
+          </p:nvPr>
+        </p:nvSpPr>
+        <p:spPr/>
+        <p:txBody>
+          <a:bodyPr/>
+          <a:lstStyle/>
+          <a:p>
+            <a:fld id="{0E226D3C-400E-4353-AAC2-09A0472DC536}" type="slidenum">
+              <a:rPr lang="de-DE" smtClean="0"/>
+              <a:pPr/>
+              <a:t>43</a:t>
             </a:fld>
             <a:endParaRPr lang="de-DE" dirty="0"/>
           </a:p>
@@ -31463,7 +32374,7 @@
 </p:sld>
 </file>
 
-<file path=ppt/slides/slide44.xml><?xml version="1.0" encoding="utf-8"?>
+<file path=ppt/slides/slide45.xml><?xml version="1.0" encoding="utf-8"?>
 <p:sld xmlns:a="http://schemas.openxmlformats.org/drawingml/2006/main" xmlns:r="http://schemas.openxmlformats.org/officeDocument/2006/relationships" xmlns:p="http://schemas.openxmlformats.org/presentationml/2006/main">
   <p:cSld>
     <p:spTree>
@@ -31531,13 +32442,8 @@
           <a:p>
             <a:r>
               <a:rPr lang="de-DE" dirty="0" smtClean="0"/>
-              <a:t>Analog – </a:t>
-            </a:r>
-            <a:r>
-              <a:rPr lang="de-DE" dirty="0" smtClean="0"/>
-              <a:t>Nikkei 225</a:t>
-            </a:r>
-            <a:endParaRPr lang="de-DE" dirty="0" smtClean="0"/>
+              <a:t>Analog – Nikkei 225</a:t>
+            </a:r>
           </a:p>
           <a:p>
             <a:endParaRPr lang="de-DE" dirty="0"/>
@@ -31679,7 +32585,7 @@
             <a:fld id="{0E226D3C-400E-4353-AAC2-09A0472DC536}" type="slidenum">
               <a:rPr lang="de-DE" smtClean="0"/>
               <a:pPr/>
-              <a:t>43</a:t>
+              <a:t>44</a:t>
             </a:fld>
             <a:endParaRPr lang="de-DE" dirty="0"/>
           </a:p>
@@ -32062,7 +32968,7 @@
 </p:sld>
 </file>
 
-<file path=ppt/slides/slide45.xml><?xml version="1.0" encoding="utf-8"?>
+<file path=ppt/slides/slide46.xml><?xml version="1.0" encoding="utf-8"?>
 <p:sld xmlns:a="http://schemas.openxmlformats.org/drawingml/2006/main" xmlns:r="http://schemas.openxmlformats.org/officeDocument/2006/relationships" xmlns:p="http://schemas.openxmlformats.org/presentationml/2006/main">
   <p:cSld>
     <p:spTree>
@@ -32268,7 +33174,7 @@
             <a:fld id="{0E226D3C-400E-4353-AAC2-09A0472DC536}" type="slidenum">
               <a:rPr lang="de-DE" smtClean="0"/>
               <a:pPr/>
-              <a:t>44</a:t>
+              <a:t>45</a:t>
             </a:fld>
             <a:endParaRPr lang="de-DE" dirty="0"/>
           </a:p>
@@ -32651,7 +33557,7 @@
 </p:sld>
 </file>
 
-<file path=ppt/slides/slide46.xml><?xml version="1.0" encoding="utf-8"?>
+<file path=ppt/slides/slide47.xml><?xml version="1.0" encoding="utf-8"?>
 <p:sld xmlns:a="http://schemas.openxmlformats.org/drawingml/2006/main" xmlns:r="http://schemas.openxmlformats.org/officeDocument/2006/relationships" xmlns:p="http://schemas.openxmlformats.org/presentationml/2006/main">
   <p:cSld>
     <p:spTree>
@@ -32733,7 +33639,7 @@
             <a:fld id="{0E226D3C-400E-4353-AAC2-09A0472DC536}" type="slidenum">
               <a:rPr lang="de-DE" smtClean="0"/>
               <a:pPr/>
-              <a:t>45</a:t>
+              <a:t>46</a:t>
             </a:fld>
             <a:endParaRPr lang="de-DE" dirty="0"/>
           </a:p>
@@ -32945,7 +33851,7 @@
 </p:sld>
 </file>
 
-<file path=ppt/slides/slide47.xml><?xml version="1.0" encoding="utf-8"?>
+<file path=ppt/slides/slide48.xml><?xml version="1.0" encoding="utf-8"?>
 <p:sld xmlns:a="http://schemas.openxmlformats.org/drawingml/2006/main" xmlns:r="http://schemas.openxmlformats.org/officeDocument/2006/relationships" xmlns:p="http://schemas.openxmlformats.org/presentationml/2006/main">
   <p:cSld>
     <p:spTree>
@@ -33077,7 +33983,7 @@
             <a:fld id="{0E226D3C-400E-4353-AAC2-09A0472DC536}" type="slidenum">
               <a:rPr lang="de-DE" smtClean="0"/>
               <a:pPr/>
-              <a:t>46</a:t>
+              <a:t>47</a:t>
             </a:fld>
             <a:endParaRPr lang="de-DE" dirty="0"/>
           </a:p>
@@ -33103,7 +34009,7 @@
 </p:sld>
 </file>
 
-<file path=ppt/slides/slide48.xml><?xml version="1.0" encoding="utf-8"?>
+<file path=ppt/slides/slide49.xml><?xml version="1.0" encoding="utf-8"?>
 <p:sld xmlns:a="http://schemas.openxmlformats.org/drawingml/2006/main" xmlns:r="http://schemas.openxmlformats.org/officeDocument/2006/relationships" xmlns:p="http://schemas.openxmlformats.org/presentationml/2006/main">
   <p:cSld>
     <p:spTree>
@@ -33185,7 +34091,7 @@
             <a:fld id="{0E226D3C-400E-4353-AAC2-09A0472DC536}" type="slidenum">
               <a:rPr lang="de-DE" smtClean="0"/>
               <a:pPr/>
-              <a:t>47</a:t>
+              <a:t>48</a:t>
             </a:fld>
             <a:endParaRPr lang="de-DE" dirty="0"/>
           </a:p>
@@ -33397,164 +34303,6 @@
 </p:sld>
 </file>
 
-<file path=ppt/slides/slide49.xml><?xml version="1.0" encoding="utf-8"?>
-<p:sld xmlns:a="http://schemas.openxmlformats.org/drawingml/2006/main" xmlns:r="http://schemas.openxmlformats.org/officeDocument/2006/relationships" xmlns:p="http://schemas.openxmlformats.org/presentationml/2006/main">
-  <p:cSld>
-    <p:spTree>
-      <p:nvGrpSpPr>
-        <p:cNvPr id="1" name=""/>
-        <p:cNvGrpSpPr/>
-        <p:nvPr/>
-      </p:nvGrpSpPr>
-      <p:grpSpPr>
-        <a:xfrm>
-          <a:off x="0" y="0"/>
-          <a:ext cx="0" cy="0"/>
-          <a:chOff x="0" y="0"/>
-          <a:chExt cx="0" cy="0"/>
-        </a:xfrm>
-      </p:grpSpPr>
-      <p:sp>
-        <p:nvSpPr>
-          <p:cNvPr id="2" name="Titel 1"/>
-          <p:cNvSpPr>
-            <a:spLocks noGrp="1"/>
-          </p:cNvSpPr>
-          <p:nvPr>
-            <p:ph type="title"/>
-          </p:nvPr>
-        </p:nvSpPr>
-        <p:spPr/>
-        <p:txBody>
-          <a:bodyPr/>
-          <a:lstStyle/>
-          <a:p>
-            <a:pPr marL="857250" indent="-857250">
-              <a:buFont typeface="+mj-lt"/>
-              <a:buAutoNum type="romanUcPeriod" startAt="7"/>
-            </a:pPr>
-            <a:r>
-              <a:rPr lang="de-DE" b="1" dirty="0" smtClean="0"/>
-              <a:t>Vorstellung der Anwendung</a:t>
-            </a:r>
-            <a:endParaRPr lang="de-DE" b="1" dirty="0"/>
-          </a:p>
-        </p:txBody>
-      </p:sp>
-      <p:sp>
-        <p:nvSpPr>
-          <p:cNvPr id="3" name="Inhaltsplatzhalter 2"/>
-          <p:cNvSpPr>
-            <a:spLocks noGrp="1"/>
-          </p:cNvSpPr>
-          <p:nvPr>
-            <p:ph idx="1"/>
-          </p:nvPr>
-        </p:nvSpPr>
-        <p:spPr/>
-        <p:txBody>
-          <a:bodyPr/>
-          <a:lstStyle/>
-          <a:p>
-            <a:r>
-              <a:rPr lang="de-DE" dirty="0" smtClean="0"/>
-              <a:t>&lt;&lt;Benedikt&gt;&gt;</a:t>
-            </a:r>
-            <a:endParaRPr lang="de-DE" dirty="0"/>
-          </a:p>
-        </p:txBody>
-      </p:sp>
-      <p:sp>
-        <p:nvSpPr>
-          <p:cNvPr id="4" name="Datumsplatzhalter 3"/>
-          <p:cNvSpPr>
-            <a:spLocks noGrp="1"/>
-          </p:cNvSpPr>
-          <p:nvPr>
-            <p:ph type="dt" sz="half" idx="10"/>
-          </p:nvPr>
-        </p:nvSpPr>
-        <p:spPr/>
-        <p:txBody>
-          <a:bodyPr/>
-          <a:lstStyle/>
-          <a:p>
-            <a:fld id="{7AC709DD-AC18-4FBA-B4E6-46DED743653E}" type="datetime1">
-              <a:rPr lang="de-DE" smtClean="0"/>
-              <a:pPr/>
-              <a:t>19.12.2015</a:t>
-            </a:fld>
-            <a:endParaRPr lang="de-DE"/>
-          </a:p>
-        </p:txBody>
-      </p:sp>
-      <p:sp>
-        <p:nvSpPr>
-          <p:cNvPr id="5" name="Fußzeilenplatzhalter 4"/>
-          <p:cNvSpPr>
-            <a:spLocks noGrp="1"/>
-          </p:cNvSpPr>
-          <p:nvPr>
-            <p:ph type="ftr" sz="quarter" idx="11"/>
-          </p:nvPr>
-        </p:nvSpPr>
-        <p:spPr/>
-        <p:txBody>
-          <a:bodyPr/>
-          <a:lstStyle/>
-          <a:p>
-            <a:r>
-              <a:rPr lang="de-DE" smtClean="0"/>
-              <a:t>Fakultät Informatik             Sebastian Schötteler &amp; Benedikt Hofrichter</a:t>
-            </a:r>
-            <a:endParaRPr lang="de-DE" dirty="0"/>
-          </a:p>
-        </p:txBody>
-      </p:sp>
-      <p:sp>
-        <p:nvSpPr>
-          <p:cNvPr id="6" name="Foliennummernplatzhalter 5"/>
-          <p:cNvSpPr>
-            <a:spLocks noGrp="1"/>
-          </p:cNvSpPr>
-          <p:nvPr>
-            <p:ph type="sldNum" sz="quarter" idx="12"/>
-          </p:nvPr>
-        </p:nvSpPr>
-        <p:spPr/>
-        <p:txBody>
-          <a:bodyPr/>
-          <a:lstStyle/>
-          <a:p>
-            <a:fld id="{0E226D3C-400E-4353-AAC2-09A0472DC536}" type="slidenum">
-              <a:rPr lang="de-DE" smtClean="0"/>
-              <a:pPr/>
-              <a:t>48</a:t>
-            </a:fld>
-            <a:endParaRPr lang="de-DE" dirty="0"/>
-          </a:p>
-        </p:txBody>
-      </p:sp>
-    </p:spTree>
-    <p:extLst>
-      <p:ext uri="{BB962C8B-B14F-4D97-AF65-F5344CB8AC3E}">
-        <p14:creationId xmlns:p14="http://schemas.microsoft.com/office/powerpoint/2010/main" val="214419860"/>
-      </p:ext>
-    </p:extLst>
-  </p:cSld>
-  <p:clrMapOvr>
-    <a:masterClrMapping/>
-  </p:clrMapOvr>
-  <p:timing>
-    <p:tnLst>
-      <p:par>
-        <p:cTn id="1" dur="indefinite" restart="never" nodeType="tmRoot"/>
-      </p:par>
-    </p:tnLst>
-  </p:timing>
-</p:sld>
-</file>
-
 <file path=ppt/slides/slide5.xml><?xml version="1.0" encoding="utf-8"?>
 <p:sld xmlns:a="http://schemas.openxmlformats.org/drawingml/2006/main" xmlns:r="http://schemas.openxmlformats.org/officeDocument/2006/relationships" xmlns:p="http://schemas.openxmlformats.org/presentationml/2006/main">
   <p:cSld>
@@ -33788,6 +34536,56 @@
       </p:grpSpPr>
       <p:sp>
         <p:nvSpPr>
+          <p:cNvPr id="2" name="Titel 1"/>
+          <p:cNvSpPr>
+            <a:spLocks noGrp="1"/>
+          </p:cNvSpPr>
+          <p:nvPr>
+            <p:ph type="title"/>
+          </p:nvPr>
+        </p:nvSpPr>
+        <p:spPr/>
+        <p:txBody>
+          <a:bodyPr/>
+          <a:lstStyle/>
+          <a:p>
+            <a:pPr marL="857250" indent="-857250">
+              <a:buFont typeface="+mj-lt"/>
+              <a:buAutoNum type="romanUcPeriod" startAt="7"/>
+            </a:pPr>
+            <a:r>
+              <a:rPr lang="de-DE" b="1" dirty="0" smtClean="0"/>
+              <a:t>Vorstellung der Anwendung</a:t>
+            </a:r>
+            <a:endParaRPr lang="de-DE" b="1" dirty="0"/>
+          </a:p>
+        </p:txBody>
+      </p:sp>
+      <p:sp>
+        <p:nvSpPr>
+          <p:cNvPr id="3" name="Inhaltsplatzhalter 2"/>
+          <p:cNvSpPr>
+            <a:spLocks noGrp="1"/>
+          </p:cNvSpPr>
+          <p:nvPr>
+            <p:ph idx="1"/>
+          </p:nvPr>
+        </p:nvSpPr>
+        <p:spPr/>
+        <p:txBody>
+          <a:bodyPr/>
+          <a:lstStyle/>
+          <a:p>
+            <a:r>
+              <a:rPr lang="de-DE" dirty="0" smtClean="0"/>
+              <a:t>&lt;&lt;Benedikt&gt;&gt;</a:t>
+            </a:r>
+            <a:endParaRPr lang="de-DE" dirty="0"/>
+          </a:p>
+        </p:txBody>
+      </p:sp>
+      <p:sp>
+        <p:nvSpPr>
           <p:cNvPr id="4" name="Datumsplatzhalter 3"/>
           <p:cNvSpPr>
             <a:spLocks noGrp="1"/>
@@ -33826,7 +34624,7 @@
           <a:lstStyle/>
           <a:p>
             <a:r>
-              <a:rPr lang="de-DE" dirty="0" smtClean="0"/>
+              <a:rPr lang="de-DE" smtClean="0"/>
               <a:t>Fakultät Informatik             Sebastian Schötteler &amp; Benedikt Hofrichter</a:t>
             </a:r>
             <a:endParaRPr lang="de-DE" dirty="0"/>
@@ -33852,6 +34650,114 @@
               <a:rPr lang="de-DE" smtClean="0"/>
               <a:pPr/>
               <a:t>49</a:t>
+            </a:fld>
+            <a:endParaRPr lang="de-DE" dirty="0"/>
+          </a:p>
+        </p:txBody>
+      </p:sp>
+    </p:spTree>
+    <p:extLst>
+      <p:ext uri="{BB962C8B-B14F-4D97-AF65-F5344CB8AC3E}">
+        <p14:creationId xmlns:p14="http://schemas.microsoft.com/office/powerpoint/2010/main" val="214419860"/>
+      </p:ext>
+    </p:extLst>
+  </p:cSld>
+  <p:clrMapOvr>
+    <a:masterClrMapping/>
+  </p:clrMapOvr>
+  <p:timing>
+    <p:tnLst>
+      <p:par>
+        <p:cTn id="1" dur="indefinite" restart="never" nodeType="tmRoot"/>
+      </p:par>
+    </p:tnLst>
+  </p:timing>
+</p:sld>
+</file>
+
+<file path=ppt/slides/slide51.xml><?xml version="1.0" encoding="utf-8"?>
+<p:sld xmlns:a="http://schemas.openxmlformats.org/drawingml/2006/main" xmlns:r="http://schemas.openxmlformats.org/officeDocument/2006/relationships" xmlns:p="http://schemas.openxmlformats.org/presentationml/2006/main">
+  <p:cSld>
+    <p:spTree>
+      <p:nvGrpSpPr>
+        <p:cNvPr id="1" name=""/>
+        <p:cNvGrpSpPr/>
+        <p:nvPr/>
+      </p:nvGrpSpPr>
+      <p:grpSpPr>
+        <a:xfrm>
+          <a:off x="0" y="0"/>
+          <a:ext cx="0" cy="0"/>
+          <a:chOff x="0" y="0"/>
+          <a:chExt cx="0" cy="0"/>
+        </a:xfrm>
+      </p:grpSpPr>
+      <p:sp>
+        <p:nvSpPr>
+          <p:cNvPr id="4" name="Datumsplatzhalter 3"/>
+          <p:cNvSpPr>
+            <a:spLocks noGrp="1"/>
+          </p:cNvSpPr>
+          <p:nvPr>
+            <p:ph type="dt" sz="half" idx="10"/>
+          </p:nvPr>
+        </p:nvSpPr>
+        <p:spPr/>
+        <p:txBody>
+          <a:bodyPr/>
+          <a:lstStyle/>
+          <a:p>
+            <a:fld id="{7AC709DD-AC18-4FBA-B4E6-46DED743653E}" type="datetime1">
+              <a:rPr lang="de-DE" smtClean="0"/>
+              <a:pPr/>
+              <a:t>19.12.2015</a:t>
+            </a:fld>
+            <a:endParaRPr lang="de-DE"/>
+          </a:p>
+        </p:txBody>
+      </p:sp>
+      <p:sp>
+        <p:nvSpPr>
+          <p:cNvPr id="5" name="Fußzeilenplatzhalter 4"/>
+          <p:cNvSpPr>
+            <a:spLocks noGrp="1"/>
+          </p:cNvSpPr>
+          <p:nvPr>
+            <p:ph type="ftr" sz="quarter" idx="11"/>
+          </p:nvPr>
+        </p:nvSpPr>
+        <p:spPr/>
+        <p:txBody>
+          <a:bodyPr/>
+          <a:lstStyle/>
+          <a:p>
+            <a:r>
+              <a:rPr lang="de-DE" dirty="0" smtClean="0"/>
+              <a:t>Fakultät Informatik             Sebastian Schötteler &amp; Benedikt Hofrichter</a:t>
+            </a:r>
+            <a:endParaRPr lang="de-DE" dirty="0"/>
+          </a:p>
+        </p:txBody>
+      </p:sp>
+      <p:sp>
+        <p:nvSpPr>
+          <p:cNvPr id="6" name="Foliennummernplatzhalter 5"/>
+          <p:cNvSpPr>
+            <a:spLocks noGrp="1"/>
+          </p:cNvSpPr>
+          <p:nvPr>
+            <p:ph type="sldNum" sz="quarter" idx="12"/>
+          </p:nvPr>
+        </p:nvSpPr>
+        <p:spPr/>
+        <p:txBody>
+          <a:bodyPr/>
+          <a:lstStyle/>
+          <a:p>
+            <a:fld id="{0E226D3C-400E-4353-AAC2-09A0472DC536}" type="slidenum">
+              <a:rPr lang="de-DE" smtClean="0"/>
+              <a:pPr/>
+              <a:t>50</a:t>
             </a:fld>
             <a:endParaRPr lang="de-DE" dirty="0"/>
           </a:p>
@@ -34063,7 +34969,7 @@
 </p:sld>
 </file>
 
-<file path=ppt/slides/slide51.xml><?xml version="1.0" encoding="utf-8"?>
+<file path=ppt/slides/slide52.xml><?xml version="1.0" encoding="utf-8"?>
 <p:sld xmlns:a="http://schemas.openxmlformats.org/drawingml/2006/main" xmlns:r="http://schemas.openxmlformats.org/officeDocument/2006/relationships" xmlns:p="http://schemas.openxmlformats.org/presentationml/2006/main">
   <p:cSld>
     <p:spTree>
@@ -34235,7 +35141,7 @@
             <a:fld id="{0E226D3C-400E-4353-AAC2-09A0472DC536}" type="slidenum">
               <a:rPr lang="de-DE" smtClean="0"/>
               <a:pPr/>
-              <a:t>50</a:t>
+              <a:t>51</a:t>
             </a:fld>
             <a:endParaRPr lang="de-DE" dirty="0"/>
           </a:p>
@@ -34261,7 +35167,7 @@
 </p:sld>
 </file>
 
-<file path=ppt/slides/slide52.xml><?xml version="1.0" encoding="utf-8"?>
+<file path=ppt/slides/slide53.xml><?xml version="1.0" encoding="utf-8"?>
 <p:sld xmlns:a="http://schemas.openxmlformats.org/drawingml/2006/main" xmlns:r="http://schemas.openxmlformats.org/officeDocument/2006/relationships" xmlns:p="http://schemas.openxmlformats.org/presentationml/2006/main">
   <p:cSld>
     <p:spTree>
@@ -34343,7 +35249,7 @@
             <a:fld id="{0E226D3C-400E-4353-AAC2-09A0472DC536}" type="slidenum">
               <a:rPr lang="de-DE" smtClean="0"/>
               <a:pPr/>
-              <a:t>51</a:t>
+              <a:t>52</a:t>
             </a:fld>
             <a:endParaRPr lang="de-DE" dirty="0"/>
           </a:p>
@@ -34555,7 +35461,7 @@
 </p:sld>
 </file>
 
-<file path=ppt/slides/slide53.xml><?xml version="1.0" encoding="utf-8"?>
+<file path=ppt/slides/slide54.xml><?xml version="1.0" encoding="utf-8"?>
 <p:sld xmlns:a="http://schemas.openxmlformats.org/drawingml/2006/main" xmlns:r="http://schemas.openxmlformats.org/officeDocument/2006/relationships" xmlns:p="http://schemas.openxmlformats.org/presentationml/2006/main">
   <p:cSld>
     <p:spTree>
@@ -34777,7 +35683,7 @@
             <a:fld id="{0E226D3C-400E-4353-AAC2-09A0472DC536}" type="slidenum">
               <a:rPr lang="de-DE" smtClean="0"/>
               <a:pPr/>
-              <a:t>52</a:t>
+              <a:t>53</a:t>
             </a:fld>
             <a:endParaRPr lang="de-DE" dirty="0"/>
           </a:p>
@@ -34827,210 +35733,6 @@
     <p:extLst>
       <p:ext uri="{BB962C8B-B14F-4D97-AF65-F5344CB8AC3E}">
         <p14:creationId xmlns:p14="http://schemas.microsoft.com/office/powerpoint/2010/main" val="3854880417"/>
-      </p:ext>
-    </p:extLst>
-  </p:cSld>
-  <p:clrMapOvr>
-    <a:masterClrMapping/>
-  </p:clrMapOvr>
-  <p:timing>
-    <p:tnLst>
-      <p:par>
-        <p:cTn id="1" dur="indefinite" restart="never" nodeType="tmRoot"/>
-      </p:par>
-    </p:tnLst>
-  </p:timing>
-</p:sld>
-</file>
-
-<file path=ppt/slides/slide54.xml><?xml version="1.0" encoding="utf-8"?>
-<p:sld xmlns:a="http://schemas.openxmlformats.org/drawingml/2006/main" xmlns:r="http://schemas.openxmlformats.org/officeDocument/2006/relationships" xmlns:p="http://schemas.openxmlformats.org/presentationml/2006/main">
-  <p:cSld>
-    <p:spTree>
-      <p:nvGrpSpPr>
-        <p:cNvPr id="1" name=""/>
-        <p:cNvGrpSpPr/>
-        <p:nvPr/>
-      </p:nvGrpSpPr>
-      <p:grpSpPr>
-        <a:xfrm>
-          <a:off x="0" y="0"/>
-          <a:ext cx="0" cy="0"/>
-          <a:chOff x="0" y="0"/>
-          <a:chExt cx="0" cy="0"/>
-        </a:xfrm>
-      </p:grpSpPr>
-      <p:sp>
-        <p:nvSpPr>
-          <p:cNvPr id="2" name="Titel 1"/>
-          <p:cNvSpPr>
-            <a:spLocks noGrp="1"/>
-          </p:cNvSpPr>
-          <p:nvPr>
-            <p:ph type="title"/>
-          </p:nvPr>
-        </p:nvSpPr>
-        <p:spPr/>
-        <p:txBody>
-          <a:bodyPr/>
-          <a:lstStyle/>
-          <a:p>
-            <a:pPr marL="857250" indent="-857250">
-              <a:buFont typeface="+mj-lt"/>
-              <a:buAutoNum type="romanUcPeriod" startAt="9"/>
-            </a:pPr>
-            <a:r>
-              <a:rPr lang="de-DE" b="1" dirty="0" smtClean="0"/>
-              <a:t>Fazit</a:t>
-            </a:r>
-            <a:endParaRPr lang="de-DE" b="1" dirty="0"/>
-          </a:p>
-        </p:txBody>
-      </p:sp>
-      <p:sp>
-        <p:nvSpPr>
-          <p:cNvPr id="3" name="Inhaltsplatzhalter 2"/>
-          <p:cNvSpPr>
-            <a:spLocks noGrp="1"/>
-          </p:cNvSpPr>
-          <p:nvPr>
-            <p:ph idx="1"/>
-          </p:nvPr>
-        </p:nvSpPr>
-        <p:spPr/>
-        <p:txBody>
-          <a:bodyPr>
-            <a:normAutofit/>
-          </a:bodyPr>
-          <a:lstStyle/>
-          <a:p>
-            <a:r>
-              <a:rPr lang="de-DE" dirty="0" smtClean="0"/>
-              <a:t>KNN als Ergänzung sinnvoll, nicht als alleiniges Prognoseintrument.</a:t>
-            </a:r>
-          </a:p>
-          <a:p>
-            <a:endParaRPr lang="de-DE" dirty="0"/>
-          </a:p>
-          <a:p>
-            <a:r>
-              <a:rPr lang="de-DE" dirty="0" smtClean="0"/>
-              <a:t>Anwendungen dieser Art bereits zahlreich auf dem Markt vorhanden:</a:t>
-            </a:r>
-          </a:p>
-          <a:p>
-            <a:pPr lvl="1"/>
-            <a:r>
-              <a:rPr lang="de-DE" dirty="0" smtClean="0"/>
-              <a:t>Neuroshell Trader</a:t>
-            </a:r>
-          </a:p>
-          <a:p>
-            <a:pPr lvl="1"/>
-            <a:r>
-              <a:rPr lang="de-DE" dirty="0" smtClean="0"/>
-              <a:t>Altredo</a:t>
-            </a:r>
-          </a:p>
-          <a:p>
-            <a:pPr lvl="1"/>
-            <a:r>
-              <a:rPr lang="de-DE" dirty="0" smtClean="0"/>
-              <a:t>…</a:t>
-            </a:r>
-          </a:p>
-          <a:p>
-            <a:pPr lvl="1"/>
-            <a:endParaRPr lang="de-DE" dirty="0"/>
-          </a:p>
-          <a:p>
-            <a:pPr lvl="1"/>
-            <a:endParaRPr lang="de-DE" dirty="0" smtClean="0"/>
-          </a:p>
-          <a:p>
-            <a:pPr lvl="1"/>
-            <a:endParaRPr lang="de-DE" dirty="0" smtClean="0"/>
-          </a:p>
-          <a:p>
-            <a:endParaRPr lang="de-DE" dirty="0" smtClean="0"/>
-          </a:p>
-        </p:txBody>
-      </p:sp>
-      <p:sp>
-        <p:nvSpPr>
-          <p:cNvPr id="4" name="Datumsplatzhalter 3"/>
-          <p:cNvSpPr>
-            <a:spLocks noGrp="1"/>
-          </p:cNvSpPr>
-          <p:nvPr>
-            <p:ph type="dt" sz="half" idx="10"/>
-          </p:nvPr>
-        </p:nvSpPr>
-        <p:spPr/>
-        <p:txBody>
-          <a:bodyPr/>
-          <a:lstStyle/>
-          <a:p>
-            <a:fld id="{7AC709DD-AC18-4FBA-B4E6-46DED743653E}" type="datetime1">
-              <a:rPr lang="de-DE" smtClean="0"/>
-              <a:pPr/>
-              <a:t>19.12.2015</a:t>
-            </a:fld>
-            <a:endParaRPr lang="de-DE"/>
-          </a:p>
-        </p:txBody>
-      </p:sp>
-      <p:sp>
-        <p:nvSpPr>
-          <p:cNvPr id="5" name="Fußzeilenplatzhalter 4"/>
-          <p:cNvSpPr>
-            <a:spLocks noGrp="1"/>
-          </p:cNvSpPr>
-          <p:nvPr>
-            <p:ph type="ftr" sz="quarter" idx="11"/>
-          </p:nvPr>
-        </p:nvSpPr>
-        <p:spPr/>
-        <p:txBody>
-          <a:bodyPr/>
-          <a:lstStyle/>
-          <a:p>
-            <a:r>
-              <a:rPr lang="de-DE" smtClean="0"/>
-              <a:t>Fakultät Informatik             Sebastian Schötteler &amp; Benedikt Hofrichter</a:t>
-            </a:r>
-            <a:endParaRPr lang="de-DE" dirty="0"/>
-          </a:p>
-        </p:txBody>
-      </p:sp>
-      <p:sp>
-        <p:nvSpPr>
-          <p:cNvPr id="6" name="Foliennummernplatzhalter 5"/>
-          <p:cNvSpPr>
-            <a:spLocks noGrp="1"/>
-          </p:cNvSpPr>
-          <p:nvPr>
-            <p:ph type="sldNum" sz="quarter" idx="12"/>
-          </p:nvPr>
-        </p:nvSpPr>
-        <p:spPr/>
-        <p:txBody>
-          <a:bodyPr/>
-          <a:lstStyle/>
-          <a:p>
-            <a:fld id="{0E226D3C-400E-4353-AAC2-09A0472DC536}" type="slidenum">
-              <a:rPr lang="de-DE" smtClean="0"/>
-              <a:pPr/>
-              <a:t>53</a:t>
-            </a:fld>
-            <a:endParaRPr lang="de-DE" dirty="0"/>
-          </a:p>
-        </p:txBody>
-      </p:sp>
-    </p:spTree>
-    <p:extLst>
-      <p:ext uri="{BB962C8B-B14F-4D97-AF65-F5344CB8AC3E}">
-        <p14:creationId xmlns:p14="http://schemas.microsoft.com/office/powerpoint/2010/main" val="2340749465"/>
       </p:ext>
     </p:extLst>
   </p:cSld>
@@ -35074,6 +35776,210 @@
             <p:ph type="title"/>
           </p:nvPr>
         </p:nvSpPr>
+        <p:spPr/>
+        <p:txBody>
+          <a:bodyPr/>
+          <a:lstStyle/>
+          <a:p>
+            <a:pPr marL="857250" indent="-857250">
+              <a:buFont typeface="+mj-lt"/>
+              <a:buAutoNum type="romanUcPeriod" startAt="9"/>
+            </a:pPr>
+            <a:r>
+              <a:rPr lang="de-DE" b="1" dirty="0" smtClean="0"/>
+              <a:t>Fazit</a:t>
+            </a:r>
+            <a:endParaRPr lang="de-DE" b="1" dirty="0"/>
+          </a:p>
+        </p:txBody>
+      </p:sp>
+      <p:sp>
+        <p:nvSpPr>
+          <p:cNvPr id="3" name="Inhaltsplatzhalter 2"/>
+          <p:cNvSpPr>
+            <a:spLocks noGrp="1"/>
+          </p:cNvSpPr>
+          <p:nvPr>
+            <p:ph idx="1"/>
+          </p:nvPr>
+        </p:nvSpPr>
+        <p:spPr/>
+        <p:txBody>
+          <a:bodyPr>
+            <a:normAutofit/>
+          </a:bodyPr>
+          <a:lstStyle/>
+          <a:p>
+            <a:r>
+              <a:rPr lang="de-DE" dirty="0" smtClean="0"/>
+              <a:t>KNN als Ergänzung sinnvoll, nicht als alleiniges Prognoseintrument.</a:t>
+            </a:r>
+          </a:p>
+          <a:p>
+            <a:endParaRPr lang="de-DE" dirty="0"/>
+          </a:p>
+          <a:p>
+            <a:r>
+              <a:rPr lang="de-DE" dirty="0" smtClean="0"/>
+              <a:t>Anwendungen dieser Art bereits zahlreich auf dem Markt vorhanden:</a:t>
+            </a:r>
+          </a:p>
+          <a:p>
+            <a:pPr lvl="1"/>
+            <a:r>
+              <a:rPr lang="de-DE" dirty="0" smtClean="0"/>
+              <a:t>Neuroshell Trader</a:t>
+            </a:r>
+          </a:p>
+          <a:p>
+            <a:pPr lvl="1"/>
+            <a:r>
+              <a:rPr lang="de-DE" dirty="0" smtClean="0"/>
+              <a:t>Altredo</a:t>
+            </a:r>
+          </a:p>
+          <a:p>
+            <a:pPr lvl="1"/>
+            <a:r>
+              <a:rPr lang="de-DE" dirty="0" smtClean="0"/>
+              <a:t>…</a:t>
+            </a:r>
+          </a:p>
+          <a:p>
+            <a:pPr lvl="1"/>
+            <a:endParaRPr lang="de-DE" dirty="0"/>
+          </a:p>
+          <a:p>
+            <a:pPr lvl="1"/>
+            <a:endParaRPr lang="de-DE" dirty="0" smtClean="0"/>
+          </a:p>
+          <a:p>
+            <a:pPr lvl="1"/>
+            <a:endParaRPr lang="de-DE" dirty="0" smtClean="0"/>
+          </a:p>
+          <a:p>
+            <a:endParaRPr lang="de-DE" dirty="0" smtClean="0"/>
+          </a:p>
+        </p:txBody>
+      </p:sp>
+      <p:sp>
+        <p:nvSpPr>
+          <p:cNvPr id="4" name="Datumsplatzhalter 3"/>
+          <p:cNvSpPr>
+            <a:spLocks noGrp="1"/>
+          </p:cNvSpPr>
+          <p:nvPr>
+            <p:ph type="dt" sz="half" idx="10"/>
+          </p:nvPr>
+        </p:nvSpPr>
+        <p:spPr/>
+        <p:txBody>
+          <a:bodyPr/>
+          <a:lstStyle/>
+          <a:p>
+            <a:fld id="{7AC709DD-AC18-4FBA-B4E6-46DED743653E}" type="datetime1">
+              <a:rPr lang="de-DE" smtClean="0"/>
+              <a:pPr/>
+              <a:t>19.12.2015</a:t>
+            </a:fld>
+            <a:endParaRPr lang="de-DE"/>
+          </a:p>
+        </p:txBody>
+      </p:sp>
+      <p:sp>
+        <p:nvSpPr>
+          <p:cNvPr id="5" name="Fußzeilenplatzhalter 4"/>
+          <p:cNvSpPr>
+            <a:spLocks noGrp="1"/>
+          </p:cNvSpPr>
+          <p:nvPr>
+            <p:ph type="ftr" sz="quarter" idx="11"/>
+          </p:nvPr>
+        </p:nvSpPr>
+        <p:spPr/>
+        <p:txBody>
+          <a:bodyPr/>
+          <a:lstStyle/>
+          <a:p>
+            <a:r>
+              <a:rPr lang="de-DE" smtClean="0"/>
+              <a:t>Fakultät Informatik             Sebastian Schötteler &amp; Benedikt Hofrichter</a:t>
+            </a:r>
+            <a:endParaRPr lang="de-DE" dirty="0"/>
+          </a:p>
+        </p:txBody>
+      </p:sp>
+      <p:sp>
+        <p:nvSpPr>
+          <p:cNvPr id="6" name="Foliennummernplatzhalter 5"/>
+          <p:cNvSpPr>
+            <a:spLocks noGrp="1"/>
+          </p:cNvSpPr>
+          <p:nvPr>
+            <p:ph type="sldNum" sz="quarter" idx="12"/>
+          </p:nvPr>
+        </p:nvSpPr>
+        <p:spPr/>
+        <p:txBody>
+          <a:bodyPr/>
+          <a:lstStyle/>
+          <a:p>
+            <a:fld id="{0E226D3C-400E-4353-AAC2-09A0472DC536}" type="slidenum">
+              <a:rPr lang="de-DE" smtClean="0"/>
+              <a:pPr/>
+              <a:t>54</a:t>
+            </a:fld>
+            <a:endParaRPr lang="de-DE" dirty="0"/>
+          </a:p>
+        </p:txBody>
+      </p:sp>
+    </p:spTree>
+    <p:extLst>
+      <p:ext uri="{BB962C8B-B14F-4D97-AF65-F5344CB8AC3E}">
+        <p14:creationId xmlns:p14="http://schemas.microsoft.com/office/powerpoint/2010/main" val="2340749465"/>
+      </p:ext>
+    </p:extLst>
+  </p:cSld>
+  <p:clrMapOvr>
+    <a:masterClrMapping/>
+  </p:clrMapOvr>
+  <p:timing>
+    <p:tnLst>
+      <p:par>
+        <p:cTn id="1" dur="indefinite" restart="never" nodeType="tmRoot"/>
+      </p:par>
+    </p:tnLst>
+  </p:timing>
+</p:sld>
+</file>
+
+<file path=ppt/slides/slide56.xml><?xml version="1.0" encoding="utf-8"?>
+<p:sld xmlns:a="http://schemas.openxmlformats.org/drawingml/2006/main" xmlns:r="http://schemas.openxmlformats.org/officeDocument/2006/relationships" xmlns:p="http://schemas.openxmlformats.org/presentationml/2006/main">
+  <p:cSld>
+    <p:spTree>
+      <p:nvGrpSpPr>
+        <p:cNvPr id="1" name=""/>
+        <p:cNvGrpSpPr/>
+        <p:nvPr/>
+      </p:nvGrpSpPr>
+      <p:grpSpPr>
+        <a:xfrm>
+          <a:off x="0" y="0"/>
+          <a:ext cx="0" cy="0"/>
+          <a:chOff x="0" y="0"/>
+          <a:chExt cx="0" cy="0"/>
+        </a:xfrm>
+      </p:grpSpPr>
+      <p:sp>
+        <p:nvSpPr>
+          <p:cNvPr id="2" name="Titel 1"/>
+          <p:cNvSpPr>
+            <a:spLocks noGrp="1"/>
+          </p:cNvSpPr>
+          <p:nvPr>
+            <p:ph type="title"/>
+          </p:nvPr>
+        </p:nvSpPr>
         <p:spPr>
           <a:xfrm>
             <a:off x="305364" y="2954981"/>
@@ -35165,7 +36071,7 @@
             <a:fld id="{0E226D3C-400E-4353-AAC2-09A0472DC536}" type="slidenum">
               <a:rPr lang="de-DE" smtClean="0"/>
               <a:pPr/>
-              <a:t>54</a:t>
+              <a:t>55</a:t>
             </a:fld>
             <a:endParaRPr lang="de-DE" dirty="0"/>
           </a:p>

--- a/3b_Vortrag/Präsentation.pptx
+++ b/3b_Vortrag/Präsentation.pptx
@@ -13191,6 +13191,90 @@
           </a:p>
         </p:txBody>
       </p:sp>
+      <p:sp>
+        <p:nvSpPr>
+          <p:cNvPr id="7" name="Fußzeilenplatzhalter 4"/>
+          <p:cNvSpPr>
+            <a:spLocks noGrp="1"/>
+          </p:cNvSpPr>
+          <p:nvPr>
+            <p:ph type="ftr" sz="quarter" idx="11"/>
+          </p:nvPr>
+        </p:nvSpPr>
+        <p:spPr>
+          <a:xfrm>
+            <a:off x="4129541" y="6353327"/>
+            <a:ext cx="5188329" cy="365125"/>
+          </a:xfrm>
+        </p:spPr>
+        <p:txBody>
+          <a:bodyPr/>
+          <a:lstStyle/>
+          <a:p>
+            <a:r>
+              <a:rPr lang="de-DE" dirty="0" smtClean="0"/>
+              <a:t>Fakultät Informatik             Sebastian Schötteler &amp; Benedikt Hofrichter</a:t>
+            </a:r>
+            <a:endParaRPr lang="de-DE" dirty="0"/>
+          </a:p>
+        </p:txBody>
+      </p:sp>
+      <p:sp>
+        <p:nvSpPr>
+          <p:cNvPr id="8" name="Foliennummernplatzhalter 5"/>
+          <p:cNvSpPr>
+            <a:spLocks noGrp="1"/>
+          </p:cNvSpPr>
+          <p:nvPr>
+            <p:ph type="sldNum" sz="quarter" idx="12"/>
+          </p:nvPr>
+        </p:nvSpPr>
+        <p:spPr>
+          <a:xfrm>
+            <a:off x="10845800" y="6356350"/>
+            <a:ext cx="508000" cy="365125"/>
+          </a:xfrm>
+        </p:spPr>
+        <p:txBody>
+          <a:bodyPr/>
+          <a:lstStyle/>
+          <a:p>
+            <a:r>
+              <a:rPr lang="de-DE" dirty="0"/>
+              <a:t>9</a:t>
+            </a:r>
+            <a:endParaRPr lang="de-DE" dirty="0"/>
+          </a:p>
+        </p:txBody>
+      </p:sp>
+      <p:sp>
+        <p:nvSpPr>
+          <p:cNvPr id="9" name="Datumsplatzhalter 3"/>
+          <p:cNvSpPr>
+            <a:spLocks noGrp="1"/>
+          </p:cNvSpPr>
+          <p:nvPr>
+            <p:ph type="dt" sz="half" idx="10"/>
+          </p:nvPr>
+        </p:nvSpPr>
+        <p:spPr>
+          <a:xfrm>
+            <a:off x="9582302" y="6353327"/>
+            <a:ext cx="999066" cy="365125"/>
+          </a:xfrm>
+        </p:spPr>
+        <p:txBody>
+          <a:bodyPr/>
+          <a:lstStyle/>
+          <a:p>
+            <a:r>
+              <a:rPr lang="de-DE" dirty="0" smtClean="0"/>
+              <a:t>23.12.2015</a:t>
+            </a:r>
+            <a:endParaRPr lang="de-DE" dirty="0"/>
+          </a:p>
+        </p:txBody>
+      </p:sp>
     </p:spTree>
     <p:extLst>
       <p:ext uri="{BB962C8B-B14F-4D97-AF65-F5344CB8AC3E}">
@@ -13308,6 +13392,90 @@
           </a:p>
         </p:txBody>
       </p:sp>
+      <p:sp>
+        <p:nvSpPr>
+          <p:cNvPr id="6" name="Fußzeilenplatzhalter 4"/>
+          <p:cNvSpPr>
+            <a:spLocks noGrp="1"/>
+          </p:cNvSpPr>
+          <p:nvPr>
+            <p:ph type="ftr" sz="quarter" idx="11"/>
+          </p:nvPr>
+        </p:nvSpPr>
+        <p:spPr>
+          <a:xfrm>
+            <a:off x="4129541" y="6353327"/>
+            <a:ext cx="5188329" cy="365125"/>
+          </a:xfrm>
+        </p:spPr>
+        <p:txBody>
+          <a:bodyPr/>
+          <a:lstStyle/>
+          <a:p>
+            <a:r>
+              <a:rPr lang="de-DE" dirty="0" smtClean="0"/>
+              <a:t>Fakultät Informatik             Sebastian Schötteler &amp; Benedikt Hofrichter</a:t>
+            </a:r>
+            <a:endParaRPr lang="de-DE" dirty="0"/>
+          </a:p>
+        </p:txBody>
+      </p:sp>
+      <p:sp>
+        <p:nvSpPr>
+          <p:cNvPr id="7" name="Foliennummernplatzhalter 5"/>
+          <p:cNvSpPr>
+            <a:spLocks noGrp="1"/>
+          </p:cNvSpPr>
+          <p:nvPr>
+            <p:ph type="sldNum" sz="quarter" idx="12"/>
+          </p:nvPr>
+        </p:nvSpPr>
+        <p:spPr>
+          <a:xfrm>
+            <a:off x="10845800" y="6356350"/>
+            <a:ext cx="508000" cy="365125"/>
+          </a:xfrm>
+        </p:spPr>
+        <p:txBody>
+          <a:bodyPr/>
+          <a:lstStyle/>
+          <a:p>
+            <a:r>
+              <a:rPr lang="de-DE" dirty="0" smtClean="0"/>
+              <a:t>10</a:t>
+            </a:r>
+            <a:endParaRPr lang="de-DE" dirty="0"/>
+          </a:p>
+        </p:txBody>
+      </p:sp>
+      <p:sp>
+        <p:nvSpPr>
+          <p:cNvPr id="8" name="Datumsplatzhalter 3"/>
+          <p:cNvSpPr>
+            <a:spLocks noGrp="1"/>
+          </p:cNvSpPr>
+          <p:nvPr>
+            <p:ph type="dt" sz="half" idx="10"/>
+          </p:nvPr>
+        </p:nvSpPr>
+        <p:spPr>
+          <a:xfrm>
+            <a:off x="9582302" y="6353327"/>
+            <a:ext cx="999066" cy="365125"/>
+          </a:xfrm>
+        </p:spPr>
+        <p:txBody>
+          <a:bodyPr/>
+          <a:lstStyle/>
+          <a:p>
+            <a:r>
+              <a:rPr lang="de-DE" dirty="0" smtClean="0"/>
+              <a:t>23.12.2015</a:t>
+            </a:r>
+            <a:endParaRPr lang="de-DE" dirty="0"/>
+          </a:p>
+        </p:txBody>
+      </p:sp>
     </p:spTree>
     <p:extLst>
       <p:ext uri="{BB962C8B-B14F-4D97-AF65-F5344CB8AC3E}">
@@ -13422,6 +13590,90 @@
               <a:t>Anwendung</a:t>
             </a:r>
             <a:endParaRPr lang="de-DE" sz="3600" b="1" dirty="0"/>
+          </a:p>
+        </p:txBody>
+      </p:sp>
+      <p:sp>
+        <p:nvSpPr>
+          <p:cNvPr id="6" name="Fußzeilenplatzhalter 4"/>
+          <p:cNvSpPr>
+            <a:spLocks noGrp="1"/>
+          </p:cNvSpPr>
+          <p:nvPr>
+            <p:ph type="ftr" sz="quarter" idx="11"/>
+          </p:nvPr>
+        </p:nvSpPr>
+        <p:spPr>
+          <a:xfrm>
+            <a:off x="4129541" y="6353327"/>
+            <a:ext cx="5188329" cy="365125"/>
+          </a:xfrm>
+        </p:spPr>
+        <p:txBody>
+          <a:bodyPr/>
+          <a:lstStyle/>
+          <a:p>
+            <a:r>
+              <a:rPr lang="de-DE" dirty="0" smtClean="0"/>
+              <a:t>Fakultät Informatik             Sebastian Schötteler &amp; Benedikt Hofrichter</a:t>
+            </a:r>
+            <a:endParaRPr lang="de-DE" dirty="0"/>
+          </a:p>
+        </p:txBody>
+      </p:sp>
+      <p:sp>
+        <p:nvSpPr>
+          <p:cNvPr id="7" name="Foliennummernplatzhalter 5"/>
+          <p:cNvSpPr>
+            <a:spLocks noGrp="1"/>
+          </p:cNvSpPr>
+          <p:nvPr>
+            <p:ph type="sldNum" sz="quarter" idx="12"/>
+          </p:nvPr>
+        </p:nvSpPr>
+        <p:spPr>
+          <a:xfrm>
+            <a:off x="10845800" y="6356350"/>
+            <a:ext cx="508000" cy="365125"/>
+          </a:xfrm>
+        </p:spPr>
+        <p:txBody>
+          <a:bodyPr/>
+          <a:lstStyle/>
+          <a:p>
+            <a:r>
+              <a:rPr lang="de-DE" dirty="0" smtClean="0"/>
+              <a:t>11</a:t>
+            </a:r>
+            <a:endParaRPr lang="de-DE" dirty="0"/>
+          </a:p>
+        </p:txBody>
+      </p:sp>
+      <p:sp>
+        <p:nvSpPr>
+          <p:cNvPr id="8" name="Datumsplatzhalter 3"/>
+          <p:cNvSpPr>
+            <a:spLocks noGrp="1"/>
+          </p:cNvSpPr>
+          <p:nvPr>
+            <p:ph type="dt" sz="half" idx="10"/>
+          </p:nvPr>
+        </p:nvSpPr>
+        <p:spPr>
+          <a:xfrm>
+            <a:off x="9582302" y="6353327"/>
+            <a:ext cx="999066" cy="365125"/>
+          </a:xfrm>
+        </p:spPr>
+        <p:txBody>
+          <a:bodyPr/>
+          <a:lstStyle/>
+          <a:p>
+            <a:r>
+              <a:rPr lang="de-DE" dirty="0" smtClean="0"/>
+              <a:t>23.12.2015</a:t>
+            </a:r>
+            <a:endParaRPr lang="de-DE" dirty="0"/>
           </a:p>
         </p:txBody>
       </p:sp>
@@ -25464,6 +25716,417 @@
           </a:p>
         </p:txBody>
       </p:sp>
+      <p:sp>
+        <p:nvSpPr>
+          <p:cNvPr id="9" name="Fußzeilenplatzhalter 4"/>
+          <p:cNvSpPr txBox="1">
+            <a:spLocks/>
+          </p:cNvSpPr>
+          <p:nvPr/>
+        </p:nvSpPr>
+        <p:spPr>
+          <a:xfrm>
+            <a:off x="4129541" y="6376477"/>
+            <a:ext cx="5188329" cy="365125"/>
+          </a:xfrm>
+          <a:prstGeom prst="rect">
+            <a:avLst/>
+          </a:prstGeom>
+        </p:spPr>
+        <p:txBody>
+          <a:bodyPr/>
+          <a:lstStyle>
+            <a:defPPr>
+              <a:defRPr lang="de-DE"/>
+            </a:defPPr>
+            <a:lvl1pPr marL="0" algn="l" defTabSz="914400" rtl="0" eaLnBrk="1" latinLnBrk="0" hangingPunct="1">
+              <a:defRPr sz="1800" kern="1200">
+                <a:solidFill>
+                  <a:schemeClr val="tx1"/>
+                </a:solidFill>
+                <a:latin typeface="+mn-lt"/>
+                <a:ea typeface="+mn-ea"/>
+                <a:cs typeface="+mn-cs"/>
+              </a:defRPr>
+            </a:lvl1pPr>
+            <a:lvl2pPr marL="457200" algn="l" defTabSz="914400" rtl="0" eaLnBrk="1" latinLnBrk="0" hangingPunct="1">
+              <a:defRPr sz="1800" kern="1200">
+                <a:solidFill>
+                  <a:schemeClr val="tx1"/>
+                </a:solidFill>
+                <a:latin typeface="+mn-lt"/>
+                <a:ea typeface="+mn-ea"/>
+                <a:cs typeface="+mn-cs"/>
+              </a:defRPr>
+            </a:lvl2pPr>
+            <a:lvl3pPr marL="914400" algn="l" defTabSz="914400" rtl="0" eaLnBrk="1" latinLnBrk="0" hangingPunct="1">
+              <a:defRPr sz="1800" kern="1200">
+                <a:solidFill>
+                  <a:schemeClr val="tx1"/>
+                </a:solidFill>
+                <a:latin typeface="+mn-lt"/>
+                <a:ea typeface="+mn-ea"/>
+                <a:cs typeface="+mn-cs"/>
+              </a:defRPr>
+            </a:lvl3pPr>
+            <a:lvl4pPr marL="1371600" algn="l" defTabSz="914400" rtl="0" eaLnBrk="1" latinLnBrk="0" hangingPunct="1">
+              <a:defRPr sz="1800" kern="1200">
+                <a:solidFill>
+                  <a:schemeClr val="tx1"/>
+                </a:solidFill>
+                <a:latin typeface="+mn-lt"/>
+                <a:ea typeface="+mn-ea"/>
+                <a:cs typeface="+mn-cs"/>
+              </a:defRPr>
+            </a:lvl4pPr>
+            <a:lvl5pPr marL="1828800" algn="l" defTabSz="914400" rtl="0" eaLnBrk="1" latinLnBrk="0" hangingPunct="1">
+              <a:defRPr sz="1800" kern="1200">
+                <a:solidFill>
+                  <a:schemeClr val="tx1"/>
+                </a:solidFill>
+                <a:latin typeface="+mn-lt"/>
+                <a:ea typeface="+mn-ea"/>
+                <a:cs typeface="+mn-cs"/>
+              </a:defRPr>
+            </a:lvl5pPr>
+            <a:lvl6pPr marL="2286000" algn="l" defTabSz="914400" rtl="0" eaLnBrk="1" latinLnBrk="0" hangingPunct="1">
+              <a:defRPr sz="1800" kern="1200">
+                <a:solidFill>
+                  <a:schemeClr val="tx1"/>
+                </a:solidFill>
+                <a:latin typeface="+mn-lt"/>
+                <a:ea typeface="+mn-ea"/>
+                <a:cs typeface="+mn-cs"/>
+              </a:defRPr>
+            </a:lvl6pPr>
+            <a:lvl7pPr marL="2743200" algn="l" defTabSz="914400" rtl="0" eaLnBrk="1" latinLnBrk="0" hangingPunct="1">
+              <a:defRPr sz="1800" kern="1200">
+                <a:solidFill>
+                  <a:schemeClr val="tx1"/>
+                </a:solidFill>
+                <a:latin typeface="+mn-lt"/>
+                <a:ea typeface="+mn-ea"/>
+                <a:cs typeface="+mn-cs"/>
+              </a:defRPr>
+            </a:lvl7pPr>
+            <a:lvl8pPr marL="3200400" algn="l" defTabSz="914400" rtl="0" eaLnBrk="1" latinLnBrk="0" hangingPunct="1">
+              <a:defRPr sz="1800" kern="1200">
+                <a:solidFill>
+                  <a:schemeClr val="tx1"/>
+                </a:solidFill>
+                <a:latin typeface="+mn-lt"/>
+                <a:ea typeface="+mn-ea"/>
+                <a:cs typeface="+mn-cs"/>
+              </a:defRPr>
+            </a:lvl8pPr>
+            <a:lvl9pPr marL="3657600" algn="l" defTabSz="914400" rtl="0" eaLnBrk="1" latinLnBrk="0" hangingPunct="1">
+              <a:defRPr sz="1800" kern="1200">
+                <a:solidFill>
+                  <a:schemeClr val="tx1"/>
+                </a:solidFill>
+                <a:latin typeface="+mn-lt"/>
+                <a:ea typeface="+mn-ea"/>
+                <a:cs typeface="+mn-cs"/>
+              </a:defRPr>
+            </a:lvl9pPr>
+          </a:lstStyle>
+          <a:p>
+            <a:pPr algn="ctr"/>
+            <a:r>
+              <a:rPr lang="de-DE" sz="1400" dirty="0">
+                <a:solidFill>
+                  <a:srgbClr val="034DA2"/>
+                </a:solidFill>
+              </a:rPr>
+              <a:t>Fakultät Informatik             </a:t>
+            </a:r>
+            <a:r>
+              <a:rPr lang="de-DE" sz="1400" dirty="0" smtClean="0">
+                <a:solidFill>
+                  <a:srgbClr val="034DA2"/>
+                </a:solidFill>
+              </a:rPr>
+              <a:t>Sebastian </a:t>
+            </a:r>
+            <a:r>
+              <a:rPr lang="de-DE" sz="1400" dirty="0">
+                <a:solidFill>
+                  <a:srgbClr val="034DA2"/>
+                </a:solidFill>
+              </a:rPr>
+              <a:t>Schötteler &amp; Benedikt Hofrichter</a:t>
+            </a:r>
+            <a:endParaRPr lang="de-DE" sz="1400" dirty="0">
+              <a:solidFill>
+                <a:srgbClr val="034DA2"/>
+              </a:solidFill>
+            </a:endParaRPr>
+          </a:p>
+        </p:txBody>
+      </p:sp>
+      <p:sp>
+        <p:nvSpPr>
+          <p:cNvPr id="10" name="Foliennummernplatzhalter 5"/>
+          <p:cNvSpPr txBox="1">
+            <a:spLocks/>
+          </p:cNvSpPr>
+          <p:nvPr/>
+        </p:nvSpPr>
+        <p:spPr>
+          <a:xfrm>
+            <a:off x="10845800" y="6391075"/>
+            <a:ext cx="508000" cy="365125"/>
+          </a:xfrm>
+          <a:prstGeom prst="rect">
+            <a:avLst/>
+          </a:prstGeom>
+        </p:spPr>
+        <p:txBody>
+          <a:bodyPr/>
+          <a:lstStyle>
+            <a:defPPr>
+              <a:defRPr lang="de-DE"/>
+            </a:defPPr>
+            <a:lvl1pPr marL="0" algn="l" defTabSz="914400" rtl="0" eaLnBrk="1" latinLnBrk="0" hangingPunct="1">
+              <a:defRPr sz="1800" kern="1200">
+                <a:solidFill>
+                  <a:schemeClr val="tx1"/>
+                </a:solidFill>
+                <a:latin typeface="+mn-lt"/>
+                <a:ea typeface="+mn-ea"/>
+                <a:cs typeface="+mn-cs"/>
+              </a:defRPr>
+            </a:lvl1pPr>
+            <a:lvl2pPr marL="457200" algn="l" defTabSz="914400" rtl="0" eaLnBrk="1" latinLnBrk="0" hangingPunct="1">
+              <a:defRPr sz="1800" kern="1200">
+                <a:solidFill>
+                  <a:schemeClr val="tx1"/>
+                </a:solidFill>
+                <a:latin typeface="+mn-lt"/>
+                <a:ea typeface="+mn-ea"/>
+                <a:cs typeface="+mn-cs"/>
+              </a:defRPr>
+            </a:lvl2pPr>
+            <a:lvl3pPr marL="914400" algn="l" defTabSz="914400" rtl="0" eaLnBrk="1" latinLnBrk="0" hangingPunct="1">
+              <a:defRPr sz="1800" kern="1200">
+                <a:solidFill>
+                  <a:schemeClr val="tx1"/>
+                </a:solidFill>
+                <a:latin typeface="+mn-lt"/>
+                <a:ea typeface="+mn-ea"/>
+                <a:cs typeface="+mn-cs"/>
+              </a:defRPr>
+            </a:lvl3pPr>
+            <a:lvl4pPr marL="1371600" algn="l" defTabSz="914400" rtl="0" eaLnBrk="1" latinLnBrk="0" hangingPunct="1">
+              <a:defRPr sz="1800" kern="1200">
+                <a:solidFill>
+                  <a:schemeClr val="tx1"/>
+                </a:solidFill>
+                <a:latin typeface="+mn-lt"/>
+                <a:ea typeface="+mn-ea"/>
+                <a:cs typeface="+mn-cs"/>
+              </a:defRPr>
+            </a:lvl4pPr>
+            <a:lvl5pPr marL="1828800" algn="l" defTabSz="914400" rtl="0" eaLnBrk="1" latinLnBrk="0" hangingPunct="1">
+              <a:defRPr sz="1800" kern="1200">
+                <a:solidFill>
+                  <a:schemeClr val="tx1"/>
+                </a:solidFill>
+                <a:latin typeface="+mn-lt"/>
+                <a:ea typeface="+mn-ea"/>
+                <a:cs typeface="+mn-cs"/>
+              </a:defRPr>
+            </a:lvl5pPr>
+            <a:lvl6pPr marL="2286000" algn="l" defTabSz="914400" rtl="0" eaLnBrk="1" latinLnBrk="0" hangingPunct="1">
+              <a:defRPr sz="1800" kern="1200">
+                <a:solidFill>
+                  <a:schemeClr val="tx1"/>
+                </a:solidFill>
+                <a:latin typeface="+mn-lt"/>
+                <a:ea typeface="+mn-ea"/>
+                <a:cs typeface="+mn-cs"/>
+              </a:defRPr>
+            </a:lvl6pPr>
+            <a:lvl7pPr marL="2743200" algn="l" defTabSz="914400" rtl="0" eaLnBrk="1" latinLnBrk="0" hangingPunct="1">
+              <a:defRPr sz="1800" kern="1200">
+                <a:solidFill>
+                  <a:schemeClr val="tx1"/>
+                </a:solidFill>
+                <a:latin typeface="+mn-lt"/>
+                <a:ea typeface="+mn-ea"/>
+                <a:cs typeface="+mn-cs"/>
+              </a:defRPr>
+            </a:lvl7pPr>
+            <a:lvl8pPr marL="3200400" algn="l" defTabSz="914400" rtl="0" eaLnBrk="1" latinLnBrk="0" hangingPunct="1">
+              <a:defRPr sz="1800" kern="1200">
+                <a:solidFill>
+                  <a:schemeClr val="tx1"/>
+                </a:solidFill>
+                <a:latin typeface="+mn-lt"/>
+                <a:ea typeface="+mn-ea"/>
+                <a:cs typeface="+mn-cs"/>
+              </a:defRPr>
+            </a:lvl8pPr>
+            <a:lvl9pPr marL="3657600" algn="l" defTabSz="914400" rtl="0" eaLnBrk="1" latinLnBrk="0" hangingPunct="1">
+              <a:defRPr sz="1800" kern="1200">
+                <a:solidFill>
+                  <a:schemeClr val="tx1"/>
+                </a:solidFill>
+                <a:latin typeface="+mn-lt"/>
+                <a:ea typeface="+mn-ea"/>
+                <a:cs typeface="+mn-cs"/>
+              </a:defRPr>
+            </a:lvl9pPr>
+          </a:lstStyle>
+          <a:p>
+            <a:pPr algn="r"/>
+            <a:r>
+              <a:rPr lang="de-DE" sz="1400" dirty="0" smtClean="0">
+                <a:solidFill>
+                  <a:srgbClr val="034DA2"/>
+                </a:solidFill>
+              </a:rPr>
+              <a:t>32</a:t>
+            </a:r>
+            <a:endParaRPr lang="de-DE" sz="1400" dirty="0">
+              <a:solidFill>
+                <a:srgbClr val="034DA2"/>
+              </a:solidFill>
+            </a:endParaRPr>
+          </a:p>
+        </p:txBody>
+      </p:sp>
+      <p:sp>
+        <p:nvSpPr>
+          <p:cNvPr id="12" name="Datumsplatzhalter 3"/>
+          <p:cNvSpPr txBox="1">
+            <a:spLocks/>
+          </p:cNvSpPr>
+          <p:nvPr/>
+        </p:nvSpPr>
+        <p:spPr>
+          <a:xfrm>
+            <a:off x="9582302" y="6376477"/>
+            <a:ext cx="999066" cy="365125"/>
+          </a:xfrm>
+          <a:prstGeom prst="rect">
+            <a:avLst/>
+          </a:prstGeom>
+        </p:spPr>
+        <p:txBody>
+          <a:bodyPr/>
+          <a:lstStyle>
+            <a:defPPr>
+              <a:defRPr lang="de-DE"/>
+            </a:defPPr>
+            <a:lvl1pPr marL="0" algn="l" defTabSz="914400" rtl="0" eaLnBrk="1" latinLnBrk="0" hangingPunct="1">
+              <a:defRPr sz="1800" kern="1200">
+                <a:solidFill>
+                  <a:schemeClr val="tx1"/>
+                </a:solidFill>
+                <a:latin typeface="+mn-lt"/>
+                <a:ea typeface="+mn-ea"/>
+                <a:cs typeface="+mn-cs"/>
+              </a:defRPr>
+            </a:lvl1pPr>
+            <a:lvl2pPr marL="457200" algn="l" defTabSz="914400" rtl="0" eaLnBrk="1" latinLnBrk="0" hangingPunct="1">
+              <a:defRPr sz="1800" kern="1200">
+                <a:solidFill>
+                  <a:schemeClr val="tx1"/>
+                </a:solidFill>
+                <a:latin typeface="+mn-lt"/>
+                <a:ea typeface="+mn-ea"/>
+                <a:cs typeface="+mn-cs"/>
+              </a:defRPr>
+            </a:lvl2pPr>
+            <a:lvl3pPr marL="914400" algn="l" defTabSz="914400" rtl="0" eaLnBrk="1" latinLnBrk="0" hangingPunct="1">
+              <a:defRPr sz="1800" kern="1200">
+                <a:solidFill>
+                  <a:schemeClr val="tx1"/>
+                </a:solidFill>
+                <a:latin typeface="+mn-lt"/>
+                <a:ea typeface="+mn-ea"/>
+                <a:cs typeface="+mn-cs"/>
+              </a:defRPr>
+            </a:lvl3pPr>
+            <a:lvl4pPr marL="1371600" algn="l" defTabSz="914400" rtl="0" eaLnBrk="1" latinLnBrk="0" hangingPunct="1">
+              <a:defRPr sz="1800" kern="1200">
+                <a:solidFill>
+                  <a:schemeClr val="tx1"/>
+                </a:solidFill>
+                <a:latin typeface="+mn-lt"/>
+                <a:ea typeface="+mn-ea"/>
+                <a:cs typeface="+mn-cs"/>
+              </a:defRPr>
+            </a:lvl4pPr>
+            <a:lvl5pPr marL="1828800" algn="l" defTabSz="914400" rtl="0" eaLnBrk="1" latinLnBrk="0" hangingPunct="1">
+              <a:defRPr sz="1800" kern="1200">
+                <a:solidFill>
+                  <a:schemeClr val="tx1"/>
+                </a:solidFill>
+                <a:latin typeface="+mn-lt"/>
+                <a:ea typeface="+mn-ea"/>
+                <a:cs typeface="+mn-cs"/>
+              </a:defRPr>
+            </a:lvl5pPr>
+            <a:lvl6pPr marL="2286000" algn="l" defTabSz="914400" rtl="0" eaLnBrk="1" latinLnBrk="0" hangingPunct="1">
+              <a:defRPr sz="1800" kern="1200">
+                <a:solidFill>
+                  <a:schemeClr val="tx1"/>
+                </a:solidFill>
+                <a:latin typeface="+mn-lt"/>
+                <a:ea typeface="+mn-ea"/>
+                <a:cs typeface="+mn-cs"/>
+              </a:defRPr>
+            </a:lvl6pPr>
+            <a:lvl7pPr marL="2743200" algn="l" defTabSz="914400" rtl="0" eaLnBrk="1" latinLnBrk="0" hangingPunct="1">
+              <a:defRPr sz="1800" kern="1200">
+                <a:solidFill>
+                  <a:schemeClr val="tx1"/>
+                </a:solidFill>
+                <a:latin typeface="+mn-lt"/>
+                <a:ea typeface="+mn-ea"/>
+                <a:cs typeface="+mn-cs"/>
+              </a:defRPr>
+            </a:lvl7pPr>
+            <a:lvl8pPr marL="3200400" algn="l" defTabSz="914400" rtl="0" eaLnBrk="1" latinLnBrk="0" hangingPunct="1">
+              <a:defRPr sz="1800" kern="1200">
+                <a:solidFill>
+                  <a:schemeClr val="tx1"/>
+                </a:solidFill>
+                <a:latin typeface="+mn-lt"/>
+                <a:ea typeface="+mn-ea"/>
+                <a:cs typeface="+mn-cs"/>
+              </a:defRPr>
+            </a:lvl8pPr>
+            <a:lvl9pPr marL="3657600" algn="l" defTabSz="914400" rtl="0" eaLnBrk="1" latinLnBrk="0" hangingPunct="1">
+              <a:defRPr sz="1800" kern="1200">
+                <a:solidFill>
+                  <a:schemeClr val="tx1"/>
+                </a:solidFill>
+                <a:latin typeface="+mn-lt"/>
+                <a:ea typeface="+mn-ea"/>
+                <a:cs typeface="+mn-cs"/>
+              </a:defRPr>
+            </a:lvl9pPr>
+          </a:lstStyle>
+          <a:p>
+            <a:r>
+              <a:rPr lang="de-DE" sz="1400" dirty="0">
+                <a:solidFill>
+                  <a:srgbClr val="034DA2"/>
+                </a:solidFill>
+              </a:rPr>
+              <a:t>23.12.2015</a:t>
+            </a:r>
+            <a:endParaRPr lang="de-DE" sz="1400" dirty="0">
+              <a:solidFill>
+                <a:srgbClr val="034DA2"/>
+              </a:solidFill>
+            </a:endParaRPr>
+          </a:p>
+        </p:txBody>
+      </p:sp>
     </p:spTree>
     <p:extLst>
       <p:ext uri="{BB962C8B-B14F-4D97-AF65-F5344CB8AC3E}">
@@ -25587,11 +26250,7 @@
             </a:pPr>
             <a:r>
               <a:rPr lang="de-DE" sz="2400" dirty="0"/>
-              <a:t>Apache </a:t>
-            </a:r>
-            <a:r>
-              <a:rPr lang="de-DE" sz="2400" dirty="0"/>
-              <a:t>Maven</a:t>
+              <a:t>Apache Maven</a:t>
             </a:r>
             <a:endParaRPr sz="2400" dirty="0"/>
           </a:p>
@@ -25680,6 +26339,90 @@
             <a:r>
               <a:rPr lang="de-DE" b="1" dirty="0" smtClean="0"/>
               <a:t>Umsetzung der Anwendung</a:t>
+            </a:r>
+            <a:endParaRPr lang="de-DE" dirty="0"/>
+          </a:p>
+        </p:txBody>
+      </p:sp>
+      <p:sp>
+        <p:nvSpPr>
+          <p:cNvPr id="8" name="Fußzeilenplatzhalter 4"/>
+          <p:cNvSpPr>
+            <a:spLocks noGrp="1"/>
+          </p:cNvSpPr>
+          <p:nvPr>
+            <p:ph type="ftr" sz="quarter" idx="11"/>
+          </p:nvPr>
+        </p:nvSpPr>
+        <p:spPr>
+          <a:xfrm>
+            <a:off x="4129541" y="6353327"/>
+            <a:ext cx="5188329" cy="365125"/>
+          </a:xfrm>
+        </p:spPr>
+        <p:txBody>
+          <a:bodyPr/>
+          <a:lstStyle/>
+          <a:p>
+            <a:r>
+              <a:rPr lang="de-DE" dirty="0" smtClean="0"/>
+              <a:t>Fakultät Informatik             Sebastian Schötteler &amp; Benedikt Hofrichter</a:t>
+            </a:r>
+            <a:endParaRPr lang="de-DE" dirty="0"/>
+          </a:p>
+        </p:txBody>
+      </p:sp>
+      <p:sp>
+        <p:nvSpPr>
+          <p:cNvPr id="9" name="Foliennummernplatzhalter 5"/>
+          <p:cNvSpPr>
+            <a:spLocks noGrp="1"/>
+          </p:cNvSpPr>
+          <p:nvPr>
+            <p:ph type="sldNum" sz="quarter" idx="12"/>
+          </p:nvPr>
+        </p:nvSpPr>
+        <p:spPr>
+          <a:xfrm>
+            <a:off x="10845800" y="6356350"/>
+            <a:ext cx="508000" cy="365125"/>
+          </a:xfrm>
+        </p:spPr>
+        <p:txBody>
+          <a:bodyPr/>
+          <a:lstStyle/>
+          <a:p>
+            <a:r>
+              <a:rPr lang="de-DE" dirty="0" smtClean="0"/>
+              <a:t>33</a:t>
+            </a:r>
+            <a:endParaRPr lang="de-DE" dirty="0"/>
+          </a:p>
+        </p:txBody>
+      </p:sp>
+      <p:sp>
+        <p:nvSpPr>
+          <p:cNvPr id="10" name="Datumsplatzhalter 3"/>
+          <p:cNvSpPr>
+            <a:spLocks noGrp="1"/>
+          </p:cNvSpPr>
+          <p:nvPr>
+            <p:ph type="dt" sz="half" idx="10"/>
+          </p:nvPr>
+        </p:nvSpPr>
+        <p:spPr>
+          <a:xfrm>
+            <a:off x="9582302" y="6353327"/>
+            <a:ext cx="999066" cy="365125"/>
+          </a:xfrm>
+        </p:spPr>
+        <p:txBody>
+          <a:bodyPr/>
+          <a:lstStyle/>
+          <a:p>
+            <a:r>
+              <a:rPr lang="de-DE" dirty="0" smtClean="0"/>
+              <a:t>23.12.2015</a:t>
             </a:r>
             <a:endParaRPr lang="de-DE" dirty="0"/>
           </a:p>
@@ -25791,14 +26534,9 @@
               <a:buChar char="§"/>
             </a:pPr>
             <a:r>
-              <a:rPr lang="de-DE" sz="2800" dirty="0">
-                <a:latin typeface="Arial"/>
-              </a:rPr>
+              <a:rPr lang="de-DE" sz="2800" dirty="0"/>
               <a:t>Apache Maven    </a:t>
             </a:r>
-            <a:endParaRPr lang="de-DE" sz="2800" dirty="0">
-              <a:latin typeface="Arial"/>
-            </a:endParaRPr>
           </a:p>
           <a:p>
             <a:pPr marL="914400" lvl="1" indent="-457200">
@@ -25952,6 +26690,90 @@
             <a:r>
               <a:rPr lang="de-DE" b="1" dirty="0" smtClean="0"/>
               <a:t>Umsetzung der Anwendung</a:t>
+            </a:r>
+            <a:endParaRPr lang="de-DE" dirty="0"/>
+          </a:p>
+        </p:txBody>
+      </p:sp>
+      <p:sp>
+        <p:nvSpPr>
+          <p:cNvPr id="8" name="Fußzeilenplatzhalter 4"/>
+          <p:cNvSpPr>
+            <a:spLocks noGrp="1"/>
+          </p:cNvSpPr>
+          <p:nvPr>
+            <p:ph type="ftr" sz="quarter" idx="11"/>
+          </p:nvPr>
+        </p:nvSpPr>
+        <p:spPr>
+          <a:xfrm>
+            <a:off x="4129541" y="6353327"/>
+            <a:ext cx="5188329" cy="365125"/>
+          </a:xfrm>
+        </p:spPr>
+        <p:txBody>
+          <a:bodyPr/>
+          <a:lstStyle/>
+          <a:p>
+            <a:r>
+              <a:rPr lang="de-DE" dirty="0" smtClean="0"/>
+              <a:t>Fakultät Informatik             Sebastian Schötteler &amp; Benedikt Hofrichter</a:t>
+            </a:r>
+            <a:endParaRPr lang="de-DE" dirty="0"/>
+          </a:p>
+        </p:txBody>
+      </p:sp>
+      <p:sp>
+        <p:nvSpPr>
+          <p:cNvPr id="9" name="Foliennummernplatzhalter 5"/>
+          <p:cNvSpPr>
+            <a:spLocks noGrp="1"/>
+          </p:cNvSpPr>
+          <p:nvPr>
+            <p:ph type="sldNum" sz="quarter" idx="12"/>
+          </p:nvPr>
+        </p:nvSpPr>
+        <p:spPr>
+          <a:xfrm>
+            <a:off x="10845800" y="6356350"/>
+            <a:ext cx="508000" cy="365125"/>
+          </a:xfrm>
+        </p:spPr>
+        <p:txBody>
+          <a:bodyPr/>
+          <a:lstStyle/>
+          <a:p>
+            <a:r>
+              <a:rPr lang="de-DE" dirty="0" smtClean="0"/>
+              <a:t>34</a:t>
+            </a:r>
+            <a:endParaRPr lang="de-DE" dirty="0"/>
+          </a:p>
+        </p:txBody>
+      </p:sp>
+      <p:sp>
+        <p:nvSpPr>
+          <p:cNvPr id="10" name="Datumsplatzhalter 3"/>
+          <p:cNvSpPr>
+            <a:spLocks noGrp="1"/>
+          </p:cNvSpPr>
+          <p:nvPr>
+            <p:ph type="dt" sz="half" idx="10"/>
+          </p:nvPr>
+        </p:nvSpPr>
+        <p:spPr>
+          <a:xfrm>
+            <a:off x="9582302" y="6353327"/>
+            <a:ext cx="999066" cy="365125"/>
+          </a:xfrm>
+        </p:spPr>
+        <p:txBody>
+          <a:bodyPr/>
+          <a:lstStyle/>
+          <a:p>
+            <a:r>
+              <a:rPr lang="de-DE" dirty="0" smtClean="0"/>
+              <a:t>23.12.2015</a:t>
             </a:r>
             <a:endParaRPr lang="de-DE" dirty="0"/>
           </a:p>
@@ -26120,6 +26942,90 @@
           </a:p>
         </p:txBody>
       </p:sp>
+      <p:sp>
+        <p:nvSpPr>
+          <p:cNvPr id="8" name="Fußzeilenplatzhalter 4"/>
+          <p:cNvSpPr>
+            <a:spLocks noGrp="1"/>
+          </p:cNvSpPr>
+          <p:nvPr>
+            <p:ph type="ftr" sz="quarter" idx="11"/>
+          </p:nvPr>
+        </p:nvSpPr>
+        <p:spPr>
+          <a:xfrm>
+            <a:off x="4129541" y="6353327"/>
+            <a:ext cx="5188329" cy="365125"/>
+          </a:xfrm>
+        </p:spPr>
+        <p:txBody>
+          <a:bodyPr/>
+          <a:lstStyle/>
+          <a:p>
+            <a:r>
+              <a:rPr lang="de-DE" dirty="0" smtClean="0"/>
+              <a:t>Fakultät Informatik             Sebastian Schötteler &amp; Benedikt Hofrichter</a:t>
+            </a:r>
+            <a:endParaRPr lang="de-DE" dirty="0"/>
+          </a:p>
+        </p:txBody>
+      </p:sp>
+      <p:sp>
+        <p:nvSpPr>
+          <p:cNvPr id="9" name="Foliennummernplatzhalter 5"/>
+          <p:cNvSpPr>
+            <a:spLocks noGrp="1"/>
+          </p:cNvSpPr>
+          <p:nvPr>
+            <p:ph type="sldNum" sz="quarter" idx="12"/>
+          </p:nvPr>
+        </p:nvSpPr>
+        <p:spPr>
+          <a:xfrm>
+            <a:off x="10845800" y="6356350"/>
+            <a:ext cx="508000" cy="365125"/>
+          </a:xfrm>
+        </p:spPr>
+        <p:txBody>
+          <a:bodyPr/>
+          <a:lstStyle/>
+          <a:p>
+            <a:r>
+              <a:rPr lang="de-DE" dirty="0" smtClean="0"/>
+              <a:t>35</a:t>
+            </a:r>
+            <a:endParaRPr lang="de-DE" dirty="0"/>
+          </a:p>
+        </p:txBody>
+      </p:sp>
+      <p:sp>
+        <p:nvSpPr>
+          <p:cNvPr id="10" name="Datumsplatzhalter 3"/>
+          <p:cNvSpPr>
+            <a:spLocks noGrp="1"/>
+          </p:cNvSpPr>
+          <p:nvPr>
+            <p:ph type="dt" sz="half" idx="10"/>
+          </p:nvPr>
+        </p:nvSpPr>
+        <p:spPr>
+          <a:xfrm>
+            <a:off x="9582302" y="6353327"/>
+            <a:ext cx="999066" cy="365125"/>
+          </a:xfrm>
+        </p:spPr>
+        <p:txBody>
+          <a:bodyPr/>
+          <a:lstStyle/>
+          <a:p>
+            <a:r>
+              <a:rPr lang="de-DE" dirty="0" smtClean="0"/>
+              <a:t>23.12.2015</a:t>
+            </a:r>
+            <a:endParaRPr lang="de-DE" dirty="0"/>
+          </a:p>
+        </p:txBody>
+      </p:sp>
     </p:spTree>
     <p:extLst>
       <p:ext uri="{BB962C8B-B14F-4D97-AF65-F5344CB8AC3E}">
@@ -26247,11 +27153,7 @@
             </a:pPr>
             <a:r>
               <a:rPr lang="de-DE" sz="2400" dirty="0"/>
-              <a:t>Umsetzung </a:t>
-            </a:r>
-            <a:r>
-              <a:rPr lang="de-DE" sz="2400" dirty="0"/>
-              <a:t>des Spring Frameworks</a:t>
+              <a:t>Umsetzung des Spring Frameworks</a:t>
             </a:r>
             <a:endParaRPr sz="2400" dirty="0"/>
           </a:p>
@@ -26389,6 +27291,90 @@
             <a:r>
               <a:rPr lang="de-DE" b="1" dirty="0" smtClean="0"/>
               <a:t>Umsetzung der Anwendung</a:t>
+            </a:r>
+            <a:endParaRPr lang="de-DE" dirty="0"/>
+          </a:p>
+        </p:txBody>
+      </p:sp>
+      <p:sp>
+        <p:nvSpPr>
+          <p:cNvPr id="8" name="Fußzeilenplatzhalter 4"/>
+          <p:cNvSpPr>
+            <a:spLocks noGrp="1"/>
+          </p:cNvSpPr>
+          <p:nvPr>
+            <p:ph type="ftr" sz="quarter" idx="11"/>
+          </p:nvPr>
+        </p:nvSpPr>
+        <p:spPr>
+          <a:xfrm>
+            <a:off x="4129541" y="6353327"/>
+            <a:ext cx="5188329" cy="365125"/>
+          </a:xfrm>
+        </p:spPr>
+        <p:txBody>
+          <a:bodyPr/>
+          <a:lstStyle/>
+          <a:p>
+            <a:r>
+              <a:rPr lang="de-DE" dirty="0" smtClean="0"/>
+              <a:t>Fakultät Informatik             Sebastian Schötteler &amp; Benedikt Hofrichter</a:t>
+            </a:r>
+            <a:endParaRPr lang="de-DE" dirty="0"/>
+          </a:p>
+        </p:txBody>
+      </p:sp>
+      <p:sp>
+        <p:nvSpPr>
+          <p:cNvPr id="9" name="Foliennummernplatzhalter 5"/>
+          <p:cNvSpPr>
+            <a:spLocks noGrp="1"/>
+          </p:cNvSpPr>
+          <p:nvPr>
+            <p:ph type="sldNum" sz="quarter" idx="12"/>
+          </p:nvPr>
+        </p:nvSpPr>
+        <p:spPr>
+          <a:xfrm>
+            <a:off x="10845800" y="6356350"/>
+            <a:ext cx="508000" cy="365125"/>
+          </a:xfrm>
+        </p:spPr>
+        <p:txBody>
+          <a:bodyPr/>
+          <a:lstStyle/>
+          <a:p>
+            <a:r>
+              <a:rPr lang="de-DE" dirty="0" smtClean="0"/>
+              <a:t>36</a:t>
+            </a:r>
+            <a:endParaRPr lang="de-DE" dirty="0"/>
+          </a:p>
+        </p:txBody>
+      </p:sp>
+      <p:sp>
+        <p:nvSpPr>
+          <p:cNvPr id="10" name="Datumsplatzhalter 3"/>
+          <p:cNvSpPr>
+            <a:spLocks noGrp="1"/>
+          </p:cNvSpPr>
+          <p:nvPr>
+            <p:ph type="dt" sz="half" idx="10"/>
+          </p:nvPr>
+        </p:nvSpPr>
+        <p:spPr>
+          <a:xfrm>
+            <a:off x="9582302" y="6353327"/>
+            <a:ext cx="999066" cy="365125"/>
+          </a:xfrm>
+        </p:spPr>
+        <p:txBody>
+          <a:bodyPr/>
+          <a:lstStyle/>
+          <a:p>
+            <a:r>
+              <a:rPr lang="de-DE" dirty="0" smtClean="0"/>
+              <a:t>23.12.2015</a:t>
             </a:r>
             <a:endParaRPr lang="de-DE" dirty="0"/>
           </a:p>
@@ -26561,11 +27547,7 @@
             </a:pPr>
             <a:r>
               <a:rPr lang="de-DE" sz="2400" dirty="0"/>
-              <a:t>Inversion-of-Control (Spring </a:t>
-            </a:r>
-            <a:r>
-              <a:rPr lang="de-DE" sz="2400" dirty="0"/>
-              <a:t>IoC-Container)</a:t>
+              <a:t>Inversion-of-Control (Spring IoC-Container)</a:t>
             </a:r>
             <a:endParaRPr sz="2400" dirty="0"/>
           </a:p>
@@ -26622,6 +27604,90 @@
             <a:r>
               <a:rPr lang="de-DE" b="1" dirty="0" smtClean="0"/>
               <a:t>Umsetzung der Anwendung</a:t>
+            </a:r>
+            <a:endParaRPr lang="de-DE" dirty="0"/>
+          </a:p>
+        </p:txBody>
+      </p:sp>
+      <p:sp>
+        <p:nvSpPr>
+          <p:cNvPr id="7" name="Fußzeilenplatzhalter 4"/>
+          <p:cNvSpPr>
+            <a:spLocks noGrp="1"/>
+          </p:cNvSpPr>
+          <p:nvPr>
+            <p:ph type="ftr" sz="quarter" idx="11"/>
+          </p:nvPr>
+        </p:nvSpPr>
+        <p:spPr>
+          <a:xfrm>
+            <a:off x="4129541" y="6353327"/>
+            <a:ext cx="5188329" cy="365125"/>
+          </a:xfrm>
+        </p:spPr>
+        <p:txBody>
+          <a:bodyPr/>
+          <a:lstStyle/>
+          <a:p>
+            <a:r>
+              <a:rPr lang="de-DE" dirty="0" smtClean="0"/>
+              <a:t>Fakultät Informatik             Sebastian Schötteler &amp; Benedikt Hofrichter</a:t>
+            </a:r>
+            <a:endParaRPr lang="de-DE" dirty="0"/>
+          </a:p>
+        </p:txBody>
+      </p:sp>
+      <p:sp>
+        <p:nvSpPr>
+          <p:cNvPr id="8" name="Foliennummernplatzhalter 5"/>
+          <p:cNvSpPr>
+            <a:spLocks noGrp="1"/>
+          </p:cNvSpPr>
+          <p:nvPr>
+            <p:ph type="sldNum" sz="quarter" idx="12"/>
+          </p:nvPr>
+        </p:nvSpPr>
+        <p:spPr>
+          <a:xfrm>
+            <a:off x="10845800" y="6356350"/>
+            <a:ext cx="508000" cy="365125"/>
+          </a:xfrm>
+        </p:spPr>
+        <p:txBody>
+          <a:bodyPr/>
+          <a:lstStyle/>
+          <a:p>
+            <a:r>
+              <a:rPr lang="de-DE" dirty="0" smtClean="0"/>
+              <a:t>37</a:t>
+            </a:r>
+            <a:endParaRPr lang="de-DE" dirty="0"/>
+          </a:p>
+        </p:txBody>
+      </p:sp>
+      <p:sp>
+        <p:nvSpPr>
+          <p:cNvPr id="9" name="Datumsplatzhalter 3"/>
+          <p:cNvSpPr>
+            <a:spLocks noGrp="1"/>
+          </p:cNvSpPr>
+          <p:nvPr>
+            <p:ph type="dt" sz="half" idx="10"/>
+          </p:nvPr>
+        </p:nvSpPr>
+        <p:spPr>
+          <a:xfrm>
+            <a:off x="9582302" y="6353327"/>
+            <a:ext cx="999066" cy="365125"/>
+          </a:xfrm>
+        </p:spPr>
+        <p:txBody>
+          <a:bodyPr/>
+          <a:lstStyle/>
+          <a:p>
+            <a:r>
+              <a:rPr lang="de-DE" dirty="0" smtClean="0"/>
+              <a:t>23.12.2015</a:t>
             </a:r>
             <a:endParaRPr lang="de-DE" dirty="0"/>
           </a:p>
@@ -26741,6 +27807,90 @@
           </a:p>
         </p:txBody>
       </p:sp>
+      <p:sp>
+        <p:nvSpPr>
+          <p:cNvPr id="6" name="Fußzeilenplatzhalter 4"/>
+          <p:cNvSpPr>
+            <a:spLocks noGrp="1"/>
+          </p:cNvSpPr>
+          <p:nvPr>
+            <p:ph type="ftr" sz="quarter" idx="11"/>
+          </p:nvPr>
+        </p:nvSpPr>
+        <p:spPr>
+          <a:xfrm>
+            <a:off x="4129541" y="6353327"/>
+            <a:ext cx="5188329" cy="365125"/>
+          </a:xfrm>
+        </p:spPr>
+        <p:txBody>
+          <a:bodyPr/>
+          <a:lstStyle/>
+          <a:p>
+            <a:r>
+              <a:rPr lang="de-DE" dirty="0" smtClean="0"/>
+              <a:t>Fakultät Informatik             Sebastian Schötteler &amp; Benedikt Hofrichter</a:t>
+            </a:r>
+            <a:endParaRPr lang="de-DE" dirty="0"/>
+          </a:p>
+        </p:txBody>
+      </p:sp>
+      <p:sp>
+        <p:nvSpPr>
+          <p:cNvPr id="7" name="Foliennummernplatzhalter 5"/>
+          <p:cNvSpPr>
+            <a:spLocks noGrp="1"/>
+          </p:cNvSpPr>
+          <p:nvPr>
+            <p:ph type="sldNum" sz="quarter" idx="12"/>
+          </p:nvPr>
+        </p:nvSpPr>
+        <p:spPr>
+          <a:xfrm>
+            <a:off x="10845800" y="6356350"/>
+            <a:ext cx="508000" cy="365125"/>
+          </a:xfrm>
+        </p:spPr>
+        <p:txBody>
+          <a:bodyPr/>
+          <a:lstStyle/>
+          <a:p>
+            <a:r>
+              <a:rPr lang="de-DE" dirty="0" smtClean="0"/>
+              <a:t>38</a:t>
+            </a:r>
+            <a:endParaRPr lang="de-DE" dirty="0"/>
+          </a:p>
+        </p:txBody>
+      </p:sp>
+      <p:sp>
+        <p:nvSpPr>
+          <p:cNvPr id="8" name="Datumsplatzhalter 3"/>
+          <p:cNvSpPr>
+            <a:spLocks noGrp="1"/>
+          </p:cNvSpPr>
+          <p:nvPr>
+            <p:ph type="dt" sz="half" idx="10"/>
+          </p:nvPr>
+        </p:nvSpPr>
+        <p:spPr>
+          <a:xfrm>
+            <a:off x="9582302" y="6353327"/>
+            <a:ext cx="999066" cy="365125"/>
+          </a:xfrm>
+        </p:spPr>
+        <p:txBody>
+          <a:bodyPr/>
+          <a:lstStyle/>
+          <a:p>
+            <a:r>
+              <a:rPr lang="de-DE" dirty="0" smtClean="0"/>
+              <a:t>23.12.2015</a:t>
+            </a:r>
+            <a:endParaRPr lang="de-DE" dirty="0"/>
+          </a:p>
+        </p:txBody>
+      </p:sp>
     </p:spTree>
     <p:extLst>
       <p:ext uri="{BB962C8B-B14F-4D97-AF65-F5344CB8AC3E}">
@@ -27247,6 +28397,90 @@
           </a:p>
         </p:txBody>
       </p:sp>
+      <p:sp>
+        <p:nvSpPr>
+          <p:cNvPr id="9" name="Fußzeilenplatzhalter 4"/>
+          <p:cNvSpPr>
+            <a:spLocks noGrp="1"/>
+          </p:cNvSpPr>
+          <p:nvPr>
+            <p:ph type="ftr" sz="quarter" idx="11"/>
+          </p:nvPr>
+        </p:nvSpPr>
+        <p:spPr>
+          <a:xfrm>
+            <a:off x="4129541" y="6353327"/>
+            <a:ext cx="5188329" cy="365125"/>
+          </a:xfrm>
+        </p:spPr>
+        <p:txBody>
+          <a:bodyPr/>
+          <a:lstStyle/>
+          <a:p>
+            <a:r>
+              <a:rPr lang="de-DE" dirty="0" smtClean="0"/>
+              <a:t>Fakultät Informatik             Sebastian Schötteler &amp; Benedikt Hofrichter</a:t>
+            </a:r>
+            <a:endParaRPr lang="de-DE" dirty="0"/>
+          </a:p>
+        </p:txBody>
+      </p:sp>
+      <p:sp>
+        <p:nvSpPr>
+          <p:cNvPr id="10" name="Foliennummernplatzhalter 5"/>
+          <p:cNvSpPr>
+            <a:spLocks noGrp="1"/>
+          </p:cNvSpPr>
+          <p:nvPr>
+            <p:ph type="sldNum" sz="quarter" idx="12"/>
+          </p:nvPr>
+        </p:nvSpPr>
+        <p:spPr>
+          <a:xfrm>
+            <a:off x="10845800" y="6356350"/>
+            <a:ext cx="508000" cy="365125"/>
+          </a:xfrm>
+        </p:spPr>
+        <p:txBody>
+          <a:bodyPr/>
+          <a:lstStyle/>
+          <a:p>
+            <a:r>
+              <a:rPr lang="de-DE" dirty="0" smtClean="0"/>
+              <a:t>39</a:t>
+            </a:r>
+            <a:endParaRPr lang="de-DE" dirty="0"/>
+          </a:p>
+        </p:txBody>
+      </p:sp>
+      <p:sp>
+        <p:nvSpPr>
+          <p:cNvPr id="11" name="Datumsplatzhalter 3"/>
+          <p:cNvSpPr>
+            <a:spLocks noGrp="1"/>
+          </p:cNvSpPr>
+          <p:nvPr>
+            <p:ph type="dt" sz="half" idx="10"/>
+          </p:nvPr>
+        </p:nvSpPr>
+        <p:spPr>
+          <a:xfrm>
+            <a:off x="9582302" y="6353327"/>
+            <a:ext cx="999066" cy="365125"/>
+          </a:xfrm>
+        </p:spPr>
+        <p:txBody>
+          <a:bodyPr/>
+          <a:lstStyle/>
+          <a:p>
+            <a:r>
+              <a:rPr lang="de-DE" dirty="0" smtClean="0"/>
+              <a:t>23.12.2015</a:t>
+            </a:r>
+            <a:endParaRPr lang="de-DE" dirty="0"/>
+          </a:p>
+        </p:txBody>
+      </p:sp>
     </p:spTree>
     <p:extLst>
       <p:ext uri="{BB962C8B-B14F-4D97-AF65-F5344CB8AC3E}">
@@ -27374,11 +28608,7 @@
             </a:pPr>
             <a:r>
               <a:rPr lang="de-DE" sz="2400" dirty="0"/>
-              <a:t>Basiert </a:t>
-            </a:r>
-            <a:r>
-              <a:rPr lang="de-DE" sz="2400" dirty="0"/>
-              <a:t>auf D3js</a:t>
+              <a:t>Basiert auf D3js</a:t>
             </a:r>
             <a:endParaRPr sz="2400" dirty="0"/>
           </a:p>
@@ -27426,19 +28656,11 @@
             </a:pPr>
             <a:r>
               <a:rPr lang="de-DE" sz="2400" dirty="0"/>
-              <a:t>Alternativen: D3js, NVD3, CanvasJS</a:t>
-            </a:r>
-            <a:r>
-              <a:rPr lang="de-DE" sz="2400" dirty="0"/>
-              <a:t>, </a:t>
+              <a:t>Alternativen: D3js, NVD3, CanvasJS, </a:t>
             </a:r>
             <a:r>
               <a:rPr lang="de-DE" sz="2400" dirty="0" smtClean="0"/>
-              <a:t>Crossfilter</a:t>
-            </a:r>
-            <a:r>
-              <a:rPr lang="de-DE" sz="2400" dirty="0" smtClean="0"/>
-              <a:t>, …</a:t>
+              <a:t>Crossfilter, …</a:t>
             </a:r>
             <a:endParaRPr sz="2400" dirty="0"/>
           </a:p>
@@ -27471,6 +28693,90 @@
             <a:r>
               <a:rPr lang="de-DE" b="1" dirty="0" smtClean="0"/>
               <a:t>Umsetzung der Anwendung</a:t>
+            </a:r>
+            <a:endParaRPr lang="de-DE" dirty="0"/>
+          </a:p>
+        </p:txBody>
+      </p:sp>
+      <p:sp>
+        <p:nvSpPr>
+          <p:cNvPr id="7" name="Fußzeilenplatzhalter 4"/>
+          <p:cNvSpPr>
+            <a:spLocks noGrp="1"/>
+          </p:cNvSpPr>
+          <p:nvPr>
+            <p:ph type="ftr" sz="quarter" idx="11"/>
+          </p:nvPr>
+        </p:nvSpPr>
+        <p:spPr>
+          <a:xfrm>
+            <a:off x="4129541" y="6353327"/>
+            <a:ext cx="5188329" cy="365125"/>
+          </a:xfrm>
+        </p:spPr>
+        <p:txBody>
+          <a:bodyPr/>
+          <a:lstStyle/>
+          <a:p>
+            <a:r>
+              <a:rPr lang="de-DE" dirty="0" smtClean="0"/>
+              <a:t>Fakultät Informatik             Sebastian Schötteler &amp; Benedikt Hofrichter</a:t>
+            </a:r>
+            <a:endParaRPr lang="de-DE" dirty="0"/>
+          </a:p>
+        </p:txBody>
+      </p:sp>
+      <p:sp>
+        <p:nvSpPr>
+          <p:cNvPr id="8" name="Foliennummernplatzhalter 5"/>
+          <p:cNvSpPr>
+            <a:spLocks noGrp="1"/>
+          </p:cNvSpPr>
+          <p:nvPr>
+            <p:ph type="sldNum" sz="quarter" idx="12"/>
+          </p:nvPr>
+        </p:nvSpPr>
+        <p:spPr>
+          <a:xfrm>
+            <a:off x="10845800" y="6356350"/>
+            <a:ext cx="508000" cy="365125"/>
+          </a:xfrm>
+        </p:spPr>
+        <p:txBody>
+          <a:bodyPr/>
+          <a:lstStyle/>
+          <a:p>
+            <a:r>
+              <a:rPr lang="de-DE" dirty="0" smtClean="0"/>
+              <a:t>40</a:t>
+            </a:r>
+            <a:endParaRPr lang="de-DE" dirty="0"/>
+          </a:p>
+        </p:txBody>
+      </p:sp>
+      <p:sp>
+        <p:nvSpPr>
+          <p:cNvPr id="9" name="Datumsplatzhalter 3"/>
+          <p:cNvSpPr>
+            <a:spLocks noGrp="1"/>
+          </p:cNvSpPr>
+          <p:nvPr>
+            <p:ph type="dt" sz="half" idx="10"/>
+          </p:nvPr>
+        </p:nvSpPr>
+        <p:spPr>
+          <a:xfrm>
+            <a:off x="9582302" y="6353327"/>
+            <a:ext cx="999066" cy="365125"/>
+          </a:xfrm>
+        </p:spPr>
+        <p:txBody>
+          <a:bodyPr/>
+          <a:lstStyle/>
+          <a:p>
+            <a:r>
+              <a:rPr lang="de-DE" dirty="0" smtClean="0"/>
+              <a:t>23.12.2015</a:t>
             </a:r>
             <a:endParaRPr lang="de-DE" dirty="0"/>
           </a:p>
@@ -27689,6 +28995,90 @@
           </a:p>
         </p:txBody>
       </p:sp>
+      <p:sp>
+        <p:nvSpPr>
+          <p:cNvPr id="8" name="Fußzeilenplatzhalter 4"/>
+          <p:cNvSpPr>
+            <a:spLocks noGrp="1"/>
+          </p:cNvSpPr>
+          <p:nvPr>
+            <p:ph type="ftr" sz="quarter" idx="11"/>
+          </p:nvPr>
+        </p:nvSpPr>
+        <p:spPr>
+          <a:xfrm>
+            <a:off x="4129541" y="6353327"/>
+            <a:ext cx="5188329" cy="365125"/>
+          </a:xfrm>
+        </p:spPr>
+        <p:txBody>
+          <a:bodyPr/>
+          <a:lstStyle/>
+          <a:p>
+            <a:r>
+              <a:rPr lang="de-DE" dirty="0" smtClean="0"/>
+              <a:t>Fakultät Informatik             Sebastian Schötteler &amp; Benedikt Hofrichter</a:t>
+            </a:r>
+            <a:endParaRPr lang="de-DE" dirty="0"/>
+          </a:p>
+        </p:txBody>
+      </p:sp>
+      <p:sp>
+        <p:nvSpPr>
+          <p:cNvPr id="9" name="Foliennummernplatzhalter 5"/>
+          <p:cNvSpPr>
+            <a:spLocks noGrp="1"/>
+          </p:cNvSpPr>
+          <p:nvPr>
+            <p:ph type="sldNum" sz="quarter" idx="12"/>
+          </p:nvPr>
+        </p:nvSpPr>
+        <p:spPr>
+          <a:xfrm>
+            <a:off x="10845800" y="6356350"/>
+            <a:ext cx="508000" cy="365125"/>
+          </a:xfrm>
+        </p:spPr>
+        <p:txBody>
+          <a:bodyPr/>
+          <a:lstStyle/>
+          <a:p>
+            <a:r>
+              <a:rPr lang="de-DE" dirty="0" smtClean="0"/>
+              <a:t>41</a:t>
+            </a:r>
+            <a:endParaRPr lang="de-DE" dirty="0"/>
+          </a:p>
+        </p:txBody>
+      </p:sp>
+      <p:sp>
+        <p:nvSpPr>
+          <p:cNvPr id="10" name="Datumsplatzhalter 3"/>
+          <p:cNvSpPr>
+            <a:spLocks noGrp="1"/>
+          </p:cNvSpPr>
+          <p:nvPr>
+            <p:ph type="dt" sz="half" idx="10"/>
+          </p:nvPr>
+        </p:nvSpPr>
+        <p:spPr>
+          <a:xfrm>
+            <a:off x="9582302" y="6353327"/>
+            <a:ext cx="999066" cy="365125"/>
+          </a:xfrm>
+        </p:spPr>
+        <p:txBody>
+          <a:bodyPr/>
+          <a:lstStyle/>
+          <a:p>
+            <a:r>
+              <a:rPr lang="de-DE" dirty="0" smtClean="0"/>
+              <a:t>23.12.2015</a:t>
+            </a:r>
+            <a:endParaRPr lang="de-DE" dirty="0"/>
+          </a:p>
+        </p:txBody>
+      </p:sp>
     </p:spTree>
     <p:extLst>
       <p:ext uri="{BB962C8B-B14F-4D97-AF65-F5344CB8AC3E}">
@@ -27788,11 +29178,7 @@
             </a:pPr>
             <a:r>
               <a:rPr lang="de-DE" sz="2400" dirty="0"/>
-              <a:t>Integrationsfähigkeit </a:t>
-            </a:r>
-            <a:r>
-              <a:rPr lang="de-DE" sz="2400" dirty="0"/>
-              <a:t>durch modulare Entwicklung und einheitliche Schnittstellen</a:t>
+              <a:t>Integrationsfähigkeit durch modulare Entwicklung und einheitliche Schnittstellen</a:t>
             </a:r>
             <a:endParaRPr sz="2400" dirty="0"/>
           </a:p>
@@ -27876,6 +29262,90 @@
             <a:r>
               <a:rPr lang="de-DE" b="1" dirty="0" smtClean="0"/>
               <a:t>Umsetzung der Anwendung</a:t>
+            </a:r>
+            <a:endParaRPr lang="de-DE" dirty="0"/>
+          </a:p>
+        </p:txBody>
+      </p:sp>
+      <p:sp>
+        <p:nvSpPr>
+          <p:cNvPr id="6" name="Fußzeilenplatzhalter 4"/>
+          <p:cNvSpPr>
+            <a:spLocks noGrp="1"/>
+          </p:cNvSpPr>
+          <p:nvPr>
+            <p:ph type="ftr" sz="quarter" idx="11"/>
+          </p:nvPr>
+        </p:nvSpPr>
+        <p:spPr>
+          <a:xfrm>
+            <a:off x="4129541" y="6353327"/>
+            <a:ext cx="5188329" cy="365125"/>
+          </a:xfrm>
+        </p:spPr>
+        <p:txBody>
+          <a:bodyPr/>
+          <a:lstStyle/>
+          <a:p>
+            <a:r>
+              <a:rPr lang="de-DE" dirty="0" smtClean="0"/>
+              <a:t>Fakultät Informatik             Sebastian Schötteler &amp; Benedikt Hofrichter</a:t>
+            </a:r>
+            <a:endParaRPr lang="de-DE" dirty="0"/>
+          </a:p>
+        </p:txBody>
+      </p:sp>
+      <p:sp>
+        <p:nvSpPr>
+          <p:cNvPr id="7" name="Foliennummernplatzhalter 5"/>
+          <p:cNvSpPr>
+            <a:spLocks noGrp="1"/>
+          </p:cNvSpPr>
+          <p:nvPr>
+            <p:ph type="sldNum" sz="quarter" idx="12"/>
+          </p:nvPr>
+        </p:nvSpPr>
+        <p:spPr>
+          <a:xfrm>
+            <a:off x="10845800" y="6356350"/>
+            <a:ext cx="508000" cy="365125"/>
+          </a:xfrm>
+        </p:spPr>
+        <p:txBody>
+          <a:bodyPr/>
+          <a:lstStyle/>
+          <a:p>
+            <a:r>
+              <a:rPr lang="de-DE" dirty="0" smtClean="0"/>
+              <a:t>42</a:t>
+            </a:r>
+            <a:endParaRPr lang="de-DE" dirty="0"/>
+          </a:p>
+        </p:txBody>
+      </p:sp>
+      <p:sp>
+        <p:nvSpPr>
+          <p:cNvPr id="8" name="Datumsplatzhalter 3"/>
+          <p:cNvSpPr>
+            <a:spLocks noGrp="1"/>
+          </p:cNvSpPr>
+          <p:nvPr>
+            <p:ph type="dt" sz="half" idx="10"/>
+          </p:nvPr>
+        </p:nvSpPr>
+        <p:spPr>
+          <a:xfrm>
+            <a:off x="9582302" y="6353327"/>
+            <a:ext cx="999066" cy="365125"/>
+          </a:xfrm>
+        </p:spPr>
+        <p:txBody>
+          <a:bodyPr/>
+          <a:lstStyle/>
+          <a:p>
+            <a:r>
+              <a:rPr lang="de-DE" dirty="0" smtClean="0"/>
+              <a:t>23.12.2015</a:t>
             </a:r>
             <a:endParaRPr lang="de-DE" dirty="0"/>
           </a:p>
@@ -44398,6 +45868,90 @@
           </a:ln>
         </p:spPr>
       </p:pic>
+      <p:sp>
+        <p:nvSpPr>
+          <p:cNvPr id="8" name="Fußzeilenplatzhalter 4"/>
+          <p:cNvSpPr>
+            <a:spLocks noGrp="1"/>
+          </p:cNvSpPr>
+          <p:nvPr>
+            <p:ph type="ftr" sz="quarter" idx="11"/>
+          </p:nvPr>
+        </p:nvSpPr>
+        <p:spPr>
+          <a:xfrm>
+            <a:off x="4129541" y="6353327"/>
+            <a:ext cx="5188329" cy="365125"/>
+          </a:xfrm>
+        </p:spPr>
+        <p:txBody>
+          <a:bodyPr/>
+          <a:lstStyle/>
+          <a:p>
+            <a:r>
+              <a:rPr lang="de-DE" dirty="0" smtClean="0"/>
+              <a:t>Fakultät Informatik             Sebastian Schötteler &amp; Benedikt Hofrichter</a:t>
+            </a:r>
+            <a:endParaRPr lang="de-DE" dirty="0"/>
+          </a:p>
+        </p:txBody>
+      </p:sp>
+      <p:sp>
+        <p:nvSpPr>
+          <p:cNvPr id="9" name="Foliennummernplatzhalter 5"/>
+          <p:cNvSpPr>
+            <a:spLocks noGrp="1"/>
+          </p:cNvSpPr>
+          <p:nvPr>
+            <p:ph type="sldNum" sz="quarter" idx="12"/>
+          </p:nvPr>
+        </p:nvSpPr>
+        <p:spPr>
+          <a:xfrm>
+            <a:off x="10845800" y="6356350"/>
+            <a:ext cx="508000" cy="365125"/>
+          </a:xfrm>
+        </p:spPr>
+        <p:txBody>
+          <a:bodyPr/>
+          <a:lstStyle/>
+          <a:p>
+            <a:r>
+              <a:rPr lang="de-DE" dirty="0"/>
+              <a:t>6</a:t>
+            </a:r>
+            <a:endParaRPr lang="de-DE" dirty="0"/>
+          </a:p>
+        </p:txBody>
+      </p:sp>
+      <p:sp>
+        <p:nvSpPr>
+          <p:cNvPr id="10" name="Datumsplatzhalter 3"/>
+          <p:cNvSpPr>
+            <a:spLocks noGrp="1"/>
+          </p:cNvSpPr>
+          <p:nvPr>
+            <p:ph type="dt" sz="half" idx="10"/>
+          </p:nvPr>
+        </p:nvSpPr>
+        <p:spPr>
+          <a:xfrm>
+            <a:off x="9582302" y="6353327"/>
+            <a:ext cx="999066" cy="365125"/>
+          </a:xfrm>
+        </p:spPr>
+        <p:txBody>
+          <a:bodyPr/>
+          <a:lstStyle/>
+          <a:p>
+            <a:r>
+              <a:rPr lang="de-DE" dirty="0" smtClean="0"/>
+              <a:t>23.12.2015</a:t>
+            </a:r>
+            <a:endParaRPr lang="de-DE" dirty="0"/>
+          </a:p>
+        </p:txBody>
+      </p:sp>
     </p:spTree>
     <p:extLst>
       <p:ext uri="{BB962C8B-B14F-4D97-AF65-F5344CB8AC3E}">
@@ -46059,6 +47613,90 @@
           </a:p>
         </p:txBody>
       </p:sp>
+      <p:sp>
+        <p:nvSpPr>
+          <p:cNvPr id="6" name="Fußzeilenplatzhalter 4"/>
+          <p:cNvSpPr>
+            <a:spLocks noGrp="1"/>
+          </p:cNvSpPr>
+          <p:nvPr>
+            <p:ph type="ftr" sz="quarter" idx="11"/>
+          </p:nvPr>
+        </p:nvSpPr>
+        <p:spPr>
+          <a:xfrm>
+            <a:off x="4129541" y="6353327"/>
+            <a:ext cx="5188329" cy="365125"/>
+          </a:xfrm>
+        </p:spPr>
+        <p:txBody>
+          <a:bodyPr/>
+          <a:lstStyle/>
+          <a:p>
+            <a:r>
+              <a:rPr lang="de-DE" dirty="0" smtClean="0"/>
+              <a:t>Fakultät Informatik             Sebastian Schötteler &amp; Benedikt Hofrichter</a:t>
+            </a:r>
+            <a:endParaRPr lang="de-DE" dirty="0"/>
+          </a:p>
+        </p:txBody>
+      </p:sp>
+      <p:sp>
+        <p:nvSpPr>
+          <p:cNvPr id="7" name="Foliennummernplatzhalter 5"/>
+          <p:cNvSpPr>
+            <a:spLocks noGrp="1"/>
+          </p:cNvSpPr>
+          <p:nvPr>
+            <p:ph type="sldNum" sz="quarter" idx="12"/>
+          </p:nvPr>
+        </p:nvSpPr>
+        <p:spPr>
+          <a:xfrm>
+            <a:off x="10845800" y="6356350"/>
+            <a:ext cx="508000" cy="365125"/>
+          </a:xfrm>
+        </p:spPr>
+        <p:txBody>
+          <a:bodyPr/>
+          <a:lstStyle/>
+          <a:p>
+            <a:r>
+              <a:rPr lang="de-DE" dirty="0"/>
+              <a:t>7</a:t>
+            </a:r>
+            <a:endParaRPr lang="de-DE" dirty="0"/>
+          </a:p>
+        </p:txBody>
+      </p:sp>
+      <p:sp>
+        <p:nvSpPr>
+          <p:cNvPr id="8" name="Datumsplatzhalter 3"/>
+          <p:cNvSpPr>
+            <a:spLocks noGrp="1"/>
+          </p:cNvSpPr>
+          <p:nvPr>
+            <p:ph type="dt" sz="half" idx="10"/>
+          </p:nvPr>
+        </p:nvSpPr>
+        <p:spPr>
+          <a:xfrm>
+            <a:off x="9582302" y="6353327"/>
+            <a:ext cx="999066" cy="365125"/>
+          </a:xfrm>
+        </p:spPr>
+        <p:txBody>
+          <a:bodyPr/>
+          <a:lstStyle/>
+          <a:p>
+            <a:r>
+              <a:rPr lang="de-DE" dirty="0" smtClean="0"/>
+              <a:t>23.12.2015</a:t>
+            </a:r>
+            <a:endParaRPr lang="de-DE" dirty="0"/>
+          </a:p>
+        </p:txBody>
+      </p:sp>
     </p:spTree>
     <p:extLst>
       <p:ext uri="{BB962C8B-B14F-4D97-AF65-F5344CB8AC3E}">
@@ -46275,6 +47913,90 @@
               <a:t>Anwendung</a:t>
             </a:r>
             <a:endParaRPr lang="de-DE" sz="3600" b="1" dirty="0"/>
+          </a:p>
+        </p:txBody>
+      </p:sp>
+      <p:sp>
+        <p:nvSpPr>
+          <p:cNvPr id="6" name="Fußzeilenplatzhalter 4"/>
+          <p:cNvSpPr>
+            <a:spLocks noGrp="1"/>
+          </p:cNvSpPr>
+          <p:nvPr>
+            <p:ph type="ftr" sz="quarter" idx="11"/>
+          </p:nvPr>
+        </p:nvSpPr>
+        <p:spPr>
+          <a:xfrm>
+            <a:off x="4129541" y="6353327"/>
+            <a:ext cx="5188329" cy="365125"/>
+          </a:xfrm>
+        </p:spPr>
+        <p:txBody>
+          <a:bodyPr/>
+          <a:lstStyle/>
+          <a:p>
+            <a:r>
+              <a:rPr lang="de-DE" dirty="0" smtClean="0"/>
+              <a:t>Fakultät Informatik             Sebastian Schötteler &amp; Benedikt Hofrichter</a:t>
+            </a:r>
+            <a:endParaRPr lang="de-DE" dirty="0"/>
+          </a:p>
+        </p:txBody>
+      </p:sp>
+      <p:sp>
+        <p:nvSpPr>
+          <p:cNvPr id="7" name="Foliennummernplatzhalter 5"/>
+          <p:cNvSpPr>
+            <a:spLocks noGrp="1"/>
+          </p:cNvSpPr>
+          <p:nvPr>
+            <p:ph type="sldNum" sz="quarter" idx="12"/>
+          </p:nvPr>
+        </p:nvSpPr>
+        <p:spPr>
+          <a:xfrm>
+            <a:off x="10845800" y="6356350"/>
+            <a:ext cx="508000" cy="365125"/>
+          </a:xfrm>
+        </p:spPr>
+        <p:txBody>
+          <a:bodyPr/>
+          <a:lstStyle/>
+          <a:p>
+            <a:r>
+              <a:rPr lang="de-DE" dirty="0"/>
+              <a:t>8</a:t>
+            </a:r>
+            <a:endParaRPr lang="de-DE" dirty="0"/>
+          </a:p>
+        </p:txBody>
+      </p:sp>
+      <p:sp>
+        <p:nvSpPr>
+          <p:cNvPr id="8" name="Datumsplatzhalter 3"/>
+          <p:cNvSpPr>
+            <a:spLocks noGrp="1"/>
+          </p:cNvSpPr>
+          <p:nvPr>
+            <p:ph type="dt" sz="half" idx="10"/>
+          </p:nvPr>
+        </p:nvSpPr>
+        <p:spPr>
+          <a:xfrm>
+            <a:off x="9582302" y="6353327"/>
+            <a:ext cx="999066" cy="365125"/>
+          </a:xfrm>
+        </p:spPr>
+        <p:txBody>
+          <a:bodyPr/>
+          <a:lstStyle/>
+          <a:p>
+            <a:r>
+              <a:rPr lang="de-DE" dirty="0" smtClean="0"/>
+              <a:t>23.12.2015</a:t>
+            </a:r>
+            <a:endParaRPr lang="de-DE" dirty="0"/>
           </a:p>
         </p:txBody>
       </p:sp>

--- a/3b_Vortrag/Präsentation.pptx
+++ b/3b_Vortrag/Präsentation.pptx
@@ -1168,240 +1168,6 @@
       <dsp:cNvGrpSpPr/>
     </dsp:nvGrpSpPr>
     <dsp:grpSpPr/>
-    <dsp:sp modelId="{53E4825B-3D66-406A-9713-5BB390890124}">
-      <dsp:nvSpPr>
-        <dsp:cNvPr id="0" name=""/>
-        <dsp:cNvSpPr/>
-      </dsp:nvSpPr>
-      <dsp:spPr>
-        <a:xfrm>
-          <a:off x="3" y="2160766"/>
-          <a:ext cx="3814229" cy="1525691"/>
-        </a:xfrm>
-        <a:prstGeom prst="chevron">
-          <a:avLst/>
-        </a:prstGeom>
-        <a:solidFill>
-          <a:schemeClr val="accent3">
-            <a:hueOff val="0"/>
-            <a:satOff val="0"/>
-            <a:lumOff val="0"/>
-            <a:alphaOff val="0"/>
-          </a:schemeClr>
-        </a:solidFill>
-        <a:ln w="12700" cap="flat" cmpd="sng" algn="ctr">
-          <a:solidFill>
-            <a:schemeClr val="lt1">
-              <a:hueOff val="0"/>
-              <a:satOff val="0"/>
-              <a:lumOff val="0"/>
-              <a:alphaOff val="0"/>
-            </a:schemeClr>
-          </a:solidFill>
-          <a:prstDash val="solid"/>
-          <a:miter lim="800000"/>
-        </a:ln>
-        <a:effectLst/>
-      </dsp:spPr>
-      <dsp:style>
-        <a:lnRef idx="2">
-          <a:scrgbClr r="0" g="0" b="0"/>
-        </a:lnRef>
-        <a:fillRef idx="1">
-          <a:scrgbClr r="0" g="0" b="0"/>
-        </a:fillRef>
-        <a:effectRef idx="0">
-          <a:scrgbClr r="0" g="0" b="0"/>
-        </a:effectRef>
-        <a:fontRef idx="minor">
-          <a:schemeClr val="lt1"/>
-        </a:fontRef>
-      </dsp:style>
-      <dsp:txBody>
-        <a:bodyPr spcFirstLastPara="0" vert="horz" wrap="square" lIns="100013" tIns="33338" rIns="33338" bIns="33338" numCol="1" spcCol="1270" anchor="ctr" anchorCtr="0">
-          <a:noAutofit/>
-        </a:bodyPr>
-        <a:lstStyle/>
-        <a:p>
-          <a:pPr lvl="0" algn="ctr" defTabSz="1111250">
-            <a:lnSpc>
-              <a:spcPct val="90000"/>
-            </a:lnSpc>
-            <a:spcBef>
-              <a:spcPct val="0"/>
-            </a:spcBef>
-            <a:spcAft>
-              <a:spcPct val="35000"/>
-            </a:spcAft>
-          </a:pPr>
-          <a:r>
-            <a:rPr lang="de-DE" sz="2500" kern="1200" dirty="0" smtClean="0"/>
-            <a:t>Topologie</a:t>
-          </a:r>
-          <a:endParaRPr lang="de-DE" sz="2500" kern="1200" dirty="0"/>
-        </a:p>
-      </dsp:txBody>
-      <dsp:txXfrm>
-        <a:off x="762849" y="2160766"/>
-        <a:ext cx="2288538" cy="1525691"/>
-      </dsp:txXfrm>
-    </dsp:sp>
-    <dsp:sp modelId="{6D6BD3B1-FDF8-44BB-99F4-33A9A894F98B}">
-      <dsp:nvSpPr>
-        <dsp:cNvPr id="0" name=""/>
-        <dsp:cNvSpPr/>
-      </dsp:nvSpPr>
-      <dsp:spPr>
-        <a:xfrm>
-          <a:off x="3435937" y="2150315"/>
-          <a:ext cx="3814229" cy="1525691"/>
-        </a:xfrm>
-        <a:prstGeom prst="chevron">
-          <a:avLst/>
-        </a:prstGeom>
-        <a:solidFill>
-          <a:schemeClr val="accent3">
-            <a:hueOff val="0"/>
-            <a:satOff val="0"/>
-            <a:lumOff val="0"/>
-            <a:alphaOff val="0"/>
-          </a:schemeClr>
-        </a:solidFill>
-        <a:ln w="12700" cap="flat" cmpd="sng" algn="ctr">
-          <a:solidFill>
-            <a:schemeClr val="lt1">
-              <a:hueOff val="0"/>
-              <a:satOff val="0"/>
-              <a:lumOff val="0"/>
-              <a:alphaOff val="0"/>
-            </a:schemeClr>
-          </a:solidFill>
-          <a:prstDash val="solid"/>
-          <a:miter lim="800000"/>
-        </a:ln>
-        <a:effectLst/>
-      </dsp:spPr>
-      <dsp:style>
-        <a:lnRef idx="2">
-          <a:scrgbClr r="0" g="0" b="0"/>
-        </a:lnRef>
-        <a:fillRef idx="1">
-          <a:scrgbClr r="0" g="0" b="0"/>
-        </a:fillRef>
-        <a:effectRef idx="0">
-          <a:scrgbClr r="0" g="0" b="0"/>
-        </a:effectRef>
-        <a:fontRef idx="minor">
-          <a:schemeClr val="lt1"/>
-        </a:fontRef>
-      </dsp:style>
-      <dsp:txBody>
-        <a:bodyPr spcFirstLastPara="0" vert="horz" wrap="square" lIns="100013" tIns="33338" rIns="33338" bIns="33338" numCol="1" spcCol="1270" anchor="ctr" anchorCtr="0">
-          <a:noAutofit/>
-        </a:bodyPr>
-        <a:lstStyle/>
-        <a:p>
-          <a:pPr lvl="0" algn="ctr" defTabSz="1111250">
-            <a:lnSpc>
-              <a:spcPct val="90000"/>
-            </a:lnSpc>
-            <a:spcBef>
-              <a:spcPct val="0"/>
-            </a:spcBef>
-            <a:spcAft>
-              <a:spcPct val="35000"/>
-            </a:spcAft>
-          </a:pPr>
-          <a:r>
-            <a:rPr lang="de-DE" sz="2500" kern="1200" dirty="0" smtClean="0"/>
-            <a:t>Transferfunktion</a:t>
-          </a:r>
-          <a:endParaRPr lang="de-DE" sz="2500" kern="1200" dirty="0"/>
-        </a:p>
-      </dsp:txBody>
-      <dsp:txXfrm>
-        <a:off x="4198783" y="2150315"/>
-        <a:ext cx="2288538" cy="1525691"/>
-      </dsp:txXfrm>
-    </dsp:sp>
-    <dsp:sp modelId="{1759F37C-CE72-40A5-B310-ECFA8240AA69}">
-      <dsp:nvSpPr>
-        <dsp:cNvPr id="0" name=""/>
-        <dsp:cNvSpPr/>
-      </dsp:nvSpPr>
-      <dsp:spPr>
-        <a:xfrm>
-          <a:off x="6868744" y="2150315"/>
-          <a:ext cx="3814229" cy="1525691"/>
-        </a:xfrm>
-        <a:prstGeom prst="chevron">
-          <a:avLst/>
-        </a:prstGeom>
-        <a:solidFill>
-          <a:schemeClr val="accent3">
-            <a:hueOff val="0"/>
-            <a:satOff val="0"/>
-            <a:lumOff val="0"/>
-            <a:alphaOff val="0"/>
-          </a:schemeClr>
-        </a:solidFill>
-        <a:ln w="12700" cap="flat" cmpd="sng" algn="ctr">
-          <a:solidFill>
-            <a:schemeClr val="lt1">
-              <a:hueOff val="0"/>
-              <a:satOff val="0"/>
-              <a:lumOff val="0"/>
-              <a:alphaOff val="0"/>
-            </a:schemeClr>
-          </a:solidFill>
-          <a:prstDash val="solid"/>
-          <a:miter lim="800000"/>
-        </a:ln>
-        <a:effectLst/>
-      </dsp:spPr>
-      <dsp:style>
-        <a:lnRef idx="2">
-          <a:scrgbClr r="0" g="0" b="0"/>
-        </a:lnRef>
-        <a:fillRef idx="1">
-          <a:scrgbClr r="0" g="0" b="0"/>
-        </a:fillRef>
-        <a:effectRef idx="0">
-          <a:scrgbClr r="0" g="0" b="0"/>
-        </a:effectRef>
-        <a:fontRef idx="minor">
-          <a:schemeClr val="lt1"/>
-        </a:fontRef>
-      </dsp:style>
-      <dsp:txBody>
-        <a:bodyPr spcFirstLastPara="0" vert="horz" wrap="square" lIns="100013" tIns="33338" rIns="33338" bIns="33338" numCol="1" spcCol="1270" anchor="ctr" anchorCtr="0">
-          <a:noAutofit/>
-        </a:bodyPr>
-        <a:lstStyle/>
-        <a:p>
-          <a:pPr lvl="0" algn="ctr" defTabSz="1111250">
-            <a:lnSpc>
-              <a:spcPct val="90000"/>
-            </a:lnSpc>
-            <a:spcBef>
-              <a:spcPct val="0"/>
-            </a:spcBef>
-            <a:spcAft>
-              <a:spcPct val="35000"/>
-            </a:spcAft>
-          </a:pPr>
-          <a:r>
-            <a:rPr lang="de-DE" sz="2500" kern="1200" dirty="0" smtClean="0"/>
-            <a:t>Lernregel</a:t>
-          </a:r>
-          <a:endParaRPr lang="de-DE" sz="2500" kern="1200" dirty="0"/>
-        </a:p>
-      </dsp:txBody>
-      <dsp:txXfrm>
-        <a:off x="7631590" y="2150315"/>
-        <a:ext cx="2288538" cy="1525691"/>
-      </dsp:txXfrm>
-    </dsp:sp>
   </dsp:spTree>
 </dsp:drawing>
 </file>
@@ -13243,7 +13009,6 @@
               <a:rPr lang="de-DE" dirty="0"/>
               <a:t>9</a:t>
             </a:r>
-            <a:endParaRPr lang="de-DE" dirty="0"/>
           </a:p>
         </p:txBody>
       </p:sp>
@@ -25619,21 +25384,17 @@
               <a:buChar char="§"/>
             </a:pPr>
             <a:r>
-              <a:rPr lang="de-DE" sz="2400" dirty="0" smtClean="0">
-                <a:latin typeface="Arial"/>
-              </a:rPr>
+              <a:rPr lang="de-DE" sz="2800" dirty="0" smtClean="0"/>
               <a:t>Vorteile</a:t>
             </a:r>
             <a:r>
-              <a:rPr lang="de-DE" sz="2400" dirty="0">
-                <a:latin typeface="Arial"/>
-              </a:rPr>
+              <a:rPr lang="de-DE" sz="2800" dirty="0"/>
               <a:t>:</a:t>
             </a:r>
-            <a:endParaRPr sz="2400" dirty="0"/>
-          </a:p>
-          <a:p>
-            <a:pPr marL="457200" indent="-457200">
+            <a:endParaRPr sz="2800" dirty="0"/>
+          </a:p>
+          <a:p>
+            <a:pPr marL="914400" lvl="1" indent="-457200">
               <a:buSzPct val="100000"/>
               <a:buFont typeface="Wingdings" panose="05000000000000000000" pitchFamily="2" charset="2"/>
               <a:buChar char="§"/>
@@ -25647,7 +25408,7 @@
             <a:endParaRPr sz="2400" dirty="0"/>
           </a:p>
           <a:p>
-            <a:pPr marL="457200" indent="-457200">
+            <a:pPr marL="914400" lvl="1" indent="-457200">
               <a:buSzPct val="100000"/>
               <a:buFont typeface="Wingdings" panose="05000000000000000000" pitchFamily="2" charset="2"/>
               <a:buChar char="§"/>
@@ -25661,7 +25422,7 @@
             <a:endParaRPr sz="2400" dirty="0"/>
           </a:p>
           <a:p>
-            <a:pPr marL="457200" indent="-457200">
+            <a:pPr marL="914400" lvl="1" indent="-457200">
               <a:buSzPct val="100000"/>
               <a:buFont typeface="Wingdings" panose="05000000000000000000" pitchFamily="2" charset="2"/>
               <a:buChar char="§"/>
@@ -25856,11 +25617,6 @@
               </a:rPr>
               <a:t>Schötteler &amp; Benedikt Hofrichter</a:t>
             </a:r>
-            <a:endParaRPr lang="de-DE" sz="1400" dirty="0">
-              <a:solidFill>
-                <a:srgbClr val="034DA2"/>
-              </a:solidFill>
-            </a:endParaRPr>
           </a:p>
         </p:txBody>
       </p:sp>
@@ -26119,11 +25875,6 @@
               </a:rPr>
               <a:t>23.12.2015</a:t>
             </a:r>
-            <a:endParaRPr lang="de-DE" sz="1400" dirty="0">
-              <a:solidFill>
-                <a:srgbClr val="034DA2"/>
-              </a:solidFill>
-            </a:endParaRPr>
           </a:p>
         </p:txBody>
       </p:sp>
@@ -27204,38 +26955,42 @@
               <a:buChar char="§"/>
             </a:pPr>
             <a:r>
+              <a:rPr lang="de-DE" sz="2400" dirty="0" smtClean="0"/>
+              <a:t>Elementare </a:t>
+            </a:r>
+            <a:r>
               <a:rPr lang="de-DE" sz="2400" dirty="0"/>
-              <a:t>Elementarer Bestandteile</a:t>
+              <a:t>Bestandteile</a:t>
             </a:r>
             <a:endParaRPr sz="2400" dirty="0"/>
           </a:p>
           <a:p>
-            <a:pPr marL="914400" lvl="3" indent="-457200">
+            <a:pPr marL="1371600" lvl="4" indent="-457200">
               <a:buSzPct val="100000"/>
               <a:buFont typeface="Wingdings" panose="05000000000000000000" pitchFamily="2" charset="2"/>
               <a:buChar char="§"/>
             </a:pPr>
             <a:r>
-              <a:rPr lang="de-DE" sz="2400" dirty="0" smtClean="0"/>
+              <a:rPr lang="de-DE" sz="2000" dirty="0" smtClean="0"/>
               <a:t>Abhängigkeitsinjizierung </a:t>
             </a:r>
             <a:r>
-              <a:rPr lang="de-DE" sz="2400" dirty="0"/>
+              <a:rPr lang="de-DE" sz="2000" dirty="0"/>
               <a:t>(Dependency Injection)</a:t>
             </a:r>
-            <a:endParaRPr sz="2400" dirty="0"/>
-          </a:p>
-          <a:p>
-            <a:pPr marL="914400" lvl="3" indent="-457200">
+            <a:endParaRPr sz="2000" dirty="0"/>
+          </a:p>
+          <a:p>
+            <a:pPr marL="1371600" lvl="4" indent="-457200">
               <a:buSzPct val="100000"/>
               <a:buFont typeface="Wingdings" panose="05000000000000000000" pitchFamily="2" charset="2"/>
               <a:buChar char="§"/>
             </a:pPr>
             <a:r>
-              <a:rPr lang="de-DE" sz="2400" dirty="0"/>
+              <a:rPr lang="de-DE" sz="2000" dirty="0"/>
               <a:t>Annotationen</a:t>
             </a:r>
-            <a:endParaRPr sz="2400" dirty="0"/>
+            <a:endParaRPr sz="2000" dirty="0"/>
           </a:p>
         </p:txBody>
       </p:sp>
@@ -45920,7 +45675,6 @@
               <a:rPr lang="de-DE" dirty="0"/>
               <a:t>6</a:t>
             </a:r>
-            <a:endParaRPr lang="de-DE" dirty="0"/>
           </a:p>
         </p:txBody>
       </p:sp>
@@ -47665,7 +47419,6 @@
               <a:rPr lang="de-DE" dirty="0"/>
               <a:t>7</a:t>
             </a:r>
-            <a:endParaRPr lang="de-DE" dirty="0"/>
           </a:p>
         </p:txBody>
       </p:sp>
@@ -47968,7 +47721,6 @@
               <a:rPr lang="de-DE" dirty="0"/>
               <a:t>8</a:t>
             </a:r>
-            <a:endParaRPr lang="de-DE" dirty="0"/>
           </a:p>
         </p:txBody>
       </p:sp>

--- a/3b_Vortrag/Präsentation.pptx
+++ b/3b_Vortrag/Präsentation.pptx
@@ -27266,8 +27266,17 @@
             </a:pPr>
             <a:r>
               <a:rPr lang="de-DE" sz="2400" dirty="0"/>
-              <a:t>Ziel: Abhängigkeitsminimierung zwischen Java-Klassen</a:t>
-            </a:r>
+              <a:t>Ziel: Abhängigkeitsminimierung zwischen </a:t>
+            </a:r>
+            <a:r>
+              <a:rPr lang="de-DE" sz="2400" dirty="0" smtClean="0"/>
+              <a:t>Java-Klassen</a:t>
+            </a:r>
+          </a:p>
+          <a:p>
+            <a:pPr lvl="1">
+              <a:buSzPct val="100000"/>
+            </a:pPr>
             <a:endParaRPr sz="2400" dirty="0"/>
           </a:p>
           <a:p>
@@ -27295,40 +27304,40 @@
             <a:endParaRPr sz="2400" dirty="0"/>
           </a:p>
           <a:p>
-            <a:pPr lvl="2" indent="-457200">
+            <a:pPr lvl="3" indent="-457200">
               <a:buSzPct val="100000"/>
               <a:buFont typeface="Wingdings" panose="05000000000000000000" pitchFamily="2" charset="2"/>
               <a:buChar char="§"/>
             </a:pPr>
             <a:r>
-              <a:rPr lang="de-DE" sz="2400" dirty="0"/>
+              <a:rPr lang="de-DE" sz="2000" dirty="0"/>
               <a:t>Inversion-of-Control (Spring IoC-Container)</a:t>
             </a:r>
-            <a:endParaRPr sz="2400" dirty="0"/>
-          </a:p>
-          <a:p>
-            <a:pPr lvl="2" indent="-457200">
+            <a:endParaRPr sz="2000" dirty="0"/>
+          </a:p>
+          <a:p>
+            <a:pPr lvl="3" indent="-457200">
               <a:buSzPct val="100000"/>
               <a:buFont typeface="Wingdings" panose="05000000000000000000" pitchFamily="2" charset="2"/>
               <a:buChar char="§"/>
             </a:pPr>
             <a:r>
-              <a:rPr lang="de-DE" sz="2400" dirty="0" smtClean="0"/>
+              <a:rPr lang="de-DE" sz="2000" dirty="0" smtClean="0"/>
               <a:t>Konstruktor Injektion</a:t>
             </a:r>
-            <a:endParaRPr sz="2400" dirty="0"/>
-          </a:p>
-          <a:p>
-            <a:pPr lvl="2" indent="-457200">
+            <a:endParaRPr sz="2000" dirty="0"/>
+          </a:p>
+          <a:p>
+            <a:pPr lvl="3" indent="-457200">
               <a:buSzPct val="100000"/>
               <a:buFont typeface="Wingdings" panose="05000000000000000000" pitchFamily="2" charset="2"/>
               <a:buChar char="§"/>
             </a:pPr>
             <a:r>
-              <a:rPr lang="de-DE" sz="2400" dirty="0" smtClean="0"/>
+              <a:rPr lang="de-DE" sz="2000" dirty="0" smtClean="0"/>
               <a:t>Setter Injektion</a:t>
             </a:r>
-            <a:endParaRPr sz="2400" dirty="0"/>
+            <a:endParaRPr sz="2000" dirty="0"/>
           </a:p>
         </p:txBody>
       </p:sp>
@@ -30809,14 +30818,14 @@
             <a:pPr lvl="1"/>
             <a:r>
               <a:rPr lang="de-DE" dirty="0" smtClean="0"/>
-              <a:t>Trainingsdatensatz: 600 Daten</a:t>
+              <a:t>Trainingsdatensatz: 450  Daten</a:t>
             </a:r>
           </a:p>
           <a:p>
             <a:pPr lvl="1"/>
             <a:r>
               <a:rPr lang="de-DE" dirty="0" smtClean="0"/>
-              <a:t>Testdatensatz: 200 Daten</a:t>
+              <a:t>Testdatensatz: 150 Daten</a:t>
             </a:r>
           </a:p>
           <a:p>

--- a/3b_Vortrag/Präsentation.pptx
+++ b/3b_Vortrag/Präsentation.pptx
@@ -44557,7 +44557,15 @@
           <a:p>
             <a:r>
               <a:rPr lang="de-DE" dirty="0" smtClean="0"/>
-              <a:t>Fukushima 2011 (Nikkei)</a:t>
+              <a:t>Fukushima 2011 </a:t>
+            </a:r>
+            <a:r>
+              <a:rPr lang="de-DE" dirty="0" smtClean="0"/>
+              <a:t>(nur Nikkei</a:t>
+            </a:r>
+            <a:r>
+              <a:rPr lang="de-DE" dirty="0" smtClean="0"/>
+              <a:t>)</a:t>
             </a:r>
           </a:p>
           <a:p>
@@ -44677,7 +44685,7 @@
 </file>
 
 <file path=ppt/slides/slide66.xml><?xml version="1.0" encoding="utf-8"?>
-<p:sld xmlns:a="http://schemas.openxmlformats.org/drawingml/2006/main" xmlns:r="http://schemas.openxmlformats.org/officeDocument/2006/relationships" xmlns:p="http://schemas.openxmlformats.org/presentationml/2006/main">
+<p:sld xmlns:a="http://schemas.openxmlformats.org/drawingml/2006/main" xmlns:r="http://schemas.openxmlformats.org/officeDocument/2006/relationships" xmlns:p="http://schemas.openxmlformats.org/presentationml/2006/main" show="0">
   <p:cSld>
     <p:spTree>
       <p:nvGrpSpPr>
@@ -44854,6 +44862,14 @@
   <p:clrMapOvr>
     <a:masterClrMapping/>
   </p:clrMapOvr>
+  <mc:AlternateContent xmlns:mc="http://schemas.openxmlformats.org/markup-compatibility/2006">
+    <mc:Choice xmlns:p14="http://schemas.microsoft.com/office/powerpoint/2010/main" Requires="p14">
+      <p:transition spd="slow" p14:dur="2000"/>
+    </mc:Choice>
+    <mc:Fallback>
+      <p:transition spd="slow"/>
+    </mc:Fallback>
+  </mc:AlternateContent>
   <p:timing>
     <p:tnLst>
       <p:par>
@@ -44865,7 +44881,7 @@
 </file>
 
 <file path=ppt/slides/slide67.xml><?xml version="1.0" encoding="utf-8"?>
-<p:sld xmlns:a="http://schemas.openxmlformats.org/drawingml/2006/main" xmlns:r="http://schemas.openxmlformats.org/officeDocument/2006/relationships" xmlns:p="http://schemas.openxmlformats.org/presentationml/2006/main">
+<p:sld xmlns:a="http://schemas.openxmlformats.org/drawingml/2006/main" xmlns:r="http://schemas.openxmlformats.org/officeDocument/2006/relationships" xmlns:p="http://schemas.openxmlformats.org/presentationml/2006/main" show="0">
   <p:cSld>
     <p:spTree>
       <p:nvGrpSpPr>
@@ -45042,6 +45058,14 @@
   <p:clrMapOvr>
     <a:masterClrMapping/>
   </p:clrMapOvr>
+  <mc:AlternateContent xmlns:mc="http://schemas.openxmlformats.org/markup-compatibility/2006">
+    <mc:Choice xmlns:p14="http://schemas.microsoft.com/office/powerpoint/2010/main" Requires="p14">
+      <p:transition spd="slow" p14:dur="2000"/>
+    </mc:Choice>
+    <mc:Fallback>
+      <p:transition spd="slow"/>
+    </mc:Fallback>
+  </mc:AlternateContent>
   <p:timing>
     <p:tnLst>
       <p:par>
@@ -45053,7 +45077,7 @@
 </file>
 
 <file path=ppt/slides/slide68.xml><?xml version="1.0" encoding="utf-8"?>
-<p:sld xmlns:a="http://schemas.openxmlformats.org/drawingml/2006/main" xmlns:r="http://schemas.openxmlformats.org/officeDocument/2006/relationships" xmlns:p="http://schemas.openxmlformats.org/presentationml/2006/main">
+<p:sld xmlns:a="http://schemas.openxmlformats.org/drawingml/2006/main" xmlns:r="http://schemas.openxmlformats.org/officeDocument/2006/relationships" xmlns:p="http://schemas.openxmlformats.org/presentationml/2006/main" show="0">
   <p:cSld>
     <p:spTree>
       <p:nvGrpSpPr>
@@ -45230,6 +45254,14 @@
   <p:clrMapOvr>
     <a:masterClrMapping/>
   </p:clrMapOvr>
+  <mc:AlternateContent xmlns:mc="http://schemas.openxmlformats.org/markup-compatibility/2006">
+    <mc:Choice xmlns:p14="http://schemas.microsoft.com/office/powerpoint/2010/main" Requires="p14">
+      <p:transition spd="slow" p14:dur="2000"/>
+    </mc:Choice>
+    <mc:Fallback>
+      <p:transition spd="slow"/>
+    </mc:Fallback>
+  </mc:AlternateContent>
   <p:timing>
     <p:tnLst>
       <p:par>
@@ -45241,7 +45273,7 @@
 </file>
 
 <file path=ppt/slides/slide69.xml><?xml version="1.0" encoding="utf-8"?>
-<p:sld xmlns:a="http://schemas.openxmlformats.org/drawingml/2006/main" xmlns:r="http://schemas.openxmlformats.org/officeDocument/2006/relationships" xmlns:p="http://schemas.openxmlformats.org/presentationml/2006/main">
+<p:sld xmlns:a="http://schemas.openxmlformats.org/drawingml/2006/main" xmlns:r="http://schemas.openxmlformats.org/officeDocument/2006/relationships" xmlns:p="http://schemas.openxmlformats.org/presentationml/2006/main" show="0">
   <p:cSld>
     <p:spTree>
       <p:nvGrpSpPr>
@@ -45429,6 +45461,14 @@
   <p:clrMapOvr>
     <a:masterClrMapping/>
   </p:clrMapOvr>
+  <mc:AlternateContent xmlns:mc="http://schemas.openxmlformats.org/markup-compatibility/2006">
+    <mc:Choice xmlns:p14="http://schemas.microsoft.com/office/powerpoint/2010/main" Requires="p14">
+      <p:transition spd="slow" p14:dur="2000"/>
+    </mc:Choice>
+    <mc:Fallback>
+      <p:transition spd="slow"/>
+    </mc:Fallback>
+  </mc:AlternateContent>
   <p:timing>
     <p:tnLst>
       <p:par>
@@ -45756,7 +45796,7 @@
 </file>
 
 <file path=ppt/slides/slide70.xml><?xml version="1.0" encoding="utf-8"?>
-<p:sld xmlns:a="http://schemas.openxmlformats.org/drawingml/2006/main" xmlns:r="http://schemas.openxmlformats.org/officeDocument/2006/relationships" xmlns:p="http://schemas.openxmlformats.org/presentationml/2006/main">
+<p:sld xmlns:a="http://schemas.openxmlformats.org/drawingml/2006/main" xmlns:r="http://schemas.openxmlformats.org/officeDocument/2006/relationships" xmlns:p="http://schemas.openxmlformats.org/presentationml/2006/main" show="0">
   <p:cSld>
     <p:spTree>
       <p:nvGrpSpPr>
@@ -45933,6 +45973,14 @@
   <p:clrMapOvr>
     <a:masterClrMapping/>
   </p:clrMapOvr>
+  <mc:AlternateContent xmlns:mc="http://schemas.openxmlformats.org/markup-compatibility/2006">
+    <mc:Choice xmlns:p14="http://schemas.microsoft.com/office/powerpoint/2010/main" Requires="p14">
+      <p:transition spd="slow" p14:dur="2000"/>
+    </mc:Choice>
+    <mc:Fallback>
+      <p:transition spd="slow"/>
+    </mc:Fallback>
+  </mc:AlternateContent>
   <p:timing>
     <p:tnLst>
       <p:par>
@@ -45944,7 +45992,7 @@
 </file>
 
 <file path=ppt/slides/slide71.xml><?xml version="1.0" encoding="utf-8"?>
-<p:sld xmlns:a="http://schemas.openxmlformats.org/drawingml/2006/main" xmlns:r="http://schemas.openxmlformats.org/officeDocument/2006/relationships" xmlns:p="http://schemas.openxmlformats.org/presentationml/2006/main">
+<p:sld xmlns:a="http://schemas.openxmlformats.org/drawingml/2006/main" xmlns:r="http://schemas.openxmlformats.org/officeDocument/2006/relationships" xmlns:p="http://schemas.openxmlformats.org/presentationml/2006/main" show="0">
   <p:cSld>
     <p:spTree>
       <p:nvGrpSpPr>
@@ -46121,6 +46169,14 @@
   <p:clrMapOvr>
     <a:masterClrMapping/>
   </p:clrMapOvr>
+  <mc:AlternateContent xmlns:mc="http://schemas.openxmlformats.org/markup-compatibility/2006">
+    <mc:Choice xmlns:p14="http://schemas.microsoft.com/office/powerpoint/2010/main" Requires="p14">
+      <p:transition spd="slow" p14:dur="2000"/>
+    </mc:Choice>
+    <mc:Fallback>
+      <p:transition spd="slow"/>
+    </mc:Fallback>
+  </mc:AlternateContent>
   <p:timing>
     <p:tnLst>
       <p:par>
@@ -46132,7 +46188,7 @@
 </file>
 
 <file path=ppt/slides/slide72.xml><?xml version="1.0" encoding="utf-8"?>
-<p:sld xmlns:a="http://schemas.openxmlformats.org/drawingml/2006/main" xmlns:r="http://schemas.openxmlformats.org/officeDocument/2006/relationships" xmlns:p="http://schemas.openxmlformats.org/presentationml/2006/main">
+<p:sld xmlns:a="http://schemas.openxmlformats.org/drawingml/2006/main" xmlns:r="http://schemas.openxmlformats.org/officeDocument/2006/relationships" xmlns:p="http://schemas.openxmlformats.org/presentationml/2006/main" show="0">
   <p:cSld>
     <p:spTree>
       <p:nvGrpSpPr>
@@ -46309,6 +46365,14 @@
   <p:clrMapOvr>
     <a:masterClrMapping/>
   </p:clrMapOvr>
+  <mc:AlternateContent xmlns:mc="http://schemas.openxmlformats.org/markup-compatibility/2006">
+    <mc:Choice xmlns:p14="http://schemas.microsoft.com/office/powerpoint/2010/main" Requires="p14">
+      <p:transition spd="slow" p14:dur="2000"/>
+    </mc:Choice>
+    <mc:Fallback>
+      <p:transition spd="slow"/>
+    </mc:Fallback>
+  </mc:AlternateContent>
   <p:timing>
     <p:tnLst>
       <p:par>

--- a/3b_Vortrag/Präsentation.pptx
+++ b/3b_Vortrag/Präsentation.pptx
@@ -1168,6 +1168,240 @@
       <dsp:cNvGrpSpPr/>
     </dsp:nvGrpSpPr>
     <dsp:grpSpPr/>
+    <dsp:sp modelId="{53E4825B-3D66-406A-9713-5BB390890124}">
+      <dsp:nvSpPr>
+        <dsp:cNvPr id="0" name=""/>
+        <dsp:cNvSpPr/>
+      </dsp:nvSpPr>
+      <dsp:spPr>
+        <a:xfrm>
+          <a:off x="3" y="2160766"/>
+          <a:ext cx="3814229" cy="1525691"/>
+        </a:xfrm>
+        <a:prstGeom prst="chevron">
+          <a:avLst/>
+        </a:prstGeom>
+        <a:solidFill>
+          <a:schemeClr val="accent3">
+            <a:hueOff val="0"/>
+            <a:satOff val="0"/>
+            <a:lumOff val="0"/>
+            <a:alphaOff val="0"/>
+          </a:schemeClr>
+        </a:solidFill>
+        <a:ln w="12700" cap="flat" cmpd="sng" algn="ctr">
+          <a:solidFill>
+            <a:schemeClr val="lt1">
+              <a:hueOff val="0"/>
+              <a:satOff val="0"/>
+              <a:lumOff val="0"/>
+              <a:alphaOff val="0"/>
+            </a:schemeClr>
+          </a:solidFill>
+          <a:prstDash val="solid"/>
+          <a:miter lim="800000"/>
+        </a:ln>
+        <a:effectLst/>
+      </dsp:spPr>
+      <dsp:style>
+        <a:lnRef idx="2">
+          <a:scrgbClr r="0" g="0" b="0"/>
+        </a:lnRef>
+        <a:fillRef idx="1">
+          <a:scrgbClr r="0" g="0" b="0"/>
+        </a:fillRef>
+        <a:effectRef idx="0">
+          <a:scrgbClr r="0" g="0" b="0"/>
+        </a:effectRef>
+        <a:fontRef idx="minor">
+          <a:schemeClr val="lt1"/>
+        </a:fontRef>
+      </dsp:style>
+      <dsp:txBody>
+        <a:bodyPr spcFirstLastPara="0" vert="horz" wrap="square" lIns="100013" tIns="33338" rIns="33338" bIns="33338" numCol="1" spcCol="1270" anchor="ctr" anchorCtr="0">
+          <a:noAutofit/>
+        </a:bodyPr>
+        <a:lstStyle/>
+        <a:p>
+          <a:pPr lvl="0" algn="ctr" defTabSz="1111250">
+            <a:lnSpc>
+              <a:spcPct val="90000"/>
+            </a:lnSpc>
+            <a:spcBef>
+              <a:spcPct val="0"/>
+            </a:spcBef>
+            <a:spcAft>
+              <a:spcPct val="35000"/>
+            </a:spcAft>
+          </a:pPr>
+          <a:r>
+            <a:rPr lang="de-DE" sz="2500" kern="1200" dirty="0" smtClean="0"/>
+            <a:t>Topologie</a:t>
+          </a:r>
+          <a:endParaRPr lang="de-DE" sz="2500" kern="1200" dirty="0"/>
+        </a:p>
+      </dsp:txBody>
+      <dsp:txXfrm>
+        <a:off x="762849" y="2160766"/>
+        <a:ext cx="2288538" cy="1525691"/>
+      </dsp:txXfrm>
+    </dsp:sp>
+    <dsp:sp modelId="{6D6BD3B1-FDF8-44BB-99F4-33A9A894F98B}">
+      <dsp:nvSpPr>
+        <dsp:cNvPr id="0" name=""/>
+        <dsp:cNvSpPr/>
+      </dsp:nvSpPr>
+      <dsp:spPr>
+        <a:xfrm>
+          <a:off x="3435937" y="2150315"/>
+          <a:ext cx="3814229" cy="1525691"/>
+        </a:xfrm>
+        <a:prstGeom prst="chevron">
+          <a:avLst/>
+        </a:prstGeom>
+        <a:solidFill>
+          <a:schemeClr val="accent3">
+            <a:hueOff val="0"/>
+            <a:satOff val="0"/>
+            <a:lumOff val="0"/>
+            <a:alphaOff val="0"/>
+          </a:schemeClr>
+        </a:solidFill>
+        <a:ln w="12700" cap="flat" cmpd="sng" algn="ctr">
+          <a:solidFill>
+            <a:schemeClr val="lt1">
+              <a:hueOff val="0"/>
+              <a:satOff val="0"/>
+              <a:lumOff val="0"/>
+              <a:alphaOff val="0"/>
+            </a:schemeClr>
+          </a:solidFill>
+          <a:prstDash val="solid"/>
+          <a:miter lim="800000"/>
+        </a:ln>
+        <a:effectLst/>
+      </dsp:spPr>
+      <dsp:style>
+        <a:lnRef idx="2">
+          <a:scrgbClr r="0" g="0" b="0"/>
+        </a:lnRef>
+        <a:fillRef idx="1">
+          <a:scrgbClr r="0" g="0" b="0"/>
+        </a:fillRef>
+        <a:effectRef idx="0">
+          <a:scrgbClr r="0" g="0" b="0"/>
+        </a:effectRef>
+        <a:fontRef idx="minor">
+          <a:schemeClr val="lt1"/>
+        </a:fontRef>
+      </dsp:style>
+      <dsp:txBody>
+        <a:bodyPr spcFirstLastPara="0" vert="horz" wrap="square" lIns="100013" tIns="33338" rIns="33338" bIns="33338" numCol="1" spcCol="1270" anchor="ctr" anchorCtr="0">
+          <a:noAutofit/>
+        </a:bodyPr>
+        <a:lstStyle/>
+        <a:p>
+          <a:pPr lvl="0" algn="ctr" defTabSz="1111250">
+            <a:lnSpc>
+              <a:spcPct val="90000"/>
+            </a:lnSpc>
+            <a:spcBef>
+              <a:spcPct val="0"/>
+            </a:spcBef>
+            <a:spcAft>
+              <a:spcPct val="35000"/>
+            </a:spcAft>
+          </a:pPr>
+          <a:r>
+            <a:rPr lang="de-DE" sz="2500" kern="1200" dirty="0" smtClean="0"/>
+            <a:t>Transferfunktion</a:t>
+          </a:r>
+          <a:endParaRPr lang="de-DE" sz="2500" kern="1200" dirty="0"/>
+        </a:p>
+      </dsp:txBody>
+      <dsp:txXfrm>
+        <a:off x="4198783" y="2150315"/>
+        <a:ext cx="2288538" cy="1525691"/>
+      </dsp:txXfrm>
+    </dsp:sp>
+    <dsp:sp modelId="{1759F37C-CE72-40A5-B310-ECFA8240AA69}">
+      <dsp:nvSpPr>
+        <dsp:cNvPr id="0" name=""/>
+        <dsp:cNvSpPr/>
+      </dsp:nvSpPr>
+      <dsp:spPr>
+        <a:xfrm>
+          <a:off x="6868744" y="2150315"/>
+          <a:ext cx="3814229" cy="1525691"/>
+        </a:xfrm>
+        <a:prstGeom prst="chevron">
+          <a:avLst/>
+        </a:prstGeom>
+        <a:solidFill>
+          <a:schemeClr val="accent3">
+            <a:hueOff val="0"/>
+            <a:satOff val="0"/>
+            <a:lumOff val="0"/>
+            <a:alphaOff val="0"/>
+          </a:schemeClr>
+        </a:solidFill>
+        <a:ln w="12700" cap="flat" cmpd="sng" algn="ctr">
+          <a:solidFill>
+            <a:schemeClr val="lt1">
+              <a:hueOff val="0"/>
+              <a:satOff val="0"/>
+              <a:lumOff val="0"/>
+              <a:alphaOff val="0"/>
+            </a:schemeClr>
+          </a:solidFill>
+          <a:prstDash val="solid"/>
+          <a:miter lim="800000"/>
+        </a:ln>
+        <a:effectLst/>
+      </dsp:spPr>
+      <dsp:style>
+        <a:lnRef idx="2">
+          <a:scrgbClr r="0" g="0" b="0"/>
+        </a:lnRef>
+        <a:fillRef idx="1">
+          <a:scrgbClr r="0" g="0" b="0"/>
+        </a:fillRef>
+        <a:effectRef idx="0">
+          <a:scrgbClr r="0" g="0" b="0"/>
+        </a:effectRef>
+        <a:fontRef idx="minor">
+          <a:schemeClr val="lt1"/>
+        </a:fontRef>
+      </dsp:style>
+      <dsp:txBody>
+        <a:bodyPr spcFirstLastPara="0" vert="horz" wrap="square" lIns="100013" tIns="33338" rIns="33338" bIns="33338" numCol="1" spcCol="1270" anchor="ctr" anchorCtr="0">
+          <a:noAutofit/>
+        </a:bodyPr>
+        <a:lstStyle/>
+        <a:p>
+          <a:pPr lvl="0" algn="ctr" defTabSz="1111250">
+            <a:lnSpc>
+              <a:spcPct val="90000"/>
+            </a:lnSpc>
+            <a:spcBef>
+              <a:spcPct val="0"/>
+            </a:spcBef>
+            <a:spcAft>
+              <a:spcPct val="35000"/>
+            </a:spcAft>
+          </a:pPr>
+          <a:r>
+            <a:rPr lang="de-DE" sz="2500" kern="1200" dirty="0" smtClean="0"/>
+            <a:t>Lernregel</a:t>
+          </a:r>
+          <a:endParaRPr lang="de-DE" sz="2500" kern="1200" dirty="0"/>
+        </a:p>
+      </dsp:txBody>
+      <dsp:txXfrm>
+        <a:off x="7631590" y="2150315"/>
+        <a:ext cx="2288538" cy="1525691"/>
+      </dsp:txXfrm>
+    </dsp:sp>
   </dsp:spTree>
 </dsp:drawing>
 </file>
@@ -16558,8 +16792,8 @@
           </a:p>
         </p:txBody>
       </p:sp>
-      <mc:AlternateContent xmlns:mc="http://schemas.openxmlformats.org/markup-compatibility/2006" xmlns:a14="http://schemas.microsoft.com/office/drawing/2010/main">
-        <mc:Choice Requires="a14">
+      <mc:AlternateContent xmlns:mc="http://schemas.openxmlformats.org/markup-compatibility/2006">
+        <mc:Choice xmlns:a14="http://schemas.microsoft.com/office/drawing/2010/main" Requires="a14">
           <p:sp>
             <p:nvSpPr>
               <p:cNvPr id="3" name="Inhaltsplatzhalter 2"/>
@@ -16687,7 +16921,15 @@
                 </a14:m>
                 <a:r>
                   <a:rPr lang="de-DE" dirty="0" smtClean="0"/>
-                  <a:t>-dimensionalen euklidischen Raum. Diese sind genau dann linear sepairerbar, wenn </a:t>
+                  <a:t>-dimensionalen euklidischen Raum. Diese sind genau dann linear </a:t>
+                </a:r>
+                <a:r>
+                  <a:rPr lang="de-DE" dirty="0" smtClean="0"/>
+                  <a:t>separierbar</a:t>
+                </a:r>
+                <a:r>
+                  <a:rPr lang="de-DE" dirty="0" smtClean="0"/>
+                  <a:t>, wenn </a:t>
                 </a:r>
                 <a14:m>
                   <m:oMath xmlns:m="http://schemas.openxmlformats.org/officeDocument/2006/math">
@@ -17142,7 +17384,7 @@
             </p:txBody>
           </p:sp>
         </mc:Choice>
-        <mc:Fallback xmlns="">
+        <mc:Fallback>
           <p:sp>
             <p:nvSpPr>
               <p:cNvPr id="3" name="Inhaltsplatzhalter 2"/>
@@ -37748,8 +37990,8 @@
           </a:p>
         </p:txBody>
       </p:sp>
-      <mc:AlternateContent xmlns:mc="http://schemas.openxmlformats.org/markup-compatibility/2006" xmlns:a14="http://schemas.microsoft.com/office/drawing/2010/main">
-        <mc:Choice Requires="a14">
+      <mc:AlternateContent xmlns:mc="http://schemas.openxmlformats.org/markup-compatibility/2006">
+        <mc:Choice xmlns:a14="http://schemas.microsoft.com/office/drawing/2010/main" Requires="a14">
           <p:graphicFrame>
             <p:nvGraphicFramePr>
               <p:cNvPr id="11" name="Tabelle 10"/>
@@ -37759,7 +38001,7 @@
               <p:nvPr>
                 <p:extLst>
                   <p:ext uri="{D42A27DB-BD31-4B8C-83A1-F6EECF244321}">
-                    <p14:modId xmlns:p14="http://schemas.microsoft.com/office/powerpoint/2010/main" val="1298952253"/>
+                    <p14:modId xmlns:p14="http://schemas.microsoft.com/office/powerpoint/2010/main" val="1765797916"/>
                   </p:ext>
                 </p:extLst>
               </p:nvPr>
@@ -38067,7 +38309,11 @@
                           <a:pPr algn="ctr"/>
                           <a:r>
                             <a:rPr lang="de-DE" b="0" dirty="0" smtClean="0"/>
-                            <a:t>Resilient Backpropagation</a:t>
+                            <a:t>Resilient </a:t>
+                          </a:r>
+                          <a:r>
+                            <a:rPr lang="de-DE" b="0" dirty="0" smtClean="0"/>
+                            <a:t>Propagation</a:t>
                           </a:r>
                           <a:endParaRPr lang="de-DE" b="0" dirty="0"/>
                         </a:p>
@@ -38210,7 +38456,7 @@
             </a:graphic>
           </p:graphicFrame>
         </mc:Choice>
-        <mc:Fallback xmlns="">
+        <mc:Fallback>
           <p:graphicFrame>
             <p:nvGraphicFramePr>
               <p:cNvPr id="11" name="Tabelle 10"/>
@@ -38220,7 +38466,7 @@
               <p:nvPr>
                 <p:extLst>
                   <p:ext uri="{D42A27DB-BD31-4B8C-83A1-F6EECF244321}">
-                    <p14:modId xmlns:p14="http://schemas.microsoft.com/office/powerpoint/2010/main" val="1298952253"/>
+                    <p14:modId xmlns:p14="http://schemas.microsoft.com/office/powerpoint/2010/main" val="1765797916"/>
                   </p:ext>
                 </p:extLst>
               </p:nvPr>
@@ -38415,11 +38661,7 @@
                           <a:pPr algn="ctr"/>
                           <a:r>
                             <a:rPr lang="de-DE" b="0" dirty="0" smtClean="0"/>
-                            <a:t> </a:t>
-                          </a:r>
-                          <a:r>
-                            <a:rPr lang="de-DE" b="0" dirty="0" smtClean="0"/>
-                            <a:t>0,001608</a:t>
+                            <a:t> 0,001608</a:t>
                           </a:r>
                           <a:endParaRPr lang="de-DE" b="0" dirty="0"/>
                         </a:p>
@@ -38436,7 +38678,11 @@
                           <a:pPr algn="ctr"/>
                           <a:r>
                             <a:rPr lang="de-DE" b="0" dirty="0" smtClean="0"/>
-                            <a:t>Resilient Backpropagation</a:t>
+                            <a:t>Resilient </a:t>
+                          </a:r>
+                          <a:r>
+                            <a:rPr lang="de-DE" b="0" dirty="0" smtClean="0"/>
+                            <a:t>Propagation</a:t>
                           </a:r>
                           <a:endParaRPr lang="de-DE" b="0" dirty="0"/>
                         </a:p>
@@ -38751,8 +38997,8 @@
           </a:p>
         </p:txBody>
       </p:sp>
-      <mc:AlternateContent xmlns:mc="http://schemas.openxmlformats.org/markup-compatibility/2006" xmlns:a14="http://schemas.microsoft.com/office/drawing/2010/main">
-        <mc:Choice Requires="a14">
+      <mc:AlternateContent xmlns:mc="http://schemas.openxmlformats.org/markup-compatibility/2006">
+        <mc:Choice xmlns:a14="http://schemas.microsoft.com/office/drawing/2010/main" Requires="a14">
           <p:graphicFrame>
             <p:nvGraphicFramePr>
               <p:cNvPr id="11" name="Tabelle 10"/>
@@ -38762,7 +39008,7 @@
               <p:nvPr>
                 <p:extLst>
                   <p:ext uri="{D42A27DB-BD31-4B8C-83A1-F6EECF244321}">
-                    <p14:modId xmlns:p14="http://schemas.microsoft.com/office/powerpoint/2010/main" val="131249267"/>
+                    <p14:modId xmlns:p14="http://schemas.microsoft.com/office/powerpoint/2010/main" val="1303910599"/>
                   </p:ext>
                 </p:extLst>
               </p:nvPr>
@@ -39070,7 +39316,11 @@
                           <a:pPr algn="ctr"/>
                           <a:r>
                             <a:rPr lang="de-DE" b="0" dirty="0" smtClean="0"/>
-                            <a:t>Resilient Backpropagation</a:t>
+                            <a:t>Resilient </a:t>
+                          </a:r>
+                          <a:r>
+                            <a:rPr lang="de-DE" b="0" dirty="0" smtClean="0"/>
+                            <a:t>Propagation</a:t>
                           </a:r>
                           <a:endParaRPr lang="de-DE" b="0" dirty="0"/>
                         </a:p>
@@ -39219,7 +39469,7 @@
             </a:graphic>
           </p:graphicFrame>
         </mc:Choice>
-        <mc:Fallback xmlns="">
+        <mc:Fallback>
           <p:graphicFrame>
             <p:nvGraphicFramePr>
               <p:cNvPr id="11" name="Tabelle 10"/>
@@ -39229,7 +39479,7 @@
               <p:nvPr>
                 <p:extLst>
                   <p:ext uri="{D42A27DB-BD31-4B8C-83A1-F6EECF244321}">
-                    <p14:modId xmlns:p14="http://schemas.microsoft.com/office/powerpoint/2010/main" val="131249267"/>
+                    <p14:modId xmlns:p14="http://schemas.microsoft.com/office/powerpoint/2010/main" val="1303910599"/>
                   </p:ext>
                 </p:extLst>
               </p:nvPr>
@@ -39424,11 +39674,7 @@
                           <a:pPr algn="ctr"/>
                           <a:r>
                             <a:rPr lang="de-DE" b="0" dirty="0" smtClean="0"/>
-                            <a:t> </a:t>
-                          </a:r>
-                          <a:r>
-                            <a:rPr lang="de-DE" b="0" dirty="0" smtClean="0"/>
-                            <a:t>0,001608</a:t>
+                            <a:t> 0,001608</a:t>
                           </a:r>
                           <a:endParaRPr lang="de-DE" b="0" dirty="0"/>
                         </a:p>
@@ -39445,7 +39691,11 @@
                           <a:pPr algn="ctr"/>
                           <a:r>
                             <a:rPr lang="de-DE" b="0" dirty="0" smtClean="0"/>
-                            <a:t>Resilient Backpropagation</a:t>
+                            <a:t>Resilient </a:t>
+                          </a:r>
+                          <a:r>
+                            <a:rPr lang="de-DE" b="0" dirty="0" smtClean="0"/>
+                            <a:t>Propagation</a:t>
                           </a:r>
                           <a:endParaRPr lang="de-DE" b="0" dirty="0"/>
                         </a:p>
@@ -39607,8 +39857,8 @@
           </a:p>
         </p:txBody>
       </p:sp>
-      <mc:AlternateContent xmlns:mc="http://schemas.openxmlformats.org/markup-compatibility/2006" xmlns:a14="http://schemas.microsoft.com/office/drawing/2010/main">
-        <mc:Choice Requires="a14">
+      <mc:AlternateContent xmlns:mc="http://schemas.openxmlformats.org/markup-compatibility/2006">
+        <mc:Choice xmlns:a14="http://schemas.microsoft.com/office/drawing/2010/main" Requires="a14">
           <p:sp>
             <p:nvSpPr>
               <p:cNvPr id="3" name="Inhaltsplatzhalter 2"/>
@@ -39643,7 +39893,19 @@
                 </a14:m>
                 <a:r>
                   <a:rPr lang="de-DE" dirty="0" smtClean="0"/>
-                  <a:t>„Federndes“ Backpropagation:</a:t>
+                  <a:t>„Federndes“ </a:t>
+                </a:r>
+                <a:r>
+                  <a:rPr lang="de-DE" dirty="0"/>
+                  <a:t>P</a:t>
+                </a:r>
+                <a:r>
+                  <a:rPr lang="de-DE" dirty="0" smtClean="0"/>
+                  <a:t>ropagation</a:t>
+                </a:r>
+                <a:r>
+                  <a:rPr lang="de-DE" dirty="0" smtClean="0"/>
+                  <a:t>:</a:t>
                 </a:r>
               </a:p>
               <a:p>
@@ -40096,7 +40358,7 @@
             </p:txBody>
           </p:sp>
         </mc:Choice>
-        <mc:Fallback xmlns="">
+        <mc:Fallback>
           <p:sp>
             <p:nvSpPr>
               <p:cNvPr id="3" name="Inhaltsplatzhalter 2"/>
@@ -40265,8 +40527,8 @@
           </a:p>
         </p:txBody>
       </p:sp>
-      <mc:AlternateContent xmlns:mc="http://schemas.openxmlformats.org/markup-compatibility/2006" xmlns:a14="http://schemas.microsoft.com/office/drawing/2010/main">
-        <mc:Choice Requires="a14">
+      <mc:AlternateContent xmlns:mc="http://schemas.openxmlformats.org/markup-compatibility/2006">
+        <mc:Choice xmlns:a14="http://schemas.microsoft.com/office/drawing/2010/main" Requires="a14">
           <p:sp>
             <p:nvSpPr>
               <p:cNvPr id="3" name="Inhaltsplatzhalter 2"/>
@@ -40301,7 +40563,19 @@
                 </a14:m>
                 <a:r>
                   <a:rPr lang="de-DE" dirty="0" smtClean="0"/>
-                  <a:t>„Federndes“ Backpropagation:</a:t>
+                  <a:t>„Federndes“ </a:t>
+                </a:r>
+                <a:r>
+                  <a:rPr lang="de-DE" dirty="0" smtClean="0"/>
+                  <a:t>Pr</a:t>
+                </a:r>
+                <a:r>
+                  <a:rPr lang="de-DE" dirty="0" smtClean="0"/>
+                  <a:t>opagation</a:t>
+                </a:r>
+                <a:r>
+                  <a:rPr lang="de-DE" dirty="0" smtClean="0"/>
+                  <a:t>:</a:t>
                 </a:r>
               </a:p>
               <a:p>
@@ -41092,7 +41366,7 @@
             </p:txBody>
           </p:sp>
         </mc:Choice>
-        <mc:Fallback xmlns="">
+        <mc:Fallback>
           <p:sp>
             <p:nvSpPr>
               <p:cNvPr id="3" name="Inhaltsplatzhalter 2"/>
@@ -41444,7 +41718,19 @@
           <a:p>
             <a:r>
               <a:rPr lang="de-DE" dirty="0" smtClean="0"/>
-              <a:t>Resilient Backpropagation:</a:t>
+              <a:t>Resilient </a:t>
+            </a:r>
+            <a:r>
+              <a:rPr lang="de-DE" dirty="0"/>
+              <a:t>P</a:t>
+            </a:r>
+            <a:r>
+              <a:rPr lang="de-DE" dirty="0" smtClean="0"/>
+              <a:t>ropagation</a:t>
+            </a:r>
+            <a:r>
+              <a:rPr lang="de-DE" dirty="0" smtClean="0"/>
+              <a:t>:</a:t>
             </a:r>
           </a:p>
           <a:p>
@@ -41877,7 +42163,7 @@
           <p:nvPr>
             <p:extLst>
               <p:ext uri="{D42A27DB-BD31-4B8C-83A1-F6EECF244321}">
-                <p14:modId xmlns:p14="http://schemas.microsoft.com/office/powerpoint/2010/main" val="176957908"/>
+                <p14:modId xmlns:p14="http://schemas.microsoft.com/office/powerpoint/2010/main" val="2731683043"/>
               </p:ext>
             </p:extLst>
           </p:nvPr>
@@ -41988,7 +42274,11 @@
                       <a:pPr algn="ctr"/>
                       <a:r>
                         <a:rPr lang="de-DE" dirty="0" smtClean="0"/>
-                        <a:t>R-Backpropagation</a:t>
+                        <a:t>R-</a:t>
+                      </a:r>
+                      <a:r>
+                        <a:rPr lang="de-DE" dirty="0" err="1" smtClean="0"/>
+                        <a:t>Prop</a:t>
                       </a:r>
                       <a:endParaRPr lang="de-DE" dirty="0"/>
                     </a:p>
@@ -42973,7 +43263,7 @@
           <p:nvPr>
             <p:extLst>
               <p:ext uri="{D42A27DB-BD31-4B8C-83A1-F6EECF244321}">
-                <p14:modId xmlns:p14="http://schemas.microsoft.com/office/powerpoint/2010/main" val="4016651269"/>
+                <p14:modId xmlns:p14="http://schemas.microsoft.com/office/powerpoint/2010/main" val="133587741"/>
               </p:ext>
             </p:extLst>
           </p:nvPr>
@@ -43084,7 +43374,11 @@
                       <a:pPr algn="ctr"/>
                       <a:r>
                         <a:rPr lang="de-DE" dirty="0" smtClean="0"/>
-                        <a:t>R-Backpropagation</a:t>
+                        <a:t>R-</a:t>
+                      </a:r>
+                      <a:r>
+                        <a:rPr lang="de-DE" dirty="0" err="1" smtClean="0"/>
+                        <a:t>Prop</a:t>
                       </a:r>
                       <a:endParaRPr lang="de-DE" dirty="0"/>
                     </a:p>
@@ -43562,7 +43856,7 @@
           <p:nvPr>
             <p:extLst>
               <p:ext uri="{D42A27DB-BD31-4B8C-83A1-F6EECF244321}">
-                <p14:modId xmlns:p14="http://schemas.microsoft.com/office/powerpoint/2010/main" val="4016651269"/>
+                <p14:modId xmlns:p14="http://schemas.microsoft.com/office/powerpoint/2010/main" val="1397028919"/>
               </p:ext>
             </p:extLst>
           </p:nvPr>
@@ -43673,7 +43967,11 @@
                       <a:pPr algn="ctr"/>
                       <a:r>
                         <a:rPr lang="de-DE" dirty="0" smtClean="0"/>
-                        <a:t>R-Backpropagation</a:t>
+                        <a:t>R-</a:t>
+                      </a:r>
+                      <a:r>
+                        <a:rPr lang="de-DE" dirty="0" err="1" smtClean="0"/>
+                        <a:t>Prop</a:t>
                       </a:r>
                       <a:endParaRPr lang="de-DE" dirty="0"/>
                     </a:p>
@@ -44557,15 +44855,7 @@
           <a:p>
             <a:r>
               <a:rPr lang="de-DE" dirty="0" smtClean="0"/>
-              <a:t>Fukushima 2011 </a:t>
-            </a:r>
-            <a:r>
-              <a:rPr lang="de-DE" dirty="0" smtClean="0"/>
-              <a:t>(nur Nikkei</a:t>
-            </a:r>
-            <a:r>
-              <a:rPr lang="de-DE" dirty="0" smtClean="0"/>
-              <a:t>)</a:t>
+              <a:t>Fukushima 2011 (nur Nikkei)</a:t>
             </a:r>
           </a:p>
           <a:p>
@@ -44862,11 +45152,11 @@
   <p:clrMapOvr>
     <a:masterClrMapping/>
   </p:clrMapOvr>
-  <mc:AlternateContent xmlns:mc="http://schemas.openxmlformats.org/markup-compatibility/2006">
-    <mc:Choice xmlns:p14="http://schemas.microsoft.com/office/powerpoint/2010/main" Requires="p14">
+  <mc:AlternateContent xmlns:mc="http://schemas.openxmlformats.org/markup-compatibility/2006" xmlns:p14="http://schemas.microsoft.com/office/powerpoint/2010/main">
+    <mc:Choice Requires="p14">
       <p:transition spd="slow" p14:dur="2000"/>
     </mc:Choice>
-    <mc:Fallback>
+    <mc:Fallback xmlns="">
       <p:transition spd="slow"/>
     </mc:Fallback>
   </mc:AlternateContent>
@@ -45058,11 +45348,11 @@
   <p:clrMapOvr>
     <a:masterClrMapping/>
   </p:clrMapOvr>
-  <mc:AlternateContent xmlns:mc="http://schemas.openxmlformats.org/markup-compatibility/2006">
-    <mc:Choice xmlns:p14="http://schemas.microsoft.com/office/powerpoint/2010/main" Requires="p14">
+  <mc:AlternateContent xmlns:mc="http://schemas.openxmlformats.org/markup-compatibility/2006" xmlns:p14="http://schemas.microsoft.com/office/powerpoint/2010/main">
+    <mc:Choice Requires="p14">
       <p:transition spd="slow" p14:dur="2000"/>
     </mc:Choice>
-    <mc:Fallback>
+    <mc:Fallback xmlns="">
       <p:transition spd="slow"/>
     </mc:Fallback>
   </mc:AlternateContent>
@@ -45254,11 +45544,11 @@
   <p:clrMapOvr>
     <a:masterClrMapping/>
   </p:clrMapOvr>
-  <mc:AlternateContent xmlns:mc="http://schemas.openxmlformats.org/markup-compatibility/2006">
-    <mc:Choice xmlns:p14="http://schemas.microsoft.com/office/powerpoint/2010/main" Requires="p14">
+  <mc:AlternateContent xmlns:mc="http://schemas.openxmlformats.org/markup-compatibility/2006" xmlns:p14="http://schemas.microsoft.com/office/powerpoint/2010/main">
+    <mc:Choice Requires="p14">
       <p:transition spd="slow" p14:dur="2000"/>
     </mc:Choice>
-    <mc:Fallback>
+    <mc:Fallback xmlns="">
       <p:transition spd="slow"/>
     </mc:Fallback>
   </mc:AlternateContent>
@@ -45461,11 +45751,11 @@
   <p:clrMapOvr>
     <a:masterClrMapping/>
   </p:clrMapOvr>
-  <mc:AlternateContent xmlns:mc="http://schemas.openxmlformats.org/markup-compatibility/2006">
-    <mc:Choice xmlns:p14="http://schemas.microsoft.com/office/powerpoint/2010/main" Requires="p14">
+  <mc:AlternateContent xmlns:mc="http://schemas.openxmlformats.org/markup-compatibility/2006" xmlns:p14="http://schemas.microsoft.com/office/powerpoint/2010/main">
+    <mc:Choice Requires="p14">
       <p:transition spd="slow" p14:dur="2000"/>
     </mc:Choice>
-    <mc:Fallback>
+    <mc:Fallback xmlns="">
       <p:transition spd="slow"/>
     </mc:Fallback>
   </mc:AlternateContent>
@@ -45973,11 +46263,11 @@
   <p:clrMapOvr>
     <a:masterClrMapping/>
   </p:clrMapOvr>
-  <mc:AlternateContent xmlns:mc="http://schemas.openxmlformats.org/markup-compatibility/2006">
-    <mc:Choice xmlns:p14="http://schemas.microsoft.com/office/powerpoint/2010/main" Requires="p14">
+  <mc:AlternateContent xmlns:mc="http://schemas.openxmlformats.org/markup-compatibility/2006" xmlns:p14="http://schemas.microsoft.com/office/powerpoint/2010/main">
+    <mc:Choice Requires="p14">
       <p:transition spd="slow" p14:dur="2000"/>
     </mc:Choice>
-    <mc:Fallback>
+    <mc:Fallback xmlns="">
       <p:transition spd="slow"/>
     </mc:Fallback>
   </mc:AlternateContent>
@@ -46169,11 +46459,11 @@
   <p:clrMapOvr>
     <a:masterClrMapping/>
   </p:clrMapOvr>
-  <mc:AlternateContent xmlns:mc="http://schemas.openxmlformats.org/markup-compatibility/2006">
-    <mc:Choice xmlns:p14="http://schemas.microsoft.com/office/powerpoint/2010/main" Requires="p14">
+  <mc:AlternateContent xmlns:mc="http://schemas.openxmlformats.org/markup-compatibility/2006" xmlns:p14="http://schemas.microsoft.com/office/powerpoint/2010/main">
+    <mc:Choice Requires="p14">
       <p:transition spd="slow" p14:dur="2000"/>
     </mc:Choice>
-    <mc:Fallback>
+    <mc:Fallback xmlns="">
       <p:transition spd="slow"/>
     </mc:Fallback>
   </mc:AlternateContent>
@@ -46365,11 +46655,11 @@
   <p:clrMapOvr>
     <a:masterClrMapping/>
   </p:clrMapOvr>
-  <mc:AlternateContent xmlns:mc="http://schemas.openxmlformats.org/markup-compatibility/2006">
-    <mc:Choice xmlns:p14="http://schemas.microsoft.com/office/powerpoint/2010/main" Requires="p14">
+  <mc:AlternateContent xmlns:mc="http://schemas.openxmlformats.org/markup-compatibility/2006" xmlns:p14="http://schemas.microsoft.com/office/powerpoint/2010/main">
+    <mc:Choice Requires="p14">
       <p:transition spd="slow" p14:dur="2000"/>
     </mc:Choice>
-    <mc:Fallback>
+    <mc:Fallback xmlns="">
       <p:transition spd="slow"/>
     </mc:Fallback>
   </mc:AlternateContent>
